--- a/互動式網頁_PPT總整理/排課11_Vue_01.pptx
+++ b/互動式網頁_PPT總整理/排課11_Vue_01.pptx
@@ -33,21 +33,28 @@
     <p:sldId id="359" r:id="rId27"/>
     <p:sldId id="360" r:id="rId28"/>
     <p:sldId id="361" r:id="rId29"/>
-    <p:sldId id="333" r:id="rId30"/>
+    <p:sldId id="362" r:id="rId30"/>
+    <p:sldId id="363" r:id="rId31"/>
+    <p:sldId id="364" r:id="rId32"/>
+    <p:sldId id="365" r:id="rId33"/>
+    <p:sldId id="366" r:id="rId34"/>
+    <p:sldId id="367" r:id="rId35"/>
+    <p:sldId id="368" r:id="rId36"/>
+    <p:sldId id="333" r:id="rId37"/>
   </p:sldIdLst>
   <p:sldSz cx="18288000" cy="10287000"/>
   <p:notesSz cx="6858000" cy="9144000"/>
   <p:embeddedFontLst>
     <p:embeddedFont>
       <p:font typeface="Calibri" panose="020F0502020204030204" pitchFamily="34" charset="0"/>
-      <p:regular r:id="rId31"/>
-      <p:bold r:id="rId32"/>
-      <p:italic r:id="rId33"/>
-      <p:boldItalic r:id="rId34"/>
+      <p:regular r:id="rId38"/>
+      <p:bold r:id="rId39"/>
+      <p:italic r:id="rId40"/>
+      <p:boldItalic r:id="rId41"/>
     </p:embeddedFont>
     <p:embeddedFont>
       <p:font typeface="標楷體" panose="03000509000000000000" pitchFamily="65" charset="-120"/>
-      <p:regular r:id="rId35"/>
+      <p:regular r:id="rId42"/>
     </p:embeddedFont>
   </p:embeddedFontLst>
   <p:defaultTextStyle>
@@ -356,7 +363,7 @@
             <a:fld id="{1D8BD707-D9CF-40AE-B4C6-C98DA3205C09}" type="datetimeFigureOut">
               <a:rPr lang="en-US" smtClean="0"/>
               <a:pPr/>
-              <a:t>12/21/2024</a:t>
+              <a:t>1/22/2025</a:t>
             </a:fld>
             <a:endParaRPr lang="en-US"/>
           </a:p>
@@ -521,7 +528,7 @@
             <a:fld id="{1D8BD707-D9CF-40AE-B4C6-C98DA3205C09}" type="datetimeFigureOut">
               <a:rPr lang="en-US" smtClean="0"/>
               <a:pPr/>
-              <a:t>12/21/2024</a:t>
+              <a:t>1/22/2025</a:t>
             </a:fld>
             <a:endParaRPr lang="en-US"/>
           </a:p>
@@ -696,7 +703,7 @@
             <a:fld id="{1D8BD707-D9CF-40AE-B4C6-C98DA3205C09}" type="datetimeFigureOut">
               <a:rPr lang="en-US" smtClean="0"/>
               <a:pPr/>
-              <a:t>12/21/2024</a:t>
+              <a:t>1/22/2025</a:t>
             </a:fld>
             <a:endParaRPr lang="en-US"/>
           </a:p>
@@ -861,7 +868,7 @@
             <a:fld id="{1D8BD707-D9CF-40AE-B4C6-C98DA3205C09}" type="datetimeFigureOut">
               <a:rPr lang="en-US" smtClean="0"/>
               <a:pPr/>
-              <a:t>12/21/2024</a:t>
+              <a:t>1/22/2025</a:t>
             </a:fld>
             <a:endParaRPr lang="en-US"/>
           </a:p>
@@ -1103,7 +1110,7 @@
             <a:fld id="{1D8BD707-D9CF-40AE-B4C6-C98DA3205C09}" type="datetimeFigureOut">
               <a:rPr lang="en-US" smtClean="0"/>
               <a:pPr/>
-              <a:t>12/21/2024</a:t>
+              <a:t>1/22/2025</a:t>
             </a:fld>
             <a:endParaRPr lang="en-US"/>
           </a:p>
@@ -1385,7 +1392,7 @@
             <a:fld id="{1D8BD707-D9CF-40AE-B4C6-C98DA3205C09}" type="datetimeFigureOut">
               <a:rPr lang="en-US" smtClean="0"/>
               <a:pPr/>
-              <a:t>12/21/2024</a:t>
+              <a:t>1/22/2025</a:t>
             </a:fld>
             <a:endParaRPr lang="en-US"/>
           </a:p>
@@ -1801,7 +1808,7 @@
             <a:fld id="{1D8BD707-D9CF-40AE-B4C6-C98DA3205C09}" type="datetimeFigureOut">
               <a:rPr lang="en-US" smtClean="0"/>
               <a:pPr/>
-              <a:t>12/21/2024</a:t>
+              <a:t>1/22/2025</a:t>
             </a:fld>
             <a:endParaRPr lang="en-US"/>
           </a:p>
@@ -1915,7 +1922,7 @@
             <a:fld id="{1D8BD707-D9CF-40AE-B4C6-C98DA3205C09}" type="datetimeFigureOut">
               <a:rPr lang="en-US" smtClean="0"/>
               <a:pPr/>
-              <a:t>12/21/2024</a:t>
+              <a:t>1/22/2025</a:t>
             </a:fld>
             <a:endParaRPr lang="en-US"/>
           </a:p>
@@ -2007,7 +2014,7 @@
             <a:fld id="{1D8BD707-D9CF-40AE-B4C6-C98DA3205C09}" type="datetimeFigureOut">
               <a:rPr lang="en-US" smtClean="0"/>
               <a:pPr/>
-              <a:t>12/21/2024</a:t>
+              <a:t>1/22/2025</a:t>
             </a:fld>
             <a:endParaRPr lang="en-US"/>
           </a:p>
@@ -2279,7 +2286,7 @@
             <a:fld id="{1D8BD707-D9CF-40AE-B4C6-C98DA3205C09}" type="datetimeFigureOut">
               <a:rPr lang="en-US" smtClean="0"/>
               <a:pPr/>
-              <a:t>12/21/2024</a:t>
+              <a:t>1/22/2025</a:t>
             </a:fld>
             <a:endParaRPr lang="en-US"/>
           </a:p>
@@ -2528,7 +2535,7 @@
             <a:fld id="{1D8BD707-D9CF-40AE-B4C6-C98DA3205C09}" type="datetimeFigureOut">
               <a:rPr lang="en-US" smtClean="0"/>
               <a:pPr/>
-              <a:t>12/21/2024</a:t>
+              <a:t>1/22/2025</a:t>
             </a:fld>
             <a:endParaRPr lang="en-US"/>
           </a:p>
@@ -2736,7 +2743,7 @@
             <a:fld id="{1D8BD707-D9CF-40AE-B4C6-C98DA3205C09}" type="datetimeFigureOut">
               <a:rPr lang="en-US" smtClean="0"/>
               <a:pPr/>
-              <a:t>12/21/2024</a:t>
+              <a:t>1/22/2025</a:t>
             </a:fld>
             <a:endParaRPr lang="en-US"/>
           </a:p>
@@ -17211,7 +17218,7 @@
         <p:spPr>
           <a:xfrm>
             <a:off x="206912" y="1785472"/>
-            <a:ext cx="8141284" cy="1088055"/>
+            <a:ext cx="17852488" cy="5705408"/>
           </a:xfrm>
           <a:prstGeom prst="rect">
             <a:avLst/>
@@ -17240,7 +17247,7 @@
                 <a:cs typeface="王漢宗顏楷體"/>
                 <a:sym typeface="王漢宗顏楷體"/>
               </a:rPr>
-              <a:t>設定超連結顏色：</a:t>
+              <a:t>虛擬 </a:t>
             </a:r>
             <a:r>
               <a:rPr lang="en-US" altLang="zh-TW" sz="2600" dirty="0">
@@ -17249,16 +17256,52 @@
                 <a:cs typeface="王漢宗顏楷體"/>
                 <a:sym typeface="王漢宗顏楷體"/>
               </a:rPr>
-              <a:t>link-underline-</a:t>
-            </a:r>
-            <a:r>
-              <a:rPr lang="zh-TW" altLang="en-US" sz="2600" dirty="0">
-                <a:latin typeface="Times New Roman" panose="02020603050405020304" pitchFamily="18" charset="0"/>
-                <a:ea typeface="標楷體" panose="03000509000000000000" pitchFamily="65" charset="-120"/>
-                <a:cs typeface="王漢宗顏楷體"/>
-                <a:sym typeface="王漢宗顏楷體"/>
-              </a:rPr>
-              <a:t>顏色</a:t>
+              <a:t>DOM </a:t>
+            </a:r>
+            <a:r>
+              <a:rPr lang="zh-TW" altLang="en-US" sz="2600" dirty="0">
+                <a:latin typeface="Times New Roman" panose="02020603050405020304" pitchFamily="18" charset="0"/>
+                <a:ea typeface="標楷體" panose="03000509000000000000" pitchFamily="65" charset="-120"/>
+                <a:cs typeface="王漢宗顏楷體"/>
+                <a:sym typeface="王漢宗顏楷體"/>
+              </a:rPr>
+              <a:t>是用 </a:t>
+            </a:r>
+            <a:r>
+              <a:rPr lang="en-US" altLang="zh-TW" sz="2600" dirty="0">
+                <a:latin typeface="Times New Roman" panose="02020603050405020304" pitchFamily="18" charset="0"/>
+                <a:ea typeface="標楷體" panose="03000509000000000000" pitchFamily="65" charset="-120"/>
+                <a:cs typeface="王漢宗顏楷體"/>
+                <a:sym typeface="王漢宗顏楷體"/>
+              </a:rPr>
+              <a:t>JavaScript </a:t>
+            </a:r>
+            <a:r>
+              <a:rPr lang="zh-TW" altLang="en-US" sz="2600" dirty="0">
+                <a:latin typeface="Times New Roman" panose="02020603050405020304" pitchFamily="18" charset="0"/>
+                <a:ea typeface="標楷體" panose="03000509000000000000" pitchFamily="65" charset="-120"/>
+                <a:cs typeface="王漢宗顏楷體"/>
+                <a:sym typeface="王漢宗顏楷體"/>
+              </a:rPr>
+              <a:t>對真實 </a:t>
+            </a:r>
+            <a:r>
+              <a:rPr lang="en-US" altLang="zh-TW" sz="2600" dirty="0">
+                <a:latin typeface="Times New Roman" panose="02020603050405020304" pitchFamily="18" charset="0"/>
+                <a:ea typeface="標楷體" panose="03000509000000000000" pitchFamily="65" charset="-120"/>
+                <a:cs typeface="王漢宗顏楷體"/>
+                <a:sym typeface="王漢宗顏楷體"/>
+              </a:rPr>
+              <a:t>DOM </a:t>
+            </a:r>
+            <a:r>
+              <a:rPr lang="zh-TW" altLang="en-US" sz="2600" dirty="0">
+                <a:latin typeface="Times New Roman" panose="02020603050405020304" pitchFamily="18" charset="0"/>
+                <a:ea typeface="標楷體" panose="03000509000000000000" pitchFamily="65" charset="-120"/>
+                <a:cs typeface="王漢宗顏楷體"/>
+                <a:sym typeface="王漢宗顏楷體"/>
+              </a:rPr>
+              <a:t>的一種模擬表示，形成一棵樹狀結構。</a:t>
             </a:r>
             <a:endParaRPr lang="en-US" altLang="zh-TW" sz="2600" dirty="0">
               <a:latin typeface="Times New Roman" panose="02020603050405020304" pitchFamily="18" charset="0"/>
@@ -17279,13 +17322,455 @@
               <a:buChar char="v"/>
             </a:pPr>
             <a:r>
-              <a:rPr lang="zh-TW" altLang="en-US" sz="2600" dirty="0">
-                <a:latin typeface="Times New Roman" panose="02020603050405020304" pitchFamily="18" charset="0"/>
-                <a:ea typeface="標楷體" panose="03000509000000000000" pitchFamily="65" charset="-120"/>
-                <a:cs typeface="王漢宗顏楷體"/>
-                <a:sym typeface="王漢宗顏楷體"/>
-              </a:rPr>
-              <a:t>設定超連結透明度</a:t>
+              <a:rPr lang="en-US" altLang="zh-TW" sz="2600" dirty="0">
+                <a:latin typeface="Times New Roman" panose="02020603050405020304" pitchFamily="18" charset="0"/>
+                <a:ea typeface="標楷體" panose="03000509000000000000" pitchFamily="65" charset="-120"/>
+                <a:cs typeface="王漢宗顏楷體"/>
+                <a:sym typeface="王漢宗顏楷體"/>
+              </a:rPr>
+              <a:t>Vue </a:t>
+            </a:r>
+            <a:r>
+              <a:rPr lang="zh-TW" altLang="en-US" sz="2600" dirty="0">
+                <a:latin typeface="Times New Roman" panose="02020603050405020304" pitchFamily="18" charset="0"/>
+                <a:ea typeface="標楷體" panose="03000509000000000000" pitchFamily="65" charset="-120"/>
+                <a:cs typeface="王漢宗顏楷體"/>
+                <a:sym typeface="王漢宗顏楷體"/>
+              </a:rPr>
+              <a:t>會先更新虛擬 </a:t>
+            </a:r>
+            <a:r>
+              <a:rPr lang="en-US" altLang="zh-TW" sz="2600" dirty="0">
+                <a:latin typeface="Times New Roman" panose="02020603050405020304" pitchFamily="18" charset="0"/>
+                <a:ea typeface="標楷體" panose="03000509000000000000" pitchFamily="65" charset="-120"/>
+                <a:cs typeface="王漢宗顏楷體"/>
+                <a:sym typeface="王漢宗顏楷體"/>
+              </a:rPr>
+              <a:t>DOM</a:t>
+            </a:r>
+            <a:r>
+              <a:rPr lang="zh-TW" altLang="en-US" sz="2600" dirty="0">
+                <a:latin typeface="Times New Roman" panose="02020603050405020304" pitchFamily="18" charset="0"/>
+                <a:ea typeface="標楷體" panose="03000509000000000000" pitchFamily="65" charset="-120"/>
+                <a:cs typeface="王漢宗顏楷體"/>
+                <a:sym typeface="王漢宗顏楷體"/>
+              </a:rPr>
+              <a:t>，然後計算新舊虛擬 </a:t>
+            </a:r>
+            <a:r>
+              <a:rPr lang="en-US" altLang="zh-TW" sz="2600" dirty="0">
+                <a:latin typeface="Times New Roman" panose="02020603050405020304" pitchFamily="18" charset="0"/>
+                <a:ea typeface="標楷體" panose="03000509000000000000" pitchFamily="65" charset="-120"/>
+                <a:cs typeface="王漢宗顏楷體"/>
+                <a:sym typeface="王漢宗顏楷體"/>
+              </a:rPr>
+              <a:t>DOM </a:t>
+            </a:r>
+            <a:r>
+              <a:rPr lang="zh-TW" altLang="en-US" sz="2600" dirty="0">
+                <a:latin typeface="Times New Roman" panose="02020603050405020304" pitchFamily="18" charset="0"/>
+                <a:ea typeface="標楷體" panose="03000509000000000000" pitchFamily="65" charset="-120"/>
+                <a:cs typeface="王漢宗顏楷體"/>
+                <a:sym typeface="王漢宗顏楷體"/>
+              </a:rPr>
+              <a:t>的差異，將最少的變更應用到真實 </a:t>
+            </a:r>
+            <a:r>
+              <a:rPr lang="en-US" altLang="zh-TW" sz="2600" dirty="0">
+                <a:latin typeface="Times New Roman" panose="02020603050405020304" pitchFamily="18" charset="0"/>
+                <a:ea typeface="標楷體" panose="03000509000000000000" pitchFamily="65" charset="-120"/>
+                <a:cs typeface="王漢宗顏楷體"/>
+                <a:sym typeface="王漢宗顏楷體"/>
+              </a:rPr>
+              <a:t>DOM </a:t>
+            </a:r>
+            <a:r>
+              <a:rPr lang="zh-TW" altLang="en-US" sz="2600" dirty="0">
+                <a:latin typeface="Times New Roman" panose="02020603050405020304" pitchFamily="18" charset="0"/>
+                <a:ea typeface="標楷體" panose="03000509000000000000" pitchFamily="65" charset="-120"/>
+                <a:cs typeface="王漢宗顏楷體"/>
+                <a:sym typeface="王漢宗顏楷體"/>
+              </a:rPr>
+              <a:t>中。</a:t>
+            </a:r>
+            <a:endParaRPr lang="en-US" altLang="zh-TW" sz="2600" dirty="0">
+              <a:latin typeface="Times New Roman" panose="02020603050405020304" pitchFamily="18" charset="0"/>
+              <a:ea typeface="標楷體" panose="03000509000000000000" pitchFamily="65" charset="-120"/>
+              <a:cs typeface="王漢宗顏楷體"/>
+              <a:sym typeface="王漢宗顏楷體"/>
+            </a:endParaRPr>
+          </a:p>
+          <a:p>
+            <a:pPr marL="457200" indent="-457200" algn="l">
+              <a:lnSpc>
+                <a:spcPts val="4480"/>
+              </a:lnSpc>
+              <a:spcBef>
+                <a:spcPct val="0"/>
+              </a:spcBef>
+              <a:buFont typeface="Wingdings" panose="05000000000000000000" pitchFamily="2" charset="2"/>
+              <a:buChar char="v"/>
+            </a:pPr>
+            <a:r>
+              <a:rPr lang="zh-TW" altLang="en-US" sz="2600" dirty="0">
+                <a:latin typeface="Times New Roman" panose="02020603050405020304" pitchFamily="18" charset="0"/>
+                <a:ea typeface="標楷體" panose="03000509000000000000" pitchFamily="65" charset="-120"/>
+                <a:cs typeface="王漢宗顏楷體"/>
+                <a:sym typeface="王漢宗顏楷體"/>
+              </a:rPr>
+              <a:t>可以把虛擬 </a:t>
+            </a:r>
+            <a:r>
+              <a:rPr lang="en-US" altLang="zh-TW" sz="2600" dirty="0">
+                <a:latin typeface="Times New Roman" panose="02020603050405020304" pitchFamily="18" charset="0"/>
+                <a:ea typeface="標楷體" panose="03000509000000000000" pitchFamily="65" charset="-120"/>
+                <a:cs typeface="王漢宗顏楷體"/>
+                <a:sym typeface="王漢宗顏楷體"/>
+              </a:rPr>
+              <a:t>DOM </a:t>
+            </a:r>
+            <a:r>
+              <a:rPr lang="zh-TW" altLang="en-US" sz="2600" dirty="0">
+                <a:latin typeface="Times New Roman" panose="02020603050405020304" pitchFamily="18" charset="0"/>
+                <a:ea typeface="標楷體" panose="03000509000000000000" pitchFamily="65" charset="-120"/>
+                <a:cs typeface="王漢宗顏楷體"/>
+                <a:sym typeface="王漢宗顏楷體"/>
+              </a:rPr>
+              <a:t>想像成頁面的「快照」。</a:t>
+            </a:r>
+            <a:endParaRPr lang="en-US" altLang="zh-TW" sz="2600" dirty="0">
+              <a:latin typeface="Times New Roman" panose="02020603050405020304" pitchFamily="18" charset="0"/>
+              <a:ea typeface="標楷體" panose="03000509000000000000" pitchFamily="65" charset="-120"/>
+              <a:cs typeface="王漢宗顏楷體"/>
+              <a:sym typeface="王漢宗顏楷體"/>
+            </a:endParaRPr>
+          </a:p>
+          <a:p>
+            <a:pPr marL="457200" indent="-457200" algn="l">
+              <a:lnSpc>
+                <a:spcPts val="4480"/>
+              </a:lnSpc>
+              <a:spcBef>
+                <a:spcPct val="0"/>
+              </a:spcBef>
+              <a:buFont typeface="Wingdings" panose="05000000000000000000" pitchFamily="2" charset="2"/>
+              <a:buChar char="v"/>
+            </a:pPr>
+            <a:r>
+              <a:rPr lang="zh-TW" altLang="en-US" sz="2600" dirty="0">
+                <a:latin typeface="Times New Roman" panose="02020603050405020304" pitchFamily="18" charset="0"/>
+                <a:ea typeface="標楷體" panose="03000509000000000000" pitchFamily="65" charset="-120"/>
+                <a:cs typeface="王漢宗顏楷體"/>
+                <a:sym typeface="王漢宗顏楷體"/>
+              </a:rPr>
+              <a:t>每次數據變化時，</a:t>
+            </a:r>
+            <a:r>
+              <a:rPr lang="en-US" altLang="zh-TW" sz="2600" dirty="0">
+                <a:latin typeface="Times New Roman" panose="02020603050405020304" pitchFamily="18" charset="0"/>
+                <a:ea typeface="標楷體" panose="03000509000000000000" pitchFamily="65" charset="-120"/>
+                <a:cs typeface="王漢宗顏楷體"/>
+                <a:sym typeface="王漢宗顏楷體"/>
+              </a:rPr>
+              <a:t>Vue </a:t>
+            </a:r>
+            <a:r>
+              <a:rPr lang="zh-TW" altLang="en-US" sz="2600" dirty="0">
+                <a:latin typeface="Times New Roman" panose="02020603050405020304" pitchFamily="18" charset="0"/>
+                <a:ea typeface="標楷體" panose="03000509000000000000" pitchFamily="65" charset="-120"/>
+                <a:cs typeface="王漢宗顏楷體"/>
+                <a:sym typeface="王漢宗顏楷體"/>
+              </a:rPr>
+              <a:t>會生成新的快照</a:t>
+            </a:r>
+            <a:r>
+              <a:rPr lang="en-US" altLang="zh-TW" sz="2600" dirty="0">
+                <a:latin typeface="Times New Roman" panose="02020603050405020304" pitchFamily="18" charset="0"/>
+                <a:ea typeface="標楷體" panose="03000509000000000000" pitchFamily="65" charset="-120"/>
+                <a:cs typeface="王漢宗顏楷體"/>
+                <a:sym typeface="王漢宗顏楷體"/>
+              </a:rPr>
+              <a:t>(</a:t>
+            </a:r>
+            <a:r>
+              <a:rPr lang="zh-TW" altLang="en-US" sz="2600" dirty="0">
+                <a:latin typeface="Times New Roman" panose="02020603050405020304" pitchFamily="18" charset="0"/>
+                <a:ea typeface="標楷體" panose="03000509000000000000" pitchFamily="65" charset="-120"/>
+                <a:cs typeface="王漢宗顏楷體"/>
+                <a:sym typeface="王漢宗顏楷體"/>
+              </a:rPr>
+              <a:t>虛擬 </a:t>
+            </a:r>
+            <a:r>
+              <a:rPr lang="en-US" altLang="zh-TW" sz="2600" dirty="0">
+                <a:latin typeface="Times New Roman" panose="02020603050405020304" pitchFamily="18" charset="0"/>
+                <a:ea typeface="標楷體" panose="03000509000000000000" pitchFamily="65" charset="-120"/>
+                <a:cs typeface="王漢宗顏楷體"/>
+                <a:sym typeface="王漢宗顏楷體"/>
+              </a:rPr>
+              <a:t>DOM)</a:t>
+            </a:r>
+            <a:r>
+              <a:rPr lang="zh-TW" altLang="en-US" sz="2600" dirty="0">
+                <a:latin typeface="Times New Roman" panose="02020603050405020304" pitchFamily="18" charset="0"/>
+                <a:ea typeface="標楷體" panose="03000509000000000000" pitchFamily="65" charset="-120"/>
+                <a:cs typeface="王漢宗顏楷體"/>
+                <a:sym typeface="王漢宗顏楷體"/>
+              </a:rPr>
+              <a:t>，並與之前的快照進行對比，這樣 </a:t>
+            </a:r>
+            <a:r>
+              <a:rPr lang="en-US" altLang="zh-TW" sz="2600" dirty="0">
+                <a:latin typeface="Times New Roman" panose="02020603050405020304" pitchFamily="18" charset="0"/>
+                <a:ea typeface="標楷體" panose="03000509000000000000" pitchFamily="65" charset="-120"/>
+                <a:cs typeface="王漢宗顏楷體"/>
+                <a:sym typeface="王漢宗顏楷體"/>
+              </a:rPr>
+              <a:t>Vue </a:t>
+            </a:r>
+            <a:r>
+              <a:rPr lang="zh-TW" altLang="en-US" sz="2600" dirty="0">
+                <a:latin typeface="Times New Roman" panose="02020603050405020304" pitchFamily="18" charset="0"/>
+                <a:ea typeface="標楷體" panose="03000509000000000000" pitchFamily="65" charset="-120"/>
+                <a:cs typeface="王漢宗顏楷體"/>
+                <a:sym typeface="王漢宗顏楷體"/>
+              </a:rPr>
+              <a:t>就能知道需要更新哪些部分，而不必重新渲染整個頁面。</a:t>
+            </a:r>
+            <a:endParaRPr lang="en-US" altLang="zh-TW" sz="2600" dirty="0">
+              <a:latin typeface="Times New Roman" panose="02020603050405020304" pitchFamily="18" charset="0"/>
+              <a:ea typeface="標楷體" panose="03000509000000000000" pitchFamily="65" charset="-120"/>
+              <a:cs typeface="王漢宗顏楷體"/>
+              <a:sym typeface="王漢宗顏楷體"/>
+            </a:endParaRPr>
+          </a:p>
+          <a:p>
+            <a:pPr marL="457200" indent="-457200" algn="l">
+              <a:lnSpc>
+                <a:spcPts val="4480"/>
+              </a:lnSpc>
+              <a:spcBef>
+                <a:spcPct val="0"/>
+              </a:spcBef>
+              <a:buFont typeface="Wingdings" panose="05000000000000000000" pitchFamily="2" charset="2"/>
+              <a:buChar char="v"/>
+            </a:pPr>
+            <a:r>
+              <a:rPr lang="zh-TW" altLang="en-US" sz="2600" dirty="0">
+                <a:latin typeface="Times New Roman" panose="02020603050405020304" pitchFamily="18" charset="0"/>
+                <a:ea typeface="標楷體" panose="03000509000000000000" pitchFamily="65" charset="-120"/>
+                <a:cs typeface="王漢宗顏楷體"/>
+                <a:sym typeface="王漢宗顏楷體"/>
+              </a:rPr>
+              <a:t>目標：提升渲染效能，減少直接操作真實 </a:t>
+            </a:r>
+            <a:r>
+              <a:rPr lang="en-US" altLang="zh-TW" sz="2600" dirty="0">
+                <a:latin typeface="Times New Roman" panose="02020603050405020304" pitchFamily="18" charset="0"/>
+                <a:ea typeface="標楷體" panose="03000509000000000000" pitchFamily="65" charset="-120"/>
+                <a:cs typeface="王漢宗顏楷體"/>
+                <a:sym typeface="王漢宗顏楷體"/>
+              </a:rPr>
+              <a:t>DOM </a:t>
+            </a:r>
+            <a:r>
+              <a:rPr lang="zh-TW" altLang="en-US" sz="2600" dirty="0">
+                <a:latin typeface="Times New Roman" panose="02020603050405020304" pitchFamily="18" charset="0"/>
+                <a:ea typeface="標楷體" panose="03000509000000000000" pitchFamily="65" charset="-120"/>
+                <a:cs typeface="王漢宗顏楷體"/>
+                <a:sym typeface="王漢宗顏楷體"/>
+              </a:rPr>
+              <a:t>的開銷。</a:t>
+            </a:r>
+            <a:endParaRPr lang="en-US" altLang="zh-TW" sz="2600" dirty="0">
+              <a:latin typeface="Times New Roman" panose="02020603050405020304" pitchFamily="18" charset="0"/>
+              <a:ea typeface="標楷體" panose="03000509000000000000" pitchFamily="65" charset="-120"/>
+              <a:cs typeface="王漢宗顏楷體"/>
+              <a:sym typeface="王漢宗顏楷體"/>
+            </a:endParaRPr>
+          </a:p>
+          <a:p>
+            <a:pPr algn="l">
+              <a:lnSpc>
+                <a:spcPts val="4480"/>
+              </a:lnSpc>
+              <a:spcBef>
+                <a:spcPct val="0"/>
+              </a:spcBef>
+            </a:pPr>
+            <a:r>
+              <a:rPr lang="en-US" altLang="zh-TW" sz="2600" dirty="0">
+                <a:latin typeface="Times New Roman" panose="02020603050405020304" pitchFamily="18" charset="0"/>
+                <a:ea typeface="標楷體" panose="03000509000000000000" pitchFamily="65" charset="-120"/>
+                <a:cs typeface="王漢宗顏楷體"/>
+                <a:sym typeface="王漢宗顏楷體"/>
+              </a:rPr>
+              <a:t>【</a:t>
+            </a:r>
+            <a:r>
+              <a:rPr lang="zh-TW" altLang="en-US" sz="2600" dirty="0">
+                <a:latin typeface="Times New Roman" panose="02020603050405020304" pitchFamily="18" charset="0"/>
+                <a:ea typeface="標楷體" panose="03000509000000000000" pitchFamily="65" charset="-120"/>
+                <a:cs typeface="王漢宗顏楷體"/>
+                <a:sym typeface="王漢宗顏楷體"/>
+              </a:rPr>
+              <a:t>為什麼要使用虛擬 </a:t>
+            </a:r>
+            <a:r>
+              <a:rPr lang="en-US" altLang="zh-TW" sz="2600" dirty="0">
+                <a:latin typeface="Times New Roman" panose="02020603050405020304" pitchFamily="18" charset="0"/>
+                <a:ea typeface="標楷體" panose="03000509000000000000" pitchFamily="65" charset="-120"/>
+                <a:cs typeface="王漢宗顏楷體"/>
+                <a:sym typeface="王漢宗顏楷體"/>
+              </a:rPr>
+              <a:t>DOM】</a:t>
+            </a:r>
+          </a:p>
+          <a:p>
+            <a:pPr marL="457200" indent="-457200" algn="l">
+              <a:lnSpc>
+                <a:spcPts val="4480"/>
+              </a:lnSpc>
+              <a:spcBef>
+                <a:spcPct val="0"/>
+              </a:spcBef>
+              <a:buFont typeface="Wingdings" panose="05000000000000000000" pitchFamily="2" charset="2"/>
+              <a:buChar char="v"/>
+            </a:pPr>
+            <a:r>
+              <a:rPr lang="zh-TW" altLang="en-US" sz="2600" dirty="0">
+                <a:latin typeface="Times New Roman" panose="02020603050405020304" pitchFamily="18" charset="0"/>
+                <a:ea typeface="標楷體" panose="03000509000000000000" pitchFamily="65" charset="-120"/>
+                <a:cs typeface="王漢宗顏楷體"/>
+                <a:sym typeface="王漢宗顏楷體"/>
+              </a:rPr>
+              <a:t>性能優化：直接操作真實 </a:t>
+            </a:r>
+            <a:r>
+              <a:rPr lang="en-US" altLang="zh-TW" sz="2600" dirty="0">
+                <a:latin typeface="Times New Roman" panose="02020603050405020304" pitchFamily="18" charset="0"/>
+                <a:ea typeface="標楷體" panose="03000509000000000000" pitchFamily="65" charset="-120"/>
+                <a:cs typeface="王漢宗顏楷體"/>
+                <a:sym typeface="王漢宗顏楷體"/>
+              </a:rPr>
+              <a:t>DOM </a:t>
+            </a:r>
+            <a:r>
+              <a:rPr lang="zh-TW" altLang="en-US" sz="2600" dirty="0">
+                <a:latin typeface="Times New Roman" panose="02020603050405020304" pitchFamily="18" charset="0"/>
+                <a:ea typeface="標楷體" panose="03000509000000000000" pitchFamily="65" charset="-120"/>
+                <a:cs typeface="王漢宗顏楷體"/>
+                <a:sym typeface="王漢宗顏楷體"/>
+              </a:rPr>
+              <a:t>非常耗時，虛擬 </a:t>
+            </a:r>
+            <a:r>
+              <a:rPr lang="en-US" altLang="zh-TW" sz="2600" dirty="0">
+                <a:latin typeface="Times New Roman" panose="02020603050405020304" pitchFamily="18" charset="0"/>
+                <a:ea typeface="標楷體" panose="03000509000000000000" pitchFamily="65" charset="-120"/>
+                <a:cs typeface="王漢宗顏楷體"/>
+                <a:sym typeface="王漢宗顏楷體"/>
+              </a:rPr>
+              <a:t>DOM </a:t>
+            </a:r>
+            <a:r>
+              <a:rPr lang="zh-TW" altLang="en-US" sz="2600" dirty="0">
+                <a:latin typeface="Times New Roman" panose="02020603050405020304" pitchFamily="18" charset="0"/>
+                <a:ea typeface="標楷體" panose="03000509000000000000" pitchFamily="65" charset="-120"/>
+                <a:cs typeface="王漢宗顏楷體"/>
+                <a:sym typeface="王漢宗顏楷體"/>
+              </a:rPr>
+              <a:t>減少不必要的操作。</a:t>
+            </a:r>
+            <a:endParaRPr lang="en-US" altLang="zh-TW" sz="2600" dirty="0">
+              <a:latin typeface="Times New Roman" panose="02020603050405020304" pitchFamily="18" charset="0"/>
+              <a:ea typeface="標楷體" panose="03000509000000000000" pitchFamily="65" charset="-120"/>
+              <a:cs typeface="王漢宗顏楷體"/>
+              <a:sym typeface="王漢宗顏楷體"/>
+            </a:endParaRPr>
+          </a:p>
+          <a:p>
+            <a:pPr marL="457200" indent="-457200" algn="l">
+              <a:lnSpc>
+                <a:spcPts val="4480"/>
+              </a:lnSpc>
+              <a:spcBef>
+                <a:spcPct val="0"/>
+              </a:spcBef>
+              <a:buFont typeface="Wingdings" panose="05000000000000000000" pitchFamily="2" charset="2"/>
+              <a:buChar char="v"/>
+            </a:pPr>
+            <a:r>
+              <a:rPr lang="zh-TW" altLang="en-US" sz="2600" dirty="0">
+                <a:latin typeface="Times New Roman" panose="02020603050405020304" pitchFamily="18" charset="0"/>
+                <a:ea typeface="標楷體" panose="03000509000000000000" pitchFamily="65" charset="-120"/>
+                <a:cs typeface="王漢宗顏楷體"/>
+                <a:sym typeface="王漢宗顏楷體"/>
+              </a:rPr>
+              <a:t>高效渲染：虛擬 </a:t>
+            </a:r>
+            <a:r>
+              <a:rPr lang="en-US" altLang="zh-TW" sz="2600" dirty="0">
+                <a:latin typeface="Times New Roman" panose="02020603050405020304" pitchFamily="18" charset="0"/>
+                <a:ea typeface="標楷體" panose="03000509000000000000" pitchFamily="65" charset="-120"/>
+                <a:cs typeface="王漢宗顏楷體"/>
+                <a:sym typeface="王漢宗顏楷體"/>
+              </a:rPr>
+              <a:t>DOM </a:t>
+            </a:r>
+            <a:r>
+              <a:rPr lang="zh-TW" altLang="en-US" sz="2600" dirty="0">
+                <a:latin typeface="Times New Roman" panose="02020603050405020304" pitchFamily="18" charset="0"/>
+                <a:ea typeface="標楷體" panose="03000509000000000000" pitchFamily="65" charset="-120"/>
+                <a:cs typeface="王漢宗顏楷體"/>
+                <a:sym typeface="王漢宗顏楷體"/>
+              </a:rPr>
+              <a:t>只更新變更的部分，而不是整體重繪。</a:t>
+            </a:r>
+            <a:endParaRPr lang="en-US" altLang="zh-TW" sz="2600" dirty="0">
+              <a:latin typeface="Times New Roman" panose="02020603050405020304" pitchFamily="18" charset="0"/>
+              <a:ea typeface="標楷體" panose="03000509000000000000" pitchFamily="65" charset="-120"/>
+              <a:cs typeface="王漢宗顏楷體"/>
+              <a:sym typeface="王漢宗顏楷體"/>
+            </a:endParaRPr>
+          </a:p>
+          <a:p>
+            <a:pPr marL="457200" indent="-457200" algn="l">
+              <a:lnSpc>
+                <a:spcPts val="4480"/>
+              </a:lnSpc>
+              <a:spcBef>
+                <a:spcPct val="0"/>
+              </a:spcBef>
+              <a:buFont typeface="Wingdings" panose="05000000000000000000" pitchFamily="2" charset="2"/>
+              <a:buChar char="v"/>
+            </a:pPr>
+            <a:r>
+              <a:rPr lang="zh-TW" altLang="en-US" sz="2600" dirty="0">
+                <a:latin typeface="Times New Roman" panose="02020603050405020304" pitchFamily="18" charset="0"/>
+                <a:ea typeface="標楷體" panose="03000509000000000000" pitchFamily="65" charset="-120"/>
+                <a:cs typeface="王漢宗顏楷體"/>
+                <a:sym typeface="王漢宗顏楷體"/>
+              </a:rPr>
+              <a:t>跨瀏覽器一致性：</a:t>
+            </a:r>
+            <a:r>
+              <a:rPr lang="en-US" altLang="zh-TW" sz="2600" dirty="0">
+                <a:latin typeface="Times New Roman" panose="02020603050405020304" pitchFamily="18" charset="0"/>
+                <a:ea typeface="標楷體" panose="03000509000000000000" pitchFamily="65" charset="-120"/>
+                <a:cs typeface="王漢宗顏楷體"/>
+                <a:sym typeface="王漢宗顏楷體"/>
+              </a:rPr>
+              <a:t>Vue </a:t>
+            </a:r>
+            <a:r>
+              <a:rPr lang="zh-TW" altLang="en-US" sz="2600" dirty="0">
+                <a:latin typeface="Times New Roman" panose="02020603050405020304" pitchFamily="18" charset="0"/>
+                <a:ea typeface="標楷體" panose="03000509000000000000" pitchFamily="65" charset="-120"/>
+                <a:cs typeface="王漢宗顏楷體"/>
+                <a:sym typeface="王漢宗顏楷體"/>
+              </a:rPr>
+              <a:t>自動處理各種瀏覽器兼容性問題。</a:t>
             </a:r>
             <a:endParaRPr lang="en-US" altLang="zh-TW" sz="2600" dirty="0">
               <a:latin typeface="Times New Roman" panose="02020603050405020304" pitchFamily="18" charset="0"/>
@@ -17420,7 +17905,7 @@
                 </a:lnSpc>
               </a:pPr>
               <a:endParaRPr>
-                <a:latin typeface="Times New Roman" panose="02020603050405020304" pitchFamily="18" charset="0"/>
+                <a:latin typeface="標楷體" panose="03000509000000000000" pitchFamily="65" charset="-120"/>
                 <a:ea typeface="標楷體" panose="03000509000000000000" pitchFamily="65" charset="-120"/>
               </a:endParaRPr>
             </a:p>
@@ -17463,6 +17948,18 @@
               </a:spcBef>
             </a:pPr>
             <a:r>
+              <a:rPr lang="zh-TW" altLang="en-US" sz="8000" dirty="0">
+                <a:solidFill>
+                  <a:srgbClr val="FFFFFF"/>
+                </a:solidFill>
+                <a:latin typeface="Times New Roman" panose="02020603050405020304" pitchFamily="18" charset="0"/>
+                <a:ea typeface="標楷體" panose="03000509000000000000" pitchFamily="65" charset="-120"/>
+                <a:cs typeface="Times New Roman" panose="02020603050405020304" pitchFamily="18" charset="0"/>
+                <a:sym typeface="王漢宗顏楷體"/>
+              </a:rPr>
+              <a:t>虛擬 </a:t>
+            </a:r>
+            <a:r>
               <a:rPr lang="en-US" altLang="zh-TW" sz="8000" dirty="0">
                 <a:solidFill>
                   <a:srgbClr val="FFFFFF"/>
@@ -17472,29 +17969,8 @@
                 <a:cs typeface="Times New Roman" panose="02020603050405020304" pitchFamily="18" charset="0"/>
                 <a:sym typeface="王漢宗顏楷體"/>
               </a:rPr>
-              <a:t>Vue.js </a:t>
-            </a:r>
-            <a:r>
-              <a:rPr lang="zh-TW" altLang="en-US" sz="8000" dirty="0">
-                <a:solidFill>
-                  <a:srgbClr val="FFFFFF"/>
-                </a:solidFill>
-                <a:latin typeface="Times New Roman" panose="02020603050405020304" pitchFamily="18" charset="0"/>
-                <a:ea typeface="標楷體" panose="03000509000000000000" pitchFamily="65" charset="-120"/>
-                <a:cs typeface="Times New Roman" panose="02020603050405020304" pitchFamily="18" charset="0"/>
-                <a:sym typeface="王漢宗顏楷體"/>
-              </a:rPr>
-              <a:t>介紹</a:t>
-            </a:r>
-            <a:endParaRPr lang="en-US" altLang="zh-TW" sz="8000" dirty="0">
-              <a:solidFill>
-                <a:srgbClr val="FFFFFF"/>
-              </a:solidFill>
-              <a:latin typeface="Times New Roman" panose="02020603050405020304" pitchFamily="18" charset="0"/>
-              <a:ea typeface="標楷體" panose="03000509000000000000" pitchFamily="65" charset="-120"/>
-              <a:cs typeface="Times New Roman" panose="02020603050405020304" pitchFamily="18" charset="0"/>
-              <a:sym typeface="王漢宗顏楷體"/>
-            </a:endParaRPr>
+              <a:t>DOM </a:t>
+            </a:r>
           </a:p>
         </p:txBody>
       </p:sp>
@@ -17512,8 +17988,8 @@
         </p:nvSpPr>
         <p:spPr>
           <a:xfrm>
-            <a:off x="16383001" y="9685054"/>
-            <a:ext cx="1603830" cy="400110"/>
+            <a:off x="7580083" y="9620190"/>
+            <a:ext cx="4347031" cy="400110"/>
           </a:xfrm>
           <a:prstGeom prst="rect">
             <a:avLst/>
@@ -17527,37 +18003,39 @@
           <a:lstStyle/>
           <a:p>
             <a:r>
+              <a:rPr lang="zh-TW" altLang="en-US" sz="2000" dirty="0">
+                <a:latin typeface="Times New Roman" panose="02020603050405020304" pitchFamily="18" charset="0"/>
+                <a:ea typeface="標楷體" panose="03000509000000000000" pitchFamily="65" charset="-120"/>
+              </a:rPr>
+              <a:t>虛擬 </a:t>
+            </a:r>
+            <a:r>
               <a:rPr lang="en-US" altLang="zh-TW" sz="2000" dirty="0">
                 <a:latin typeface="Times New Roman" panose="02020603050405020304" pitchFamily="18" charset="0"/>
                 <a:ea typeface="標楷體" panose="03000509000000000000" pitchFamily="65" charset="-120"/>
               </a:rPr>
-              <a:t>(</a:t>
-            </a:r>
-            <a:r>
-              <a:rPr lang="en-US" altLang="zh-TW" sz="2000" dirty="0">
-                <a:latin typeface="Times New Roman" panose="02020603050405020304" pitchFamily="18" charset="0"/>
-                <a:ea typeface="標楷體" panose="03000509000000000000" pitchFamily="65" charset="-120"/>
-                <a:cs typeface="王漢宗顏楷體"/>
-                <a:sym typeface="王漢宗顏楷體"/>
-              </a:rPr>
-              <a:t>Currying</a:t>
-            </a:r>
-            <a:r>
-              <a:rPr lang="en-US" altLang="zh-TW" sz="2000" dirty="0">
-                <a:latin typeface="Times New Roman" panose="02020603050405020304" pitchFamily="18" charset="0"/>
-                <a:ea typeface="標楷體" panose="03000509000000000000" pitchFamily="65" charset="-120"/>
-              </a:rPr>
-              <a:t>)</a:t>
-            </a:r>
+              <a:t>DOM </a:t>
+            </a:r>
+            <a:r>
+              <a:rPr lang="zh-TW" altLang="en-US" sz="2000" dirty="0">
+                <a:latin typeface="Times New Roman" panose="02020603050405020304" pitchFamily="18" charset="0"/>
+                <a:ea typeface="標楷體" panose="03000509000000000000" pitchFamily="65" charset="-120"/>
+              </a:rPr>
+              <a:t>的工作流程</a:t>
+            </a:r>
+            <a:endParaRPr lang="en-US" altLang="zh-TW" sz="2000" dirty="0">
+              <a:latin typeface="Times New Roman" panose="02020603050405020304" pitchFamily="18" charset="0"/>
+              <a:ea typeface="標楷體" panose="03000509000000000000" pitchFamily="65" charset="-120"/>
+            </a:endParaRPr>
           </a:p>
         </p:txBody>
       </p:sp>
       <p:sp>
         <p:nvSpPr>
-          <p:cNvPr id="8" name="矩形 7">
-            <a:extLst>
-              <a:ext uri="{FF2B5EF4-FFF2-40B4-BE49-F238E27FC236}">
-                <a16:creationId xmlns:a16="http://schemas.microsoft.com/office/drawing/2014/main" id="{C9C7213D-FD7F-4560-90FF-2511E447CEB3}"/>
+          <p:cNvPr id="9" name="矩形 8">
+            <a:extLst>
+              <a:ext uri="{FF2B5EF4-FFF2-40B4-BE49-F238E27FC236}">
+                <a16:creationId xmlns:a16="http://schemas.microsoft.com/office/drawing/2014/main" id="{1EA28107-EECE-450F-AAD2-288BE3FE2F1F}"/>
               </a:ext>
             </a:extLst>
           </p:cNvPr>
@@ -17566,14 +18044,14 @@
         </p:nvSpPr>
         <p:spPr>
           <a:xfrm rot="10800000" flipV="1">
-            <a:off x="7620000" y="5989356"/>
-            <a:ext cx="2209800" cy="1243445"/>
+            <a:off x="2937663" y="8194514"/>
+            <a:ext cx="1828800" cy="762000"/>
           </a:xfrm>
           <a:prstGeom prst="rect">
             <a:avLst/>
           </a:prstGeom>
           <a:solidFill>
-            <a:srgbClr val="FFD580"/>
+            <a:srgbClr val="FCEADB"/>
           </a:solidFill>
           <a:ln>
             <a:noFill/>
@@ -17599,7 +18077,28 @@
           <a:lstStyle/>
           <a:p>
             <a:pPr algn="ctr"/>
-            <a:endParaRPr lang="zh-TW" altLang="en-US" sz="2000">
+            <a:r>
+              <a:rPr lang="en-US" altLang="zh-TW" sz="2000" dirty="0">
+                <a:latin typeface="Times New Roman" panose="02020603050405020304" pitchFamily="18" charset="0"/>
+                <a:ea typeface="標楷體" panose="03000509000000000000" pitchFamily="65" charset="-120"/>
+              </a:rPr>
+              <a:t>HTML</a:t>
+            </a:r>
+            <a:r>
+              <a:rPr lang="zh-TW" altLang="en-US" sz="2000" dirty="0">
+                <a:latin typeface="Times New Roman" panose="02020603050405020304" pitchFamily="18" charset="0"/>
+                <a:ea typeface="標楷體" panose="03000509000000000000" pitchFamily="65" charset="-120"/>
+              </a:rPr>
+              <a:t> </a:t>
+            </a:r>
+            <a:r>
+              <a:rPr lang="en-US" altLang="zh-TW" sz="2000" dirty="0">
+                <a:latin typeface="Times New Roman" panose="02020603050405020304" pitchFamily="18" charset="0"/>
+                <a:ea typeface="標楷體" panose="03000509000000000000" pitchFamily="65" charset="-120"/>
+              </a:rPr>
+              <a:t>DOM</a:t>
+            </a:r>
+            <a:endParaRPr lang="zh-TW" altLang="en-US" sz="2000" dirty="0">
               <a:latin typeface="Times New Roman" panose="02020603050405020304" pitchFamily="18" charset="0"/>
               <a:ea typeface="標楷體" panose="03000509000000000000" pitchFamily="65" charset="-120"/>
             </a:endParaRPr>
@@ -17608,10 +18107,10 @@
       </p:sp>
       <p:sp>
         <p:nvSpPr>
-          <p:cNvPr id="9" name="矩形 8">
-            <a:extLst>
-              <a:ext uri="{FF2B5EF4-FFF2-40B4-BE49-F238E27FC236}">
-                <a16:creationId xmlns:a16="http://schemas.microsoft.com/office/drawing/2014/main" id="{8C2A4EE7-8CC6-4972-93C5-E9E5C4506711}"/>
+          <p:cNvPr id="10" name="矩形 9">
+            <a:extLst>
+              <a:ext uri="{FF2B5EF4-FFF2-40B4-BE49-F238E27FC236}">
+                <a16:creationId xmlns:a16="http://schemas.microsoft.com/office/drawing/2014/main" id="{8C549158-DE35-4D28-8E94-FF413BEF02F6}"/>
               </a:ext>
             </a:extLst>
           </p:cNvPr>
@@ -17620,14 +18119,14 @@
         </p:nvSpPr>
         <p:spPr>
           <a:xfrm rot="10800000" flipV="1">
-            <a:off x="5043975" y="8822039"/>
-            <a:ext cx="2209800" cy="1243445"/>
+            <a:off x="6214261" y="8194514"/>
+            <a:ext cx="1828800" cy="762000"/>
           </a:xfrm>
           <a:prstGeom prst="rect">
             <a:avLst/>
           </a:prstGeom>
           <a:solidFill>
-            <a:srgbClr val="9FDAF5"/>
+            <a:srgbClr val="FFD5C4"/>
           </a:solidFill>
           <a:ln>
             <a:noFill/>
@@ -17653,7 +18152,21 @@
           <a:lstStyle/>
           <a:p>
             <a:pPr algn="ctr"/>
-            <a:endParaRPr lang="zh-TW" altLang="en-US" sz="2000">
+            <a:r>
+              <a:rPr lang="zh-TW" altLang="en-US" sz="2000" dirty="0">
+                <a:latin typeface="Times New Roman" panose="02020603050405020304" pitchFamily="18" charset="0"/>
+                <a:ea typeface="標楷體" panose="03000509000000000000" pitchFamily="65" charset="-120"/>
+              </a:rPr>
+              <a:t>虛擬 </a:t>
+            </a:r>
+            <a:r>
+              <a:rPr lang="en-US" altLang="zh-TW" sz="2000" dirty="0">
+                <a:latin typeface="Times New Roman" panose="02020603050405020304" pitchFamily="18" charset="0"/>
+                <a:ea typeface="標楷體" panose="03000509000000000000" pitchFamily="65" charset="-120"/>
+              </a:rPr>
+              <a:t>DOM</a:t>
+            </a:r>
+            <a:endParaRPr lang="zh-TW" altLang="en-US" sz="2000" dirty="0">
               <a:latin typeface="Times New Roman" panose="02020603050405020304" pitchFamily="18" charset="0"/>
               <a:ea typeface="標楷體" panose="03000509000000000000" pitchFamily="65" charset="-120"/>
             </a:endParaRPr>
@@ -17662,10 +18175,10 @@
       </p:sp>
       <p:sp>
         <p:nvSpPr>
-          <p:cNvPr id="10" name="矩形 9">
-            <a:extLst>
-              <a:ext uri="{FF2B5EF4-FFF2-40B4-BE49-F238E27FC236}">
-                <a16:creationId xmlns:a16="http://schemas.microsoft.com/office/drawing/2014/main" id="{89D69731-C860-4BBF-8DCA-7EBBAA7328A3}"/>
+          <p:cNvPr id="11" name="矩形 10">
+            <a:extLst>
+              <a:ext uri="{FF2B5EF4-FFF2-40B4-BE49-F238E27FC236}">
+                <a16:creationId xmlns:a16="http://schemas.microsoft.com/office/drawing/2014/main" id="{EC74FC6A-3D0F-4ADD-BFF2-11D7501751E5}"/>
               </a:ext>
             </a:extLst>
           </p:cNvPr>
@@ -17674,8 +18187,169 @@
         </p:nvSpPr>
         <p:spPr>
           <a:xfrm rot="10800000" flipV="1">
-            <a:off x="2791606" y="5911424"/>
-            <a:ext cx="2209800" cy="1243445"/>
+            <a:off x="4842663" y="8074839"/>
+            <a:ext cx="1295399" cy="460784"/>
+          </a:xfrm>
+          <a:prstGeom prst="rect">
+            <a:avLst/>
+          </a:prstGeom>
+          <a:noFill/>
+          <a:ln>
+            <a:noFill/>
+          </a:ln>
+          <a:effectLst/>
+        </p:spPr>
+        <p:style>
+          <a:lnRef idx="1">
+            <a:schemeClr val="accent5"/>
+          </a:lnRef>
+          <a:fillRef idx="2">
+            <a:schemeClr val="accent5"/>
+          </a:fillRef>
+          <a:effectRef idx="1">
+            <a:schemeClr val="accent5"/>
+          </a:effectRef>
+          <a:fontRef idx="minor">
+            <a:schemeClr val="dk1"/>
+          </a:fontRef>
+        </p:style>
+        <p:txBody>
+          <a:bodyPr rtlCol="0" anchor="ctr"/>
+          <a:lstStyle/>
+          <a:p>
+            <a:pPr algn="ctr"/>
+            <a:r>
+              <a:rPr lang="en-US" altLang="zh-TW" sz="2000" dirty="0" err="1">
+                <a:latin typeface="Times New Roman" panose="02020603050405020304" pitchFamily="18" charset="0"/>
+                <a:ea typeface="標楷體" panose="03000509000000000000" pitchFamily="65" charset="-120"/>
+              </a:rPr>
+              <a:t>vue</a:t>
+            </a:r>
+            <a:r>
+              <a:rPr lang="zh-TW" altLang="en-US" sz="2000" dirty="0">
+                <a:latin typeface="Times New Roman" panose="02020603050405020304" pitchFamily="18" charset="0"/>
+                <a:ea typeface="標楷體" panose="03000509000000000000" pitchFamily="65" charset="-120"/>
+              </a:rPr>
+              <a:t>創建</a:t>
+            </a:r>
+          </a:p>
+        </p:txBody>
+      </p:sp>
+      <p:cxnSp>
+        <p:nvCxnSpPr>
+          <p:cNvPr id="3" name="直線單箭頭接點 2">
+            <a:extLst>
+              <a:ext uri="{FF2B5EF4-FFF2-40B4-BE49-F238E27FC236}">
+                <a16:creationId xmlns:a16="http://schemas.microsoft.com/office/drawing/2014/main" id="{A200BAC3-5E93-42F7-99E9-9C8FB37BA586}"/>
+              </a:ext>
+            </a:extLst>
+          </p:cNvPr>
+          <p:cNvCxnSpPr>
+            <a:stCxn id="9" idx="1"/>
+            <a:endCxn id="10" idx="3"/>
+          </p:cNvCxnSpPr>
+          <p:nvPr/>
+        </p:nvCxnSpPr>
+        <p:spPr>
+          <a:xfrm>
+            <a:off x="4766463" y="8575514"/>
+            <a:ext cx="1447798" cy="0"/>
+          </a:xfrm>
+          <a:prstGeom prst="straightConnector1">
+            <a:avLst/>
+          </a:prstGeom>
+          <a:ln>
+            <a:tailEnd type="triangle"/>
+          </a:ln>
+        </p:spPr>
+        <p:style>
+          <a:lnRef idx="2">
+            <a:schemeClr val="dk1"/>
+          </a:lnRef>
+          <a:fillRef idx="0">
+            <a:schemeClr val="dk1"/>
+          </a:fillRef>
+          <a:effectRef idx="1">
+            <a:schemeClr val="dk1"/>
+          </a:effectRef>
+          <a:fontRef idx="minor">
+            <a:schemeClr val="tx1"/>
+          </a:fontRef>
+        </p:style>
+      </p:cxnSp>
+      <p:sp>
+        <p:nvSpPr>
+          <p:cNvPr id="15" name="矩形 14">
+            <a:extLst>
+              <a:ext uri="{FF2B5EF4-FFF2-40B4-BE49-F238E27FC236}">
+                <a16:creationId xmlns:a16="http://schemas.microsoft.com/office/drawing/2014/main" id="{3B20FC9A-BA59-4FE0-A05F-69D4D84954E8}"/>
+              </a:ext>
+            </a:extLst>
+          </p:cNvPr>
+          <p:cNvSpPr/>
+          <p:nvPr/>
+        </p:nvSpPr>
+        <p:spPr>
+          <a:xfrm rot="10800000" flipV="1">
+            <a:off x="8546566" y="7734700"/>
+            <a:ext cx="723905" cy="1681628"/>
+          </a:xfrm>
+          <a:prstGeom prst="rect">
+            <a:avLst/>
+          </a:prstGeom>
+          <a:solidFill>
+            <a:srgbClr val="FBECA2"/>
+          </a:solidFill>
+          <a:ln>
+            <a:noFill/>
+          </a:ln>
+          <a:effectLst/>
+        </p:spPr>
+        <p:style>
+          <a:lnRef idx="1">
+            <a:schemeClr val="accent5"/>
+          </a:lnRef>
+          <a:fillRef idx="2">
+            <a:schemeClr val="accent5"/>
+          </a:fillRef>
+          <a:effectRef idx="1">
+            <a:schemeClr val="accent5"/>
+          </a:effectRef>
+          <a:fontRef idx="minor">
+            <a:schemeClr val="dk1"/>
+          </a:fontRef>
+        </p:style>
+        <p:txBody>
+          <a:bodyPr vert="eaVert" rtlCol="0" anchor="ctr"/>
+          <a:lstStyle/>
+          <a:p>
+            <a:pPr algn="ctr"/>
+            <a:r>
+              <a:rPr lang="zh-TW" altLang="en-US" sz="2000" dirty="0">
+                <a:latin typeface="Times New Roman" panose="02020603050405020304" pitchFamily="18" charset="0"/>
+                <a:ea typeface="標楷體" panose="03000509000000000000" pitchFamily="65" charset="-120"/>
+              </a:rPr>
+              <a:t>更動</a:t>
+            </a:r>
+          </a:p>
+        </p:txBody>
+      </p:sp>
+      <p:sp>
+        <p:nvSpPr>
+          <p:cNvPr id="17" name="矩形 16">
+            <a:extLst>
+              <a:ext uri="{FF2B5EF4-FFF2-40B4-BE49-F238E27FC236}">
+                <a16:creationId xmlns:a16="http://schemas.microsoft.com/office/drawing/2014/main" id="{690296C5-1A92-4D29-9429-540EFFEAF5C7}"/>
+              </a:ext>
+            </a:extLst>
+          </p:cNvPr>
+          <p:cNvSpPr/>
+          <p:nvPr/>
+        </p:nvSpPr>
+        <p:spPr>
+          <a:xfrm rot="10800000" flipV="1">
+            <a:off x="9753600" y="8146905"/>
+            <a:ext cx="2133607" cy="857217"/>
           </a:xfrm>
           <a:prstGeom prst="rect">
             <a:avLst/>
@@ -17707,7 +18381,55 @@
           <a:lstStyle/>
           <a:p>
             <a:pPr algn="ctr"/>
-            <a:endParaRPr lang="zh-TW" altLang="en-US" sz="2000">
+            <a:r>
+              <a:rPr lang="zh-TW" altLang="en-US" sz="2000" dirty="0">
+                <a:latin typeface="Times New Roman" panose="02020603050405020304" pitchFamily="18" charset="0"/>
+                <a:ea typeface="標楷體" panose="03000509000000000000" pitchFamily="65" charset="-120"/>
+              </a:rPr>
+              <a:t>比較差異</a:t>
+            </a:r>
+            <a:br>
+              <a:rPr lang="en-US" altLang="zh-TW" sz="2000" dirty="0">
+                <a:latin typeface="Times New Roman" panose="02020603050405020304" pitchFamily="18" charset="0"/>
+                <a:ea typeface="標楷體" panose="03000509000000000000" pitchFamily="65" charset="-120"/>
+              </a:rPr>
+            </a:br>
+            <a:r>
+              <a:rPr lang="en-US" altLang="zh-TW" sz="2000" dirty="0">
+                <a:latin typeface="Times New Roman" panose="02020603050405020304" pitchFamily="18" charset="0"/>
+                <a:ea typeface="標楷體" panose="03000509000000000000" pitchFamily="65" charset="-120"/>
+              </a:rPr>
+              <a:t>(Diff</a:t>
+            </a:r>
+            <a:r>
+              <a:rPr lang="zh-TW" altLang="en-US" sz="2000" dirty="0">
+                <a:latin typeface="Times New Roman" panose="02020603050405020304" pitchFamily="18" charset="0"/>
+                <a:ea typeface="標楷體" panose="03000509000000000000" pitchFamily="65" charset="-120"/>
+              </a:rPr>
+              <a:t>演</a:t>
+            </a:r>
+            <a:r>
+              <a:rPr lang="en-US" altLang="zh-TW" sz="2000" dirty="0">
+                <a:latin typeface="Times New Roman" panose="02020603050405020304" pitchFamily="18" charset="0"/>
+                <a:ea typeface="標楷體" panose="03000509000000000000" pitchFamily="65" charset="-120"/>
+              </a:rPr>
+              <a:t> </a:t>
+            </a:r>
+            <a:r>
+              <a:rPr lang="zh-TW" altLang="en-US" sz="2000" dirty="0">
+                <a:latin typeface="Times New Roman" panose="02020603050405020304" pitchFamily="18" charset="0"/>
+                <a:ea typeface="標楷體" panose="03000509000000000000" pitchFamily="65" charset="-120"/>
+              </a:rPr>
+              <a:t>算法</a:t>
+            </a:r>
+            <a:r>
+              <a:rPr lang="en-US" altLang="zh-TW" sz="2000" dirty="0">
+                <a:latin typeface="Times New Roman" panose="02020603050405020304" pitchFamily="18" charset="0"/>
+                <a:ea typeface="標楷體" panose="03000509000000000000" pitchFamily="65" charset="-120"/>
+              </a:rPr>
+              <a:t>)</a:t>
+            </a:r>
+            <a:endParaRPr lang="zh-TW" altLang="en-US" sz="2000" dirty="0">
               <a:latin typeface="Times New Roman" panose="02020603050405020304" pitchFamily="18" charset="0"/>
               <a:ea typeface="標楷體" panose="03000509000000000000" pitchFamily="65" charset="-120"/>
             </a:endParaRPr>
@@ -17716,10 +18438,10 @@
       </p:sp>
       <p:sp>
         <p:nvSpPr>
-          <p:cNvPr id="11" name="矩形 10">
-            <a:extLst>
-              <a:ext uri="{FF2B5EF4-FFF2-40B4-BE49-F238E27FC236}">
-                <a16:creationId xmlns:a16="http://schemas.microsoft.com/office/drawing/2014/main" id="{E0FB2C7C-E865-4EB2-BA26-FC5EA136C2C1}"/>
+          <p:cNvPr id="18" name="矩形 17">
+            <a:extLst>
+              <a:ext uri="{FF2B5EF4-FFF2-40B4-BE49-F238E27FC236}">
+                <a16:creationId xmlns:a16="http://schemas.microsoft.com/office/drawing/2014/main" id="{4F2E9211-9B11-4682-9FEA-72669E9456E3}"/>
               </a:ext>
             </a:extLst>
           </p:cNvPr>
@@ -17728,116 +18450,8 @@
         </p:nvSpPr>
         <p:spPr>
           <a:xfrm rot="10800000" flipV="1">
-            <a:off x="2569877" y="8822039"/>
-            <a:ext cx="2209800" cy="1243445"/>
-          </a:xfrm>
-          <a:prstGeom prst="rect">
-            <a:avLst/>
-          </a:prstGeom>
-          <a:solidFill>
-            <a:srgbClr val="B1D5F7"/>
-          </a:solidFill>
-          <a:ln>
-            <a:noFill/>
-          </a:ln>
-          <a:effectLst/>
-        </p:spPr>
-        <p:style>
-          <a:lnRef idx="1">
-            <a:schemeClr val="accent5"/>
-          </a:lnRef>
-          <a:fillRef idx="2">
-            <a:schemeClr val="accent5"/>
-          </a:fillRef>
-          <a:effectRef idx="1">
-            <a:schemeClr val="accent5"/>
-          </a:effectRef>
-          <a:fontRef idx="minor">
-            <a:schemeClr val="dk1"/>
-          </a:fontRef>
-        </p:style>
-        <p:txBody>
-          <a:bodyPr rtlCol="0" anchor="ctr"/>
-          <a:lstStyle/>
-          <a:p>
-            <a:pPr algn="ctr"/>
-            <a:endParaRPr lang="zh-TW" altLang="en-US" sz="2000">
-              <a:latin typeface="Times New Roman" panose="02020603050405020304" pitchFamily="18" charset="0"/>
-              <a:ea typeface="標楷體" panose="03000509000000000000" pitchFamily="65" charset="-120"/>
-            </a:endParaRPr>
-          </a:p>
-        </p:txBody>
-      </p:sp>
-      <p:sp>
-        <p:nvSpPr>
-          <p:cNvPr id="12" name="矩形 11">
-            <a:extLst>
-              <a:ext uri="{FF2B5EF4-FFF2-40B4-BE49-F238E27FC236}">
-                <a16:creationId xmlns:a16="http://schemas.microsoft.com/office/drawing/2014/main" id="{F596A4AA-6818-4459-AB72-9EBB2BEE3D40}"/>
-              </a:ext>
-            </a:extLst>
-          </p:cNvPr>
-          <p:cNvSpPr/>
-          <p:nvPr/>
-        </p:nvSpPr>
-        <p:spPr>
-          <a:xfrm rot="10800000" flipV="1">
-            <a:off x="7582434" y="8808795"/>
-            <a:ext cx="2209800" cy="1243445"/>
-          </a:xfrm>
-          <a:prstGeom prst="rect">
-            <a:avLst/>
-          </a:prstGeom>
-          <a:solidFill>
-            <a:srgbClr val="64A9F6"/>
-          </a:solidFill>
-          <a:ln>
-            <a:noFill/>
-          </a:ln>
-          <a:effectLst/>
-        </p:spPr>
-        <p:style>
-          <a:lnRef idx="1">
-            <a:schemeClr val="accent5"/>
-          </a:lnRef>
-          <a:fillRef idx="2">
-            <a:schemeClr val="accent5"/>
-          </a:fillRef>
-          <a:effectRef idx="1">
-            <a:schemeClr val="accent5"/>
-          </a:effectRef>
-          <a:fontRef idx="minor">
-            <a:schemeClr val="dk1"/>
-          </a:fontRef>
-        </p:style>
-        <p:txBody>
-          <a:bodyPr rtlCol="0" anchor="ctr"/>
-          <a:lstStyle/>
-          <a:p>
-            <a:pPr algn="ctr"/>
-            <a:endParaRPr lang="zh-TW" altLang="en-US" sz="2000">
-              <a:latin typeface="Times New Roman" panose="02020603050405020304" pitchFamily="18" charset="0"/>
-              <a:ea typeface="標楷體" panose="03000509000000000000" pitchFamily="65" charset="-120"/>
-            </a:endParaRPr>
-          </a:p>
-        </p:txBody>
-      </p:sp>
-      <p:sp>
-        <p:nvSpPr>
-          <p:cNvPr id="13" name="矩形 12">
-            <a:extLst>
-              <a:ext uri="{FF2B5EF4-FFF2-40B4-BE49-F238E27FC236}">
-                <a16:creationId xmlns:a16="http://schemas.microsoft.com/office/drawing/2014/main" id="{6EDD8B8F-5331-4A1A-BDB8-1A1D68239314}"/>
-              </a:ext>
-            </a:extLst>
-          </p:cNvPr>
-          <p:cNvSpPr/>
-          <p:nvPr/>
-        </p:nvSpPr>
-        <p:spPr>
-          <a:xfrm rot="10800000" flipV="1">
-            <a:off x="381000" y="4513492"/>
-            <a:ext cx="2209800" cy="1243445"/>
+            <a:off x="13075973" y="8197706"/>
+            <a:ext cx="1828800" cy="762000"/>
           </a:xfrm>
           <a:prstGeom prst="rect">
             <a:avLst/>
@@ -17869,6 +18483,27 @@
           <a:lstStyle/>
           <a:p>
             <a:pPr algn="ctr"/>
+            <a:r>
+              <a:rPr lang="en-US" altLang="zh-TW" sz="2000" dirty="0">
+                <a:latin typeface="Times New Roman" panose="02020603050405020304" pitchFamily="18" charset="0"/>
+                <a:ea typeface="標楷體" panose="03000509000000000000" pitchFamily="65" charset="-120"/>
+              </a:rPr>
+              <a:t>HTML</a:t>
+            </a:r>
+            <a:r>
+              <a:rPr lang="zh-TW" altLang="en-US" sz="2000" dirty="0">
+                <a:latin typeface="Times New Roman" panose="02020603050405020304" pitchFamily="18" charset="0"/>
+                <a:ea typeface="標楷體" panose="03000509000000000000" pitchFamily="65" charset="-120"/>
+              </a:rPr>
+              <a:t> </a:t>
+            </a:r>
+            <a:r>
+              <a:rPr lang="en-US" altLang="zh-TW" sz="2000" dirty="0">
+                <a:latin typeface="Times New Roman" panose="02020603050405020304" pitchFamily="18" charset="0"/>
+                <a:ea typeface="標楷體" panose="03000509000000000000" pitchFamily="65" charset="-120"/>
+              </a:rPr>
+              <a:t>DOM</a:t>
+            </a:r>
             <a:endParaRPr lang="zh-TW" altLang="en-US" sz="2000" dirty="0">
               <a:latin typeface="Times New Roman" panose="02020603050405020304" pitchFamily="18" charset="0"/>
               <a:ea typeface="標楷體" panose="03000509000000000000" pitchFamily="65" charset="-120"/>
@@ -17878,10 +18513,10 @@
       </p:sp>
       <p:sp>
         <p:nvSpPr>
-          <p:cNvPr id="14" name="矩形 13">
-            <a:extLst>
-              <a:ext uri="{FF2B5EF4-FFF2-40B4-BE49-F238E27FC236}">
-                <a16:creationId xmlns:a16="http://schemas.microsoft.com/office/drawing/2014/main" id="{82E8A0B7-4359-4AB9-B2AF-B8CC3227FD2F}"/>
+          <p:cNvPr id="19" name="矩形 18">
+            <a:extLst>
+              <a:ext uri="{FF2B5EF4-FFF2-40B4-BE49-F238E27FC236}">
+                <a16:creationId xmlns:a16="http://schemas.microsoft.com/office/drawing/2014/main" id="{11D10394-8D3D-4740-9C3A-C68C543C4310}"/>
               </a:ext>
             </a:extLst>
           </p:cNvPr>
@@ -17890,15 +18525,13 @@
         </p:nvSpPr>
         <p:spPr>
           <a:xfrm rot="10800000" flipV="1">
-            <a:off x="2612409" y="7395512"/>
-            <a:ext cx="2209800" cy="1243445"/>
+            <a:off x="11887207" y="8122481"/>
+            <a:ext cx="1295399" cy="460784"/>
           </a:xfrm>
           <a:prstGeom prst="rect">
             <a:avLst/>
           </a:prstGeom>
-          <a:solidFill>
-            <a:srgbClr val="E2F0D7"/>
-          </a:solidFill>
+          <a:noFill/>
           <a:ln>
             <a:noFill/>
           </a:ln>
@@ -17923,557 +18556,149 @@
           <a:lstStyle/>
           <a:p>
             <a:pPr algn="ctr"/>
-            <a:endParaRPr lang="zh-TW" altLang="en-US" sz="2000">
-              <a:latin typeface="Times New Roman" panose="02020603050405020304" pitchFamily="18" charset="0"/>
-              <a:ea typeface="標楷體" panose="03000509000000000000" pitchFamily="65" charset="-120"/>
-            </a:endParaRPr>
+            <a:r>
+              <a:rPr lang="zh-TW" altLang="en-US" sz="2000" dirty="0">
+                <a:latin typeface="Times New Roman" panose="02020603050405020304" pitchFamily="18" charset="0"/>
+                <a:ea typeface="標楷體" panose="03000509000000000000" pitchFamily="65" charset="-120"/>
+              </a:rPr>
+              <a:t>更新</a:t>
+            </a:r>
           </a:p>
         </p:txBody>
       </p:sp>
-      <p:sp>
-        <p:nvSpPr>
-          <p:cNvPr id="15" name="矩形 14">
-            <a:extLst>
-              <a:ext uri="{FF2B5EF4-FFF2-40B4-BE49-F238E27FC236}">
-                <a16:creationId xmlns:a16="http://schemas.microsoft.com/office/drawing/2014/main" id="{DBB5E27D-EC81-459A-880E-A44A7656E14F}"/>
-              </a:ext>
-            </a:extLst>
-          </p:cNvPr>
-          <p:cNvSpPr/>
-          <p:nvPr/>
-        </p:nvSpPr>
+      <p:cxnSp>
+        <p:nvCxnSpPr>
+          <p:cNvPr id="20" name="直線單箭頭接點 19">
+            <a:extLst>
+              <a:ext uri="{FF2B5EF4-FFF2-40B4-BE49-F238E27FC236}">
+                <a16:creationId xmlns:a16="http://schemas.microsoft.com/office/drawing/2014/main" id="{680F9CBC-DB57-426F-90F2-2386531A4C1F}"/>
+              </a:ext>
+            </a:extLst>
+          </p:cNvPr>
+          <p:cNvCxnSpPr>
+            <a:cxnSpLocks/>
+            <a:stCxn id="10" idx="1"/>
+            <a:endCxn id="15" idx="3"/>
+          </p:cNvCxnSpPr>
+          <p:nvPr/>
+        </p:nvCxnSpPr>
         <p:spPr>
-          <a:xfrm rot="10800000" flipV="1">
-            <a:off x="7582434" y="7367780"/>
-            <a:ext cx="2209800" cy="1243445"/>
-          </a:xfrm>
-          <a:prstGeom prst="rect">
+          <a:xfrm>
+            <a:off x="8043061" y="8575514"/>
+            <a:ext cx="503505" cy="0"/>
+          </a:xfrm>
+          <a:prstGeom prst="straightConnector1">
             <a:avLst/>
           </a:prstGeom>
-          <a:solidFill>
-            <a:srgbClr val="D0F4DE"/>
-          </a:solidFill>
           <a:ln>
-            <a:noFill/>
+            <a:tailEnd type="triangle"/>
           </a:ln>
-          <a:effectLst/>
         </p:spPr>
         <p:style>
-          <a:lnRef idx="1">
-            <a:schemeClr val="accent5"/>
+          <a:lnRef idx="2">
+            <a:schemeClr val="dk1"/>
           </a:lnRef>
-          <a:fillRef idx="2">
-            <a:schemeClr val="accent5"/>
+          <a:fillRef idx="0">
+            <a:schemeClr val="dk1"/>
           </a:fillRef>
           <a:effectRef idx="1">
-            <a:schemeClr val="accent5"/>
+            <a:schemeClr val="dk1"/>
           </a:effectRef>
           <a:fontRef idx="minor">
-            <a:schemeClr val="dk1"/>
+            <a:schemeClr val="tx1"/>
           </a:fontRef>
         </p:style>
-        <p:txBody>
-          <a:bodyPr rtlCol="0" anchor="ctr"/>
-          <a:lstStyle/>
-          <a:p>
-            <a:pPr algn="ctr"/>
-            <a:endParaRPr lang="zh-TW" altLang="en-US" sz="2000">
-              <a:latin typeface="Times New Roman" panose="02020603050405020304" pitchFamily="18" charset="0"/>
-              <a:ea typeface="標楷體" panose="03000509000000000000" pitchFamily="65" charset="-120"/>
-            </a:endParaRPr>
-          </a:p>
-        </p:txBody>
-      </p:sp>
-      <p:sp>
-        <p:nvSpPr>
-          <p:cNvPr id="16" name="矩形 15">
-            <a:extLst>
-              <a:ext uri="{FF2B5EF4-FFF2-40B4-BE49-F238E27FC236}">
-                <a16:creationId xmlns:a16="http://schemas.microsoft.com/office/drawing/2014/main" id="{4B2B8C41-6D4A-4B8A-8205-7A36836ABE71}"/>
-              </a:ext>
-            </a:extLst>
-          </p:cNvPr>
-          <p:cNvSpPr/>
-          <p:nvPr/>
-        </p:nvSpPr>
+      </p:cxnSp>
+      <p:cxnSp>
+        <p:nvCxnSpPr>
+          <p:cNvPr id="23" name="直線單箭頭接點 22">
+            <a:extLst>
+              <a:ext uri="{FF2B5EF4-FFF2-40B4-BE49-F238E27FC236}">
+                <a16:creationId xmlns:a16="http://schemas.microsoft.com/office/drawing/2014/main" id="{C610B0EA-523A-4274-B44E-0367836F4C25}"/>
+              </a:ext>
+            </a:extLst>
+          </p:cNvPr>
+          <p:cNvCxnSpPr>
+            <a:cxnSpLocks/>
+            <a:stCxn id="15" idx="1"/>
+            <a:endCxn id="17" idx="3"/>
+          </p:cNvCxnSpPr>
+          <p:nvPr/>
+        </p:nvCxnSpPr>
         <p:spPr>
-          <a:xfrm rot="10800000" flipV="1">
-            <a:off x="5079643" y="7367779"/>
-            <a:ext cx="2209800" cy="1243445"/>
-          </a:xfrm>
-          <a:prstGeom prst="rect">
+          <a:xfrm>
+            <a:off x="9270471" y="8575514"/>
+            <a:ext cx="483129" cy="0"/>
+          </a:xfrm>
+          <a:prstGeom prst="straightConnector1">
             <a:avLst/>
           </a:prstGeom>
-          <a:solidFill>
-            <a:srgbClr val="94D2BD"/>
-          </a:solidFill>
           <a:ln>
-            <a:noFill/>
+            <a:tailEnd type="triangle"/>
           </a:ln>
-          <a:effectLst/>
         </p:spPr>
         <p:style>
-          <a:lnRef idx="1">
-            <a:schemeClr val="accent5"/>
+          <a:lnRef idx="2">
+            <a:schemeClr val="dk1"/>
           </a:lnRef>
-          <a:fillRef idx="2">
-            <a:schemeClr val="accent5"/>
+          <a:fillRef idx="0">
+            <a:schemeClr val="dk1"/>
           </a:fillRef>
           <a:effectRef idx="1">
-            <a:schemeClr val="accent5"/>
+            <a:schemeClr val="dk1"/>
           </a:effectRef>
           <a:fontRef idx="minor">
-            <a:schemeClr val="dk1"/>
+            <a:schemeClr val="tx1"/>
           </a:fontRef>
         </p:style>
-        <p:txBody>
-          <a:bodyPr rtlCol="0" anchor="ctr"/>
-          <a:lstStyle/>
-          <a:p>
-            <a:pPr algn="ctr"/>
-            <a:endParaRPr lang="zh-TW" altLang="en-US" sz="2000">
-              <a:latin typeface="Times New Roman" panose="02020603050405020304" pitchFamily="18" charset="0"/>
-              <a:ea typeface="標楷體" panose="03000509000000000000" pitchFamily="65" charset="-120"/>
-            </a:endParaRPr>
-          </a:p>
-        </p:txBody>
-      </p:sp>
-      <p:sp>
-        <p:nvSpPr>
-          <p:cNvPr id="17" name="矩形 16">
-            <a:extLst>
-              <a:ext uri="{FF2B5EF4-FFF2-40B4-BE49-F238E27FC236}">
-                <a16:creationId xmlns:a16="http://schemas.microsoft.com/office/drawing/2014/main" id="{D6F89379-A7F1-453E-8D55-2B84474F465E}"/>
-              </a:ext>
-            </a:extLst>
-          </p:cNvPr>
-          <p:cNvSpPr/>
-          <p:nvPr/>
-        </p:nvSpPr>
+      </p:cxnSp>
+      <p:cxnSp>
+        <p:nvCxnSpPr>
+          <p:cNvPr id="31" name="直線單箭頭接點 30">
+            <a:extLst>
+              <a:ext uri="{FF2B5EF4-FFF2-40B4-BE49-F238E27FC236}">
+                <a16:creationId xmlns:a16="http://schemas.microsoft.com/office/drawing/2014/main" id="{96DCA5A9-67E5-410E-899E-74FAC8379D13}"/>
+              </a:ext>
+            </a:extLst>
+          </p:cNvPr>
+          <p:cNvCxnSpPr>
+            <a:cxnSpLocks/>
+            <a:stCxn id="17" idx="1"/>
+            <a:endCxn id="18" idx="3"/>
+          </p:cNvCxnSpPr>
+          <p:nvPr/>
+        </p:nvCxnSpPr>
         <p:spPr>
-          <a:xfrm rot="10800000" flipV="1">
-            <a:off x="10044486" y="5989356"/>
-            <a:ext cx="2209800" cy="1243445"/>
-          </a:xfrm>
-          <a:prstGeom prst="rect">
+          <a:xfrm>
+            <a:off x="11887207" y="8575514"/>
+            <a:ext cx="1188766" cy="3192"/>
+          </a:xfrm>
+          <a:prstGeom prst="straightConnector1">
             <a:avLst/>
           </a:prstGeom>
-          <a:solidFill>
-            <a:srgbClr val="FCC4FB"/>
-          </a:solidFill>
           <a:ln>
-            <a:noFill/>
+            <a:tailEnd type="triangle"/>
           </a:ln>
-          <a:effectLst/>
         </p:spPr>
         <p:style>
-          <a:lnRef idx="1">
-            <a:schemeClr val="accent5"/>
+          <a:lnRef idx="2">
+            <a:schemeClr val="dk1"/>
           </a:lnRef>
-          <a:fillRef idx="2">
-            <a:schemeClr val="accent5"/>
+          <a:fillRef idx="0">
+            <a:schemeClr val="dk1"/>
           </a:fillRef>
           <a:effectRef idx="1">
-            <a:schemeClr val="accent5"/>
+            <a:schemeClr val="dk1"/>
           </a:effectRef>
           <a:fontRef idx="minor">
-            <a:schemeClr val="dk1"/>
+            <a:schemeClr val="tx1"/>
           </a:fontRef>
         </p:style>
-        <p:txBody>
-          <a:bodyPr rtlCol="0" anchor="ctr"/>
-          <a:lstStyle/>
-          <a:p>
-            <a:pPr algn="ctr"/>
-            <a:endParaRPr lang="zh-TW" altLang="en-US" sz="2000">
-              <a:latin typeface="Times New Roman" panose="02020603050405020304" pitchFamily="18" charset="0"/>
-              <a:ea typeface="標楷體" panose="03000509000000000000" pitchFamily="65" charset="-120"/>
-            </a:endParaRPr>
-          </a:p>
-        </p:txBody>
-      </p:sp>
-      <p:sp>
-        <p:nvSpPr>
-          <p:cNvPr id="18" name="矩形 17">
-            <a:extLst>
-              <a:ext uri="{FF2B5EF4-FFF2-40B4-BE49-F238E27FC236}">
-                <a16:creationId xmlns:a16="http://schemas.microsoft.com/office/drawing/2014/main" id="{84F18C9A-2725-4FB0-BEBE-3ADB973F4389}"/>
-              </a:ext>
-            </a:extLst>
-          </p:cNvPr>
-          <p:cNvSpPr/>
-          <p:nvPr/>
-        </p:nvSpPr>
-        <p:spPr>
-          <a:xfrm rot="10800000" flipV="1">
-            <a:off x="10085224" y="7444861"/>
-            <a:ext cx="2209800" cy="1243445"/>
-          </a:xfrm>
-          <a:prstGeom prst="rect">
-            <a:avLst/>
-          </a:prstGeom>
-          <a:solidFill>
-            <a:srgbClr val="E7C6FF"/>
-          </a:solidFill>
-          <a:ln>
-            <a:noFill/>
-          </a:ln>
-          <a:effectLst/>
-        </p:spPr>
-        <p:style>
-          <a:lnRef idx="1">
-            <a:schemeClr val="accent5"/>
-          </a:lnRef>
-          <a:fillRef idx="2">
-            <a:schemeClr val="accent5"/>
-          </a:fillRef>
-          <a:effectRef idx="1">
-            <a:schemeClr val="accent5"/>
-          </a:effectRef>
-          <a:fontRef idx="minor">
-            <a:schemeClr val="dk1"/>
-          </a:fontRef>
-        </p:style>
-        <p:txBody>
-          <a:bodyPr rtlCol="0" anchor="ctr"/>
-          <a:lstStyle/>
-          <a:p>
-            <a:pPr algn="ctr"/>
-            <a:endParaRPr lang="zh-TW" altLang="en-US" sz="2000" dirty="0">
-              <a:latin typeface="Times New Roman" panose="02020603050405020304" pitchFamily="18" charset="0"/>
-              <a:ea typeface="標楷體" panose="03000509000000000000" pitchFamily="65" charset="-120"/>
-            </a:endParaRPr>
-          </a:p>
-        </p:txBody>
-      </p:sp>
-      <p:sp>
-        <p:nvSpPr>
-          <p:cNvPr id="19" name="矩形 18">
-            <a:extLst>
-              <a:ext uri="{FF2B5EF4-FFF2-40B4-BE49-F238E27FC236}">
-                <a16:creationId xmlns:a16="http://schemas.microsoft.com/office/drawing/2014/main" id="{B96AB3F1-5187-4085-8FDC-71EF0DDB59FB}"/>
-              </a:ext>
-            </a:extLst>
-          </p:cNvPr>
-          <p:cNvSpPr/>
-          <p:nvPr/>
-        </p:nvSpPr>
-        <p:spPr>
-          <a:xfrm rot="10800000" flipV="1">
-            <a:off x="10044486" y="8853054"/>
-            <a:ext cx="2209800" cy="1243445"/>
-          </a:xfrm>
-          <a:prstGeom prst="rect">
-            <a:avLst/>
-          </a:prstGeom>
-          <a:solidFill>
-            <a:srgbClr val="C8B6FF"/>
-          </a:solidFill>
-          <a:ln>
-            <a:noFill/>
-          </a:ln>
-          <a:effectLst/>
-        </p:spPr>
-        <p:style>
-          <a:lnRef idx="1">
-            <a:schemeClr val="accent5"/>
-          </a:lnRef>
-          <a:fillRef idx="2">
-            <a:schemeClr val="accent5"/>
-          </a:fillRef>
-          <a:effectRef idx="1">
-            <a:schemeClr val="accent5"/>
-          </a:effectRef>
-          <a:fontRef idx="minor">
-            <a:schemeClr val="dk1"/>
-          </a:fontRef>
-        </p:style>
-        <p:txBody>
-          <a:bodyPr rtlCol="0" anchor="ctr"/>
-          <a:lstStyle/>
-          <a:p>
-            <a:pPr algn="ctr"/>
-            <a:endParaRPr lang="zh-TW" altLang="en-US" sz="2000">
-              <a:latin typeface="Times New Roman" panose="02020603050405020304" pitchFamily="18" charset="0"/>
-              <a:ea typeface="標楷體" panose="03000509000000000000" pitchFamily="65" charset="-120"/>
-            </a:endParaRPr>
-          </a:p>
-        </p:txBody>
-      </p:sp>
-      <p:sp>
-        <p:nvSpPr>
-          <p:cNvPr id="20" name="矩形 19">
-            <a:extLst>
-              <a:ext uri="{FF2B5EF4-FFF2-40B4-BE49-F238E27FC236}">
-                <a16:creationId xmlns:a16="http://schemas.microsoft.com/office/drawing/2014/main" id="{EA93FBFE-8524-4125-B206-DDBC00C66DAD}"/>
-              </a:ext>
-            </a:extLst>
-          </p:cNvPr>
-          <p:cNvSpPr/>
-          <p:nvPr/>
-        </p:nvSpPr>
-        <p:spPr>
-          <a:xfrm rot="10800000" flipV="1">
-            <a:off x="2791607" y="4526417"/>
-            <a:ext cx="2209800" cy="1243445"/>
-          </a:xfrm>
-          <a:prstGeom prst="rect">
-            <a:avLst/>
-          </a:prstGeom>
-          <a:solidFill>
-            <a:srgbClr val="FFD5C4"/>
-          </a:solidFill>
-          <a:ln>
-            <a:noFill/>
-          </a:ln>
-          <a:effectLst/>
-        </p:spPr>
-        <p:style>
-          <a:lnRef idx="1">
-            <a:schemeClr val="accent5"/>
-          </a:lnRef>
-          <a:fillRef idx="2">
-            <a:schemeClr val="accent5"/>
-          </a:fillRef>
-          <a:effectRef idx="1">
-            <a:schemeClr val="accent5"/>
-          </a:effectRef>
-          <a:fontRef idx="minor">
-            <a:schemeClr val="dk1"/>
-          </a:fontRef>
-        </p:style>
-        <p:txBody>
-          <a:bodyPr rtlCol="0" anchor="ctr"/>
-          <a:lstStyle/>
-          <a:p>
-            <a:pPr algn="ctr"/>
-            <a:endParaRPr lang="zh-TW" altLang="en-US" sz="2000">
-              <a:latin typeface="Times New Roman" panose="02020603050405020304" pitchFamily="18" charset="0"/>
-              <a:ea typeface="標楷體" panose="03000509000000000000" pitchFamily="65" charset="-120"/>
-            </a:endParaRPr>
-          </a:p>
-        </p:txBody>
-      </p:sp>
-      <p:sp>
-        <p:nvSpPr>
-          <p:cNvPr id="21" name="矩形 20">
-            <a:extLst>
-              <a:ext uri="{FF2B5EF4-FFF2-40B4-BE49-F238E27FC236}">
-                <a16:creationId xmlns:a16="http://schemas.microsoft.com/office/drawing/2014/main" id="{A5D10856-8B79-40EF-A778-3BDA28A54FF1}"/>
-              </a:ext>
-            </a:extLst>
-          </p:cNvPr>
-          <p:cNvSpPr/>
-          <p:nvPr/>
-        </p:nvSpPr>
-        <p:spPr>
-          <a:xfrm rot="10800000" flipV="1">
-            <a:off x="5178329" y="5989355"/>
-            <a:ext cx="2209800" cy="1243445"/>
-          </a:xfrm>
-          <a:prstGeom prst="rect">
-            <a:avLst/>
-          </a:prstGeom>
-          <a:solidFill>
-            <a:srgbClr val="FBECA2"/>
-          </a:solidFill>
-          <a:ln>
-            <a:noFill/>
-          </a:ln>
-          <a:effectLst/>
-        </p:spPr>
-        <p:style>
-          <a:lnRef idx="1">
-            <a:schemeClr val="accent5"/>
-          </a:lnRef>
-          <a:fillRef idx="2">
-            <a:schemeClr val="accent5"/>
-          </a:fillRef>
-          <a:effectRef idx="1">
-            <a:schemeClr val="accent5"/>
-          </a:effectRef>
-          <a:fontRef idx="minor">
-            <a:schemeClr val="dk1"/>
-          </a:fontRef>
-        </p:style>
-        <p:txBody>
-          <a:bodyPr rtlCol="0" anchor="ctr"/>
-          <a:lstStyle/>
-          <a:p>
-            <a:pPr algn="ctr"/>
-            <a:endParaRPr lang="zh-TW" altLang="en-US" sz="2000">
-              <a:latin typeface="Times New Roman" panose="02020603050405020304" pitchFamily="18" charset="0"/>
-              <a:ea typeface="標楷體" panose="03000509000000000000" pitchFamily="65" charset="-120"/>
-            </a:endParaRPr>
-          </a:p>
-        </p:txBody>
-      </p:sp>
-      <p:sp>
-        <p:nvSpPr>
-          <p:cNvPr id="23" name="矩形 22">
-            <a:extLst>
-              <a:ext uri="{FF2B5EF4-FFF2-40B4-BE49-F238E27FC236}">
-                <a16:creationId xmlns:a16="http://schemas.microsoft.com/office/drawing/2014/main" id="{343A44BF-0FFC-4E09-A541-411644B4B582}"/>
-              </a:ext>
-            </a:extLst>
-          </p:cNvPr>
-          <p:cNvSpPr/>
-          <p:nvPr/>
-        </p:nvSpPr>
-        <p:spPr>
-          <a:xfrm rot="10800000" flipV="1">
-            <a:off x="5202213" y="4548340"/>
-            <a:ext cx="2209800" cy="1243445"/>
-          </a:xfrm>
-          <a:prstGeom prst="rect">
-            <a:avLst/>
-          </a:prstGeom>
-          <a:solidFill>
-            <a:srgbClr val="FFE5EC"/>
-          </a:solidFill>
-          <a:ln>
-            <a:noFill/>
-          </a:ln>
-          <a:effectLst/>
-        </p:spPr>
-        <p:style>
-          <a:lnRef idx="1">
-            <a:schemeClr val="accent5"/>
-          </a:lnRef>
-          <a:fillRef idx="2">
-            <a:schemeClr val="accent5"/>
-          </a:fillRef>
-          <a:effectRef idx="1">
-            <a:schemeClr val="accent5"/>
-          </a:effectRef>
-          <a:fontRef idx="minor">
-            <a:schemeClr val="dk1"/>
-          </a:fontRef>
-        </p:style>
-        <p:txBody>
-          <a:bodyPr rtlCol="0" anchor="ctr"/>
-          <a:lstStyle/>
-          <a:p>
-            <a:pPr algn="ctr"/>
-            <a:endParaRPr lang="zh-TW" altLang="en-US" sz="2000">
-              <a:latin typeface="Times New Roman" panose="02020603050405020304" pitchFamily="18" charset="0"/>
-              <a:ea typeface="標楷體" panose="03000509000000000000" pitchFamily="65" charset="-120"/>
-            </a:endParaRPr>
-          </a:p>
-        </p:txBody>
-      </p:sp>
-      <p:sp>
-        <p:nvSpPr>
-          <p:cNvPr id="24" name="矩形 23">
-            <a:extLst>
-              <a:ext uri="{FF2B5EF4-FFF2-40B4-BE49-F238E27FC236}">
-                <a16:creationId xmlns:a16="http://schemas.microsoft.com/office/drawing/2014/main" id="{BCB47E33-DBFF-4A41-A5FD-3FB12B8C6F73}"/>
-              </a:ext>
-            </a:extLst>
-          </p:cNvPr>
-          <p:cNvSpPr/>
-          <p:nvPr/>
-        </p:nvSpPr>
-        <p:spPr>
-          <a:xfrm rot="10800000" flipV="1">
-            <a:off x="10008093" y="4533850"/>
-            <a:ext cx="2209800" cy="1243445"/>
-          </a:xfrm>
-          <a:prstGeom prst="rect">
-            <a:avLst/>
-          </a:prstGeom>
-          <a:solidFill>
-            <a:srgbClr val="FFC2D1"/>
-          </a:solidFill>
-          <a:ln>
-            <a:noFill/>
-          </a:ln>
-          <a:effectLst/>
-        </p:spPr>
-        <p:style>
-          <a:lnRef idx="1">
-            <a:schemeClr val="accent5"/>
-          </a:lnRef>
-          <a:fillRef idx="2">
-            <a:schemeClr val="accent5"/>
-          </a:fillRef>
-          <a:effectRef idx="1">
-            <a:schemeClr val="accent5"/>
-          </a:effectRef>
-          <a:fontRef idx="minor">
-            <a:schemeClr val="dk1"/>
-          </a:fontRef>
-        </p:style>
-        <p:txBody>
-          <a:bodyPr rtlCol="0" anchor="ctr"/>
-          <a:lstStyle/>
-          <a:p>
-            <a:pPr algn="ctr"/>
-            <a:endParaRPr lang="zh-TW" altLang="en-US" sz="2000">
-              <a:latin typeface="Times New Roman" panose="02020603050405020304" pitchFamily="18" charset="0"/>
-              <a:ea typeface="標楷體" panose="03000509000000000000" pitchFamily="65" charset="-120"/>
-            </a:endParaRPr>
-          </a:p>
-        </p:txBody>
-      </p:sp>
-      <p:sp>
-        <p:nvSpPr>
-          <p:cNvPr id="25" name="矩形 24">
-            <a:extLst>
-              <a:ext uri="{FF2B5EF4-FFF2-40B4-BE49-F238E27FC236}">
-                <a16:creationId xmlns:a16="http://schemas.microsoft.com/office/drawing/2014/main" id="{A275AF48-13DF-40A8-9974-69AAED811F1F}"/>
-              </a:ext>
-            </a:extLst>
-          </p:cNvPr>
-          <p:cNvSpPr/>
-          <p:nvPr/>
-        </p:nvSpPr>
-        <p:spPr>
-          <a:xfrm rot="10800000" flipV="1">
-            <a:off x="7605153" y="4548341"/>
-            <a:ext cx="2209800" cy="1243445"/>
-          </a:xfrm>
-          <a:prstGeom prst="rect">
-            <a:avLst/>
-          </a:prstGeom>
-          <a:solidFill>
-            <a:srgbClr val="FFB3C6"/>
-          </a:solidFill>
-          <a:ln>
-            <a:noFill/>
-          </a:ln>
-          <a:effectLst/>
-        </p:spPr>
-        <p:style>
-          <a:lnRef idx="1">
-            <a:schemeClr val="accent5"/>
-          </a:lnRef>
-          <a:fillRef idx="2">
-            <a:schemeClr val="accent5"/>
-          </a:fillRef>
-          <a:effectRef idx="1">
-            <a:schemeClr val="accent5"/>
-          </a:effectRef>
-          <a:fontRef idx="minor">
-            <a:schemeClr val="dk1"/>
-          </a:fontRef>
-        </p:style>
-        <p:txBody>
-          <a:bodyPr rtlCol="0" anchor="ctr"/>
-          <a:lstStyle/>
-          <a:p>
-            <a:pPr algn="ctr"/>
-            <a:endParaRPr lang="zh-TW" altLang="en-US" sz="2000">
-              <a:latin typeface="Times New Roman" panose="02020603050405020304" pitchFamily="18" charset="0"/>
-              <a:ea typeface="標楷體" panose="03000509000000000000" pitchFamily="65" charset="-120"/>
-            </a:endParaRPr>
-          </a:p>
-        </p:txBody>
-      </p:sp>
+      </p:cxnSp>
     </p:spTree>
     <p:extLst>
       <p:ext uri="{BB962C8B-B14F-4D97-AF65-F5344CB8AC3E}">
-        <p14:creationId xmlns:p14="http://schemas.microsoft.com/office/powerpoint/2010/main" val="913925286"/>
+        <p14:creationId xmlns:p14="http://schemas.microsoft.com/office/powerpoint/2010/main" val="1823757763"/>
       </p:ext>
     </p:extLst>
   </p:cSld>
@@ -19538,6 +19763,6615 @@
     <p:extLst>
       <p:ext uri="{BB962C8B-B14F-4D97-AF65-F5344CB8AC3E}">
         <p14:creationId xmlns:p14="http://schemas.microsoft.com/office/powerpoint/2010/main" val="2574459893"/>
+      </p:ext>
+    </p:extLst>
+  </p:cSld>
+  <p:clrMapOvr>
+    <a:masterClrMapping/>
+  </p:clrMapOvr>
+</p:sld>
+</file>
+
+<file path=ppt/slides/slide30.xml><?xml version="1.0" encoding="utf-8"?>
+<p:sld xmlns:a="http://schemas.openxmlformats.org/drawingml/2006/main" xmlns:r="http://schemas.openxmlformats.org/officeDocument/2006/relationships" xmlns:p="http://schemas.openxmlformats.org/presentationml/2006/main">
+  <p:cSld>
+    <p:spTree>
+      <p:nvGrpSpPr>
+        <p:cNvPr id="1" name=""/>
+        <p:cNvGrpSpPr/>
+        <p:nvPr/>
+      </p:nvGrpSpPr>
+      <p:grpSpPr>
+        <a:xfrm>
+          <a:off x="0" y="0"/>
+          <a:ext cx="0" cy="0"/>
+          <a:chOff x="0" y="0"/>
+          <a:chExt cx="0" cy="0"/>
+        </a:xfrm>
+      </p:grpSpPr>
+      <p:sp>
+        <p:nvSpPr>
+          <p:cNvPr id="27" name="TextBox 10">
+            <a:extLst>
+              <a:ext uri="{FF2B5EF4-FFF2-40B4-BE49-F238E27FC236}">
+                <a16:creationId xmlns:a16="http://schemas.microsoft.com/office/drawing/2014/main" id="{2A659F81-1ED8-4106-8C45-6A01D7DBC583}"/>
+              </a:ext>
+            </a:extLst>
+          </p:cNvPr>
+          <p:cNvSpPr txBox="1"/>
+          <p:nvPr/>
+        </p:nvSpPr>
+        <p:spPr>
+          <a:xfrm>
+            <a:off x="206912" y="1785472"/>
+            <a:ext cx="15795088" cy="3971215"/>
+          </a:xfrm>
+          <a:prstGeom prst="rect">
+            <a:avLst/>
+          </a:prstGeom>
+        </p:spPr>
+        <p:txBody>
+          <a:bodyPr wrap="square" lIns="0" tIns="0" rIns="0" bIns="0" rtlCol="0" anchor="t">
+            <a:spAutoFit/>
+          </a:bodyPr>
+          <a:lstStyle/>
+          <a:p>
+            <a:pPr marL="457200" indent="-457200" algn="l">
+              <a:lnSpc>
+                <a:spcPts val="4480"/>
+              </a:lnSpc>
+              <a:spcBef>
+                <a:spcPct val="0"/>
+              </a:spcBef>
+              <a:buFont typeface="Wingdings" panose="05000000000000000000" pitchFamily="2" charset="2"/>
+              <a:buChar char="v"/>
+            </a:pPr>
+            <a:r>
+              <a:rPr lang="zh-TW" altLang="en-US" sz="2600" dirty="0">
+                <a:latin typeface="Times New Roman" panose="02020603050405020304" pitchFamily="18" charset="0"/>
+                <a:ea typeface="標楷體" panose="03000509000000000000" pitchFamily="65" charset="-120"/>
+                <a:cs typeface="王漢宗顏楷體"/>
+                <a:sym typeface="王漢宗顏楷體"/>
+              </a:rPr>
+              <a:t>在 </a:t>
+            </a:r>
+            <a:r>
+              <a:rPr lang="en-US" altLang="zh-TW" sz="2600" dirty="0">
+                <a:latin typeface="Times New Roman" panose="02020603050405020304" pitchFamily="18" charset="0"/>
+                <a:ea typeface="標楷體" panose="03000509000000000000" pitchFamily="65" charset="-120"/>
+                <a:cs typeface="王漢宗顏楷體"/>
+                <a:sym typeface="王漢宗顏楷體"/>
+              </a:rPr>
+              <a:t>Vue </a:t>
+            </a:r>
+            <a:r>
+              <a:rPr lang="zh-TW" altLang="en-US" sz="2600" dirty="0">
+                <a:latin typeface="Times New Roman" panose="02020603050405020304" pitchFamily="18" charset="0"/>
+                <a:ea typeface="標楷體" panose="03000509000000000000" pitchFamily="65" charset="-120"/>
+                <a:cs typeface="王漢宗顏楷體"/>
+                <a:sym typeface="王漢宗顏楷體"/>
+              </a:rPr>
+              <a:t>中，生命週期（</a:t>
+            </a:r>
+            <a:r>
+              <a:rPr lang="en-US" altLang="zh-TW" sz="2600" dirty="0">
+                <a:latin typeface="Times New Roman" panose="02020603050405020304" pitchFamily="18" charset="0"/>
+                <a:ea typeface="標楷體" panose="03000509000000000000" pitchFamily="65" charset="-120"/>
+                <a:cs typeface="王漢宗顏楷體"/>
+                <a:sym typeface="王漢宗顏楷體"/>
+              </a:rPr>
+              <a:t>Lifecycle</a:t>
+            </a:r>
+            <a:r>
+              <a:rPr lang="zh-TW" altLang="en-US" sz="2600" dirty="0">
+                <a:latin typeface="Times New Roman" panose="02020603050405020304" pitchFamily="18" charset="0"/>
+                <a:ea typeface="標楷體" panose="03000509000000000000" pitchFamily="65" charset="-120"/>
+                <a:cs typeface="王漢宗顏楷體"/>
+                <a:sym typeface="王漢宗顏楷體"/>
+              </a:rPr>
+              <a:t>）是指 </a:t>
+            </a:r>
+            <a:r>
+              <a:rPr lang="en-US" altLang="zh-TW" sz="2600" dirty="0">
+                <a:latin typeface="Times New Roman" panose="02020603050405020304" pitchFamily="18" charset="0"/>
+                <a:ea typeface="標楷體" panose="03000509000000000000" pitchFamily="65" charset="-120"/>
+                <a:cs typeface="王漢宗顏楷體"/>
+                <a:sym typeface="王漢宗顏楷體"/>
+              </a:rPr>
+              <a:t>Vue </a:t>
+            </a:r>
+            <a:r>
+              <a:rPr lang="zh-TW" altLang="en-US" sz="2600" dirty="0">
+                <a:latin typeface="Times New Roman" panose="02020603050405020304" pitchFamily="18" charset="0"/>
+                <a:ea typeface="標楷體" panose="03000509000000000000" pitchFamily="65" charset="-120"/>
+                <a:cs typeface="王漢宗顏楷體"/>
+                <a:sym typeface="王漢宗顏楷體"/>
+              </a:rPr>
+              <a:t>元件從創建到銷毀過程中的一系列階段。</a:t>
+            </a:r>
+            <a:r>
+              <a:rPr lang="en-US" altLang="zh-TW" sz="2600" dirty="0">
+                <a:latin typeface="Times New Roman" panose="02020603050405020304" pitchFamily="18" charset="0"/>
+                <a:ea typeface="標楷體" panose="03000509000000000000" pitchFamily="65" charset="-120"/>
+                <a:cs typeface="王漢宗顏楷體"/>
+                <a:sym typeface="王漢宗顏楷體"/>
+              </a:rPr>
+              <a:t>Vue </a:t>
+            </a:r>
+            <a:r>
+              <a:rPr lang="zh-TW" altLang="en-US" sz="2600" dirty="0">
+                <a:latin typeface="Times New Roman" panose="02020603050405020304" pitchFamily="18" charset="0"/>
+                <a:ea typeface="標楷體" panose="03000509000000000000" pitchFamily="65" charset="-120"/>
+                <a:cs typeface="王漢宗顏楷體"/>
+                <a:sym typeface="王漢宗顏楷體"/>
+              </a:rPr>
+              <a:t>提供了生命週期鉤子函數（</a:t>
+            </a:r>
+            <a:r>
+              <a:rPr lang="en-US" altLang="zh-TW" sz="2600" dirty="0">
+                <a:latin typeface="Times New Roman" panose="02020603050405020304" pitchFamily="18" charset="0"/>
+                <a:ea typeface="標楷體" panose="03000509000000000000" pitchFamily="65" charset="-120"/>
+                <a:cs typeface="王漢宗顏楷體"/>
+                <a:sym typeface="王漢宗顏楷體"/>
+              </a:rPr>
+              <a:t>hook functions</a:t>
+            </a:r>
+            <a:r>
+              <a:rPr lang="zh-TW" altLang="en-US" sz="2600" dirty="0">
+                <a:latin typeface="Times New Roman" panose="02020603050405020304" pitchFamily="18" charset="0"/>
+                <a:ea typeface="標楷體" panose="03000509000000000000" pitchFamily="65" charset="-120"/>
+                <a:cs typeface="王漢宗顏楷體"/>
+                <a:sym typeface="王漢宗顏楷體"/>
+              </a:rPr>
+              <a:t>），允許我們在元件的不同階段執行特定的代碼。</a:t>
+            </a:r>
+            <a:endParaRPr lang="en-US" altLang="zh-TW" sz="2600" dirty="0">
+              <a:latin typeface="Times New Roman" panose="02020603050405020304" pitchFamily="18" charset="0"/>
+              <a:ea typeface="標楷體" panose="03000509000000000000" pitchFamily="65" charset="-120"/>
+              <a:cs typeface="王漢宗顏楷體"/>
+              <a:sym typeface="王漢宗顏楷體"/>
+            </a:endParaRPr>
+          </a:p>
+          <a:p>
+            <a:pPr marL="457200" indent="-457200" algn="l">
+              <a:lnSpc>
+                <a:spcPts val="4480"/>
+              </a:lnSpc>
+              <a:spcBef>
+                <a:spcPct val="0"/>
+              </a:spcBef>
+              <a:buFont typeface="Wingdings" panose="05000000000000000000" pitchFamily="2" charset="2"/>
+              <a:buChar char="v"/>
+            </a:pPr>
+            <a:r>
+              <a:rPr lang="en-US" altLang="zh-TW" sz="2600" dirty="0">
+                <a:latin typeface="Times New Roman" panose="02020603050405020304" pitchFamily="18" charset="0"/>
+                <a:ea typeface="標楷體" panose="03000509000000000000" pitchFamily="65" charset="-120"/>
+                <a:cs typeface="王漢宗顏楷體"/>
+                <a:sym typeface="王漢宗顏楷體"/>
+              </a:rPr>
+              <a:t>Vue </a:t>
+            </a:r>
+            <a:r>
+              <a:rPr lang="zh-TW" altLang="en-US" sz="2600" dirty="0">
+                <a:latin typeface="Times New Roman" panose="02020603050405020304" pitchFamily="18" charset="0"/>
+                <a:ea typeface="標楷體" panose="03000509000000000000" pitchFamily="65" charset="-120"/>
+                <a:cs typeface="王漢宗顏楷體"/>
+                <a:sym typeface="王漢宗顏楷體"/>
+              </a:rPr>
+              <a:t>的生命週期可以分為以下四個主要階段：</a:t>
+            </a:r>
+            <a:endParaRPr lang="en-US" altLang="zh-TW" sz="2600" dirty="0">
+              <a:latin typeface="Times New Roman" panose="02020603050405020304" pitchFamily="18" charset="0"/>
+              <a:ea typeface="標楷體" panose="03000509000000000000" pitchFamily="65" charset="-120"/>
+              <a:cs typeface="王漢宗顏楷體"/>
+              <a:sym typeface="王漢宗顏楷體"/>
+            </a:endParaRPr>
+          </a:p>
+          <a:p>
+            <a:pPr marL="914400" lvl="1" indent="-457200">
+              <a:lnSpc>
+                <a:spcPts val="4480"/>
+              </a:lnSpc>
+              <a:spcBef>
+                <a:spcPct val="0"/>
+              </a:spcBef>
+              <a:buFont typeface="Wingdings" panose="05000000000000000000" pitchFamily="2" charset="2"/>
+              <a:buChar char="v"/>
+            </a:pPr>
+            <a:r>
+              <a:rPr lang="zh-TW" altLang="en-US" sz="2600" dirty="0">
+                <a:latin typeface="Times New Roman" panose="02020603050405020304" pitchFamily="18" charset="0"/>
+                <a:ea typeface="標楷體" panose="03000509000000000000" pitchFamily="65" charset="-120"/>
+                <a:cs typeface="王漢宗顏楷體"/>
+                <a:sym typeface="王漢宗顏楷體"/>
+              </a:rPr>
+              <a:t>創建階段（</a:t>
+            </a:r>
+            <a:r>
+              <a:rPr lang="en-US" altLang="zh-CN" sz="2600" dirty="0">
+                <a:latin typeface="Times New Roman" panose="02020603050405020304" pitchFamily="18" charset="0"/>
+                <a:ea typeface="標楷體" panose="03000509000000000000" pitchFamily="65" charset="-120"/>
+                <a:cs typeface="王漢宗顏楷體"/>
+                <a:sym typeface="王漢宗顏楷體"/>
+              </a:rPr>
+              <a:t>Creation</a:t>
+            </a:r>
+            <a:r>
+              <a:rPr lang="zh-CN" altLang="en-US" sz="2600" dirty="0">
+                <a:latin typeface="Times New Roman" panose="02020603050405020304" pitchFamily="18" charset="0"/>
+                <a:ea typeface="標楷體" panose="03000509000000000000" pitchFamily="65" charset="-120"/>
+                <a:cs typeface="王漢宗顏楷體"/>
+                <a:sym typeface="王漢宗顏楷體"/>
+              </a:rPr>
+              <a:t>）</a:t>
+            </a:r>
+            <a:endParaRPr lang="en-US" altLang="zh-CN" sz="2600" dirty="0">
+              <a:latin typeface="Times New Roman" panose="02020603050405020304" pitchFamily="18" charset="0"/>
+              <a:ea typeface="標楷體" panose="03000509000000000000" pitchFamily="65" charset="-120"/>
+              <a:cs typeface="王漢宗顏楷體"/>
+              <a:sym typeface="王漢宗顏楷體"/>
+            </a:endParaRPr>
+          </a:p>
+          <a:p>
+            <a:pPr marL="914400" lvl="1" indent="-457200">
+              <a:lnSpc>
+                <a:spcPts val="4480"/>
+              </a:lnSpc>
+              <a:spcBef>
+                <a:spcPct val="0"/>
+              </a:spcBef>
+              <a:buFont typeface="Wingdings" panose="05000000000000000000" pitchFamily="2" charset="2"/>
+              <a:buChar char="v"/>
+            </a:pPr>
+            <a:r>
+              <a:rPr lang="zh-TW" altLang="en-US" sz="2600" dirty="0">
+                <a:latin typeface="Times New Roman" panose="02020603050405020304" pitchFamily="18" charset="0"/>
+                <a:ea typeface="標楷體" panose="03000509000000000000" pitchFamily="65" charset="-120"/>
+                <a:cs typeface="王漢宗顏楷體"/>
+                <a:sym typeface="王漢宗顏楷體"/>
+              </a:rPr>
+              <a:t>掛載階段（</a:t>
+            </a:r>
+            <a:r>
+              <a:rPr lang="en-US" altLang="zh-CN" sz="2600" dirty="0">
+                <a:latin typeface="Times New Roman" panose="02020603050405020304" pitchFamily="18" charset="0"/>
+                <a:ea typeface="標楷體" panose="03000509000000000000" pitchFamily="65" charset="-120"/>
+                <a:cs typeface="王漢宗顏楷體"/>
+                <a:sym typeface="王漢宗顏楷體"/>
+              </a:rPr>
+              <a:t>Mounting</a:t>
+            </a:r>
+            <a:r>
+              <a:rPr lang="zh-CN" altLang="en-US" sz="2600" dirty="0">
+                <a:latin typeface="Times New Roman" panose="02020603050405020304" pitchFamily="18" charset="0"/>
+                <a:ea typeface="標楷體" panose="03000509000000000000" pitchFamily="65" charset="-120"/>
+                <a:cs typeface="王漢宗顏楷體"/>
+                <a:sym typeface="王漢宗顏楷體"/>
+              </a:rPr>
+              <a:t>）</a:t>
+            </a:r>
+            <a:endParaRPr lang="en-US" altLang="zh-CN" sz="2600" dirty="0">
+              <a:latin typeface="Times New Roman" panose="02020603050405020304" pitchFamily="18" charset="0"/>
+              <a:ea typeface="標楷體" panose="03000509000000000000" pitchFamily="65" charset="-120"/>
+              <a:cs typeface="王漢宗顏楷體"/>
+              <a:sym typeface="王漢宗顏楷體"/>
+            </a:endParaRPr>
+          </a:p>
+          <a:p>
+            <a:pPr marL="914400" lvl="1" indent="-457200">
+              <a:lnSpc>
+                <a:spcPts val="4480"/>
+              </a:lnSpc>
+              <a:spcBef>
+                <a:spcPct val="0"/>
+              </a:spcBef>
+              <a:buFont typeface="Wingdings" panose="05000000000000000000" pitchFamily="2" charset="2"/>
+              <a:buChar char="v"/>
+            </a:pPr>
+            <a:r>
+              <a:rPr lang="zh-TW" altLang="en-US" sz="2600" dirty="0">
+                <a:latin typeface="Times New Roman" panose="02020603050405020304" pitchFamily="18" charset="0"/>
+                <a:ea typeface="標楷體" panose="03000509000000000000" pitchFamily="65" charset="-120"/>
+                <a:cs typeface="王漢宗顏楷體"/>
+                <a:sym typeface="王漢宗顏楷體"/>
+              </a:rPr>
+              <a:t>更新階段（</a:t>
+            </a:r>
+            <a:r>
+              <a:rPr lang="en-US" altLang="zh-CN" sz="2600" dirty="0">
+                <a:latin typeface="Times New Roman" panose="02020603050405020304" pitchFamily="18" charset="0"/>
+                <a:ea typeface="標楷體" panose="03000509000000000000" pitchFamily="65" charset="-120"/>
+                <a:cs typeface="王漢宗顏楷體"/>
+                <a:sym typeface="王漢宗顏楷體"/>
+              </a:rPr>
+              <a:t>Updating</a:t>
+            </a:r>
+            <a:r>
+              <a:rPr lang="zh-CN" altLang="en-US" sz="2600" dirty="0">
+                <a:latin typeface="Times New Roman" panose="02020603050405020304" pitchFamily="18" charset="0"/>
+                <a:ea typeface="標楷體" panose="03000509000000000000" pitchFamily="65" charset="-120"/>
+                <a:cs typeface="王漢宗顏楷體"/>
+                <a:sym typeface="王漢宗顏楷體"/>
+              </a:rPr>
+              <a:t>）</a:t>
+            </a:r>
+            <a:endParaRPr lang="en-US" altLang="zh-CN" sz="2600" dirty="0">
+              <a:latin typeface="Times New Roman" panose="02020603050405020304" pitchFamily="18" charset="0"/>
+              <a:ea typeface="標楷體" panose="03000509000000000000" pitchFamily="65" charset="-120"/>
+              <a:cs typeface="王漢宗顏楷體"/>
+              <a:sym typeface="王漢宗顏楷體"/>
+            </a:endParaRPr>
+          </a:p>
+          <a:p>
+            <a:pPr marL="914400" lvl="1" indent="-457200">
+              <a:lnSpc>
+                <a:spcPts val="4480"/>
+              </a:lnSpc>
+              <a:spcBef>
+                <a:spcPct val="0"/>
+              </a:spcBef>
+              <a:buFont typeface="Wingdings" panose="05000000000000000000" pitchFamily="2" charset="2"/>
+              <a:buChar char="v"/>
+            </a:pPr>
+            <a:r>
+              <a:rPr lang="zh-TW" altLang="en-US" sz="2600" dirty="0">
+                <a:latin typeface="Times New Roman" panose="02020603050405020304" pitchFamily="18" charset="0"/>
+                <a:ea typeface="標楷體" panose="03000509000000000000" pitchFamily="65" charset="-120"/>
+                <a:cs typeface="王漢宗顏楷體"/>
+                <a:sym typeface="王漢宗顏楷體"/>
+              </a:rPr>
+              <a:t>銷毀階段（</a:t>
+            </a:r>
+            <a:r>
+              <a:rPr lang="en-US" altLang="zh-TW" sz="2600" dirty="0">
+                <a:latin typeface="Times New Roman" panose="02020603050405020304" pitchFamily="18" charset="0"/>
+                <a:ea typeface="標楷體" panose="03000509000000000000" pitchFamily="65" charset="-120"/>
+                <a:cs typeface="王漢宗顏楷體"/>
+                <a:sym typeface="王漢宗顏楷體"/>
+              </a:rPr>
+              <a:t>Unm</a:t>
+            </a:r>
+            <a:r>
+              <a:rPr lang="en-US" altLang="zh-CN" sz="2600" dirty="0">
+                <a:latin typeface="Times New Roman" panose="02020603050405020304" pitchFamily="18" charset="0"/>
+                <a:ea typeface="標楷體" panose="03000509000000000000" pitchFamily="65" charset="-120"/>
+                <a:cs typeface="王漢宗顏楷體"/>
+                <a:sym typeface="王漢宗顏楷體"/>
+              </a:rPr>
+              <a:t>ounting</a:t>
+            </a:r>
+            <a:r>
+              <a:rPr lang="zh-CN" altLang="en-US" sz="2600" dirty="0">
+                <a:latin typeface="Times New Roman" panose="02020603050405020304" pitchFamily="18" charset="0"/>
+                <a:ea typeface="標楷體" panose="03000509000000000000" pitchFamily="65" charset="-120"/>
+                <a:cs typeface="王漢宗顏楷體"/>
+                <a:sym typeface="王漢宗顏楷體"/>
+              </a:rPr>
+              <a:t>）</a:t>
+            </a:r>
+            <a:endParaRPr lang="en-US" altLang="zh-CN" sz="2600" dirty="0">
+              <a:latin typeface="Times New Roman" panose="02020603050405020304" pitchFamily="18" charset="0"/>
+              <a:ea typeface="標楷體" panose="03000509000000000000" pitchFamily="65" charset="-120"/>
+              <a:cs typeface="王漢宗顏楷體"/>
+              <a:sym typeface="王漢宗顏楷體"/>
+            </a:endParaRPr>
+          </a:p>
+        </p:txBody>
+      </p:sp>
+      <p:grpSp>
+        <p:nvGrpSpPr>
+          <p:cNvPr id="28" name="Group 2">
+            <a:extLst>
+              <a:ext uri="{FF2B5EF4-FFF2-40B4-BE49-F238E27FC236}">
+                <a16:creationId xmlns:a16="http://schemas.microsoft.com/office/drawing/2014/main" id="{C571510F-4237-4159-A25E-D023AAABD06D}"/>
+              </a:ext>
+            </a:extLst>
+          </p:cNvPr>
+          <p:cNvGrpSpPr/>
+          <p:nvPr/>
+        </p:nvGrpSpPr>
+        <p:grpSpPr>
+          <a:xfrm>
+            <a:off x="0" y="0"/>
+            <a:ext cx="18288000" cy="1691609"/>
+            <a:chOff x="0" y="0"/>
+            <a:chExt cx="4816593" cy="543967"/>
+          </a:xfrm>
+        </p:grpSpPr>
+        <p:sp>
+          <p:nvSpPr>
+            <p:cNvPr id="29" name="Freeform 3">
+              <a:extLst>
+                <a:ext uri="{FF2B5EF4-FFF2-40B4-BE49-F238E27FC236}">
+                  <a16:creationId xmlns:a16="http://schemas.microsoft.com/office/drawing/2014/main" id="{8558C2F7-92C9-4ED9-A7F6-36896AE39BAD}"/>
+                </a:ext>
+              </a:extLst>
+            </p:cNvPr>
+            <p:cNvSpPr/>
+            <p:nvPr/>
+          </p:nvSpPr>
+          <p:spPr>
+            <a:xfrm>
+              <a:off x="0" y="0"/>
+              <a:ext cx="4816592" cy="543967"/>
+            </a:xfrm>
+            <a:custGeom>
+              <a:avLst/>
+              <a:gdLst/>
+              <a:ahLst/>
+              <a:cxnLst/>
+              <a:rect l="l" t="t" r="r" b="b"/>
+              <a:pathLst>
+                <a:path w="4816592" h="543967">
+                  <a:moveTo>
+                    <a:pt x="0" y="0"/>
+                  </a:moveTo>
+                  <a:lnTo>
+                    <a:pt x="4816592" y="0"/>
+                  </a:lnTo>
+                  <a:lnTo>
+                    <a:pt x="4816592" y="543967"/>
+                  </a:lnTo>
+                  <a:lnTo>
+                    <a:pt x="0" y="543967"/>
+                  </a:lnTo>
+                  <a:close/>
+                </a:path>
+              </a:pathLst>
+            </a:custGeom>
+            <a:gradFill rotWithShape="1">
+              <a:gsLst>
+                <a:gs pos="0">
+                  <a:srgbClr val="B81B22">
+                    <a:alpha val="100000"/>
+                  </a:srgbClr>
+                </a:gs>
+                <a:gs pos="25000">
+                  <a:srgbClr val="B81B22">
+                    <a:alpha val="99500"/>
+                  </a:srgbClr>
+                </a:gs>
+                <a:gs pos="50000">
+                  <a:srgbClr val="E82A34">
+                    <a:alpha val="100000"/>
+                  </a:srgbClr>
+                </a:gs>
+                <a:gs pos="75000">
+                  <a:srgbClr val="F89DA1">
+                    <a:alpha val="100000"/>
+                  </a:srgbClr>
+                </a:gs>
+                <a:gs pos="100000">
+                  <a:srgbClr val="FFFFFF">
+                    <a:alpha val="99500"/>
+                  </a:srgbClr>
+                </a:gs>
+              </a:gsLst>
+              <a:lin ang="0"/>
+            </a:gradFill>
+          </p:spPr>
+        </p:sp>
+        <p:sp>
+          <p:nvSpPr>
+            <p:cNvPr id="30" name="TextBox 4">
+              <a:extLst>
+                <a:ext uri="{FF2B5EF4-FFF2-40B4-BE49-F238E27FC236}">
+                  <a16:creationId xmlns:a16="http://schemas.microsoft.com/office/drawing/2014/main" id="{CC107A00-22F6-47C1-AAF1-49AC9E4F1FE8}"/>
+                </a:ext>
+              </a:extLst>
+            </p:cNvPr>
+            <p:cNvSpPr txBox="1"/>
+            <p:nvPr/>
+          </p:nvSpPr>
+          <p:spPr>
+            <a:xfrm>
+              <a:off x="0" y="-47625"/>
+              <a:ext cx="4816593" cy="591592"/>
+            </a:xfrm>
+            <a:prstGeom prst="rect">
+              <a:avLst/>
+            </a:prstGeom>
+          </p:spPr>
+          <p:txBody>
+            <a:bodyPr lIns="50800" tIns="50800" rIns="50800" bIns="50800" rtlCol="0" anchor="ctr"/>
+            <a:lstStyle/>
+            <a:p>
+              <a:pPr algn="ctr">
+                <a:lnSpc>
+                  <a:spcPts val="2659"/>
+                </a:lnSpc>
+              </a:pPr>
+              <a:endParaRPr>
+                <a:latin typeface="標楷體" panose="03000509000000000000" pitchFamily="65" charset="-120"/>
+                <a:ea typeface="標楷體" panose="03000509000000000000" pitchFamily="65" charset="-120"/>
+              </a:endParaRPr>
+            </a:p>
+          </p:txBody>
+        </p:sp>
+      </p:grpSp>
+      <p:sp>
+        <p:nvSpPr>
+          <p:cNvPr id="34" name="TextBox 8">
+            <a:extLst>
+              <a:ext uri="{FF2B5EF4-FFF2-40B4-BE49-F238E27FC236}">
+                <a16:creationId xmlns:a16="http://schemas.microsoft.com/office/drawing/2014/main" id="{6A6E9B8B-C857-4E5F-B514-20784942772F}"/>
+              </a:ext>
+            </a:extLst>
+          </p:cNvPr>
+          <p:cNvSpPr txBox="1"/>
+          <p:nvPr/>
+        </p:nvSpPr>
+        <p:spPr>
+          <a:xfrm>
+            <a:off x="304800" y="110995"/>
+            <a:ext cx="9571413" cy="1321516"/>
+          </a:xfrm>
+          <a:prstGeom prst="rect">
+            <a:avLst/>
+          </a:prstGeom>
+        </p:spPr>
+        <p:txBody>
+          <a:bodyPr wrap="square" lIns="0" tIns="0" rIns="0" bIns="0" rtlCol="0" anchor="t">
+            <a:spAutoFit/>
+          </a:bodyPr>
+          <a:lstStyle/>
+          <a:p>
+            <a:pPr algn="l">
+              <a:lnSpc>
+                <a:spcPts val="11200"/>
+              </a:lnSpc>
+              <a:spcBef>
+                <a:spcPct val="0"/>
+              </a:spcBef>
+            </a:pPr>
+            <a:r>
+              <a:rPr lang="en-US" altLang="zh-TW" sz="8000" dirty="0">
+                <a:solidFill>
+                  <a:srgbClr val="FFFFFF"/>
+                </a:solidFill>
+                <a:latin typeface="Times New Roman" panose="02020603050405020304" pitchFamily="18" charset="0"/>
+                <a:ea typeface="標楷體" panose="03000509000000000000" pitchFamily="65" charset="-120"/>
+                <a:cs typeface="Times New Roman" panose="02020603050405020304" pitchFamily="18" charset="0"/>
+                <a:sym typeface="王漢宗顏楷體"/>
+              </a:rPr>
+              <a:t>Vue</a:t>
+            </a:r>
+            <a:r>
+              <a:rPr lang="zh-TW" altLang="en-US" sz="8000" dirty="0">
+                <a:solidFill>
+                  <a:srgbClr val="FFFFFF"/>
+                </a:solidFill>
+                <a:latin typeface="Times New Roman" panose="02020603050405020304" pitchFamily="18" charset="0"/>
+                <a:ea typeface="標楷體" panose="03000509000000000000" pitchFamily="65" charset="-120"/>
+                <a:cs typeface="Times New Roman" panose="02020603050405020304" pitchFamily="18" charset="0"/>
+                <a:sym typeface="王漢宗顏楷體"/>
+              </a:rPr>
+              <a:t>物件生命週期</a:t>
+            </a:r>
+            <a:endParaRPr lang="en-US" altLang="zh-TW" sz="8000" dirty="0">
+              <a:solidFill>
+                <a:srgbClr val="FFFFFF"/>
+              </a:solidFill>
+              <a:latin typeface="Times New Roman" panose="02020603050405020304" pitchFamily="18" charset="0"/>
+              <a:ea typeface="標楷體" panose="03000509000000000000" pitchFamily="65" charset="-120"/>
+              <a:cs typeface="Times New Roman" panose="02020603050405020304" pitchFamily="18" charset="0"/>
+              <a:sym typeface="王漢宗顏楷體"/>
+            </a:endParaRPr>
+          </a:p>
+        </p:txBody>
+      </p:sp>
+      <p:sp>
+        <p:nvSpPr>
+          <p:cNvPr id="8" name="矩形 7">
+            <a:extLst>
+              <a:ext uri="{FF2B5EF4-FFF2-40B4-BE49-F238E27FC236}">
+                <a16:creationId xmlns:a16="http://schemas.microsoft.com/office/drawing/2014/main" id="{7166B9A7-94CE-453C-96C5-B08673D6BE75}"/>
+              </a:ext>
+            </a:extLst>
+          </p:cNvPr>
+          <p:cNvSpPr/>
+          <p:nvPr/>
+        </p:nvSpPr>
+        <p:spPr>
+          <a:xfrm rot="10800000" flipV="1">
+            <a:off x="7152562" y="4113998"/>
+            <a:ext cx="2209800" cy="779170"/>
+          </a:xfrm>
+          <a:prstGeom prst="rect">
+            <a:avLst/>
+          </a:prstGeom>
+          <a:solidFill>
+            <a:srgbClr val="FCEADB"/>
+          </a:solidFill>
+          <a:ln>
+            <a:noFill/>
+          </a:ln>
+          <a:effectLst/>
+        </p:spPr>
+        <p:style>
+          <a:lnRef idx="1">
+            <a:schemeClr val="accent5"/>
+          </a:lnRef>
+          <a:fillRef idx="2">
+            <a:schemeClr val="accent5"/>
+          </a:fillRef>
+          <a:effectRef idx="1">
+            <a:schemeClr val="accent5"/>
+          </a:effectRef>
+          <a:fontRef idx="minor">
+            <a:schemeClr val="dk1"/>
+          </a:fontRef>
+        </p:style>
+        <p:txBody>
+          <a:bodyPr rtlCol="0" anchor="ctr"/>
+          <a:lstStyle/>
+          <a:p>
+            <a:pPr algn="ctr"/>
+            <a:r>
+              <a:rPr lang="en-US" altLang="zh-TW" sz="2000" dirty="0" err="1">
+                <a:latin typeface="Times New Roman" panose="02020603050405020304" pitchFamily="18" charset="0"/>
+                <a:ea typeface="標楷體" panose="03000509000000000000" pitchFamily="65" charset="-120"/>
+              </a:rPr>
+              <a:t>createApp</a:t>
+            </a:r>
+            <a:r>
+              <a:rPr lang="en-US" altLang="zh-TW" sz="2000" dirty="0">
+                <a:latin typeface="Times New Roman" panose="02020603050405020304" pitchFamily="18" charset="0"/>
+                <a:ea typeface="標楷體" panose="03000509000000000000" pitchFamily="65" charset="-120"/>
+              </a:rPr>
+              <a:t>()</a:t>
+            </a:r>
+            <a:endParaRPr lang="zh-TW" altLang="en-US" sz="2000" dirty="0">
+              <a:latin typeface="Times New Roman" panose="02020603050405020304" pitchFamily="18" charset="0"/>
+              <a:ea typeface="標楷體" panose="03000509000000000000" pitchFamily="65" charset="-120"/>
+            </a:endParaRPr>
+          </a:p>
+        </p:txBody>
+      </p:sp>
+      <p:sp>
+        <p:nvSpPr>
+          <p:cNvPr id="9" name="矩形 8">
+            <a:extLst>
+              <a:ext uri="{FF2B5EF4-FFF2-40B4-BE49-F238E27FC236}">
+                <a16:creationId xmlns:a16="http://schemas.microsoft.com/office/drawing/2014/main" id="{3C57783F-8750-4613-A6FE-0DBECFC793FC}"/>
+              </a:ext>
+            </a:extLst>
+          </p:cNvPr>
+          <p:cNvSpPr/>
+          <p:nvPr/>
+        </p:nvSpPr>
+        <p:spPr>
+          <a:xfrm rot="10800000" flipV="1">
+            <a:off x="9779878" y="5302068"/>
+            <a:ext cx="2209800" cy="779170"/>
+          </a:xfrm>
+          <a:prstGeom prst="rect">
+            <a:avLst/>
+          </a:prstGeom>
+          <a:solidFill>
+            <a:srgbClr val="E7C6FF"/>
+          </a:solidFill>
+          <a:ln>
+            <a:noFill/>
+          </a:ln>
+          <a:effectLst/>
+        </p:spPr>
+        <p:style>
+          <a:lnRef idx="1">
+            <a:schemeClr val="accent5"/>
+          </a:lnRef>
+          <a:fillRef idx="2">
+            <a:schemeClr val="accent5"/>
+          </a:fillRef>
+          <a:effectRef idx="1">
+            <a:schemeClr val="accent5"/>
+          </a:effectRef>
+          <a:fontRef idx="minor">
+            <a:schemeClr val="dk1"/>
+          </a:fontRef>
+        </p:style>
+        <p:txBody>
+          <a:bodyPr rtlCol="0" anchor="ctr"/>
+          <a:lstStyle/>
+          <a:p>
+            <a:pPr algn="ctr"/>
+            <a:r>
+              <a:rPr lang="en-US" altLang="zh-TW" sz="2000" dirty="0">
+                <a:latin typeface="Times New Roman" panose="02020603050405020304" pitchFamily="18" charset="0"/>
+                <a:ea typeface="標楷體" panose="03000509000000000000" pitchFamily="65" charset="-120"/>
+              </a:rPr>
+              <a:t>created()</a:t>
+            </a:r>
+            <a:endParaRPr lang="zh-TW" altLang="en-US" sz="2000" dirty="0">
+              <a:latin typeface="Times New Roman" panose="02020603050405020304" pitchFamily="18" charset="0"/>
+              <a:ea typeface="標楷體" panose="03000509000000000000" pitchFamily="65" charset="-120"/>
+            </a:endParaRPr>
+          </a:p>
+        </p:txBody>
+      </p:sp>
+      <p:sp>
+        <p:nvSpPr>
+          <p:cNvPr id="10" name="矩形 9">
+            <a:extLst>
+              <a:ext uri="{FF2B5EF4-FFF2-40B4-BE49-F238E27FC236}">
+                <a16:creationId xmlns:a16="http://schemas.microsoft.com/office/drawing/2014/main" id="{277E1DE4-8BAA-43FE-84AA-4469E8AE6B74}"/>
+              </a:ext>
+            </a:extLst>
+          </p:cNvPr>
+          <p:cNvSpPr/>
+          <p:nvPr/>
+        </p:nvSpPr>
+        <p:spPr>
+          <a:xfrm rot="10800000" flipV="1">
+            <a:off x="7155977" y="5302068"/>
+            <a:ext cx="2209800" cy="779170"/>
+          </a:xfrm>
+          <a:prstGeom prst="rect">
+            <a:avLst/>
+          </a:prstGeom>
+          <a:solidFill>
+            <a:srgbClr val="E7C6FF"/>
+          </a:solidFill>
+          <a:ln>
+            <a:noFill/>
+          </a:ln>
+          <a:effectLst/>
+        </p:spPr>
+        <p:style>
+          <a:lnRef idx="1">
+            <a:schemeClr val="accent5"/>
+          </a:lnRef>
+          <a:fillRef idx="2">
+            <a:schemeClr val="accent5"/>
+          </a:fillRef>
+          <a:effectRef idx="1">
+            <a:schemeClr val="accent5"/>
+          </a:effectRef>
+          <a:fontRef idx="minor">
+            <a:schemeClr val="dk1"/>
+          </a:fontRef>
+        </p:style>
+        <p:txBody>
+          <a:bodyPr rtlCol="0" anchor="ctr"/>
+          <a:lstStyle/>
+          <a:p>
+            <a:pPr algn="ctr"/>
+            <a:r>
+              <a:rPr lang="en-US" altLang="zh-TW" sz="2000" dirty="0" err="1">
+                <a:latin typeface="Times New Roman" panose="02020603050405020304" pitchFamily="18" charset="0"/>
+                <a:ea typeface="標楷體" panose="03000509000000000000" pitchFamily="65" charset="-120"/>
+              </a:rPr>
+              <a:t>beforeCreated</a:t>
+            </a:r>
+            <a:r>
+              <a:rPr lang="en-US" altLang="zh-TW" sz="2000" dirty="0">
+                <a:latin typeface="Times New Roman" panose="02020603050405020304" pitchFamily="18" charset="0"/>
+                <a:ea typeface="標楷體" panose="03000509000000000000" pitchFamily="65" charset="-120"/>
+              </a:rPr>
+              <a:t>()</a:t>
+            </a:r>
+            <a:endParaRPr lang="zh-TW" altLang="en-US" sz="2000" dirty="0">
+              <a:latin typeface="Times New Roman" panose="02020603050405020304" pitchFamily="18" charset="0"/>
+              <a:ea typeface="標楷體" panose="03000509000000000000" pitchFamily="65" charset="-120"/>
+            </a:endParaRPr>
+          </a:p>
+        </p:txBody>
+      </p:sp>
+      <p:sp>
+        <p:nvSpPr>
+          <p:cNvPr id="11" name="矩形 10">
+            <a:extLst>
+              <a:ext uri="{FF2B5EF4-FFF2-40B4-BE49-F238E27FC236}">
+                <a16:creationId xmlns:a16="http://schemas.microsoft.com/office/drawing/2014/main" id="{669E23CB-5C5A-4467-A7D2-D857F3BEDED2}"/>
+              </a:ext>
+            </a:extLst>
+          </p:cNvPr>
+          <p:cNvSpPr/>
+          <p:nvPr/>
+        </p:nvSpPr>
+        <p:spPr>
+          <a:xfrm rot="10800000" flipV="1">
+            <a:off x="7163596" y="6538438"/>
+            <a:ext cx="2209800" cy="779170"/>
+          </a:xfrm>
+          <a:prstGeom prst="rect">
+            <a:avLst/>
+          </a:prstGeom>
+          <a:solidFill>
+            <a:srgbClr val="FCC4FB"/>
+          </a:solidFill>
+          <a:ln>
+            <a:noFill/>
+          </a:ln>
+          <a:effectLst/>
+        </p:spPr>
+        <p:style>
+          <a:lnRef idx="1">
+            <a:schemeClr val="accent5"/>
+          </a:lnRef>
+          <a:fillRef idx="2">
+            <a:schemeClr val="accent5"/>
+          </a:fillRef>
+          <a:effectRef idx="1">
+            <a:schemeClr val="accent5"/>
+          </a:effectRef>
+          <a:fontRef idx="minor">
+            <a:schemeClr val="dk1"/>
+          </a:fontRef>
+        </p:style>
+        <p:txBody>
+          <a:bodyPr rtlCol="0" anchor="ctr"/>
+          <a:lstStyle/>
+          <a:p>
+            <a:pPr algn="ctr"/>
+            <a:r>
+              <a:rPr lang="en-US" altLang="zh-TW" sz="2000" dirty="0">
+                <a:latin typeface="Times New Roman" panose="02020603050405020304" pitchFamily="18" charset="0"/>
+                <a:ea typeface="標楷體" panose="03000509000000000000" pitchFamily="65" charset="-120"/>
+              </a:rPr>
+              <a:t>mounted()</a:t>
+            </a:r>
+            <a:endParaRPr lang="zh-TW" altLang="en-US" sz="2000" dirty="0">
+              <a:latin typeface="Times New Roman" panose="02020603050405020304" pitchFamily="18" charset="0"/>
+              <a:ea typeface="標楷體" panose="03000509000000000000" pitchFamily="65" charset="-120"/>
+            </a:endParaRPr>
+          </a:p>
+        </p:txBody>
+      </p:sp>
+      <p:sp>
+        <p:nvSpPr>
+          <p:cNvPr id="12" name="矩形 11">
+            <a:extLst>
+              <a:ext uri="{FF2B5EF4-FFF2-40B4-BE49-F238E27FC236}">
+                <a16:creationId xmlns:a16="http://schemas.microsoft.com/office/drawing/2014/main" id="{3090FE72-FEBA-4445-A360-2122FB31ADD5}"/>
+              </a:ext>
+            </a:extLst>
+          </p:cNvPr>
+          <p:cNvSpPr/>
+          <p:nvPr/>
+        </p:nvSpPr>
+        <p:spPr>
+          <a:xfrm rot="10800000" flipV="1">
+            <a:off x="9779878" y="6539791"/>
+            <a:ext cx="2209800" cy="779170"/>
+          </a:xfrm>
+          <a:prstGeom prst="rect">
+            <a:avLst/>
+          </a:prstGeom>
+          <a:solidFill>
+            <a:srgbClr val="FCC4FB"/>
+          </a:solidFill>
+          <a:ln>
+            <a:noFill/>
+          </a:ln>
+          <a:effectLst/>
+        </p:spPr>
+        <p:style>
+          <a:lnRef idx="1">
+            <a:schemeClr val="accent5"/>
+          </a:lnRef>
+          <a:fillRef idx="2">
+            <a:schemeClr val="accent5"/>
+          </a:fillRef>
+          <a:effectRef idx="1">
+            <a:schemeClr val="accent5"/>
+          </a:effectRef>
+          <a:fontRef idx="minor">
+            <a:schemeClr val="dk1"/>
+          </a:fontRef>
+        </p:style>
+        <p:txBody>
+          <a:bodyPr rtlCol="0" anchor="ctr"/>
+          <a:lstStyle/>
+          <a:p>
+            <a:pPr algn="ctr"/>
+            <a:r>
+              <a:rPr lang="en-US" altLang="zh-TW" sz="2000" dirty="0" err="1">
+                <a:latin typeface="Times New Roman" panose="02020603050405020304" pitchFamily="18" charset="0"/>
+                <a:ea typeface="標楷體" panose="03000509000000000000" pitchFamily="65" charset="-120"/>
+              </a:rPr>
+              <a:t>beforeMounted</a:t>
+            </a:r>
+            <a:r>
+              <a:rPr lang="en-US" altLang="zh-TW" sz="2000" dirty="0">
+                <a:latin typeface="Times New Roman" panose="02020603050405020304" pitchFamily="18" charset="0"/>
+                <a:ea typeface="標楷體" panose="03000509000000000000" pitchFamily="65" charset="-120"/>
+              </a:rPr>
+              <a:t>()</a:t>
+            </a:r>
+            <a:endParaRPr lang="zh-TW" altLang="en-US" sz="2000" dirty="0">
+              <a:latin typeface="Times New Roman" panose="02020603050405020304" pitchFamily="18" charset="0"/>
+              <a:ea typeface="標楷體" panose="03000509000000000000" pitchFamily="65" charset="-120"/>
+            </a:endParaRPr>
+          </a:p>
+        </p:txBody>
+      </p:sp>
+      <p:sp>
+        <p:nvSpPr>
+          <p:cNvPr id="14" name="矩形 13">
+            <a:extLst>
+              <a:ext uri="{FF2B5EF4-FFF2-40B4-BE49-F238E27FC236}">
+                <a16:creationId xmlns:a16="http://schemas.microsoft.com/office/drawing/2014/main" id="{87B10E36-6A48-4D75-9ACC-4EBD4030FFAD}"/>
+              </a:ext>
+            </a:extLst>
+          </p:cNvPr>
+          <p:cNvSpPr/>
+          <p:nvPr/>
+        </p:nvSpPr>
+        <p:spPr>
+          <a:xfrm rot="10800000" flipV="1">
+            <a:off x="12573002" y="5916730"/>
+            <a:ext cx="2209800" cy="779171"/>
+          </a:xfrm>
+          <a:prstGeom prst="rect">
+            <a:avLst/>
+          </a:prstGeom>
+          <a:solidFill>
+            <a:srgbClr val="FFB3C6"/>
+          </a:solidFill>
+          <a:ln>
+            <a:noFill/>
+          </a:ln>
+          <a:effectLst/>
+        </p:spPr>
+        <p:style>
+          <a:lnRef idx="1">
+            <a:schemeClr val="accent5"/>
+          </a:lnRef>
+          <a:fillRef idx="2">
+            <a:schemeClr val="accent5"/>
+          </a:fillRef>
+          <a:effectRef idx="1">
+            <a:schemeClr val="accent5"/>
+          </a:effectRef>
+          <a:fontRef idx="minor">
+            <a:schemeClr val="dk1"/>
+          </a:fontRef>
+        </p:style>
+        <p:txBody>
+          <a:bodyPr rtlCol="0" anchor="ctr"/>
+          <a:lstStyle/>
+          <a:p>
+            <a:pPr algn="ctr"/>
+            <a:r>
+              <a:rPr lang="en-US" altLang="zh-TW" sz="2000" dirty="0">
+                <a:latin typeface="Times New Roman" panose="02020603050405020304" pitchFamily="18" charset="0"/>
+                <a:ea typeface="標楷體" panose="03000509000000000000" pitchFamily="65" charset="-120"/>
+              </a:rPr>
+              <a:t>Compile template</a:t>
+            </a:r>
+            <a:endParaRPr lang="zh-TW" altLang="en-US" sz="2000" dirty="0">
+              <a:latin typeface="Times New Roman" panose="02020603050405020304" pitchFamily="18" charset="0"/>
+              <a:ea typeface="標楷體" panose="03000509000000000000" pitchFamily="65" charset="-120"/>
+            </a:endParaRPr>
+          </a:p>
+        </p:txBody>
+      </p:sp>
+      <p:sp>
+        <p:nvSpPr>
+          <p:cNvPr id="15" name="矩形 14">
+            <a:extLst>
+              <a:ext uri="{FF2B5EF4-FFF2-40B4-BE49-F238E27FC236}">
+                <a16:creationId xmlns:a16="http://schemas.microsoft.com/office/drawing/2014/main" id="{57F16647-54A3-4FDC-A6F2-B3ECEBF6F928}"/>
+              </a:ext>
+            </a:extLst>
+          </p:cNvPr>
+          <p:cNvSpPr/>
+          <p:nvPr/>
+        </p:nvSpPr>
+        <p:spPr>
+          <a:xfrm rot="10800000" flipV="1">
+            <a:off x="7163596" y="8350751"/>
+            <a:ext cx="2209800" cy="779170"/>
+          </a:xfrm>
+          <a:prstGeom prst="rect">
+            <a:avLst/>
+          </a:prstGeom>
+          <a:solidFill>
+            <a:srgbClr val="FCDFC0"/>
+          </a:solidFill>
+          <a:ln>
+            <a:noFill/>
+          </a:ln>
+          <a:effectLst/>
+        </p:spPr>
+        <p:style>
+          <a:lnRef idx="1">
+            <a:schemeClr val="accent5"/>
+          </a:lnRef>
+          <a:fillRef idx="2">
+            <a:schemeClr val="accent5"/>
+          </a:fillRef>
+          <a:effectRef idx="1">
+            <a:schemeClr val="accent5"/>
+          </a:effectRef>
+          <a:fontRef idx="minor">
+            <a:schemeClr val="dk1"/>
+          </a:fontRef>
+        </p:style>
+        <p:txBody>
+          <a:bodyPr rtlCol="0" anchor="ctr"/>
+          <a:lstStyle/>
+          <a:p>
+            <a:pPr algn="ctr"/>
+            <a:r>
+              <a:rPr lang="en-US" altLang="zh-TW" sz="2000" dirty="0">
+                <a:latin typeface="Times New Roman" panose="02020603050405020304" pitchFamily="18" charset="0"/>
+                <a:ea typeface="標楷體" panose="03000509000000000000" pitchFamily="65" charset="-120"/>
+              </a:rPr>
+              <a:t>Mounted </a:t>
+            </a:r>
+            <a:r>
+              <a:rPr lang="en-US" altLang="zh-TW" sz="2000" dirty="0" err="1">
+                <a:latin typeface="Times New Roman" panose="02020603050405020304" pitchFamily="18" charset="0"/>
+                <a:ea typeface="標楷體" panose="03000509000000000000" pitchFamily="65" charset="-120"/>
+              </a:rPr>
+              <a:t>vue</a:t>
+            </a:r>
+            <a:r>
+              <a:rPr lang="en-US" altLang="zh-TW" sz="2000" dirty="0">
+                <a:latin typeface="Times New Roman" panose="02020603050405020304" pitchFamily="18" charset="0"/>
+                <a:ea typeface="標楷體" panose="03000509000000000000" pitchFamily="65" charset="-120"/>
+              </a:rPr>
+              <a:t> instance</a:t>
+            </a:r>
+            <a:endParaRPr lang="zh-TW" altLang="en-US" sz="2000" dirty="0">
+              <a:latin typeface="Times New Roman" panose="02020603050405020304" pitchFamily="18" charset="0"/>
+              <a:ea typeface="標楷體" panose="03000509000000000000" pitchFamily="65" charset="-120"/>
+            </a:endParaRPr>
+          </a:p>
+        </p:txBody>
+      </p:sp>
+      <p:sp>
+        <p:nvSpPr>
+          <p:cNvPr id="16" name="矩形 15">
+            <a:extLst>
+              <a:ext uri="{FF2B5EF4-FFF2-40B4-BE49-F238E27FC236}">
+                <a16:creationId xmlns:a16="http://schemas.microsoft.com/office/drawing/2014/main" id="{D05E28ED-5614-4624-B7AF-800E3FED1301}"/>
+              </a:ext>
+            </a:extLst>
+          </p:cNvPr>
+          <p:cNvSpPr/>
+          <p:nvPr/>
+        </p:nvSpPr>
+        <p:spPr>
+          <a:xfrm rot="10800000" flipV="1">
+            <a:off x="9757132" y="7776160"/>
+            <a:ext cx="2209800" cy="779170"/>
+          </a:xfrm>
+          <a:prstGeom prst="rect">
+            <a:avLst/>
+          </a:prstGeom>
+          <a:solidFill>
+            <a:srgbClr val="FCDFC0"/>
+          </a:solidFill>
+          <a:ln>
+            <a:noFill/>
+          </a:ln>
+          <a:effectLst/>
+        </p:spPr>
+        <p:style>
+          <a:lnRef idx="1">
+            <a:schemeClr val="accent5"/>
+          </a:lnRef>
+          <a:fillRef idx="2">
+            <a:schemeClr val="accent5"/>
+          </a:fillRef>
+          <a:effectRef idx="1">
+            <a:schemeClr val="accent5"/>
+          </a:effectRef>
+          <a:fontRef idx="minor">
+            <a:schemeClr val="dk1"/>
+          </a:fontRef>
+        </p:style>
+        <p:txBody>
+          <a:bodyPr rtlCol="0" anchor="ctr"/>
+          <a:lstStyle/>
+          <a:p>
+            <a:pPr algn="ctr"/>
+            <a:r>
+              <a:rPr lang="en-US" altLang="zh-TW" sz="2000" dirty="0">
+                <a:latin typeface="Times New Roman" panose="02020603050405020304" pitchFamily="18" charset="0"/>
+                <a:ea typeface="標楷體" panose="03000509000000000000" pitchFamily="65" charset="-120"/>
+              </a:rPr>
+              <a:t>Dara change</a:t>
+            </a:r>
+            <a:endParaRPr lang="zh-TW" altLang="en-US" sz="2000" dirty="0">
+              <a:latin typeface="Times New Roman" panose="02020603050405020304" pitchFamily="18" charset="0"/>
+              <a:ea typeface="標楷體" panose="03000509000000000000" pitchFamily="65" charset="-120"/>
+            </a:endParaRPr>
+          </a:p>
+        </p:txBody>
+      </p:sp>
+      <p:sp>
+        <p:nvSpPr>
+          <p:cNvPr id="17" name="矩形 16">
+            <a:extLst>
+              <a:ext uri="{FF2B5EF4-FFF2-40B4-BE49-F238E27FC236}">
+                <a16:creationId xmlns:a16="http://schemas.microsoft.com/office/drawing/2014/main" id="{31AF45D9-71AC-4FD6-8EE7-F3A3B1D23960}"/>
+              </a:ext>
+            </a:extLst>
+          </p:cNvPr>
+          <p:cNvSpPr/>
+          <p:nvPr/>
+        </p:nvSpPr>
+        <p:spPr>
+          <a:xfrm rot="10800000" flipV="1">
+            <a:off x="9779878" y="9012529"/>
+            <a:ext cx="2209800" cy="779170"/>
+          </a:xfrm>
+          <a:prstGeom prst="rect">
+            <a:avLst/>
+          </a:prstGeom>
+          <a:solidFill>
+            <a:srgbClr val="FCDFC0"/>
+          </a:solidFill>
+          <a:ln>
+            <a:noFill/>
+          </a:ln>
+          <a:effectLst/>
+        </p:spPr>
+        <p:style>
+          <a:lnRef idx="1">
+            <a:schemeClr val="accent5"/>
+          </a:lnRef>
+          <a:fillRef idx="2">
+            <a:schemeClr val="accent5"/>
+          </a:fillRef>
+          <a:effectRef idx="1">
+            <a:schemeClr val="accent5"/>
+          </a:effectRef>
+          <a:fontRef idx="minor">
+            <a:schemeClr val="dk1"/>
+          </a:fontRef>
+        </p:style>
+        <p:txBody>
+          <a:bodyPr rtlCol="0" anchor="ctr"/>
+          <a:lstStyle/>
+          <a:p>
+            <a:pPr algn="ctr"/>
+            <a:r>
+              <a:rPr lang="en-US" altLang="zh-TW" sz="2000" dirty="0">
+                <a:latin typeface="Times New Roman" panose="02020603050405020304" pitchFamily="18" charset="0"/>
+                <a:ea typeface="標楷體" panose="03000509000000000000" pitchFamily="65" charset="-120"/>
+              </a:rPr>
+              <a:t>Instance unmounted</a:t>
+            </a:r>
+            <a:endParaRPr lang="zh-TW" altLang="en-US" sz="2000" dirty="0">
+              <a:latin typeface="Times New Roman" panose="02020603050405020304" pitchFamily="18" charset="0"/>
+              <a:ea typeface="標楷體" panose="03000509000000000000" pitchFamily="65" charset="-120"/>
+            </a:endParaRPr>
+          </a:p>
+        </p:txBody>
+      </p:sp>
+      <p:cxnSp>
+        <p:nvCxnSpPr>
+          <p:cNvPr id="18" name="直線單箭頭接點 17">
+            <a:extLst>
+              <a:ext uri="{FF2B5EF4-FFF2-40B4-BE49-F238E27FC236}">
+                <a16:creationId xmlns:a16="http://schemas.microsoft.com/office/drawing/2014/main" id="{A913765F-CE8C-4F71-BFEB-AFCE424BB7D4}"/>
+              </a:ext>
+            </a:extLst>
+          </p:cNvPr>
+          <p:cNvCxnSpPr>
+            <a:cxnSpLocks/>
+            <a:stCxn id="8" idx="2"/>
+            <a:endCxn id="10" idx="0"/>
+          </p:cNvCxnSpPr>
+          <p:nvPr/>
+        </p:nvCxnSpPr>
+        <p:spPr>
+          <a:xfrm>
+            <a:off x="8257462" y="4893168"/>
+            <a:ext cx="3415" cy="408900"/>
+          </a:xfrm>
+          <a:prstGeom prst="straightConnector1">
+            <a:avLst/>
+          </a:prstGeom>
+          <a:ln>
+            <a:tailEnd type="triangle"/>
+          </a:ln>
+        </p:spPr>
+        <p:style>
+          <a:lnRef idx="2">
+            <a:schemeClr val="dk1"/>
+          </a:lnRef>
+          <a:fillRef idx="0">
+            <a:schemeClr val="dk1"/>
+          </a:fillRef>
+          <a:effectRef idx="1">
+            <a:schemeClr val="dk1"/>
+          </a:effectRef>
+          <a:fontRef idx="minor">
+            <a:schemeClr val="tx1"/>
+          </a:fontRef>
+        </p:style>
+      </p:cxnSp>
+      <p:cxnSp>
+        <p:nvCxnSpPr>
+          <p:cNvPr id="23" name="直線單箭頭接點 22">
+            <a:extLst>
+              <a:ext uri="{FF2B5EF4-FFF2-40B4-BE49-F238E27FC236}">
+                <a16:creationId xmlns:a16="http://schemas.microsoft.com/office/drawing/2014/main" id="{065DA4AF-24A3-4DA2-BF71-31B91B2B0AD1}"/>
+              </a:ext>
+            </a:extLst>
+          </p:cNvPr>
+          <p:cNvCxnSpPr>
+            <a:cxnSpLocks/>
+            <a:stCxn id="10" idx="1"/>
+            <a:endCxn id="9" idx="3"/>
+          </p:cNvCxnSpPr>
+          <p:nvPr/>
+        </p:nvCxnSpPr>
+        <p:spPr>
+          <a:xfrm>
+            <a:off x="9365777" y="5691653"/>
+            <a:ext cx="414101" cy="0"/>
+          </a:xfrm>
+          <a:prstGeom prst="straightConnector1">
+            <a:avLst/>
+          </a:prstGeom>
+          <a:ln>
+            <a:tailEnd type="triangle"/>
+          </a:ln>
+        </p:spPr>
+        <p:style>
+          <a:lnRef idx="2">
+            <a:schemeClr val="dk1"/>
+          </a:lnRef>
+          <a:fillRef idx="0">
+            <a:schemeClr val="dk1"/>
+          </a:fillRef>
+          <a:effectRef idx="1">
+            <a:schemeClr val="dk1"/>
+          </a:effectRef>
+          <a:fontRef idx="minor">
+            <a:schemeClr val="tx1"/>
+          </a:fontRef>
+        </p:style>
+      </p:cxnSp>
+      <p:cxnSp>
+        <p:nvCxnSpPr>
+          <p:cNvPr id="31" name="直線單箭頭接點 30">
+            <a:extLst>
+              <a:ext uri="{FF2B5EF4-FFF2-40B4-BE49-F238E27FC236}">
+                <a16:creationId xmlns:a16="http://schemas.microsoft.com/office/drawing/2014/main" id="{B5B4496C-EE85-4A2A-A3AE-B32425132E80}"/>
+              </a:ext>
+            </a:extLst>
+          </p:cNvPr>
+          <p:cNvCxnSpPr>
+            <a:cxnSpLocks/>
+            <a:stCxn id="9" idx="1"/>
+            <a:endCxn id="14" idx="0"/>
+          </p:cNvCxnSpPr>
+          <p:nvPr/>
+        </p:nvCxnSpPr>
+        <p:spPr>
+          <a:xfrm>
+            <a:off x="11989678" y="5691653"/>
+            <a:ext cx="1688224" cy="225077"/>
+          </a:xfrm>
+          <a:prstGeom prst="bentConnector2">
+            <a:avLst/>
+          </a:prstGeom>
+          <a:ln>
+            <a:tailEnd type="triangle"/>
+          </a:ln>
+        </p:spPr>
+        <p:style>
+          <a:lnRef idx="2">
+            <a:schemeClr val="dk1"/>
+          </a:lnRef>
+          <a:fillRef idx="0">
+            <a:schemeClr val="dk1"/>
+          </a:fillRef>
+          <a:effectRef idx="1">
+            <a:schemeClr val="dk1"/>
+          </a:effectRef>
+          <a:fontRef idx="minor">
+            <a:schemeClr val="tx1"/>
+          </a:fontRef>
+        </p:style>
+      </p:cxnSp>
+      <p:cxnSp>
+        <p:nvCxnSpPr>
+          <p:cNvPr id="32" name="直線單箭頭接點 30">
+            <a:extLst>
+              <a:ext uri="{FF2B5EF4-FFF2-40B4-BE49-F238E27FC236}">
+                <a16:creationId xmlns:a16="http://schemas.microsoft.com/office/drawing/2014/main" id="{FC0E51BB-8100-45AF-866E-485A99BA48EA}"/>
+              </a:ext>
+            </a:extLst>
+          </p:cNvPr>
+          <p:cNvCxnSpPr>
+            <a:cxnSpLocks/>
+            <a:stCxn id="14" idx="2"/>
+            <a:endCxn id="12" idx="1"/>
+          </p:cNvCxnSpPr>
+          <p:nvPr/>
+        </p:nvCxnSpPr>
+        <p:spPr>
+          <a:xfrm rot="5400000">
+            <a:off x="12717053" y="5968526"/>
+            <a:ext cx="233475" cy="1688224"/>
+          </a:xfrm>
+          <a:prstGeom prst="bentConnector2">
+            <a:avLst/>
+          </a:prstGeom>
+          <a:ln>
+            <a:tailEnd type="triangle"/>
+          </a:ln>
+        </p:spPr>
+        <p:style>
+          <a:lnRef idx="2">
+            <a:schemeClr val="dk1"/>
+          </a:lnRef>
+          <a:fillRef idx="0">
+            <a:schemeClr val="dk1"/>
+          </a:fillRef>
+          <a:effectRef idx="1">
+            <a:schemeClr val="dk1"/>
+          </a:effectRef>
+          <a:fontRef idx="minor">
+            <a:schemeClr val="tx1"/>
+          </a:fontRef>
+        </p:style>
+      </p:cxnSp>
+      <p:cxnSp>
+        <p:nvCxnSpPr>
+          <p:cNvPr id="36" name="直線單箭頭接點 35">
+            <a:extLst>
+              <a:ext uri="{FF2B5EF4-FFF2-40B4-BE49-F238E27FC236}">
+                <a16:creationId xmlns:a16="http://schemas.microsoft.com/office/drawing/2014/main" id="{2C42E591-694F-4830-A6EC-05CF77CBC5E6}"/>
+              </a:ext>
+            </a:extLst>
+          </p:cNvPr>
+          <p:cNvCxnSpPr>
+            <a:cxnSpLocks/>
+            <a:stCxn id="12" idx="3"/>
+            <a:endCxn id="11" idx="1"/>
+          </p:cNvCxnSpPr>
+          <p:nvPr/>
+        </p:nvCxnSpPr>
+        <p:spPr>
+          <a:xfrm flipH="1" flipV="1">
+            <a:off x="9373396" y="6928023"/>
+            <a:ext cx="406482" cy="1353"/>
+          </a:xfrm>
+          <a:prstGeom prst="straightConnector1">
+            <a:avLst/>
+          </a:prstGeom>
+          <a:ln>
+            <a:tailEnd type="triangle"/>
+          </a:ln>
+        </p:spPr>
+        <p:style>
+          <a:lnRef idx="2">
+            <a:schemeClr val="dk1"/>
+          </a:lnRef>
+          <a:fillRef idx="0">
+            <a:schemeClr val="dk1"/>
+          </a:fillRef>
+          <a:effectRef idx="1">
+            <a:schemeClr val="dk1"/>
+          </a:effectRef>
+          <a:fontRef idx="minor">
+            <a:schemeClr val="tx1"/>
+          </a:fontRef>
+        </p:style>
+      </p:cxnSp>
+      <p:cxnSp>
+        <p:nvCxnSpPr>
+          <p:cNvPr id="42" name="直線單箭頭接點 41">
+            <a:extLst>
+              <a:ext uri="{FF2B5EF4-FFF2-40B4-BE49-F238E27FC236}">
+                <a16:creationId xmlns:a16="http://schemas.microsoft.com/office/drawing/2014/main" id="{A7AF956D-64B9-4900-B397-D5FBA70D453C}"/>
+              </a:ext>
+            </a:extLst>
+          </p:cNvPr>
+          <p:cNvCxnSpPr>
+            <a:cxnSpLocks/>
+            <a:stCxn id="11" idx="2"/>
+            <a:endCxn id="15" idx="0"/>
+          </p:cNvCxnSpPr>
+          <p:nvPr/>
+        </p:nvCxnSpPr>
+        <p:spPr>
+          <a:xfrm>
+            <a:off x="8268496" y="7317608"/>
+            <a:ext cx="0" cy="1033143"/>
+          </a:xfrm>
+          <a:prstGeom prst="straightConnector1">
+            <a:avLst/>
+          </a:prstGeom>
+          <a:ln>
+            <a:tailEnd type="triangle"/>
+          </a:ln>
+        </p:spPr>
+        <p:style>
+          <a:lnRef idx="2">
+            <a:schemeClr val="dk1"/>
+          </a:lnRef>
+          <a:fillRef idx="0">
+            <a:schemeClr val="dk1"/>
+          </a:fillRef>
+          <a:effectRef idx="1">
+            <a:schemeClr val="dk1"/>
+          </a:effectRef>
+          <a:fontRef idx="minor">
+            <a:schemeClr val="tx1"/>
+          </a:fontRef>
+        </p:style>
+      </p:cxnSp>
+      <p:cxnSp>
+        <p:nvCxnSpPr>
+          <p:cNvPr id="50" name="直線單箭頭接點 30">
+            <a:extLst>
+              <a:ext uri="{FF2B5EF4-FFF2-40B4-BE49-F238E27FC236}">
+                <a16:creationId xmlns:a16="http://schemas.microsoft.com/office/drawing/2014/main" id="{9CDCD48B-F790-4196-B980-57D607EC4B35}"/>
+              </a:ext>
+            </a:extLst>
+          </p:cNvPr>
+          <p:cNvCxnSpPr>
+            <a:cxnSpLocks/>
+            <a:stCxn id="15" idx="1"/>
+            <a:endCxn id="16" idx="3"/>
+          </p:cNvCxnSpPr>
+          <p:nvPr/>
+        </p:nvCxnSpPr>
+        <p:spPr>
+          <a:xfrm flipV="1">
+            <a:off x="9373396" y="8165745"/>
+            <a:ext cx="383736" cy="574591"/>
+          </a:xfrm>
+          <a:prstGeom prst="bentConnector3">
+            <a:avLst>
+              <a:gd name="adj1" fmla="val 50000"/>
+            </a:avLst>
+          </a:prstGeom>
+          <a:ln>
+            <a:tailEnd type="triangle"/>
+          </a:ln>
+        </p:spPr>
+        <p:style>
+          <a:lnRef idx="2">
+            <a:schemeClr val="dk1"/>
+          </a:lnRef>
+          <a:fillRef idx="0">
+            <a:schemeClr val="dk1"/>
+          </a:fillRef>
+          <a:effectRef idx="1">
+            <a:schemeClr val="dk1"/>
+          </a:effectRef>
+          <a:fontRef idx="minor">
+            <a:schemeClr val="tx1"/>
+          </a:fontRef>
+        </p:style>
+      </p:cxnSp>
+      <p:cxnSp>
+        <p:nvCxnSpPr>
+          <p:cNvPr id="61" name="直線單箭頭接點 30">
+            <a:extLst>
+              <a:ext uri="{FF2B5EF4-FFF2-40B4-BE49-F238E27FC236}">
+                <a16:creationId xmlns:a16="http://schemas.microsoft.com/office/drawing/2014/main" id="{DAD22B4D-3518-4036-9C6A-C6F0D0697962}"/>
+              </a:ext>
+            </a:extLst>
+          </p:cNvPr>
+          <p:cNvCxnSpPr>
+            <a:cxnSpLocks/>
+            <a:stCxn id="15" idx="1"/>
+            <a:endCxn id="17" idx="3"/>
+          </p:cNvCxnSpPr>
+          <p:nvPr/>
+        </p:nvCxnSpPr>
+        <p:spPr>
+          <a:xfrm>
+            <a:off x="9373396" y="8740336"/>
+            <a:ext cx="406482" cy="661778"/>
+          </a:xfrm>
+          <a:prstGeom prst="bentConnector3">
+            <a:avLst>
+              <a:gd name="adj1" fmla="val 50000"/>
+            </a:avLst>
+          </a:prstGeom>
+          <a:ln>
+            <a:tailEnd type="triangle"/>
+          </a:ln>
+        </p:spPr>
+        <p:style>
+          <a:lnRef idx="2">
+            <a:schemeClr val="dk1"/>
+          </a:lnRef>
+          <a:fillRef idx="0">
+            <a:schemeClr val="dk1"/>
+          </a:fillRef>
+          <a:effectRef idx="1">
+            <a:schemeClr val="dk1"/>
+          </a:effectRef>
+          <a:fontRef idx="minor">
+            <a:schemeClr val="tx1"/>
+          </a:fontRef>
+        </p:style>
+      </p:cxnSp>
+      <p:sp>
+        <p:nvSpPr>
+          <p:cNvPr id="71" name="矩形 70">
+            <a:extLst>
+              <a:ext uri="{FF2B5EF4-FFF2-40B4-BE49-F238E27FC236}">
+                <a16:creationId xmlns:a16="http://schemas.microsoft.com/office/drawing/2014/main" id="{E9B61C14-0EA8-47DA-AE15-6B96439027C9}"/>
+              </a:ext>
+            </a:extLst>
+          </p:cNvPr>
+          <p:cNvSpPr/>
+          <p:nvPr/>
+        </p:nvSpPr>
+        <p:spPr>
+          <a:xfrm rot="10800000" flipV="1">
+            <a:off x="15240000" y="7771868"/>
+            <a:ext cx="2209800" cy="779170"/>
+          </a:xfrm>
+          <a:prstGeom prst="rect">
+            <a:avLst/>
+          </a:prstGeom>
+          <a:solidFill>
+            <a:srgbClr val="E7C6FF"/>
+          </a:solidFill>
+          <a:ln>
+            <a:noFill/>
+          </a:ln>
+          <a:effectLst/>
+        </p:spPr>
+        <p:style>
+          <a:lnRef idx="1">
+            <a:schemeClr val="accent5"/>
+          </a:lnRef>
+          <a:fillRef idx="2">
+            <a:schemeClr val="accent5"/>
+          </a:fillRef>
+          <a:effectRef idx="1">
+            <a:schemeClr val="accent5"/>
+          </a:effectRef>
+          <a:fontRef idx="minor">
+            <a:schemeClr val="dk1"/>
+          </a:fontRef>
+        </p:style>
+        <p:txBody>
+          <a:bodyPr rtlCol="0" anchor="ctr"/>
+          <a:lstStyle/>
+          <a:p>
+            <a:pPr algn="ctr"/>
+            <a:r>
+              <a:rPr lang="en-US" altLang="zh-TW" sz="2000" dirty="0">
+                <a:latin typeface="Times New Roman" panose="02020603050405020304" pitchFamily="18" charset="0"/>
+                <a:ea typeface="標楷體" panose="03000509000000000000" pitchFamily="65" charset="-120"/>
+              </a:rPr>
+              <a:t>update()</a:t>
+            </a:r>
+            <a:endParaRPr lang="zh-TW" altLang="en-US" sz="2000" dirty="0">
+              <a:latin typeface="Times New Roman" panose="02020603050405020304" pitchFamily="18" charset="0"/>
+              <a:ea typeface="標楷體" panose="03000509000000000000" pitchFamily="65" charset="-120"/>
+            </a:endParaRPr>
+          </a:p>
+        </p:txBody>
+      </p:sp>
+      <p:sp>
+        <p:nvSpPr>
+          <p:cNvPr id="72" name="矩形 71">
+            <a:extLst>
+              <a:ext uri="{FF2B5EF4-FFF2-40B4-BE49-F238E27FC236}">
+                <a16:creationId xmlns:a16="http://schemas.microsoft.com/office/drawing/2014/main" id="{AD83944F-6B6C-44EA-99ED-AB950AE4B5F2}"/>
+              </a:ext>
+            </a:extLst>
+          </p:cNvPr>
+          <p:cNvSpPr/>
+          <p:nvPr/>
+        </p:nvSpPr>
+        <p:spPr>
+          <a:xfrm rot="10800000" flipV="1">
+            <a:off x="12420599" y="7776161"/>
+            <a:ext cx="2369021" cy="779170"/>
+          </a:xfrm>
+          <a:prstGeom prst="rect">
+            <a:avLst/>
+          </a:prstGeom>
+          <a:solidFill>
+            <a:srgbClr val="E7C6FF"/>
+          </a:solidFill>
+          <a:ln>
+            <a:noFill/>
+          </a:ln>
+          <a:effectLst/>
+        </p:spPr>
+        <p:style>
+          <a:lnRef idx="1">
+            <a:schemeClr val="accent5"/>
+          </a:lnRef>
+          <a:fillRef idx="2">
+            <a:schemeClr val="accent5"/>
+          </a:fillRef>
+          <a:effectRef idx="1">
+            <a:schemeClr val="accent5"/>
+          </a:effectRef>
+          <a:fontRef idx="minor">
+            <a:schemeClr val="dk1"/>
+          </a:fontRef>
+        </p:style>
+        <p:txBody>
+          <a:bodyPr rtlCol="0" anchor="ctr"/>
+          <a:lstStyle/>
+          <a:p>
+            <a:pPr algn="ctr"/>
+            <a:r>
+              <a:rPr lang="en-US" altLang="zh-TW" sz="2000" dirty="0" err="1">
+                <a:latin typeface="Times New Roman" panose="02020603050405020304" pitchFamily="18" charset="0"/>
+                <a:ea typeface="標楷體" panose="03000509000000000000" pitchFamily="65" charset="-120"/>
+              </a:rPr>
+              <a:t>beforeUpdate</a:t>
+            </a:r>
+            <a:r>
+              <a:rPr lang="en-US" altLang="zh-TW" sz="2000" dirty="0">
+                <a:latin typeface="Times New Roman" panose="02020603050405020304" pitchFamily="18" charset="0"/>
+                <a:ea typeface="標楷體" panose="03000509000000000000" pitchFamily="65" charset="-120"/>
+              </a:rPr>
+              <a:t>()</a:t>
+            </a:r>
+            <a:endParaRPr lang="zh-TW" altLang="en-US" sz="2000" dirty="0">
+              <a:latin typeface="Times New Roman" panose="02020603050405020304" pitchFamily="18" charset="0"/>
+              <a:ea typeface="標楷體" panose="03000509000000000000" pitchFamily="65" charset="-120"/>
+            </a:endParaRPr>
+          </a:p>
+        </p:txBody>
+      </p:sp>
+      <p:cxnSp>
+        <p:nvCxnSpPr>
+          <p:cNvPr id="73" name="直線單箭頭接點 72">
+            <a:extLst>
+              <a:ext uri="{FF2B5EF4-FFF2-40B4-BE49-F238E27FC236}">
+                <a16:creationId xmlns:a16="http://schemas.microsoft.com/office/drawing/2014/main" id="{24A6A4A3-DD49-4A9B-ACC6-BA21C10AD809}"/>
+              </a:ext>
+            </a:extLst>
+          </p:cNvPr>
+          <p:cNvCxnSpPr>
+            <a:cxnSpLocks/>
+            <a:stCxn id="16" idx="1"/>
+            <a:endCxn id="72" idx="3"/>
+          </p:cNvCxnSpPr>
+          <p:nvPr/>
+        </p:nvCxnSpPr>
+        <p:spPr>
+          <a:xfrm>
+            <a:off x="11966932" y="8165745"/>
+            <a:ext cx="453667" cy="1"/>
+          </a:xfrm>
+          <a:prstGeom prst="straightConnector1">
+            <a:avLst/>
+          </a:prstGeom>
+          <a:ln>
+            <a:tailEnd type="triangle"/>
+          </a:ln>
+        </p:spPr>
+        <p:style>
+          <a:lnRef idx="2">
+            <a:schemeClr val="dk1"/>
+          </a:lnRef>
+          <a:fillRef idx="0">
+            <a:schemeClr val="dk1"/>
+          </a:fillRef>
+          <a:effectRef idx="1">
+            <a:schemeClr val="dk1"/>
+          </a:effectRef>
+          <a:fontRef idx="minor">
+            <a:schemeClr val="tx1"/>
+          </a:fontRef>
+        </p:style>
+      </p:cxnSp>
+      <p:cxnSp>
+        <p:nvCxnSpPr>
+          <p:cNvPr id="76" name="直線單箭頭接點 75">
+            <a:extLst>
+              <a:ext uri="{FF2B5EF4-FFF2-40B4-BE49-F238E27FC236}">
+                <a16:creationId xmlns:a16="http://schemas.microsoft.com/office/drawing/2014/main" id="{487B85F6-BD55-4E04-80C7-55C424EE8161}"/>
+              </a:ext>
+            </a:extLst>
+          </p:cNvPr>
+          <p:cNvCxnSpPr>
+            <a:cxnSpLocks/>
+            <a:stCxn id="72" idx="1"/>
+            <a:endCxn id="71" idx="3"/>
+          </p:cNvCxnSpPr>
+          <p:nvPr/>
+        </p:nvCxnSpPr>
+        <p:spPr>
+          <a:xfrm flipV="1">
+            <a:off x="14789620" y="8161453"/>
+            <a:ext cx="450380" cy="4293"/>
+          </a:xfrm>
+          <a:prstGeom prst="straightConnector1">
+            <a:avLst/>
+          </a:prstGeom>
+          <a:ln>
+            <a:tailEnd type="triangle"/>
+          </a:ln>
+        </p:spPr>
+        <p:style>
+          <a:lnRef idx="2">
+            <a:schemeClr val="dk1"/>
+          </a:lnRef>
+          <a:fillRef idx="0">
+            <a:schemeClr val="dk1"/>
+          </a:fillRef>
+          <a:effectRef idx="1">
+            <a:schemeClr val="dk1"/>
+          </a:effectRef>
+          <a:fontRef idx="minor">
+            <a:schemeClr val="tx1"/>
+          </a:fontRef>
+        </p:style>
+      </p:cxnSp>
+      <p:sp>
+        <p:nvSpPr>
+          <p:cNvPr id="80" name="矩形 79">
+            <a:extLst>
+              <a:ext uri="{FF2B5EF4-FFF2-40B4-BE49-F238E27FC236}">
+                <a16:creationId xmlns:a16="http://schemas.microsoft.com/office/drawing/2014/main" id="{AA9DBB27-9CE3-4A80-B0FC-D0A5AF22CD79}"/>
+              </a:ext>
+            </a:extLst>
+          </p:cNvPr>
+          <p:cNvSpPr/>
+          <p:nvPr/>
+        </p:nvSpPr>
+        <p:spPr>
+          <a:xfrm rot="10800000" flipV="1">
+            <a:off x="15240000" y="9012528"/>
+            <a:ext cx="2209800" cy="779170"/>
+          </a:xfrm>
+          <a:prstGeom prst="rect">
+            <a:avLst/>
+          </a:prstGeom>
+          <a:solidFill>
+            <a:srgbClr val="E7C6FF"/>
+          </a:solidFill>
+          <a:ln>
+            <a:noFill/>
+          </a:ln>
+          <a:effectLst/>
+        </p:spPr>
+        <p:style>
+          <a:lnRef idx="1">
+            <a:schemeClr val="accent5"/>
+          </a:lnRef>
+          <a:fillRef idx="2">
+            <a:schemeClr val="accent5"/>
+          </a:fillRef>
+          <a:effectRef idx="1">
+            <a:schemeClr val="accent5"/>
+          </a:effectRef>
+          <a:fontRef idx="minor">
+            <a:schemeClr val="dk1"/>
+          </a:fontRef>
+        </p:style>
+        <p:txBody>
+          <a:bodyPr rtlCol="0" anchor="ctr"/>
+          <a:lstStyle/>
+          <a:p>
+            <a:pPr algn="ctr"/>
+            <a:r>
+              <a:rPr lang="en-US" altLang="zh-TW" sz="2000" dirty="0">
+                <a:latin typeface="Times New Roman" panose="02020603050405020304" pitchFamily="18" charset="0"/>
+                <a:ea typeface="標楷體" panose="03000509000000000000" pitchFamily="65" charset="-120"/>
+              </a:rPr>
+              <a:t>unmounted()</a:t>
+            </a:r>
+            <a:endParaRPr lang="zh-TW" altLang="en-US" sz="2000" dirty="0">
+              <a:latin typeface="Times New Roman" panose="02020603050405020304" pitchFamily="18" charset="0"/>
+              <a:ea typeface="標楷體" panose="03000509000000000000" pitchFamily="65" charset="-120"/>
+            </a:endParaRPr>
+          </a:p>
+        </p:txBody>
+      </p:sp>
+      <p:sp>
+        <p:nvSpPr>
+          <p:cNvPr id="81" name="矩形 80">
+            <a:extLst>
+              <a:ext uri="{FF2B5EF4-FFF2-40B4-BE49-F238E27FC236}">
+                <a16:creationId xmlns:a16="http://schemas.microsoft.com/office/drawing/2014/main" id="{DB4D4E8F-2502-4892-BCBA-D9560356A7E0}"/>
+              </a:ext>
+            </a:extLst>
+          </p:cNvPr>
+          <p:cNvSpPr/>
+          <p:nvPr/>
+        </p:nvSpPr>
+        <p:spPr>
+          <a:xfrm rot="10800000" flipV="1">
+            <a:off x="12420599" y="9012529"/>
+            <a:ext cx="2369022" cy="779170"/>
+          </a:xfrm>
+          <a:prstGeom prst="rect">
+            <a:avLst/>
+          </a:prstGeom>
+          <a:solidFill>
+            <a:srgbClr val="E7C6FF"/>
+          </a:solidFill>
+          <a:ln>
+            <a:noFill/>
+          </a:ln>
+          <a:effectLst/>
+        </p:spPr>
+        <p:style>
+          <a:lnRef idx="1">
+            <a:schemeClr val="accent5"/>
+          </a:lnRef>
+          <a:fillRef idx="2">
+            <a:schemeClr val="accent5"/>
+          </a:fillRef>
+          <a:effectRef idx="1">
+            <a:schemeClr val="accent5"/>
+          </a:effectRef>
+          <a:fontRef idx="minor">
+            <a:schemeClr val="dk1"/>
+          </a:fontRef>
+        </p:style>
+        <p:txBody>
+          <a:bodyPr rtlCol="0" anchor="ctr"/>
+          <a:lstStyle/>
+          <a:p>
+            <a:pPr algn="ctr"/>
+            <a:r>
+              <a:rPr lang="en-US" altLang="zh-TW" sz="2000" dirty="0" err="1">
+                <a:latin typeface="Times New Roman" panose="02020603050405020304" pitchFamily="18" charset="0"/>
+                <a:ea typeface="標楷體" panose="03000509000000000000" pitchFamily="65" charset="-120"/>
+              </a:rPr>
+              <a:t>beforeUnmounted</a:t>
+            </a:r>
+            <a:r>
+              <a:rPr lang="en-US" altLang="zh-TW" sz="2000" dirty="0">
+                <a:latin typeface="Times New Roman" panose="02020603050405020304" pitchFamily="18" charset="0"/>
+                <a:ea typeface="標楷體" panose="03000509000000000000" pitchFamily="65" charset="-120"/>
+              </a:rPr>
+              <a:t>()</a:t>
+            </a:r>
+            <a:endParaRPr lang="zh-TW" altLang="en-US" sz="2000" dirty="0">
+              <a:latin typeface="Times New Roman" panose="02020603050405020304" pitchFamily="18" charset="0"/>
+              <a:ea typeface="標楷體" panose="03000509000000000000" pitchFamily="65" charset="-120"/>
+            </a:endParaRPr>
+          </a:p>
+        </p:txBody>
+      </p:sp>
+      <p:cxnSp>
+        <p:nvCxnSpPr>
+          <p:cNvPr id="82" name="直線單箭頭接點 81">
+            <a:extLst>
+              <a:ext uri="{FF2B5EF4-FFF2-40B4-BE49-F238E27FC236}">
+                <a16:creationId xmlns:a16="http://schemas.microsoft.com/office/drawing/2014/main" id="{FD6D75C1-7747-4EBF-8FA3-20E6AD0E7809}"/>
+              </a:ext>
+            </a:extLst>
+          </p:cNvPr>
+          <p:cNvCxnSpPr>
+            <a:cxnSpLocks/>
+            <a:stCxn id="81" idx="1"/>
+            <a:endCxn id="80" idx="3"/>
+          </p:cNvCxnSpPr>
+          <p:nvPr/>
+        </p:nvCxnSpPr>
+        <p:spPr>
+          <a:xfrm flipV="1">
+            <a:off x="14789621" y="9402113"/>
+            <a:ext cx="450379" cy="1"/>
+          </a:xfrm>
+          <a:prstGeom prst="straightConnector1">
+            <a:avLst/>
+          </a:prstGeom>
+          <a:ln>
+            <a:tailEnd type="triangle"/>
+          </a:ln>
+        </p:spPr>
+        <p:style>
+          <a:lnRef idx="2">
+            <a:schemeClr val="dk1"/>
+          </a:lnRef>
+          <a:fillRef idx="0">
+            <a:schemeClr val="dk1"/>
+          </a:fillRef>
+          <a:effectRef idx="1">
+            <a:schemeClr val="dk1"/>
+          </a:effectRef>
+          <a:fontRef idx="minor">
+            <a:schemeClr val="tx1"/>
+          </a:fontRef>
+        </p:style>
+      </p:cxnSp>
+      <p:cxnSp>
+        <p:nvCxnSpPr>
+          <p:cNvPr id="84" name="直線單箭頭接點 83">
+            <a:extLst>
+              <a:ext uri="{FF2B5EF4-FFF2-40B4-BE49-F238E27FC236}">
+                <a16:creationId xmlns:a16="http://schemas.microsoft.com/office/drawing/2014/main" id="{70C38478-2594-4D46-B4AC-3A5BCC8A7778}"/>
+              </a:ext>
+            </a:extLst>
+          </p:cNvPr>
+          <p:cNvCxnSpPr>
+            <a:cxnSpLocks/>
+            <a:stCxn id="17" idx="1"/>
+            <a:endCxn id="81" idx="3"/>
+          </p:cNvCxnSpPr>
+          <p:nvPr/>
+        </p:nvCxnSpPr>
+        <p:spPr>
+          <a:xfrm>
+            <a:off x="11989678" y="9402114"/>
+            <a:ext cx="430921" cy="0"/>
+          </a:xfrm>
+          <a:prstGeom prst="straightConnector1">
+            <a:avLst/>
+          </a:prstGeom>
+          <a:ln>
+            <a:tailEnd type="triangle"/>
+          </a:ln>
+        </p:spPr>
+        <p:style>
+          <a:lnRef idx="2">
+            <a:schemeClr val="dk1"/>
+          </a:lnRef>
+          <a:fillRef idx="0">
+            <a:schemeClr val="dk1"/>
+          </a:fillRef>
+          <a:effectRef idx="1">
+            <a:schemeClr val="dk1"/>
+          </a:effectRef>
+          <a:fontRef idx="minor">
+            <a:schemeClr val="tx1"/>
+          </a:fontRef>
+        </p:style>
+      </p:cxnSp>
+    </p:spTree>
+    <p:extLst>
+      <p:ext uri="{BB962C8B-B14F-4D97-AF65-F5344CB8AC3E}">
+        <p14:creationId xmlns:p14="http://schemas.microsoft.com/office/powerpoint/2010/main" val="2628287478"/>
+      </p:ext>
+    </p:extLst>
+  </p:cSld>
+  <p:clrMapOvr>
+    <a:masterClrMapping/>
+  </p:clrMapOvr>
+</p:sld>
+</file>
+
+<file path=ppt/slides/slide31.xml><?xml version="1.0" encoding="utf-8"?>
+<p:sld xmlns:a="http://schemas.openxmlformats.org/drawingml/2006/main" xmlns:r="http://schemas.openxmlformats.org/officeDocument/2006/relationships" xmlns:p="http://schemas.openxmlformats.org/presentationml/2006/main">
+  <p:cSld>
+    <p:spTree>
+      <p:nvGrpSpPr>
+        <p:cNvPr id="1" name=""/>
+        <p:cNvGrpSpPr/>
+        <p:nvPr/>
+      </p:nvGrpSpPr>
+      <p:grpSpPr>
+        <a:xfrm>
+          <a:off x="0" y="0"/>
+          <a:ext cx="0" cy="0"/>
+          <a:chOff x="0" y="0"/>
+          <a:chExt cx="0" cy="0"/>
+        </a:xfrm>
+      </p:grpSpPr>
+      <p:sp>
+        <p:nvSpPr>
+          <p:cNvPr id="27" name="TextBox 10">
+            <a:extLst>
+              <a:ext uri="{FF2B5EF4-FFF2-40B4-BE49-F238E27FC236}">
+                <a16:creationId xmlns:a16="http://schemas.microsoft.com/office/drawing/2014/main" id="{2A659F81-1ED8-4106-8C45-6A01D7DBC583}"/>
+              </a:ext>
+            </a:extLst>
+          </p:cNvPr>
+          <p:cNvSpPr txBox="1"/>
+          <p:nvPr/>
+        </p:nvSpPr>
+        <p:spPr>
+          <a:xfrm>
+            <a:off x="206912" y="1785472"/>
+            <a:ext cx="17547688" cy="2242922"/>
+          </a:xfrm>
+          <a:prstGeom prst="rect">
+            <a:avLst/>
+          </a:prstGeom>
+        </p:spPr>
+        <p:txBody>
+          <a:bodyPr wrap="square" lIns="0" tIns="0" rIns="0" bIns="0" rtlCol="0" anchor="t">
+            <a:spAutoFit/>
+          </a:bodyPr>
+          <a:lstStyle/>
+          <a:p>
+            <a:pPr algn="l">
+              <a:lnSpc>
+                <a:spcPts val="4480"/>
+              </a:lnSpc>
+              <a:spcBef>
+                <a:spcPct val="0"/>
+              </a:spcBef>
+            </a:pPr>
+            <a:r>
+              <a:rPr lang="en-US" altLang="zh-TW" sz="2600" dirty="0">
+                <a:latin typeface="Times New Roman" panose="02020603050405020304" pitchFamily="18" charset="0"/>
+                <a:ea typeface="標楷體" panose="03000509000000000000" pitchFamily="65" charset="-120"/>
+                <a:cs typeface="王漢宗顏楷體"/>
+                <a:sym typeface="王漢宗顏楷體"/>
+              </a:rPr>
+              <a:t>【</a:t>
+            </a:r>
+            <a:r>
+              <a:rPr lang="zh-TW" altLang="en-US" sz="2600" dirty="0">
+                <a:latin typeface="Times New Roman" panose="02020603050405020304" pitchFamily="18" charset="0"/>
+                <a:ea typeface="標楷體" panose="03000509000000000000" pitchFamily="65" charset="-120"/>
+                <a:cs typeface="王漢宗顏楷體"/>
+                <a:sym typeface="王漢宗顏楷體"/>
+              </a:rPr>
+              <a:t>創建階段</a:t>
+            </a:r>
+            <a:r>
+              <a:rPr lang="en-US" altLang="zh-TW" sz="2600" dirty="0">
+                <a:latin typeface="Times New Roman" panose="02020603050405020304" pitchFamily="18" charset="0"/>
+                <a:ea typeface="標楷體" panose="03000509000000000000" pitchFamily="65" charset="-120"/>
+                <a:cs typeface="王漢宗顏楷體"/>
+                <a:sym typeface="王漢宗顏楷體"/>
+              </a:rPr>
+              <a:t>(Creation)】</a:t>
+            </a:r>
+          </a:p>
+          <a:p>
+            <a:pPr marL="457200" indent="-457200" algn="l">
+              <a:lnSpc>
+                <a:spcPts val="4480"/>
+              </a:lnSpc>
+              <a:spcBef>
+                <a:spcPct val="0"/>
+              </a:spcBef>
+              <a:buFont typeface="Wingdings" panose="05000000000000000000" pitchFamily="2" charset="2"/>
+              <a:buChar char="v"/>
+            </a:pPr>
+            <a:r>
+              <a:rPr lang="en-US" altLang="zh-TW" sz="2600" dirty="0">
+                <a:latin typeface="Times New Roman" panose="02020603050405020304" pitchFamily="18" charset="0"/>
+                <a:ea typeface="標楷體" panose="03000509000000000000" pitchFamily="65" charset="-120"/>
+                <a:cs typeface="王漢宗顏楷體"/>
+                <a:sym typeface="王漢宗顏楷體"/>
+              </a:rPr>
+              <a:t>Vue </a:t>
+            </a:r>
+            <a:r>
+              <a:rPr lang="zh-TW" altLang="en-US" sz="2600" dirty="0">
+                <a:latin typeface="Times New Roman" panose="02020603050405020304" pitchFamily="18" charset="0"/>
+                <a:ea typeface="標楷體" panose="03000509000000000000" pitchFamily="65" charset="-120"/>
+                <a:cs typeface="王漢宗顏楷體"/>
+                <a:sym typeface="王漢宗顏楷體"/>
+              </a:rPr>
+              <a:t>會初始化元件的數據、事件和觀察等，但此時尚未將元件掛載到 </a:t>
+            </a:r>
+            <a:r>
+              <a:rPr lang="en-US" altLang="zh-TW" sz="2600" dirty="0">
+                <a:latin typeface="Times New Roman" panose="02020603050405020304" pitchFamily="18" charset="0"/>
+                <a:ea typeface="標楷體" panose="03000509000000000000" pitchFamily="65" charset="-120"/>
+                <a:cs typeface="王漢宗顏楷體"/>
+                <a:sym typeface="王漢宗顏楷體"/>
+              </a:rPr>
+              <a:t>DOM </a:t>
+            </a:r>
+            <a:r>
+              <a:rPr lang="zh-TW" altLang="en-US" sz="2600" dirty="0">
+                <a:latin typeface="Times New Roman" panose="02020603050405020304" pitchFamily="18" charset="0"/>
+                <a:ea typeface="標楷體" panose="03000509000000000000" pitchFamily="65" charset="-120"/>
+                <a:cs typeface="王漢宗顏楷體"/>
+                <a:sym typeface="王漢宗顏楷體"/>
+              </a:rPr>
+              <a:t>上，頁面上看不到元件的內容。</a:t>
+            </a:r>
+            <a:endParaRPr lang="en-US" altLang="zh-TW" sz="2600" dirty="0">
+              <a:latin typeface="Times New Roman" panose="02020603050405020304" pitchFamily="18" charset="0"/>
+              <a:ea typeface="標楷體" panose="03000509000000000000" pitchFamily="65" charset="-120"/>
+              <a:cs typeface="王漢宗顏楷體"/>
+              <a:sym typeface="王漢宗顏楷體"/>
+            </a:endParaRPr>
+          </a:p>
+          <a:p>
+            <a:pPr marL="914400" lvl="1" indent="-457200">
+              <a:lnSpc>
+                <a:spcPts val="4480"/>
+              </a:lnSpc>
+              <a:spcBef>
+                <a:spcPct val="0"/>
+              </a:spcBef>
+              <a:buFont typeface="Wingdings" panose="05000000000000000000" pitchFamily="2" charset="2"/>
+              <a:buChar char="v"/>
+            </a:pPr>
+            <a:r>
+              <a:rPr lang="en-US" altLang="zh-CN" sz="2600" dirty="0" err="1">
+                <a:latin typeface="Times New Roman" panose="02020603050405020304" pitchFamily="18" charset="0"/>
+                <a:ea typeface="標楷體" panose="03000509000000000000" pitchFamily="65" charset="-120"/>
+                <a:cs typeface="王漢宗顏楷體"/>
+                <a:sym typeface="王漢宗顏楷體"/>
+              </a:rPr>
+              <a:t>beforeCreate</a:t>
+            </a:r>
+            <a:r>
+              <a:rPr lang="zh-TW" altLang="en-US" sz="2600" dirty="0">
+                <a:latin typeface="Times New Roman" panose="02020603050405020304" pitchFamily="18" charset="0"/>
+                <a:ea typeface="標楷體" panose="03000509000000000000" pitchFamily="65" charset="-120"/>
+                <a:cs typeface="王漢宗顏楷體"/>
+                <a:sym typeface="王漢宗顏楷體"/>
+              </a:rPr>
+              <a:t>：元件實例剛剛創建，數據和事件還未初始化，無法使用 </a:t>
+            </a:r>
+            <a:r>
+              <a:rPr lang="en-US" altLang="zh-TW" sz="2600" dirty="0">
+                <a:latin typeface="Times New Roman" panose="02020603050405020304" pitchFamily="18" charset="0"/>
+                <a:ea typeface="標楷體" panose="03000509000000000000" pitchFamily="65" charset="-120"/>
+                <a:cs typeface="王漢宗顏楷體"/>
+                <a:sym typeface="王漢宗顏楷體"/>
+              </a:rPr>
+              <a:t>`data` </a:t>
+            </a:r>
+            <a:r>
+              <a:rPr lang="zh-TW" altLang="en-US" sz="2600" dirty="0">
+                <a:latin typeface="Times New Roman" panose="02020603050405020304" pitchFamily="18" charset="0"/>
+                <a:ea typeface="標楷體" panose="03000509000000000000" pitchFamily="65" charset="-120"/>
+                <a:cs typeface="王漢宗顏楷體"/>
+                <a:sym typeface="王漢宗顏楷體"/>
+              </a:rPr>
+              <a:t>和 </a:t>
+            </a:r>
+            <a:r>
+              <a:rPr lang="en-US" altLang="zh-TW" sz="2600" dirty="0">
+                <a:latin typeface="Times New Roman" panose="02020603050405020304" pitchFamily="18" charset="0"/>
+                <a:ea typeface="標楷體" panose="03000509000000000000" pitchFamily="65" charset="-120"/>
+                <a:cs typeface="王漢宗顏楷體"/>
+                <a:sym typeface="王漢宗顏楷體"/>
+              </a:rPr>
+              <a:t>`methods`</a:t>
+            </a:r>
+            <a:r>
+              <a:rPr lang="zh-TW" altLang="en-US" sz="2600" dirty="0">
+                <a:latin typeface="Times New Roman" panose="02020603050405020304" pitchFamily="18" charset="0"/>
+                <a:ea typeface="標楷體" panose="03000509000000000000" pitchFamily="65" charset="-120"/>
+                <a:cs typeface="王漢宗顏楷體"/>
+                <a:sym typeface="王漢宗顏楷體"/>
+              </a:rPr>
+              <a:t>。通常不常使用。</a:t>
+            </a:r>
+            <a:endParaRPr lang="en-US" altLang="zh-TW" sz="2600" dirty="0">
+              <a:latin typeface="Times New Roman" panose="02020603050405020304" pitchFamily="18" charset="0"/>
+              <a:ea typeface="標楷體" panose="03000509000000000000" pitchFamily="65" charset="-120"/>
+              <a:cs typeface="王漢宗顏楷體"/>
+              <a:sym typeface="王漢宗顏楷體"/>
+            </a:endParaRPr>
+          </a:p>
+          <a:p>
+            <a:pPr marL="914400" lvl="1" indent="-457200">
+              <a:lnSpc>
+                <a:spcPts val="4480"/>
+              </a:lnSpc>
+              <a:spcBef>
+                <a:spcPct val="0"/>
+              </a:spcBef>
+              <a:buFont typeface="Wingdings" panose="05000000000000000000" pitchFamily="2" charset="2"/>
+              <a:buChar char="v"/>
+            </a:pPr>
+            <a:r>
+              <a:rPr lang="en-US" altLang="zh-CN" sz="2600" dirty="0">
+                <a:latin typeface="Times New Roman" panose="02020603050405020304" pitchFamily="18" charset="0"/>
+                <a:ea typeface="標楷體" panose="03000509000000000000" pitchFamily="65" charset="-120"/>
+                <a:cs typeface="王漢宗顏楷體"/>
+                <a:sym typeface="王漢宗顏楷體"/>
+              </a:rPr>
+              <a:t>Created</a:t>
+            </a:r>
+            <a:r>
+              <a:rPr lang="zh-TW" altLang="en-US" sz="2600" dirty="0">
+                <a:latin typeface="Times New Roman" panose="02020603050405020304" pitchFamily="18" charset="0"/>
+                <a:ea typeface="標楷體" panose="03000509000000000000" pitchFamily="65" charset="-120"/>
+                <a:cs typeface="王漢宗顏楷體"/>
+                <a:sym typeface="王漢宗顏楷體"/>
+              </a:rPr>
+              <a:t>：元件實例已創建，</a:t>
+            </a:r>
+            <a:r>
+              <a:rPr lang="en-US" altLang="zh-TW" sz="2600" dirty="0">
+                <a:latin typeface="Times New Roman" panose="02020603050405020304" pitchFamily="18" charset="0"/>
+                <a:ea typeface="標楷體" panose="03000509000000000000" pitchFamily="65" charset="-120"/>
+                <a:cs typeface="王漢宗顏楷體"/>
+                <a:sym typeface="王漢宗顏楷體"/>
+              </a:rPr>
+              <a:t>`methods` </a:t>
+            </a:r>
+            <a:r>
+              <a:rPr lang="zh-TW" altLang="en-US" sz="2600" dirty="0">
+                <a:latin typeface="Times New Roman" panose="02020603050405020304" pitchFamily="18" charset="0"/>
+                <a:ea typeface="標楷體" panose="03000509000000000000" pitchFamily="65" charset="-120"/>
+                <a:cs typeface="王漢宗顏楷體"/>
+                <a:sym typeface="王漢宗顏楷體"/>
+              </a:rPr>
+              <a:t>都已初始化，可以進行初始數據的設置或執行異步操作（如 </a:t>
+            </a:r>
+            <a:r>
+              <a:rPr lang="en-US" altLang="zh-TW" sz="2600" dirty="0">
+                <a:latin typeface="Times New Roman" panose="02020603050405020304" pitchFamily="18" charset="0"/>
+                <a:ea typeface="標楷體" panose="03000509000000000000" pitchFamily="65" charset="-120"/>
+                <a:cs typeface="王漢宗顏楷體"/>
+                <a:sym typeface="王漢宗顏楷體"/>
+              </a:rPr>
+              <a:t>AJAX </a:t>
+            </a:r>
+            <a:r>
+              <a:rPr lang="zh-TW" altLang="en-US" sz="2600" dirty="0">
+                <a:latin typeface="Times New Roman" panose="02020603050405020304" pitchFamily="18" charset="0"/>
+                <a:ea typeface="標楷體" panose="03000509000000000000" pitchFamily="65" charset="-120"/>
+                <a:cs typeface="王漢宗顏楷體"/>
+                <a:sym typeface="王漢宗顏楷體"/>
+              </a:rPr>
+              <a:t>請求）。</a:t>
+            </a:r>
+            <a:endParaRPr lang="en-US" altLang="zh-CN" sz="2600" dirty="0">
+              <a:latin typeface="Times New Roman" panose="02020603050405020304" pitchFamily="18" charset="0"/>
+              <a:ea typeface="標楷體" panose="03000509000000000000" pitchFamily="65" charset="-120"/>
+              <a:cs typeface="王漢宗顏楷體"/>
+              <a:sym typeface="王漢宗顏楷體"/>
+            </a:endParaRPr>
+          </a:p>
+        </p:txBody>
+      </p:sp>
+      <p:grpSp>
+        <p:nvGrpSpPr>
+          <p:cNvPr id="28" name="Group 2">
+            <a:extLst>
+              <a:ext uri="{FF2B5EF4-FFF2-40B4-BE49-F238E27FC236}">
+                <a16:creationId xmlns:a16="http://schemas.microsoft.com/office/drawing/2014/main" id="{C571510F-4237-4159-A25E-D023AAABD06D}"/>
+              </a:ext>
+            </a:extLst>
+          </p:cNvPr>
+          <p:cNvGrpSpPr/>
+          <p:nvPr/>
+        </p:nvGrpSpPr>
+        <p:grpSpPr>
+          <a:xfrm>
+            <a:off x="0" y="0"/>
+            <a:ext cx="18288000" cy="1691609"/>
+            <a:chOff x="0" y="0"/>
+            <a:chExt cx="4816593" cy="543967"/>
+          </a:xfrm>
+        </p:grpSpPr>
+        <p:sp>
+          <p:nvSpPr>
+            <p:cNvPr id="29" name="Freeform 3">
+              <a:extLst>
+                <a:ext uri="{FF2B5EF4-FFF2-40B4-BE49-F238E27FC236}">
+                  <a16:creationId xmlns:a16="http://schemas.microsoft.com/office/drawing/2014/main" id="{8558C2F7-92C9-4ED9-A7F6-36896AE39BAD}"/>
+                </a:ext>
+              </a:extLst>
+            </p:cNvPr>
+            <p:cNvSpPr/>
+            <p:nvPr/>
+          </p:nvSpPr>
+          <p:spPr>
+            <a:xfrm>
+              <a:off x="0" y="0"/>
+              <a:ext cx="4816592" cy="543967"/>
+            </a:xfrm>
+            <a:custGeom>
+              <a:avLst/>
+              <a:gdLst/>
+              <a:ahLst/>
+              <a:cxnLst/>
+              <a:rect l="l" t="t" r="r" b="b"/>
+              <a:pathLst>
+                <a:path w="4816592" h="543967">
+                  <a:moveTo>
+                    <a:pt x="0" y="0"/>
+                  </a:moveTo>
+                  <a:lnTo>
+                    <a:pt x="4816592" y="0"/>
+                  </a:lnTo>
+                  <a:lnTo>
+                    <a:pt x="4816592" y="543967"/>
+                  </a:lnTo>
+                  <a:lnTo>
+                    <a:pt x="0" y="543967"/>
+                  </a:lnTo>
+                  <a:close/>
+                </a:path>
+              </a:pathLst>
+            </a:custGeom>
+            <a:gradFill rotWithShape="1">
+              <a:gsLst>
+                <a:gs pos="0">
+                  <a:srgbClr val="B81B22">
+                    <a:alpha val="100000"/>
+                  </a:srgbClr>
+                </a:gs>
+                <a:gs pos="25000">
+                  <a:srgbClr val="B81B22">
+                    <a:alpha val="99500"/>
+                  </a:srgbClr>
+                </a:gs>
+                <a:gs pos="50000">
+                  <a:srgbClr val="E82A34">
+                    <a:alpha val="100000"/>
+                  </a:srgbClr>
+                </a:gs>
+                <a:gs pos="75000">
+                  <a:srgbClr val="F89DA1">
+                    <a:alpha val="100000"/>
+                  </a:srgbClr>
+                </a:gs>
+                <a:gs pos="100000">
+                  <a:srgbClr val="FFFFFF">
+                    <a:alpha val="99500"/>
+                  </a:srgbClr>
+                </a:gs>
+              </a:gsLst>
+              <a:lin ang="0"/>
+            </a:gradFill>
+          </p:spPr>
+        </p:sp>
+        <p:sp>
+          <p:nvSpPr>
+            <p:cNvPr id="30" name="TextBox 4">
+              <a:extLst>
+                <a:ext uri="{FF2B5EF4-FFF2-40B4-BE49-F238E27FC236}">
+                  <a16:creationId xmlns:a16="http://schemas.microsoft.com/office/drawing/2014/main" id="{CC107A00-22F6-47C1-AAF1-49AC9E4F1FE8}"/>
+                </a:ext>
+              </a:extLst>
+            </p:cNvPr>
+            <p:cNvSpPr txBox="1"/>
+            <p:nvPr/>
+          </p:nvSpPr>
+          <p:spPr>
+            <a:xfrm>
+              <a:off x="0" y="-47625"/>
+              <a:ext cx="4816593" cy="591592"/>
+            </a:xfrm>
+            <a:prstGeom prst="rect">
+              <a:avLst/>
+            </a:prstGeom>
+          </p:spPr>
+          <p:txBody>
+            <a:bodyPr lIns="50800" tIns="50800" rIns="50800" bIns="50800" rtlCol="0" anchor="ctr"/>
+            <a:lstStyle/>
+            <a:p>
+              <a:pPr algn="ctr">
+                <a:lnSpc>
+                  <a:spcPts val="2659"/>
+                </a:lnSpc>
+              </a:pPr>
+              <a:endParaRPr>
+                <a:latin typeface="標楷體" panose="03000509000000000000" pitchFamily="65" charset="-120"/>
+                <a:ea typeface="標楷體" panose="03000509000000000000" pitchFamily="65" charset="-120"/>
+              </a:endParaRPr>
+            </a:p>
+          </p:txBody>
+        </p:sp>
+      </p:grpSp>
+      <p:sp>
+        <p:nvSpPr>
+          <p:cNvPr id="34" name="TextBox 8">
+            <a:extLst>
+              <a:ext uri="{FF2B5EF4-FFF2-40B4-BE49-F238E27FC236}">
+                <a16:creationId xmlns:a16="http://schemas.microsoft.com/office/drawing/2014/main" id="{6A6E9B8B-C857-4E5F-B514-20784942772F}"/>
+              </a:ext>
+            </a:extLst>
+          </p:cNvPr>
+          <p:cNvSpPr txBox="1"/>
+          <p:nvPr/>
+        </p:nvSpPr>
+        <p:spPr>
+          <a:xfrm>
+            <a:off x="304800" y="110995"/>
+            <a:ext cx="9571413" cy="1321516"/>
+          </a:xfrm>
+          <a:prstGeom prst="rect">
+            <a:avLst/>
+          </a:prstGeom>
+        </p:spPr>
+        <p:txBody>
+          <a:bodyPr wrap="square" lIns="0" tIns="0" rIns="0" bIns="0" rtlCol="0" anchor="t">
+            <a:spAutoFit/>
+          </a:bodyPr>
+          <a:lstStyle/>
+          <a:p>
+            <a:pPr algn="l">
+              <a:lnSpc>
+                <a:spcPts val="11200"/>
+              </a:lnSpc>
+              <a:spcBef>
+                <a:spcPct val="0"/>
+              </a:spcBef>
+            </a:pPr>
+            <a:r>
+              <a:rPr lang="en-US" altLang="zh-TW" sz="8000" dirty="0">
+                <a:solidFill>
+                  <a:srgbClr val="FFFFFF"/>
+                </a:solidFill>
+                <a:latin typeface="Times New Roman" panose="02020603050405020304" pitchFamily="18" charset="0"/>
+                <a:ea typeface="標楷體" panose="03000509000000000000" pitchFamily="65" charset="-120"/>
+                <a:cs typeface="Times New Roman" panose="02020603050405020304" pitchFamily="18" charset="0"/>
+                <a:sym typeface="王漢宗顏楷體"/>
+              </a:rPr>
+              <a:t>Vue</a:t>
+            </a:r>
+            <a:r>
+              <a:rPr lang="zh-TW" altLang="en-US" sz="8000" dirty="0">
+                <a:solidFill>
+                  <a:srgbClr val="FFFFFF"/>
+                </a:solidFill>
+                <a:latin typeface="Times New Roman" panose="02020603050405020304" pitchFamily="18" charset="0"/>
+                <a:ea typeface="標楷體" panose="03000509000000000000" pitchFamily="65" charset="-120"/>
+                <a:cs typeface="Times New Roman" panose="02020603050405020304" pitchFamily="18" charset="0"/>
+                <a:sym typeface="王漢宗顏楷體"/>
+              </a:rPr>
+              <a:t>物件生命週期</a:t>
+            </a:r>
+            <a:endParaRPr lang="en-US" altLang="zh-TW" sz="8000" dirty="0">
+              <a:solidFill>
+                <a:srgbClr val="FFFFFF"/>
+              </a:solidFill>
+              <a:latin typeface="Times New Roman" panose="02020603050405020304" pitchFamily="18" charset="0"/>
+              <a:ea typeface="標楷體" panose="03000509000000000000" pitchFamily="65" charset="-120"/>
+              <a:cs typeface="Times New Roman" panose="02020603050405020304" pitchFamily="18" charset="0"/>
+              <a:sym typeface="王漢宗顏楷體"/>
+            </a:endParaRPr>
+          </a:p>
+        </p:txBody>
+      </p:sp>
+      <p:sp>
+        <p:nvSpPr>
+          <p:cNvPr id="33" name="TextBox 10">
+            <a:extLst>
+              <a:ext uri="{FF2B5EF4-FFF2-40B4-BE49-F238E27FC236}">
+                <a16:creationId xmlns:a16="http://schemas.microsoft.com/office/drawing/2014/main" id="{19C5F832-460B-4EBB-B2F0-2969D24D284A}"/>
+              </a:ext>
+            </a:extLst>
+          </p:cNvPr>
+          <p:cNvSpPr txBox="1"/>
+          <p:nvPr/>
+        </p:nvSpPr>
+        <p:spPr>
+          <a:xfrm>
+            <a:off x="185141" y="4762500"/>
+            <a:ext cx="17721859" cy="2820067"/>
+          </a:xfrm>
+          <a:prstGeom prst="rect">
+            <a:avLst/>
+          </a:prstGeom>
+        </p:spPr>
+        <p:txBody>
+          <a:bodyPr wrap="square" lIns="0" tIns="0" rIns="0" bIns="0" rtlCol="0" anchor="t">
+            <a:spAutoFit/>
+          </a:bodyPr>
+          <a:lstStyle/>
+          <a:p>
+            <a:pPr algn="l">
+              <a:lnSpc>
+                <a:spcPts val="4480"/>
+              </a:lnSpc>
+              <a:spcBef>
+                <a:spcPct val="0"/>
+              </a:spcBef>
+            </a:pPr>
+            <a:r>
+              <a:rPr lang="en-US" altLang="zh-TW" sz="2600" dirty="0">
+                <a:latin typeface="Times New Roman" panose="02020603050405020304" pitchFamily="18" charset="0"/>
+                <a:ea typeface="標楷體" panose="03000509000000000000" pitchFamily="65" charset="-120"/>
+                <a:cs typeface="王漢宗顏楷體"/>
+                <a:sym typeface="王漢宗顏楷體"/>
+              </a:rPr>
+              <a:t>【</a:t>
+            </a:r>
+            <a:r>
+              <a:rPr lang="zh-TW" altLang="en-US" sz="2600" dirty="0">
+                <a:latin typeface="Times New Roman" panose="02020603050405020304" pitchFamily="18" charset="0"/>
+                <a:ea typeface="標楷體" panose="03000509000000000000" pitchFamily="65" charset="-120"/>
+                <a:cs typeface="王漢宗顏楷體"/>
+                <a:sym typeface="王漢宗顏楷體"/>
+              </a:rPr>
+              <a:t>掛載階段</a:t>
+            </a:r>
+            <a:r>
+              <a:rPr lang="en-US" altLang="zh-TW" sz="2600" dirty="0">
+                <a:latin typeface="Times New Roman" panose="02020603050405020304" pitchFamily="18" charset="0"/>
+                <a:ea typeface="標楷體" panose="03000509000000000000" pitchFamily="65" charset="-120"/>
+                <a:cs typeface="王漢宗顏楷體"/>
+                <a:sym typeface="王漢宗顏楷體"/>
+              </a:rPr>
+              <a:t>(Mounting)】</a:t>
+            </a:r>
+          </a:p>
+          <a:p>
+            <a:pPr marL="457200" indent="-457200" algn="l">
+              <a:lnSpc>
+                <a:spcPts val="4480"/>
+              </a:lnSpc>
+              <a:spcBef>
+                <a:spcPct val="0"/>
+              </a:spcBef>
+              <a:buFont typeface="Wingdings" panose="05000000000000000000" pitchFamily="2" charset="2"/>
+              <a:buChar char="v"/>
+            </a:pPr>
+            <a:r>
+              <a:rPr lang="en-US" altLang="zh-TW" sz="2600" dirty="0">
+                <a:latin typeface="Times New Roman" panose="02020603050405020304" pitchFamily="18" charset="0"/>
+                <a:ea typeface="標楷體" panose="03000509000000000000" pitchFamily="65" charset="-120"/>
+                <a:cs typeface="王漢宗顏楷體"/>
+                <a:sym typeface="王漢宗顏楷體"/>
+              </a:rPr>
+              <a:t>Vue </a:t>
+            </a:r>
+            <a:r>
+              <a:rPr lang="zh-TW" altLang="en-US" sz="2600" dirty="0">
+                <a:latin typeface="Times New Roman" panose="02020603050405020304" pitchFamily="18" charset="0"/>
+                <a:ea typeface="標楷體" panose="03000509000000000000" pitchFamily="65" charset="-120"/>
+                <a:cs typeface="王漢宗顏楷體"/>
+                <a:sym typeface="王漢宗顏楷體"/>
+              </a:rPr>
+              <a:t>會將模板渲染為虛擬 </a:t>
+            </a:r>
+            <a:r>
+              <a:rPr lang="en-US" altLang="zh-TW" sz="2600" dirty="0">
+                <a:latin typeface="Times New Roman" panose="02020603050405020304" pitchFamily="18" charset="0"/>
+                <a:ea typeface="標楷體" panose="03000509000000000000" pitchFamily="65" charset="-120"/>
+                <a:cs typeface="王漢宗顏楷體"/>
+                <a:sym typeface="王漢宗顏楷體"/>
+              </a:rPr>
+              <a:t>DOM</a:t>
+            </a:r>
+            <a:r>
+              <a:rPr lang="zh-TW" altLang="en-US" sz="2600" dirty="0">
+                <a:latin typeface="Times New Roman" panose="02020603050405020304" pitchFamily="18" charset="0"/>
+                <a:ea typeface="標楷體" panose="03000509000000000000" pitchFamily="65" charset="-120"/>
+                <a:cs typeface="王漢宗顏楷體"/>
+                <a:sym typeface="王漢宗顏楷體"/>
+              </a:rPr>
+              <a:t>，然後將虛擬 </a:t>
+            </a:r>
+            <a:r>
+              <a:rPr lang="en-US" altLang="zh-TW" sz="2600" dirty="0">
+                <a:latin typeface="Times New Roman" panose="02020603050405020304" pitchFamily="18" charset="0"/>
+                <a:ea typeface="標楷體" panose="03000509000000000000" pitchFamily="65" charset="-120"/>
+                <a:cs typeface="王漢宗顏楷體"/>
+                <a:sym typeface="王漢宗顏楷體"/>
+              </a:rPr>
+              <a:t>DOM </a:t>
+            </a:r>
+            <a:r>
+              <a:rPr lang="zh-TW" altLang="en-US" sz="2600" dirty="0">
+                <a:latin typeface="Times New Roman" panose="02020603050405020304" pitchFamily="18" charset="0"/>
+                <a:ea typeface="標楷體" panose="03000509000000000000" pitchFamily="65" charset="-120"/>
+                <a:cs typeface="王漢宗顏楷體"/>
+                <a:sym typeface="王漢宗顏楷體"/>
+              </a:rPr>
+              <a:t>挂載到真實 </a:t>
+            </a:r>
+            <a:r>
+              <a:rPr lang="en-US" altLang="zh-TW" sz="2600" dirty="0">
+                <a:latin typeface="Times New Roman" panose="02020603050405020304" pitchFamily="18" charset="0"/>
+                <a:ea typeface="標楷體" panose="03000509000000000000" pitchFamily="65" charset="-120"/>
+                <a:cs typeface="王漢宗顏楷體"/>
+                <a:sym typeface="王漢宗顏楷體"/>
+              </a:rPr>
+              <a:t>DOM </a:t>
+            </a:r>
+            <a:r>
+              <a:rPr lang="zh-TW" altLang="en-US" sz="2600" dirty="0">
+                <a:latin typeface="Times New Roman" panose="02020603050405020304" pitchFamily="18" charset="0"/>
+                <a:ea typeface="標楷體" panose="03000509000000000000" pitchFamily="65" charset="-120"/>
+                <a:cs typeface="王漢宗顏楷體"/>
+                <a:sym typeface="王漢宗顏楷體"/>
+              </a:rPr>
+              <a:t>上，讓頁面顯示元件的內容。</a:t>
+            </a:r>
+            <a:endParaRPr lang="en-US" altLang="zh-TW" sz="2600" dirty="0">
+              <a:latin typeface="Times New Roman" panose="02020603050405020304" pitchFamily="18" charset="0"/>
+              <a:ea typeface="標楷體" panose="03000509000000000000" pitchFamily="65" charset="-120"/>
+              <a:cs typeface="王漢宗顏楷體"/>
+              <a:sym typeface="王漢宗顏楷體"/>
+            </a:endParaRPr>
+          </a:p>
+          <a:p>
+            <a:pPr marL="914400" lvl="1" indent="-457200">
+              <a:lnSpc>
+                <a:spcPts val="4480"/>
+              </a:lnSpc>
+              <a:spcBef>
+                <a:spcPct val="0"/>
+              </a:spcBef>
+              <a:buFont typeface="Wingdings" panose="05000000000000000000" pitchFamily="2" charset="2"/>
+              <a:buChar char="v"/>
+            </a:pPr>
+            <a:r>
+              <a:rPr lang="en-US" altLang="zh-CN" sz="2600" dirty="0" err="1">
+                <a:latin typeface="Times New Roman" panose="02020603050405020304" pitchFamily="18" charset="0"/>
+                <a:ea typeface="標楷體" panose="03000509000000000000" pitchFamily="65" charset="-120"/>
+                <a:cs typeface="王漢宗顏楷體"/>
+                <a:sym typeface="王漢宗顏楷體"/>
+              </a:rPr>
+              <a:t>beforeMount</a:t>
+            </a:r>
+            <a:r>
+              <a:rPr lang="zh-TW" altLang="en-US" sz="2600" dirty="0">
+                <a:latin typeface="Times New Roman" panose="02020603050405020304" pitchFamily="18" charset="0"/>
+                <a:ea typeface="標楷體" panose="03000509000000000000" pitchFamily="65" charset="-120"/>
+                <a:cs typeface="王漢宗顏楷體"/>
+                <a:sym typeface="王漢宗顏楷體"/>
+              </a:rPr>
+              <a:t>：在掛載到 </a:t>
+            </a:r>
+            <a:r>
+              <a:rPr lang="en-US" altLang="zh-TW" sz="2600" dirty="0">
+                <a:latin typeface="Times New Roman" panose="02020603050405020304" pitchFamily="18" charset="0"/>
+                <a:ea typeface="標楷體" panose="03000509000000000000" pitchFamily="65" charset="-120"/>
+                <a:cs typeface="王漢宗顏楷體"/>
+                <a:sym typeface="王漢宗顏楷體"/>
+              </a:rPr>
+              <a:t>DOM </a:t>
+            </a:r>
+            <a:r>
+              <a:rPr lang="zh-TW" altLang="en-US" sz="2600" dirty="0">
+                <a:latin typeface="Times New Roman" panose="02020603050405020304" pitchFamily="18" charset="0"/>
+                <a:ea typeface="標楷體" panose="03000509000000000000" pitchFamily="65" charset="-120"/>
+                <a:cs typeface="王漢宗顏楷體"/>
+                <a:sym typeface="王漢宗顏楷體"/>
+              </a:rPr>
+              <a:t>之前調用，虛擬 </a:t>
+            </a:r>
+            <a:r>
+              <a:rPr lang="en-US" altLang="zh-TW" sz="2600" dirty="0">
+                <a:latin typeface="Times New Roman" panose="02020603050405020304" pitchFamily="18" charset="0"/>
+                <a:ea typeface="標楷體" panose="03000509000000000000" pitchFamily="65" charset="-120"/>
+                <a:cs typeface="王漢宗顏楷體"/>
+                <a:sym typeface="王漢宗顏楷體"/>
+              </a:rPr>
+              <a:t>DOM </a:t>
+            </a:r>
+            <a:r>
+              <a:rPr lang="zh-TW" altLang="en-US" sz="2600" dirty="0">
+                <a:latin typeface="Times New Roman" panose="02020603050405020304" pitchFamily="18" charset="0"/>
+                <a:ea typeface="標楷體" panose="03000509000000000000" pitchFamily="65" charset="-120"/>
+                <a:cs typeface="王漢宗顏楷體"/>
+                <a:sym typeface="王漢宗顏楷體"/>
+              </a:rPr>
+              <a:t>已經創建，尚未插入到頁面中。此階段可以用來查看虛擬 </a:t>
+            </a:r>
+            <a:r>
+              <a:rPr lang="en-US" altLang="zh-TW" sz="2600" dirty="0">
+                <a:latin typeface="Times New Roman" panose="02020603050405020304" pitchFamily="18" charset="0"/>
+                <a:ea typeface="標楷體" panose="03000509000000000000" pitchFamily="65" charset="-120"/>
+                <a:cs typeface="王漢宗顏楷體"/>
+                <a:sym typeface="王漢宗顏楷體"/>
+              </a:rPr>
+              <a:t>DOM</a:t>
+            </a:r>
+            <a:r>
+              <a:rPr lang="zh-TW" altLang="en-US" sz="2600" dirty="0">
+                <a:latin typeface="Times New Roman" panose="02020603050405020304" pitchFamily="18" charset="0"/>
+                <a:ea typeface="標楷體" panose="03000509000000000000" pitchFamily="65" charset="-120"/>
+                <a:cs typeface="王漢宗顏楷體"/>
+                <a:sym typeface="王漢宗顏楷體"/>
+              </a:rPr>
+              <a:t>。</a:t>
+            </a:r>
+            <a:endParaRPr lang="en-US" altLang="zh-TW" sz="2600" dirty="0">
+              <a:latin typeface="Times New Roman" panose="02020603050405020304" pitchFamily="18" charset="0"/>
+              <a:ea typeface="標楷體" panose="03000509000000000000" pitchFamily="65" charset="-120"/>
+              <a:cs typeface="王漢宗顏楷體"/>
+              <a:sym typeface="王漢宗顏楷體"/>
+            </a:endParaRPr>
+          </a:p>
+          <a:p>
+            <a:pPr marL="914400" lvl="1" indent="-457200">
+              <a:lnSpc>
+                <a:spcPts val="4480"/>
+              </a:lnSpc>
+              <a:spcBef>
+                <a:spcPct val="0"/>
+              </a:spcBef>
+              <a:buFont typeface="Wingdings" panose="05000000000000000000" pitchFamily="2" charset="2"/>
+              <a:buChar char="v"/>
+            </a:pPr>
+            <a:r>
+              <a:rPr lang="en-US" altLang="zh-CN" sz="2600" dirty="0">
+                <a:latin typeface="Times New Roman" panose="02020603050405020304" pitchFamily="18" charset="0"/>
+                <a:ea typeface="標楷體" panose="03000509000000000000" pitchFamily="65" charset="-120"/>
+                <a:cs typeface="王漢宗顏楷體"/>
+                <a:sym typeface="王漢宗顏楷體"/>
+              </a:rPr>
+              <a:t>mounted</a:t>
+            </a:r>
+            <a:r>
+              <a:rPr lang="zh-TW" altLang="en-US" sz="2600" dirty="0">
+                <a:latin typeface="Times New Roman" panose="02020603050405020304" pitchFamily="18" charset="0"/>
+                <a:ea typeface="標楷體" panose="03000509000000000000" pitchFamily="65" charset="-120"/>
+                <a:cs typeface="王漢宗顏楷體"/>
+                <a:sym typeface="王漢宗顏楷體"/>
+              </a:rPr>
+              <a:t>：元件已掛載到 </a:t>
+            </a:r>
+            <a:r>
+              <a:rPr lang="en-US" altLang="zh-TW" sz="2600" dirty="0">
+                <a:latin typeface="Times New Roman" panose="02020603050405020304" pitchFamily="18" charset="0"/>
+                <a:ea typeface="標楷體" panose="03000509000000000000" pitchFamily="65" charset="-120"/>
+                <a:cs typeface="王漢宗顏楷體"/>
+                <a:sym typeface="王漢宗顏楷體"/>
+              </a:rPr>
+              <a:t>DOM</a:t>
+            </a:r>
+            <a:r>
+              <a:rPr lang="zh-TW" altLang="en-US" sz="2600" dirty="0">
+                <a:latin typeface="Times New Roman" panose="02020603050405020304" pitchFamily="18" charset="0"/>
+                <a:ea typeface="標楷體" panose="03000509000000000000" pitchFamily="65" charset="-120"/>
+                <a:cs typeface="王漢宗顏楷體"/>
+                <a:sym typeface="王漢宗顏楷體"/>
+              </a:rPr>
+              <a:t>，真實 </a:t>
+            </a:r>
+            <a:r>
+              <a:rPr lang="en-US" altLang="zh-TW" sz="2600" dirty="0">
+                <a:latin typeface="Times New Roman" panose="02020603050405020304" pitchFamily="18" charset="0"/>
+                <a:ea typeface="標楷體" panose="03000509000000000000" pitchFamily="65" charset="-120"/>
+                <a:cs typeface="王漢宗顏楷體"/>
+                <a:sym typeface="王漢宗顏楷體"/>
+              </a:rPr>
+              <a:t>DOM </a:t>
+            </a:r>
+            <a:r>
+              <a:rPr lang="zh-TW" altLang="en-US" sz="2600" dirty="0">
+                <a:latin typeface="Times New Roman" panose="02020603050405020304" pitchFamily="18" charset="0"/>
+                <a:ea typeface="標楷體" panose="03000509000000000000" pitchFamily="65" charset="-120"/>
+                <a:cs typeface="王漢宗顏楷體"/>
+                <a:sym typeface="王漢宗顏楷體"/>
+              </a:rPr>
+              <a:t>已渲染完成。可以在此階段進行 </a:t>
+            </a:r>
+            <a:r>
+              <a:rPr lang="en-US" altLang="zh-TW" sz="2600" dirty="0">
+                <a:latin typeface="Times New Roman" panose="02020603050405020304" pitchFamily="18" charset="0"/>
+                <a:ea typeface="標楷體" panose="03000509000000000000" pitchFamily="65" charset="-120"/>
+                <a:cs typeface="王漢宗顏楷體"/>
+                <a:sym typeface="王漢宗顏楷體"/>
+              </a:rPr>
+              <a:t>DOM </a:t>
+            </a:r>
+            <a:r>
+              <a:rPr lang="zh-TW" altLang="en-US" sz="2600" dirty="0">
+                <a:latin typeface="Times New Roman" panose="02020603050405020304" pitchFamily="18" charset="0"/>
+                <a:ea typeface="標楷體" panose="03000509000000000000" pitchFamily="65" charset="-120"/>
+                <a:cs typeface="王漢宗顏楷體"/>
+                <a:sym typeface="王漢宗顏楷體"/>
+              </a:rPr>
+              <a:t>操作，比如獲取元素尺寸、設置監聽器等。</a:t>
+            </a:r>
+            <a:endParaRPr lang="en-US" altLang="zh-CN" sz="2600" dirty="0">
+              <a:latin typeface="Times New Roman" panose="02020603050405020304" pitchFamily="18" charset="0"/>
+              <a:ea typeface="標楷體" panose="03000509000000000000" pitchFamily="65" charset="-120"/>
+              <a:cs typeface="王漢宗顏楷體"/>
+              <a:sym typeface="王漢宗顏楷體"/>
+            </a:endParaRPr>
+          </a:p>
+        </p:txBody>
+      </p:sp>
+    </p:spTree>
+    <p:extLst>
+      <p:ext uri="{BB962C8B-B14F-4D97-AF65-F5344CB8AC3E}">
+        <p14:creationId xmlns:p14="http://schemas.microsoft.com/office/powerpoint/2010/main" val="1800315853"/>
+      </p:ext>
+    </p:extLst>
+  </p:cSld>
+  <p:clrMapOvr>
+    <a:masterClrMapping/>
+  </p:clrMapOvr>
+</p:sld>
+</file>
+
+<file path=ppt/slides/slide32.xml><?xml version="1.0" encoding="utf-8"?>
+<p:sld xmlns:a="http://schemas.openxmlformats.org/drawingml/2006/main" xmlns:r="http://schemas.openxmlformats.org/officeDocument/2006/relationships" xmlns:p="http://schemas.openxmlformats.org/presentationml/2006/main">
+  <p:cSld>
+    <p:spTree>
+      <p:nvGrpSpPr>
+        <p:cNvPr id="1" name=""/>
+        <p:cNvGrpSpPr/>
+        <p:nvPr/>
+      </p:nvGrpSpPr>
+      <p:grpSpPr>
+        <a:xfrm>
+          <a:off x="0" y="0"/>
+          <a:ext cx="0" cy="0"/>
+          <a:chOff x="0" y="0"/>
+          <a:chExt cx="0" cy="0"/>
+        </a:xfrm>
+      </p:grpSpPr>
+      <p:sp>
+        <p:nvSpPr>
+          <p:cNvPr id="27" name="TextBox 10">
+            <a:extLst>
+              <a:ext uri="{FF2B5EF4-FFF2-40B4-BE49-F238E27FC236}">
+                <a16:creationId xmlns:a16="http://schemas.microsoft.com/office/drawing/2014/main" id="{2A659F81-1ED8-4106-8C45-6A01D7DBC583}"/>
+              </a:ext>
+            </a:extLst>
+          </p:cNvPr>
+          <p:cNvSpPr txBox="1"/>
+          <p:nvPr/>
+        </p:nvSpPr>
+        <p:spPr>
+          <a:xfrm>
+            <a:off x="206912" y="1785472"/>
+            <a:ext cx="17547688" cy="2242922"/>
+          </a:xfrm>
+          <a:prstGeom prst="rect">
+            <a:avLst/>
+          </a:prstGeom>
+        </p:spPr>
+        <p:txBody>
+          <a:bodyPr wrap="square" lIns="0" tIns="0" rIns="0" bIns="0" rtlCol="0" anchor="t">
+            <a:spAutoFit/>
+          </a:bodyPr>
+          <a:lstStyle/>
+          <a:p>
+            <a:pPr algn="l">
+              <a:lnSpc>
+                <a:spcPts val="4480"/>
+              </a:lnSpc>
+              <a:spcBef>
+                <a:spcPct val="0"/>
+              </a:spcBef>
+            </a:pPr>
+            <a:r>
+              <a:rPr lang="en-US" altLang="zh-TW" sz="2600" dirty="0">
+                <a:latin typeface="Times New Roman" panose="02020603050405020304" pitchFamily="18" charset="0"/>
+                <a:ea typeface="標楷體" panose="03000509000000000000" pitchFamily="65" charset="-120"/>
+                <a:cs typeface="王漢宗顏楷體"/>
+                <a:sym typeface="王漢宗顏楷體"/>
+              </a:rPr>
+              <a:t>【</a:t>
+            </a:r>
+            <a:r>
+              <a:rPr lang="zh-TW" altLang="en-US" sz="2600" dirty="0">
+                <a:latin typeface="Times New Roman" panose="02020603050405020304" pitchFamily="18" charset="0"/>
+                <a:ea typeface="標楷體" panose="03000509000000000000" pitchFamily="65" charset="-120"/>
+                <a:cs typeface="王漢宗顏楷體"/>
+                <a:sym typeface="王漢宗顏楷體"/>
+              </a:rPr>
+              <a:t>更新階段</a:t>
+            </a:r>
+            <a:r>
+              <a:rPr lang="en-US" altLang="zh-TW" sz="2600" dirty="0">
+                <a:latin typeface="Times New Roman" panose="02020603050405020304" pitchFamily="18" charset="0"/>
+                <a:ea typeface="標楷體" panose="03000509000000000000" pitchFamily="65" charset="-120"/>
+                <a:cs typeface="王漢宗顏楷體"/>
+                <a:sym typeface="王漢宗顏楷體"/>
+              </a:rPr>
+              <a:t>(Updating)】</a:t>
+            </a:r>
+          </a:p>
+          <a:p>
+            <a:pPr marL="457200" indent="-457200" algn="l">
+              <a:lnSpc>
+                <a:spcPts val="4480"/>
+              </a:lnSpc>
+              <a:spcBef>
+                <a:spcPct val="0"/>
+              </a:spcBef>
+              <a:buFont typeface="Wingdings" panose="05000000000000000000" pitchFamily="2" charset="2"/>
+              <a:buChar char="v"/>
+            </a:pPr>
+            <a:r>
+              <a:rPr lang="zh-TW" altLang="en-US" sz="2600" dirty="0">
+                <a:latin typeface="Times New Roman" panose="02020603050405020304" pitchFamily="18" charset="0"/>
+                <a:ea typeface="標楷體" panose="03000509000000000000" pitchFamily="65" charset="-120"/>
+                <a:cs typeface="王漢宗顏楷體"/>
+                <a:sym typeface="王漢宗顏楷體"/>
+              </a:rPr>
+              <a:t>當元件的 </a:t>
+            </a:r>
+            <a:r>
+              <a:rPr lang="en-US" altLang="zh-TW" sz="2600" dirty="0">
+                <a:latin typeface="Times New Roman" panose="02020603050405020304" pitchFamily="18" charset="0"/>
+                <a:ea typeface="標楷體" panose="03000509000000000000" pitchFamily="65" charset="-120"/>
+                <a:cs typeface="王漢宗顏楷體"/>
+                <a:sym typeface="王漢宗顏楷體"/>
+              </a:rPr>
+              <a:t>`data` </a:t>
+            </a:r>
+            <a:r>
+              <a:rPr lang="zh-TW" altLang="en-US" sz="2600" dirty="0">
+                <a:latin typeface="Times New Roman" panose="02020603050405020304" pitchFamily="18" charset="0"/>
+                <a:ea typeface="標楷體" panose="03000509000000000000" pitchFamily="65" charset="-120"/>
+                <a:cs typeface="王漢宗顏楷體"/>
+                <a:sym typeface="王漢宗顏楷體"/>
+              </a:rPr>
+              <a:t>或 </a:t>
+            </a:r>
+            <a:r>
+              <a:rPr lang="en-US" altLang="zh-TW" sz="2600" dirty="0">
+                <a:latin typeface="Times New Roman" panose="02020603050405020304" pitchFamily="18" charset="0"/>
+                <a:ea typeface="標楷體" panose="03000509000000000000" pitchFamily="65" charset="-120"/>
+                <a:cs typeface="王漢宗顏楷體"/>
+                <a:sym typeface="王漢宗顏楷體"/>
+              </a:rPr>
+              <a:t>`props` </a:t>
+            </a:r>
+            <a:r>
+              <a:rPr lang="zh-TW" altLang="en-US" sz="2600" dirty="0">
+                <a:latin typeface="Times New Roman" panose="02020603050405020304" pitchFamily="18" charset="0"/>
+                <a:ea typeface="標楷體" panose="03000509000000000000" pitchFamily="65" charset="-120"/>
+                <a:cs typeface="王漢宗顏楷體"/>
+                <a:sym typeface="王漢宗顏楷體"/>
+              </a:rPr>
+              <a:t>發生變化時，</a:t>
+            </a:r>
+            <a:r>
+              <a:rPr lang="en-US" altLang="zh-TW" sz="2600" dirty="0">
+                <a:latin typeface="Times New Roman" panose="02020603050405020304" pitchFamily="18" charset="0"/>
+                <a:ea typeface="標楷體" panose="03000509000000000000" pitchFamily="65" charset="-120"/>
+                <a:cs typeface="王漢宗顏楷體"/>
+                <a:sym typeface="王漢宗顏楷體"/>
+              </a:rPr>
+              <a:t>Vue </a:t>
+            </a:r>
+            <a:r>
+              <a:rPr lang="zh-TW" altLang="en-US" sz="2600" dirty="0">
+                <a:latin typeface="Times New Roman" panose="02020603050405020304" pitchFamily="18" charset="0"/>
+                <a:ea typeface="標楷體" panose="03000509000000000000" pitchFamily="65" charset="-120"/>
+                <a:cs typeface="王漢宗顏楷體"/>
+                <a:sym typeface="王漢宗顏楷體"/>
+              </a:rPr>
+              <a:t>會進行重新渲染，此時元件會進入更新階段。</a:t>
+            </a:r>
+            <a:endParaRPr lang="en-US" altLang="zh-TW" sz="2600" dirty="0">
+              <a:latin typeface="Times New Roman" panose="02020603050405020304" pitchFamily="18" charset="0"/>
+              <a:ea typeface="標楷體" panose="03000509000000000000" pitchFamily="65" charset="-120"/>
+              <a:cs typeface="王漢宗顏楷體"/>
+              <a:sym typeface="王漢宗顏楷體"/>
+            </a:endParaRPr>
+          </a:p>
+          <a:p>
+            <a:pPr marL="914400" lvl="1" indent="-457200">
+              <a:lnSpc>
+                <a:spcPts val="4480"/>
+              </a:lnSpc>
+              <a:spcBef>
+                <a:spcPct val="0"/>
+              </a:spcBef>
+              <a:buFont typeface="Wingdings" panose="05000000000000000000" pitchFamily="2" charset="2"/>
+              <a:buChar char="v"/>
+            </a:pPr>
+            <a:r>
+              <a:rPr lang="en-US" altLang="zh-TW" sz="2600" dirty="0" err="1">
+                <a:latin typeface="Times New Roman" panose="02020603050405020304" pitchFamily="18" charset="0"/>
+                <a:ea typeface="標楷體" panose="03000509000000000000" pitchFamily="65" charset="-120"/>
+                <a:cs typeface="王漢宗顏楷體"/>
+                <a:sym typeface="王漢宗顏楷體"/>
+              </a:rPr>
+              <a:t>beforeUpdate</a:t>
+            </a:r>
+            <a:r>
+              <a:rPr lang="en-US" altLang="zh-TW" sz="2600" dirty="0">
+                <a:latin typeface="Times New Roman" panose="02020603050405020304" pitchFamily="18" charset="0"/>
+                <a:ea typeface="標楷體" panose="03000509000000000000" pitchFamily="65" charset="-120"/>
+                <a:cs typeface="王漢宗顏楷體"/>
+                <a:sym typeface="王漢宗顏楷體"/>
+              </a:rPr>
+              <a:t>`</a:t>
+            </a:r>
+            <a:r>
+              <a:rPr lang="zh-TW" altLang="en-US" sz="2600" dirty="0">
+                <a:latin typeface="Times New Roman" panose="02020603050405020304" pitchFamily="18" charset="0"/>
+                <a:ea typeface="標楷體" panose="03000509000000000000" pitchFamily="65" charset="-120"/>
+                <a:cs typeface="王漢宗顏楷體"/>
+                <a:sym typeface="王漢宗顏楷體"/>
+              </a:rPr>
+              <a:t>：當數據發生變化，重新渲染之前調用。此時虛擬 </a:t>
+            </a:r>
+            <a:r>
+              <a:rPr lang="en-US" altLang="zh-TW" sz="2600" dirty="0">
+                <a:latin typeface="Times New Roman" panose="02020603050405020304" pitchFamily="18" charset="0"/>
+                <a:ea typeface="標楷體" panose="03000509000000000000" pitchFamily="65" charset="-120"/>
+                <a:cs typeface="王漢宗顏楷體"/>
+                <a:sym typeface="王漢宗顏楷體"/>
+              </a:rPr>
+              <a:t>DOM </a:t>
+            </a:r>
+            <a:r>
+              <a:rPr lang="zh-TW" altLang="en-US" sz="2600" dirty="0">
+                <a:latin typeface="Times New Roman" panose="02020603050405020304" pitchFamily="18" charset="0"/>
+                <a:ea typeface="標楷體" panose="03000509000000000000" pitchFamily="65" charset="-120"/>
+                <a:cs typeface="王漢宗顏楷體"/>
+                <a:sym typeface="王漢宗顏楷體"/>
+              </a:rPr>
+              <a:t>已更新，但尚未同步到真實 </a:t>
+            </a:r>
+            <a:r>
+              <a:rPr lang="en-US" altLang="zh-TW" sz="2600" dirty="0">
+                <a:latin typeface="Times New Roman" panose="02020603050405020304" pitchFamily="18" charset="0"/>
+                <a:ea typeface="標楷體" panose="03000509000000000000" pitchFamily="65" charset="-120"/>
+                <a:cs typeface="王漢宗顏楷體"/>
+                <a:sym typeface="王漢宗顏楷體"/>
+              </a:rPr>
+              <a:t>DOM</a:t>
+            </a:r>
+            <a:r>
+              <a:rPr lang="zh-TW" altLang="en-US" sz="2600" dirty="0">
+                <a:latin typeface="Times New Roman" panose="02020603050405020304" pitchFamily="18" charset="0"/>
+                <a:ea typeface="標楷體" panose="03000509000000000000" pitchFamily="65" charset="-120"/>
+                <a:cs typeface="王漢宗顏楷體"/>
+                <a:sym typeface="王漢宗顏楷體"/>
+              </a:rPr>
+              <a:t>。</a:t>
+            </a:r>
+            <a:endParaRPr lang="en-US" altLang="zh-TW" sz="2600" dirty="0">
+              <a:latin typeface="Times New Roman" panose="02020603050405020304" pitchFamily="18" charset="0"/>
+              <a:ea typeface="標楷體" panose="03000509000000000000" pitchFamily="65" charset="-120"/>
+              <a:cs typeface="王漢宗顏楷體"/>
+              <a:sym typeface="王漢宗顏楷體"/>
+            </a:endParaRPr>
+          </a:p>
+          <a:p>
+            <a:pPr marL="914400" lvl="1" indent="-457200">
+              <a:lnSpc>
+                <a:spcPts val="4480"/>
+              </a:lnSpc>
+              <a:spcBef>
+                <a:spcPct val="0"/>
+              </a:spcBef>
+              <a:buFont typeface="Wingdings" panose="05000000000000000000" pitchFamily="2" charset="2"/>
+              <a:buChar char="v"/>
+            </a:pPr>
+            <a:r>
+              <a:rPr lang="en-US" altLang="zh-TW" sz="2600" dirty="0">
+                <a:latin typeface="Times New Roman" panose="02020603050405020304" pitchFamily="18" charset="0"/>
+                <a:ea typeface="標楷體" panose="03000509000000000000" pitchFamily="65" charset="-120"/>
+                <a:cs typeface="王漢宗顏楷體"/>
+                <a:sym typeface="王漢宗顏楷體"/>
+              </a:rPr>
+              <a:t>`updated`</a:t>
+            </a:r>
+            <a:r>
+              <a:rPr lang="zh-TW" altLang="en-US" sz="2600" dirty="0">
+                <a:latin typeface="Times New Roman" panose="02020603050405020304" pitchFamily="18" charset="0"/>
+                <a:ea typeface="標楷體" panose="03000509000000000000" pitchFamily="65" charset="-120"/>
+                <a:cs typeface="王漢宗顏楷體"/>
+                <a:sym typeface="王漢宗顏楷體"/>
+              </a:rPr>
+              <a:t>：重新渲染後調用，虛擬 </a:t>
+            </a:r>
+            <a:r>
+              <a:rPr lang="en-US" altLang="zh-TW" sz="2600" dirty="0">
+                <a:latin typeface="Times New Roman" panose="02020603050405020304" pitchFamily="18" charset="0"/>
+                <a:ea typeface="標楷體" panose="03000509000000000000" pitchFamily="65" charset="-120"/>
+                <a:cs typeface="王漢宗顏楷體"/>
+                <a:sym typeface="王漢宗顏楷體"/>
+              </a:rPr>
+              <a:t>DOM </a:t>
+            </a:r>
+            <a:r>
+              <a:rPr lang="zh-TW" altLang="en-US" sz="2600" dirty="0">
+                <a:latin typeface="Times New Roman" panose="02020603050405020304" pitchFamily="18" charset="0"/>
+                <a:ea typeface="標楷體" panose="03000509000000000000" pitchFamily="65" charset="-120"/>
+                <a:cs typeface="王漢宗顏楷體"/>
+                <a:sym typeface="王漢宗顏楷體"/>
+              </a:rPr>
+              <a:t>已與真實 </a:t>
+            </a:r>
+            <a:r>
+              <a:rPr lang="en-US" altLang="zh-TW" sz="2600" dirty="0">
+                <a:latin typeface="Times New Roman" panose="02020603050405020304" pitchFamily="18" charset="0"/>
+                <a:ea typeface="標楷體" panose="03000509000000000000" pitchFamily="65" charset="-120"/>
+                <a:cs typeface="王漢宗顏楷體"/>
+                <a:sym typeface="王漢宗顏楷體"/>
+              </a:rPr>
+              <a:t>DOM </a:t>
+            </a:r>
+            <a:r>
+              <a:rPr lang="zh-TW" altLang="en-US" sz="2600" dirty="0">
+                <a:latin typeface="Times New Roman" panose="02020603050405020304" pitchFamily="18" charset="0"/>
+                <a:ea typeface="標楷體" panose="03000509000000000000" pitchFamily="65" charset="-120"/>
+                <a:cs typeface="王漢宗顏楷體"/>
+                <a:sym typeface="王漢宗顏楷體"/>
+              </a:rPr>
+              <a:t>同步。通常用於執行 </a:t>
+            </a:r>
+            <a:r>
+              <a:rPr lang="en-US" altLang="zh-TW" sz="2600" dirty="0">
+                <a:latin typeface="Times New Roman" panose="02020603050405020304" pitchFamily="18" charset="0"/>
+                <a:ea typeface="標楷體" panose="03000509000000000000" pitchFamily="65" charset="-120"/>
+                <a:cs typeface="王漢宗顏楷體"/>
+                <a:sym typeface="王漢宗顏楷體"/>
+              </a:rPr>
+              <a:t>DOM </a:t>
+            </a:r>
+            <a:r>
+              <a:rPr lang="zh-TW" altLang="en-US" sz="2600" dirty="0">
+                <a:latin typeface="Times New Roman" panose="02020603050405020304" pitchFamily="18" charset="0"/>
+                <a:ea typeface="標楷體" panose="03000509000000000000" pitchFamily="65" charset="-120"/>
+                <a:cs typeface="王漢宗顏楷體"/>
+                <a:sym typeface="王漢宗顏楷體"/>
+              </a:rPr>
+              <a:t>操作或依賴最新數據的操作。</a:t>
+            </a:r>
+            <a:endParaRPr lang="en-US" altLang="zh-CN" sz="2600" dirty="0">
+              <a:latin typeface="Times New Roman" panose="02020603050405020304" pitchFamily="18" charset="0"/>
+              <a:ea typeface="標楷體" panose="03000509000000000000" pitchFamily="65" charset="-120"/>
+              <a:cs typeface="王漢宗顏楷體"/>
+              <a:sym typeface="王漢宗顏楷體"/>
+            </a:endParaRPr>
+          </a:p>
+        </p:txBody>
+      </p:sp>
+      <p:grpSp>
+        <p:nvGrpSpPr>
+          <p:cNvPr id="28" name="Group 2">
+            <a:extLst>
+              <a:ext uri="{FF2B5EF4-FFF2-40B4-BE49-F238E27FC236}">
+                <a16:creationId xmlns:a16="http://schemas.microsoft.com/office/drawing/2014/main" id="{C571510F-4237-4159-A25E-D023AAABD06D}"/>
+              </a:ext>
+            </a:extLst>
+          </p:cNvPr>
+          <p:cNvGrpSpPr/>
+          <p:nvPr/>
+        </p:nvGrpSpPr>
+        <p:grpSpPr>
+          <a:xfrm>
+            <a:off x="0" y="0"/>
+            <a:ext cx="18288000" cy="1691609"/>
+            <a:chOff x="0" y="0"/>
+            <a:chExt cx="4816593" cy="543967"/>
+          </a:xfrm>
+        </p:grpSpPr>
+        <p:sp>
+          <p:nvSpPr>
+            <p:cNvPr id="29" name="Freeform 3">
+              <a:extLst>
+                <a:ext uri="{FF2B5EF4-FFF2-40B4-BE49-F238E27FC236}">
+                  <a16:creationId xmlns:a16="http://schemas.microsoft.com/office/drawing/2014/main" id="{8558C2F7-92C9-4ED9-A7F6-36896AE39BAD}"/>
+                </a:ext>
+              </a:extLst>
+            </p:cNvPr>
+            <p:cNvSpPr/>
+            <p:nvPr/>
+          </p:nvSpPr>
+          <p:spPr>
+            <a:xfrm>
+              <a:off x="0" y="0"/>
+              <a:ext cx="4816592" cy="543967"/>
+            </a:xfrm>
+            <a:custGeom>
+              <a:avLst/>
+              <a:gdLst/>
+              <a:ahLst/>
+              <a:cxnLst/>
+              <a:rect l="l" t="t" r="r" b="b"/>
+              <a:pathLst>
+                <a:path w="4816592" h="543967">
+                  <a:moveTo>
+                    <a:pt x="0" y="0"/>
+                  </a:moveTo>
+                  <a:lnTo>
+                    <a:pt x="4816592" y="0"/>
+                  </a:lnTo>
+                  <a:lnTo>
+                    <a:pt x="4816592" y="543967"/>
+                  </a:lnTo>
+                  <a:lnTo>
+                    <a:pt x="0" y="543967"/>
+                  </a:lnTo>
+                  <a:close/>
+                </a:path>
+              </a:pathLst>
+            </a:custGeom>
+            <a:gradFill rotWithShape="1">
+              <a:gsLst>
+                <a:gs pos="0">
+                  <a:srgbClr val="B81B22">
+                    <a:alpha val="100000"/>
+                  </a:srgbClr>
+                </a:gs>
+                <a:gs pos="25000">
+                  <a:srgbClr val="B81B22">
+                    <a:alpha val="99500"/>
+                  </a:srgbClr>
+                </a:gs>
+                <a:gs pos="50000">
+                  <a:srgbClr val="E82A34">
+                    <a:alpha val="100000"/>
+                  </a:srgbClr>
+                </a:gs>
+                <a:gs pos="75000">
+                  <a:srgbClr val="F89DA1">
+                    <a:alpha val="100000"/>
+                  </a:srgbClr>
+                </a:gs>
+                <a:gs pos="100000">
+                  <a:srgbClr val="FFFFFF">
+                    <a:alpha val="99500"/>
+                  </a:srgbClr>
+                </a:gs>
+              </a:gsLst>
+              <a:lin ang="0"/>
+            </a:gradFill>
+          </p:spPr>
+        </p:sp>
+        <p:sp>
+          <p:nvSpPr>
+            <p:cNvPr id="30" name="TextBox 4">
+              <a:extLst>
+                <a:ext uri="{FF2B5EF4-FFF2-40B4-BE49-F238E27FC236}">
+                  <a16:creationId xmlns:a16="http://schemas.microsoft.com/office/drawing/2014/main" id="{CC107A00-22F6-47C1-AAF1-49AC9E4F1FE8}"/>
+                </a:ext>
+              </a:extLst>
+            </p:cNvPr>
+            <p:cNvSpPr txBox="1"/>
+            <p:nvPr/>
+          </p:nvSpPr>
+          <p:spPr>
+            <a:xfrm>
+              <a:off x="0" y="-47625"/>
+              <a:ext cx="4816593" cy="591592"/>
+            </a:xfrm>
+            <a:prstGeom prst="rect">
+              <a:avLst/>
+            </a:prstGeom>
+          </p:spPr>
+          <p:txBody>
+            <a:bodyPr lIns="50800" tIns="50800" rIns="50800" bIns="50800" rtlCol="0" anchor="ctr"/>
+            <a:lstStyle/>
+            <a:p>
+              <a:pPr algn="ctr">
+                <a:lnSpc>
+                  <a:spcPts val="2659"/>
+                </a:lnSpc>
+              </a:pPr>
+              <a:endParaRPr>
+                <a:latin typeface="標楷體" panose="03000509000000000000" pitchFamily="65" charset="-120"/>
+                <a:ea typeface="標楷體" panose="03000509000000000000" pitchFamily="65" charset="-120"/>
+              </a:endParaRPr>
+            </a:p>
+          </p:txBody>
+        </p:sp>
+      </p:grpSp>
+      <p:sp>
+        <p:nvSpPr>
+          <p:cNvPr id="34" name="TextBox 8">
+            <a:extLst>
+              <a:ext uri="{FF2B5EF4-FFF2-40B4-BE49-F238E27FC236}">
+                <a16:creationId xmlns:a16="http://schemas.microsoft.com/office/drawing/2014/main" id="{6A6E9B8B-C857-4E5F-B514-20784942772F}"/>
+              </a:ext>
+            </a:extLst>
+          </p:cNvPr>
+          <p:cNvSpPr txBox="1"/>
+          <p:nvPr/>
+        </p:nvSpPr>
+        <p:spPr>
+          <a:xfrm>
+            <a:off x="304800" y="110995"/>
+            <a:ext cx="9571413" cy="1321516"/>
+          </a:xfrm>
+          <a:prstGeom prst="rect">
+            <a:avLst/>
+          </a:prstGeom>
+        </p:spPr>
+        <p:txBody>
+          <a:bodyPr wrap="square" lIns="0" tIns="0" rIns="0" bIns="0" rtlCol="0" anchor="t">
+            <a:spAutoFit/>
+          </a:bodyPr>
+          <a:lstStyle/>
+          <a:p>
+            <a:pPr algn="l">
+              <a:lnSpc>
+                <a:spcPts val="11200"/>
+              </a:lnSpc>
+              <a:spcBef>
+                <a:spcPct val="0"/>
+              </a:spcBef>
+            </a:pPr>
+            <a:r>
+              <a:rPr lang="en-US" altLang="zh-TW" sz="8000" dirty="0">
+                <a:solidFill>
+                  <a:srgbClr val="FFFFFF"/>
+                </a:solidFill>
+                <a:latin typeface="Times New Roman" panose="02020603050405020304" pitchFamily="18" charset="0"/>
+                <a:ea typeface="標楷體" panose="03000509000000000000" pitchFamily="65" charset="-120"/>
+                <a:cs typeface="Times New Roman" panose="02020603050405020304" pitchFamily="18" charset="0"/>
+                <a:sym typeface="王漢宗顏楷體"/>
+              </a:rPr>
+              <a:t>Vue</a:t>
+            </a:r>
+            <a:r>
+              <a:rPr lang="zh-TW" altLang="en-US" sz="8000" dirty="0">
+                <a:solidFill>
+                  <a:srgbClr val="FFFFFF"/>
+                </a:solidFill>
+                <a:latin typeface="Times New Roman" panose="02020603050405020304" pitchFamily="18" charset="0"/>
+                <a:ea typeface="標楷體" panose="03000509000000000000" pitchFamily="65" charset="-120"/>
+                <a:cs typeface="Times New Roman" panose="02020603050405020304" pitchFamily="18" charset="0"/>
+                <a:sym typeface="王漢宗顏楷體"/>
+              </a:rPr>
+              <a:t>物件生命週期</a:t>
+            </a:r>
+            <a:endParaRPr lang="en-US" altLang="zh-TW" sz="8000" dirty="0">
+              <a:solidFill>
+                <a:srgbClr val="FFFFFF"/>
+              </a:solidFill>
+              <a:latin typeface="Times New Roman" panose="02020603050405020304" pitchFamily="18" charset="0"/>
+              <a:ea typeface="標楷體" panose="03000509000000000000" pitchFamily="65" charset="-120"/>
+              <a:cs typeface="Times New Roman" panose="02020603050405020304" pitchFamily="18" charset="0"/>
+              <a:sym typeface="王漢宗顏楷體"/>
+            </a:endParaRPr>
+          </a:p>
+        </p:txBody>
+      </p:sp>
+      <p:sp>
+        <p:nvSpPr>
+          <p:cNvPr id="33" name="TextBox 10">
+            <a:extLst>
+              <a:ext uri="{FF2B5EF4-FFF2-40B4-BE49-F238E27FC236}">
+                <a16:creationId xmlns:a16="http://schemas.microsoft.com/office/drawing/2014/main" id="{19C5F832-460B-4EBB-B2F0-2969D24D284A}"/>
+              </a:ext>
+            </a:extLst>
+          </p:cNvPr>
+          <p:cNvSpPr txBox="1"/>
+          <p:nvPr/>
+        </p:nvSpPr>
+        <p:spPr>
+          <a:xfrm>
+            <a:off x="185141" y="4762500"/>
+            <a:ext cx="17721859" cy="2242922"/>
+          </a:xfrm>
+          <a:prstGeom prst="rect">
+            <a:avLst/>
+          </a:prstGeom>
+        </p:spPr>
+        <p:txBody>
+          <a:bodyPr wrap="square" lIns="0" tIns="0" rIns="0" bIns="0" rtlCol="0" anchor="t">
+            <a:spAutoFit/>
+          </a:bodyPr>
+          <a:lstStyle/>
+          <a:p>
+            <a:pPr algn="l">
+              <a:lnSpc>
+                <a:spcPts val="4480"/>
+              </a:lnSpc>
+              <a:spcBef>
+                <a:spcPct val="0"/>
+              </a:spcBef>
+            </a:pPr>
+            <a:r>
+              <a:rPr lang="en-US" altLang="zh-TW" sz="2600" dirty="0">
+                <a:latin typeface="Times New Roman" panose="02020603050405020304" pitchFamily="18" charset="0"/>
+                <a:ea typeface="標楷體" panose="03000509000000000000" pitchFamily="65" charset="-120"/>
+                <a:cs typeface="王漢宗顏楷體"/>
+                <a:sym typeface="王漢宗顏楷體"/>
+              </a:rPr>
+              <a:t>【</a:t>
+            </a:r>
+            <a:r>
+              <a:rPr lang="zh-TW" altLang="en-US" sz="2600" dirty="0">
+                <a:latin typeface="Times New Roman" panose="02020603050405020304" pitchFamily="18" charset="0"/>
+                <a:ea typeface="標楷體" panose="03000509000000000000" pitchFamily="65" charset="-120"/>
+                <a:cs typeface="王漢宗顏楷體"/>
+                <a:sym typeface="王漢宗顏楷體"/>
+              </a:rPr>
+              <a:t>銷毀階段</a:t>
+            </a:r>
+            <a:r>
+              <a:rPr lang="en-US" altLang="zh-TW" sz="2600" dirty="0">
+                <a:latin typeface="Times New Roman" panose="02020603050405020304" pitchFamily="18" charset="0"/>
+                <a:ea typeface="標楷體" panose="03000509000000000000" pitchFamily="65" charset="-120"/>
+                <a:cs typeface="王漢宗顏楷體"/>
+                <a:sym typeface="王漢宗顏楷體"/>
+              </a:rPr>
+              <a:t>(Unmounting)】</a:t>
+            </a:r>
+          </a:p>
+          <a:p>
+            <a:pPr marL="457200" indent="-457200" algn="l">
+              <a:lnSpc>
+                <a:spcPts val="4480"/>
+              </a:lnSpc>
+              <a:spcBef>
+                <a:spcPct val="0"/>
+              </a:spcBef>
+              <a:buFont typeface="Wingdings" panose="05000000000000000000" pitchFamily="2" charset="2"/>
+              <a:buChar char="v"/>
+            </a:pPr>
+            <a:r>
+              <a:rPr lang="zh-TW" altLang="en-US" sz="2600" dirty="0">
+                <a:latin typeface="Times New Roman" panose="02020603050405020304" pitchFamily="18" charset="0"/>
+                <a:ea typeface="標楷體" panose="03000509000000000000" pitchFamily="65" charset="-120"/>
+                <a:cs typeface="王漢宗顏楷體"/>
+                <a:sym typeface="王漢宗顏楷體"/>
+              </a:rPr>
+              <a:t>當元件從 </a:t>
+            </a:r>
+            <a:r>
+              <a:rPr lang="en-US" altLang="zh-TW" sz="2600" dirty="0">
+                <a:latin typeface="Times New Roman" panose="02020603050405020304" pitchFamily="18" charset="0"/>
+                <a:ea typeface="標楷體" panose="03000509000000000000" pitchFamily="65" charset="-120"/>
+                <a:cs typeface="王漢宗顏楷體"/>
+                <a:sym typeface="王漢宗顏楷體"/>
+              </a:rPr>
+              <a:t>DOM </a:t>
+            </a:r>
+            <a:r>
+              <a:rPr lang="zh-TW" altLang="en-US" sz="2600" dirty="0">
+                <a:latin typeface="Times New Roman" panose="02020603050405020304" pitchFamily="18" charset="0"/>
+                <a:ea typeface="標楷體" panose="03000509000000000000" pitchFamily="65" charset="-120"/>
+                <a:cs typeface="王漢宗顏楷體"/>
+                <a:sym typeface="王漢宗顏楷體"/>
+              </a:rPr>
+              <a:t>中移除或其生命周期結束時，它會進入銷毀階段。</a:t>
+            </a:r>
+            <a:endParaRPr lang="en-US" altLang="zh-TW" sz="2600" dirty="0">
+              <a:latin typeface="Times New Roman" panose="02020603050405020304" pitchFamily="18" charset="0"/>
+              <a:ea typeface="標楷體" panose="03000509000000000000" pitchFamily="65" charset="-120"/>
+              <a:cs typeface="王漢宗顏楷體"/>
+              <a:sym typeface="王漢宗顏楷體"/>
+            </a:endParaRPr>
+          </a:p>
+          <a:p>
+            <a:pPr marL="914400" lvl="1" indent="-457200">
+              <a:lnSpc>
+                <a:spcPts val="4480"/>
+              </a:lnSpc>
+              <a:spcBef>
+                <a:spcPct val="0"/>
+              </a:spcBef>
+              <a:buFont typeface="Wingdings" panose="05000000000000000000" pitchFamily="2" charset="2"/>
+              <a:buChar char="v"/>
+            </a:pPr>
+            <a:r>
+              <a:rPr lang="en-US" altLang="zh-TW" sz="2600" dirty="0">
+                <a:latin typeface="Times New Roman" panose="02020603050405020304" pitchFamily="18" charset="0"/>
+                <a:ea typeface="標楷體" panose="03000509000000000000" pitchFamily="65" charset="-120"/>
+                <a:cs typeface="王漢宗顏楷體"/>
+                <a:sym typeface="王漢宗顏楷體"/>
+              </a:rPr>
+              <a:t>`</a:t>
+            </a:r>
+            <a:r>
+              <a:rPr lang="en-US" altLang="zh-TW" sz="2600" dirty="0" err="1">
+                <a:latin typeface="Times New Roman" panose="02020603050405020304" pitchFamily="18" charset="0"/>
+                <a:ea typeface="標楷體" panose="03000509000000000000" pitchFamily="65" charset="-120"/>
+                <a:cs typeface="王漢宗顏楷體"/>
+                <a:sym typeface="王漢宗顏楷體"/>
+              </a:rPr>
+              <a:t>beforeUnmount</a:t>
+            </a:r>
+            <a:r>
+              <a:rPr lang="en-US" altLang="zh-TW" sz="2600" dirty="0">
+                <a:latin typeface="Times New Roman" panose="02020603050405020304" pitchFamily="18" charset="0"/>
+                <a:ea typeface="標楷體" panose="03000509000000000000" pitchFamily="65" charset="-120"/>
+                <a:cs typeface="王漢宗顏楷體"/>
+                <a:sym typeface="王漢宗顏楷體"/>
+              </a:rPr>
+              <a:t>`</a:t>
+            </a:r>
+            <a:r>
+              <a:rPr lang="zh-TW" altLang="en-US" sz="2600" dirty="0">
+                <a:latin typeface="Times New Roman" panose="02020603050405020304" pitchFamily="18" charset="0"/>
+                <a:ea typeface="標楷體" panose="03000509000000000000" pitchFamily="65" charset="-120"/>
+                <a:cs typeface="王漢宗顏楷體"/>
+                <a:sym typeface="王漢宗顏楷體"/>
+              </a:rPr>
+              <a:t>：元件銷毀之前調用。可以用來清除定時器或事件監聽器等資源，避免內存洩漏。</a:t>
+            </a:r>
+            <a:endParaRPr lang="en-US" altLang="zh-TW" sz="2600" dirty="0">
+              <a:latin typeface="Times New Roman" panose="02020603050405020304" pitchFamily="18" charset="0"/>
+              <a:ea typeface="標楷體" panose="03000509000000000000" pitchFamily="65" charset="-120"/>
+              <a:cs typeface="王漢宗顏楷體"/>
+              <a:sym typeface="王漢宗顏楷體"/>
+            </a:endParaRPr>
+          </a:p>
+          <a:p>
+            <a:pPr marL="914400" lvl="1" indent="-457200">
+              <a:lnSpc>
+                <a:spcPts val="4480"/>
+              </a:lnSpc>
+              <a:spcBef>
+                <a:spcPct val="0"/>
+              </a:spcBef>
+              <a:buFont typeface="Wingdings" panose="05000000000000000000" pitchFamily="2" charset="2"/>
+              <a:buChar char="v"/>
+            </a:pPr>
+            <a:r>
+              <a:rPr lang="zh-TW" altLang="en-US" sz="2600" dirty="0">
+                <a:latin typeface="Times New Roman" panose="02020603050405020304" pitchFamily="18" charset="0"/>
+                <a:ea typeface="標楷體" panose="03000509000000000000" pitchFamily="65" charset="-120"/>
+                <a:cs typeface="王漢宗顏楷體"/>
+                <a:sym typeface="王漢宗顏楷體"/>
+              </a:rPr>
+              <a:t> </a:t>
+            </a:r>
+            <a:r>
+              <a:rPr lang="en-US" altLang="zh-TW" sz="2600" dirty="0">
+                <a:latin typeface="Times New Roman" panose="02020603050405020304" pitchFamily="18" charset="0"/>
+                <a:ea typeface="標楷體" panose="03000509000000000000" pitchFamily="65" charset="-120"/>
+                <a:cs typeface="王漢宗顏楷體"/>
+                <a:sym typeface="王漢宗顏楷體"/>
+              </a:rPr>
+              <a:t>`unmounted`</a:t>
+            </a:r>
+            <a:r>
+              <a:rPr lang="zh-TW" altLang="en-US" sz="2600" dirty="0">
+                <a:latin typeface="Times New Roman" panose="02020603050405020304" pitchFamily="18" charset="0"/>
+                <a:ea typeface="標楷體" panose="03000509000000000000" pitchFamily="65" charset="-120"/>
+                <a:cs typeface="王漢宗顏楷體"/>
+                <a:sym typeface="王漢宗顏楷體"/>
+              </a:rPr>
+              <a:t>：元件已完全銷毀，與 </a:t>
+            </a:r>
+            <a:r>
+              <a:rPr lang="en-US" altLang="zh-TW" sz="2600" dirty="0">
+                <a:latin typeface="Times New Roman" panose="02020603050405020304" pitchFamily="18" charset="0"/>
+                <a:ea typeface="標楷體" panose="03000509000000000000" pitchFamily="65" charset="-120"/>
+                <a:cs typeface="王漢宗顏楷體"/>
+                <a:sym typeface="王漢宗顏楷體"/>
+              </a:rPr>
+              <a:t>DOM </a:t>
+            </a:r>
+            <a:r>
+              <a:rPr lang="zh-TW" altLang="en-US" sz="2600" dirty="0">
+                <a:latin typeface="Times New Roman" panose="02020603050405020304" pitchFamily="18" charset="0"/>
+                <a:ea typeface="標楷體" panose="03000509000000000000" pitchFamily="65" charset="-120"/>
+                <a:cs typeface="王漢宗顏楷體"/>
+                <a:sym typeface="王漢宗顏楷體"/>
+              </a:rPr>
+              <a:t>的關聯已斷開。此時所有事件監聽器和數據綁定已解除。</a:t>
+            </a:r>
+            <a:endParaRPr lang="en-US" altLang="zh-TW" sz="2600" dirty="0">
+              <a:latin typeface="Times New Roman" panose="02020603050405020304" pitchFamily="18" charset="0"/>
+              <a:ea typeface="標楷體" panose="03000509000000000000" pitchFamily="65" charset="-120"/>
+              <a:cs typeface="王漢宗顏楷體"/>
+              <a:sym typeface="王漢宗顏楷體"/>
+            </a:endParaRPr>
+          </a:p>
+        </p:txBody>
+      </p:sp>
+    </p:spTree>
+    <p:extLst>
+      <p:ext uri="{BB962C8B-B14F-4D97-AF65-F5344CB8AC3E}">
+        <p14:creationId xmlns:p14="http://schemas.microsoft.com/office/powerpoint/2010/main" val="3206251833"/>
+      </p:ext>
+    </p:extLst>
+  </p:cSld>
+  <p:clrMapOvr>
+    <a:masterClrMapping/>
+  </p:clrMapOvr>
+</p:sld>
+</file>
+
+<file path=ppt/slides/slide33.xml><?xml version="1.0" encoding="utf-8"?>
+<p:sld xmlns:a="http://schemas.openxmlformats.org/drawingml/2006/main" xmlns:r="http://schemas.openxmlformats.org/officeDocument/2006/relationships" xmlns:p="http://schemas.openxmlformats.org/presentationml/2006/main">
+  <p:cSld>
+    <p:spTree>
+      <p:nvGrpSpPr>
+        <p:cNvPr id="1" name=""/>
+        <p:cNvGrpSpPr/>
+        <p:nvPr/>
+      </p:nvGrpSpPr>
+      <p:grpSpPr>
+        <a:xfrm>
+          <a:off x="0" y="0"/>
+          <a:ext cx="0" cy="0"/>
+          <a:chOff x="0" y="0"/>
+          <a:chExt cx="0" cy="0"/>
+        </a:xfrm>
+      </p:grpSpPr>
+      <p:sp>
+        <p:nvSpPr>
+          <p:cNvPr id="11" name="矩形 10">
+            <a:extLst>
+              <a:ext uri="{FF2B5EF4-FFF2-40B4-BE49-F238E27FC236}">
+                <a16:creationId xmlns:a16="http://schemas.microsoft.com/office/drawing/2014/main" id="{6BD9499C-82BD-4505-BBA9-B4E5DDAF2CCD}"/>
+              </a:ext>
+            </a:extLst>
+          </p:cNvPr>
+          <p:cNvSpPr/>
+          <p:nvPr/>
+        </p:nvSpPr>
+        <p:spPr>
+          <a:xfrm rot="10800000" flipV="1">
+            <a:off x="624114" y="4381500"/>
+            <a:ext cx="5090886" cy="3048000"/>
+          </a:xfrm>
+          <a:prstGeom prst="rect">
+            <a:avLst/>
+          </a:prstGeom>
+          <a:solidFill>
+            <a:srgbClr val="FCEADB"/>
+          </a:solidFill>
+          <a:ln>
+            <a:noFill/>
+          </a:ln>
+          <a:effectLst/>
+        </p:spPr>
+        <p:style>
+          <a:lnRef idx="1">
+            <a:schemeClr val="accent5"/>
+          </a:lnRef>
+          <a:fillRef idx="2">
+            <a:schemeClr val="accent5"/>
+          </a:fillRef>
+          <a:effectRef idx="1">
+            <a:schemeClr val="accent5"/>
+          </a:effectRef>
+          <a:fontRef idx="minor">
+            <a:schemeClr val="dk1"/>
+          </a:fontRef>
+        </p:style>
+        <p:txBody>
+          <a:bodyPr rtlCol="0" anchor="t"/>
+          <a:lstStyle/>
+          <a:p>
+            <a:pPr algn="ctr"/>
+            <a:r>
+              <a:rPr lang="zh-TW" altLang="en-US" sz="2000" dirty="0">
+                <a:latin typeface="Times New Roman" panose="02020603050405020304" pitchFamily="18" charset="0"/>
+                <a:ea typeface="標楷體" panose="03000509000000000000" pitchFamily="65" charset="-120"/>
+              </a:rPr>
+              <a:t>專案</a:t>
+            </a:r>
+          </a:p>
+        </p:txBody>
+      </p:sp>
+      <p:sp>
+        <p:nvSpPr>
+          <p:cNvPr id="27" name="TextBox 10">
+            <a:extLst>
+              <a:ext uri="{FF2B5EF4-FFF2-40B4-BE49-F238E27FC236}">
+                <a16:creationId xmlns:a16="http://schemas.microsoft.com/office/drawing/2014/main" id="{2A659F81-1ED8-4106-8C45-6A01D7DBC583}"/>
+              </a:ext>
+            </a:extLst>
+          </p:cNvPr>
+          <p:cNvSpPr txBox="1"/>
+          <p:nvPr/>
+        </p:nvSpPr>
+        <p:spPr>
+          <a:xfrm>
+            <a:off x="206912" y="1785472"/>
+            <a:ext cx="14880688" cy="2239972"/>
+          </a:xfrm>
+          <a:prstGeom prst="rect">
+            <a:avLst/>
+          </a:prstGeom>
+        </p:spPr>
+        <p:txBody>
+          <a:bodyPr wrap="square" lIns="0" tIns="0" rIns="0" bIns="0" rtlCol="0" anchor="t">
+            <a:spAutoFit/>
+          </a:bodyPr>
+          <a:lstStyle/>
+          <a:p>
+            <a:pPr marL="457200" indent="-457200" algn="l">
+              <a:lnSpc>
+                <a:spcPts val="4480"/>
+              </a:lnSpc>
+              <a:spcBef>
+                <a:spcPct val="0"/>
+              </a:spcBef>
+              <a:buFont typeface="Wingdings" panose="05000000000000000000" pitchFamily="2" charset="2"/>
+              <a:buChar char="v"/>
+            </a:pPr>
+            <a:r>
+              <a:rPr lang="en-US" altLang="zh-TW" sz="2600" dirty="0">
+                <a:latin typeface="Times New Roman" panose="02020603050405020304" pitchFamily="18" charset="0"/>
+                <a:ea typeface="標楷體" panose="03000509000000000000" pitchFamily="65" charset="-120"/>
+                <a:cs typeface="王漢宗顏楷體"/>
+                <a:sym typeface="王漢宗顏楷體"/>
+              </a:rPr>
+              <a:t>Component </a:t>
+            </a:r>
+            <a:r>
+              <a:rPr lang="zh-TW" altLang="en-US" sz="2600" dirty="0">
+                <a:latin typeface="Times New Roman" panose="02020603050405020304" pitchFamily="18" charset="0"/>
+                <a:ea typeface="標楷體" panose="03000509000000000000" pitchFamily="65" charset="-120"/>
+                <a:cs typeface="王漢宗顏楷體"/>
+                <a:sym typeface="王漢宗顏楷體"/>
+              </a:rPr>
+              <a:t>是 </a:t>
+            </a:r>
+            <a:r>
+              <a:rPr lang="en-US" altLang="zh-TW" sz="2600" dirty="0">
+                <a:latin typeface="Times New Roman" panose="02020603050405020304" pitchFamily="18" charset="0"/>
+                <a:ea typeface="標楷體" panose="03000509000000000000" pitchFamily="65" charset="-120"/>
+                <a:cs typeface="王漢宗顏楷體"/>
+                <a:sym typeface="王漢宗顏楷體"/>
+              </a:rPr>
+              <a:t>Vue.js </a:t>
+            </a:r>
+            <a:r>
+              <a:rPr lang="zh-TW" altLang="en-US" sz="2600" dirty="0">
+                <a:latin typeface="Times New Roman" panose="02020603050405020304" pitchFamily="18" charset="0"/>
+                <a:ea typeface="標楷體" panose="03000509000000000000" pitchFamily="65" charset="-120"/>
+                <a:cs typeface="王漢宗顏楷體"/>
+                <a:sym typeface="王漢宗顏楷體"/>
+              </a:rPr>
+              <a:t>的核心概念：將畫面拆分成獨立、可重複使用的區塊。</a:t>
+            </a:r>
+            <a:endParaRPr lang="en-US" altLang="zh-TW" sz="2600" dirty="0">
+              <a:latin typeface="Times New Roman" panose="02020603050405020304" pitchFamily="18" charset="0"/>
+              <a:ea typeface="標楷體" panose="03000509000000000000" pitchFamily="65" charset="-120"/>
+              <a:cs typeface="王漢宗顏楷體"/>
+              <a:sym typeface="王漢宗顏楷體"/>
+            </a:endParaRPr>
+          </a:p>
+          <a:p>
+            <a:pPr marL="457200" indent="-457200" algn="l">
+              <a:lnSpc>
+                <a:spcPts val="4480"/>
+              </a:lnSpc>
+              <a:spcBef>
+                <a:spcPct val="0"/>
+              </a:spcBef>
+              <a:buFont typeface="Wingdings" panose="05000000000000000000" pitchFamily="2" charset="2"/>
+              <a:buChar char="v"/>
+            </a:pPr>
+            <a:r>
+              <a:rPr lang="zh-TW" altLang="en-US" sz="2600" dirty="0">
+                <a:latin typeface="Times New Roman" panose="02020603050405020304" pitchFamily="18" charset="0"/>
+                <a:ea typeface="標楷體" panose="03000509000000000000" pitchFamily="65" charset="-120"/>
+                <a:cs typeface="王漢宗顏楷體"/>
+                <a:sym typeface="王漢宗顏楷體"/>
+              </a:rPr>
+              <a:t>邏輯重用：同一個元件可以多次使用，不需重寫代碼。</a:t>
+            </a:r>
+            <a:endParaRPr lang="en-US" altLang="zh-TW" sz="2600" dirty="0">
+              <a:latin typeface="Times New Roman" panose="02020603050405020304" pitchFamily="18" charset="0"/>
+              <a:ea typeface="標楷體" panose="03000509000000000000" pitchFamily="65" charset="-120"/>
+              <a:cs typeface="王漢宗顏楷體"/>
+              <a:sym typeface="王漢宗顏楷體"/>
+            </a:endParaRPr>
+          </a:p>
+          <a:p>
+            <a:pPr marL="457200" indent="-457200" algn="l">
+              <a:lnSpc>
+                <a:spcPts val="4480"/>
+              </a:lnSpc>
+              <a:spcBef>
+                <a:spcPct val="0"/>
+              </a:spcBef>
+              <a:buFont typeface="Wingdings" panose="05000000000000000000" pitchFamily="2" charset="2"/>
+              <a:buChar char="v"/>
+            </a:pPr>
+            <a:r>
+              <a:rPr lang="zh-TW" altLang="en-US" sz="2600" dirty="0">
+                <a:latin typeface="Times New Roman" panose="02020603050405020304" pitchFamily="18" charset="0"/>
+                <a:ea typeface="標楷體" panose="03000509000000000000" pitchFamily="65" charset="-120"/>
+                <a:cs typeface="王漢宗顏楷體"/>
+                <a:sym typeface="王漢宗顏楷體"/>
+              </a:rPr>
+              <a:t>易於維護：邏輯與視圖相分離，使程式碼更清晰。</a:t>
+            </a:r>
+            <a:endParaRPr lang="en-US" altLang="zh-TW" sz="2600" dirty="0">
+              <a:latin typeface="Times New Roman" panose="02020603050405020304" pitchFamily="18" charset="0"/>
+              <a:ea typeface="標楷體" panose="03000509000000000000" pitchFamily="65" charset="-120"/>
+              <a:cs typeface="王漢宗顏楷體"/>
+              <a:sym typeface="王漢宗顏楷體"/>
+            </a:endParaRPr>
+          </a:p>
+          <a:p>
+            <a:pPr marL="457200" indent="-457200" algn="l">
+              <a:lnSpc>
+                <a:spcPts val="4480"/>
+              </a:lnSpc>
+              <a:spcBef>
+                <a:spcPct val="0"/>
+              </a:spcBef>
+              <a:buFont typeface="Wingdings" panose="05000000000000000000" pitchFamily="2" charset="2"/>
+              <a:buChar char="v"/>
+            </a:pPr>
+            <a:r>
+              <a:rPr lang="zh-TW" altLang="en-US" sz="2600" dirty="0">
+                <a:latin typeface="Times New Roman" panose="02020603050405020304" pitchFamily="18" charset="0"/>
+                <a:ea typeface="標楷體" panose="03000509000000000000" pitchFamily="65" charset="-120"/>
+                <a:cs typeface="王漢宗顏楷體"/>
+                <a:sym typeface="王漢宗顏楷體"/>
+              </a:rPr>
+              <a:t>分工協作：團隊開發時，每個人可以專注於不同元件的開發。</a:t>
+            </a:r>
+            <a:endParaRPr lang="en-US" altLang="zh-TW" sz="2600" dirty="0">
+              <a:latin typeface="Times New Roman" panose="02020603050405020304" pitchFamily="18" charset="0"/>
+              <a:ea typeface="標楷體" panose="03000509000000000000" pitchFamily="65" charset="-120"/>
+              <a:cs typeface="王漢宗顏楷體"/>
+              <a:sym typeface="王漢宗顏楷體"/>
+            </a:endParaRPr>
+          </a:p>
+        </p:txBody>
+      </p:sp>
+      <p:grpSp>
+        <p:nvGrpSpPr>
+          <p:cNvPr id="28" name="Group 2">
+            <a:extLst>
+              <a:ext uri="{FF2B5EF4-FFF2-40B4-BE49-F238E27FC236}">
+                <a16:creationId xmlns:a16="http://schemas.microsoft.com/office/drawing/2014/main" id="{C571510F-4237-4159-A25E-D023AAABD06D}"/>
+              </a:ext>
+            </a:extLst>
+          </p:cNvPr>
+          <p:cNvGrpSpPr/>
+          <p:nvPr/>
+        </p:nvGrpSpPr>
+        <p:grpSpPr>
+          <a:xfrm>
+            <a:off x="0" y="0"/>
+            <a:ext cx="18288000" cy="1691609"/>
+            <a:chOff x="0" y="0"/>
+            <a:chExt cx="4816593" cy="543967"/>
+          </a:xfrm>
+        </p:grpSpPr>
+        <p:sp>
+          <p:nvSpPr>
+            <p:cNvPr id="29" name="Freeform 3">
+              <a:extLst>
+                <a:ext uri="{FF2B5EF4-FFF2-40B4-BE49-F238E27FC236}">
+                  <a16:creationId xmlns:a16="http://schemas.microsoft.com/office/drawing/2014/main" id="{8558C2F7-92C9-4ED9-A7F6-36896AE39BAD}"/>
+                </a:ext>
+              </a:extLst>
+            </p:cNvPr>
+            <p:cNvSpPr/>
+            <p:nvPr/>
+          </p:nvSpPr>
+          <p:spPr>
+            <a:xfrm>
+              <a:off x="0" y="0"/>
+              <a:ext cx="4816592" cy="543967"/>
+            </a:xfrm>
+            <a:custGeom>
+              <a:avLst/>
+              <a:gdLst/>
+              <a:ahLst/>
+              <a:cxnLst/>
+              <a:rect l="l" t="t" r="r" b="b"/>
+              <a:pathLst>
+                <a:path w="4816592" h="543967">
+                  <a:moveTo>
+                    <a:pt x="0" y="0"/>
+                  </a:moveTo>
+                  <a:lnTo>
+                    <a:pt x="4816592" y="0"/>
+                  </a:lnTo>
+                  <a:lnTo>
+                    <a:pt x="4816592" y="543967"/>
+                  </a:lnTo>
+                  <a:lnTo>
+                    <a:pt x="0" y="543967"/>
+                  </a:lnTo>
+                  <a:close/>
+                </a:path>
+              </a:pathLst>
+            </a:custGeom>
+            <a:gradFill rotWithShape="1">
+              <a:gsLst>
+                <a:gs pos="0">
+                  <a:srgbClr val="B81B22">
+                    <a:alpha val="100000"/>
+                  </a:srgbClr>
+                </a:gs>
+                <a:gs pos="25000">
+                  <a:srgbClr val="B81B22">
+                    <a:alpha val="99500"/>
+                  </a:srgbClr>
+                </a:gs>
+                <a:gs pos="50000">
+                  <a:srgbClr val="E82A34">
+                    <a:alpha val="100000"/>
+                  </a:srgbClr>
+                </a:gs>
+                <a:gs pos="75000">
+                  <a:srgbClr val="F89DA1">
+                    <a:alpha val="100000"/>
+                  </a:srgbClr>
+                </a:gs>
+                <a:gs pos="100000">
+                  <a:srgbClr val="FFFFFF">
+                    <a:alpha val="99500"/>
+                  </a:srgbClr>
+                </a:gs>
+              </a:gsLst>
+              <a:lin ang="0"/>
+            </a:gradFill>
+          </p:spPr>
+        </p:sp>
+        <p:sp>
+          <p:nvSpPr>
+            <p:cNvPr id="30" name="TextBox 4">
+              <a:extLst>
+                <a:ext uri="{FF2B5EF4-FFF2-40B4-BE49-F238E27FC236}">
+                  <a16:creationId xmlns:a16="http://schemas.microsoft.com/office/drawing/2014/main" id="{CC107A00-22F6-47C1-AAF1-49AC9E4F1FE8}"/>
+                </a:ext>
+              </a:extLst>
+            </p:cNvPr>
+            <p:cNvSpPr txBox="1"/>
+            <p:nvPr/>
+          </p:nvSpPr>
+          <p:spPr>
+            <a:xfrm>
+              <a:off x="0" y="-47625"/>
+              <a:ext cx="4816593" cy="591592"/>
+            </a:xfrm>
+            <a:prstGeom prst="rect">
+              <a:avLst/>
+            </a:prstGeom>
+          </p:spPr>
+          <p:txBody>
+            <a:bodyPr lIns="50800" tIns="50800" rIns="50800" bIns="50800" rtlCol="0" anchor="ctr"/>
+            <a:lstStyle/>
+            <a:p>
+              <a:pPr algn="ctr">
+                <a:lnSpc>
+                  <a:spcPts val="2659"/>
+                </a:lnSpc>
+              </a:pPr>
+              <a:endParaRPr>
+                <a:latin typeface="標楷體" panose="03000509000000000000" pitchFamily="65" charset="-120"/>
+                <a:ea typeface="標楷體" panose="03000509000000000000" pitchFamily="65" charset="-120"/>
+              </a:endParaRPr>
+            </a:p>
+          </p:txBody>
+        </p:sp>
+      </p:grpSp>
+      <p:sp>
+        <p:nvSpPr>
+          <p:cNvPr id="34" name="TextBox 8">
+            <a:extLst>
+              <a:ext uri="{FF2B5EF4-FFF2-40B4-BE49-F238E27FC236}">
+                <a16:creationId xmlns:a16="http://schemas.microsoft.com/office/drawing/2014/main" id="{6A6E9B8B-C857-4E5F-B514-20784942772F}"/>
+              </a:ext>
+            </a:extLst>
+          </p:cNvPr>
+          <p:cNvSpPr txBox="1"/>
+          <p:nvPr/>
+        </p:nvSpPr>
+        <p:spPr>
+          <a:xfrm>
+            <a:off x="304800" y="110995"/>
+            <a:ext cx="9571413" cy="1321516"/>
+          </a:xfrm>
+          <a:prstGeom prst="rect">
+            <a:avLst/>
+          </a:prstGeom>
+        </p:spPr>
+        <p:txBody>
+          <a:bodyPr wrap="square" lIns="0" tIns="0" rIns="0" bIns="0" rtlCol="0" anchor="t">
+            <a:spAutoFit/>
+          </a:bodyPr>
+          <a:lstStyle/>
+          <a:p>
+            <a:pPr algn="l">
+              <a:lnSpc>
+                <a:spcPts val="11200"/>
+              </a:lnSpc>
+              <a:spcBef>
+                <a:spcPct val="0"/>
+              </a:spcBef>
+            </a:pPr>
+            <a:r>
+              <a:rPr lang="en-US" altLang="zh-TW" sz="8000" dirty="0">
+                <a:solidFill>
+                  <a:srgbClr val="FFFFFF"/>
+                </a:solidFill>
+                <a:latin typeface="Times New Roman" panose="02020603050405020304" pitchFamily="18" charset="0"/>
+                <a:ea typeface="標楷體" panose="03000509000000000000" pitchFamily="65" charset="-120"/>
+                <a:cs typeface="Times New Roman" panose="02020603050405020304" pitchFamily="18" charset="0"/>
+                <a:sym typeface="王漢宗顏楷體"/>
+              </a:rPr>
+              <a:t>Component</a:t>
+            </a:r>
+          </a:p>
+        </p:txBody>
+      </p:sp>
+      <p:sp>
+        <p:nvSpPr>
+          <p:cNvPr id="8" name="矩形 7">
+            <a:extLst>
+              <a:ext uri="{FF2B5EF4-FFF2-40B4-BE49-F238E27FC236}">
+                <a16:creationId xmlns:a16="http://schemas.microsoft.com/office/drawing/2014/main" id="{B0A79774-0DBB-4CCC-949A-3B786A8FA891}"/>
+              </a:ext>
+            </a:extLst>
+          </p:cNvPr>
+          <p:cNvSpPr/>
+          <p:nvPr/>
+        </p:nvSpPr>
+        <p:spPr>
+          <a:xfrm rot="10800000" flipV="1">
+            <a:off x="1015999" y="5005289"/>
+            <a:ext cx="2057400" cy="963588"/>
+          </a:xfrm>
+          <a:prstGeom prst="rect">
+            <a:avLst/>
+          </a:prstGeom>
+          <a:solidFill>
+            <a:srgbClr val="FFE5EC"/>
+          </a:solidFill>
+          <a:ln>
+            <a:noFill/>
+          </a:ln>
+          <a:effectLst/>
+        </p:spPr>
+        <p:style>
+          <a:lnRef idx="1">
+            <a:schemeClr val="accent5"/>
+          </a:lnRef>
+          <a:fillRef idx="2">
+            <a:schemeClr val="accent5"/>
+          </a:fillRef>
+          <a:effectRef idx="1">
+            <a:schemeClr val="accent5"/>
+          </a:effectRef>
+          <a:fontRef idx="minor">
+            <a:schemeClr val="dk1"/>
+          </a:fontRef>
+        </p:style>
+        <p:txBody>
+          <a:bodyPr rtlCol="0" anchor="ctr"/>
+          <a:lstStyle/>
+          <a:p>
+            <a:pPr algn="ctr"/>
+            <a:r>
+              <a:rPr lang="en-US" altLang="zh-TW" sz="2000" dirty="0">
+                <a:latin typeface="Times New Roman" panose="02020603050405020304" pitchFamily="18" charset="0"/>
+                <a:ea typeface="標楷體" panose="03000509000000000000" pitchFamily="65" charset="-120"/>
+              </a:rPr>
+              <a:t>component1</a:t>
+            </a:r>
+            <a:endParaRPr lang="zh-TW" altLang="en-US" sz="2000" dirty="0">
+              <a:latin typeface="Times New Roman" panose="02020603050405020304" pitchFamily="18" charset="0"/>
+              <a:ea typeface="標楷體" panose="03000509000000000000" pitchFamily="65" charset="-120"/>
+            </a:endParaRPr>
+          </a:p>
+        </p:txBody>
+      </p:sp>
+      <p:sp>
+        <p:nvSpPr>
+          <p:cNvPr id="9" name="矩形 8">
+            <a:extLst>
+              <a:ext uri="{FF2B5EF4-FFF2-40B4-BE49-F238E27FC236}">
+                <a16:creationId xmlns:a16="http://schemas.microsoft.com/office/drawing/2014/main" id="{B5C679BF-FACB-4495-BE80-727DA088D290}"/>
+              </a:ext>
+            </a:extLst>
+          </p:cNvPr>
+          <p:cNvSpPr/>
+          <p:nvPr/>
+        </p:nvSpPr>
+        <p:spPr>
+          <a:xfrm rot="10800000" flipV="1">
+            <a:off x="1015999" y="6221186"/>
+            <a:ext cx="2057400" cy="963588"/>
+          </a:xfrm>
+          <a:prstGeom prst="rect">
+            <a:avLst/>
+          </a:prstGeom>
+          <a:solidFill>
+            <a:srgbClr val="FFE5EC"/>
+          </a:solidFill>
+          <a:ln>
+            <a:noFill/>
+          </a:ln>
+          <a:effectLst/>
+        </p:spPr>
+        <p:style>
+          <a:lnRef idx="1">
+            <a:schemeClr val="accent5"/>
+          </a:lnRef>
+          <a:fillRef idx="2">
+            <a:schemeClr val="accent5"/>
+          </a:fillRef>
+          <a:effectRef idx="1">
+            <a:schemeClr val="accent5"/>
+          </a:effectRef>
+          <a:fontRef idx="minor">
+            <a:schemeClr val="dk1"/>
+          </a:fontRef>
+        </p:style>
+        <p:txBody>
+          <a:bodyPr rtlCol="0" anchor="ctr"/>
+          <a:lstStyle/>
+          <a:p>
+            <a:pPr algn="ctr"/>
+            <a:r>
+              <a:rPr lang="en-US" altLang="zh-TW" sz="2000" dirty="0">
+                <a:latin typeface="Times New Roman" panose="02020603050405020304" pitchFamily="18" charset="0"/>
+                <a:ea typeface="標楷體" panose="03000509000000000000" pitchFamily="65" charset="-120"/>
+              </a:rPr>
+              <a:t>component2</a:t>
+            </a:r>
+            <a:endParaRPr lang="zh-TW" altLang="en-US" sz="2000" dirty="0">
+              <a:latin typeface="Times New Roman" panose="02020603050405020304" pitchFamily="18" charset="0"/>
+              <a:ea typeface="標楷體" panose="03000509000000000000" pitchFamily="65" charset="-120"/>
+            </a:endParaRPr>
+          </a:p>
+        </p:txBody>
+      </p:sp>
+      <p:sp>
+        <p:nvSpPr>
+          <p:cNvPr id="12" name="矩形 11">
+            <a:extLst>
+              <a:ext uri="{FF2B5EF4-FFF2-40B4-BE49-F238E27FC236}">
+                <a16:creationId xmlns:a16="http://schemas.microsoft.com/office/drawing/2014/main" id="{4FAE962A-2AA8-48D6-A65A-7FBF23D87210}"/>
+              </a:ext>
+            </a:extLst>
+          </p:cNvPr>
+          <p:cNvSpPr/>
+          <p:nvPr/>
+        </p:nvSpPr>
+        <p:spPr>
+          <a:xfrm rot="10800000" flipV="1">
+            <a:off x="3428997" y="6221186"/>
+            <a:ext cx="2057401" cy="963589"/>
+          </a:xfrm>
+          <a:prstGeom prst="rect">
+            <a:avLst/>
+          </a:prstGeom>
+          <a:solidFill>
+            <a:srgbClr val="E2F0D7"/>
+          </a:solidFill>
+          <a:ln>
+            <a:noFill/>
+          </a:ln>
+          <a:effectLst/>
+        </p:spPr>
+        <p:style>
+          <a:lnRef idx="1">
+            <a:schemeClr val="accent5"/>
+          </a:lnRef>
+          <a:fillRef idx="2">
+            <a:schemeClr val="accent5"/>
+          </a:fillRef>
+          <a:effectRef idx="1">
+            <a:schemeClr val="accent5"/>
+          </a:effectRef>
+          <a:fontRef idx="minor">
+            <a:schemeClr val="dk1"/>
+          </a:fontRef>
+        </p:style>
+        <p:txBody>
+          <a:bodyPr rtlCol="0" anchor="ctr"/>
+          <a:lstStyle/>
+          <a:p>
+            <a:pPr algn="ctr"/>
+            <a:r>
+              <a:rPr lang="en-US" altLang="zh-TW" sz="2000" dirty="0">
+                <a:latin typeface="Times New Roman" panose="02020603050405020304" pitchFamily="18" charset="0"/>
+                <a:ea typeface="標楷體" panose="03000509000000000000" pitchFamily="65" charset="-120"/>
+              </a:rPr>
+              <a:t>component3</a:t>
+            </a:r>
+            <a:endParaRPr lang="zh-TW" altLang="en-US" sz="2000" dirty="0">
+              <a:latin typeface="Times New Roman" panose="02020603050405020304" pitchFamily="18" charset="0"/>
+              <a:ea typeface="標楷體" panose="03000509000000000000" pitchFamily="65" charset="-120"/>
+            </a:endParaRPr>
+          </a:p>
+        </p:txBody>
+      </p:sp>
+      <p:sp>
+        <p:nvSpPr>
+          <p:cNvPr id="13" name="矩形 12">
+            <a:extLst>
+              <a:ext uri="{FF2B5EF4-FFF2-40B4-BE49-F238E27FC236}">
+                <a16:creationId xmlns:a16="http://schemas.microsoft.com/office/drawing/2014/main" id="{32C79988-2872-49D8-98CC-F53FE2E8B029}"/>
+              </a:ext>
+            </a:extLst>
+          </p:cNvPr>
+          <p:cNvSpPr/>
+          <p:nvPr/>
+        </p:nvSpPr>
+        <p:spPr>
+          <a:xfrm rot="10800000" flipV="1">
+            <a:off x="3428997" y="5005289"/>
+            <a:ext cx="2057402" cy="963590"/>
+          </a:xfrm>
+          <a:prstGeom prst="rect">
+            <a:avLst/>
+          </a:prstGeom>
+          <a:solidFill>
+            <a:srgbClr val="9FDAF5"/>
+          </a:solidFill>
+          <a:ln>
+            <a:noFill/>
+          </a:ln>
+          <a:effectLst/>
+        </p:spPr>
+        <p:style>
+          <a:lnRef idx="1">
+            <a:schemeClr val="accent5"/>
+          </a:lnRef>
+          <a:fillRef idx="2">
+            <a:schemeClr val="accent5"/>
+          </a:fillRef>
+          <a:effectRef idx="1">
+            <a:schemeClr val="accent5"/>
+          </a:effectRef>
+          <a:fontRef idx="minor">
+            <a:schemeClr val="dk1"/>
+          </a:fontRef>
+        </p:style>
+        <p:txBody>
+          <a:bodyPr rtlCol="0" anchor="ctr"/>
+          <a:lstStyle/>
+          <a:p>
+            <a:pPr algn="ctr"/>
+            <a:r>
+              <a:rPr lang="en-US" altLang="zh-TW" sz="2000" dirty="0">
+                <a:latin typeface="Times New Roman" panose="02020603050405020304" pitchFamily="18" charset="0"/>
+                <a:ea typeface="標楷體" panose="03000509000000000000" pitchFamily="65" charset="-120"/>
+              </a:rPr>
+              <a:t>component4</a:t>
+            </a:r>
+            <a:endParaRPr lang="zh-TW" altLang="en-US" sz="2000" dirty="0">
+              <a:latin typeface="Times New Roman" panose="02020603050405020304" pitchFamily="18" charset="0"/>
+              <a:ea typeface="標楷體" panose="03000509000000000000" pitchFamily="65" charset="-120"/>
+            </a:endParaRPr>
+          </a:p>
+        </p:txBody>
+      </p:sp>
+    </p:spTree>
+    <p:extLst>
+      <p:ext uri="{BB962C8B-B14F-4D97-AF65-F5344CB8AC3E}">
+        <p14:creationId xmlns:p14="http://schemas.microsoft.com/office/powerpoint/2010/main" val="561613187"/>
+      </p:ext>
+    </p:extLst>
+  </p:cSld>
+  <p:clrMapOvr>
+    <a:masterClrMapping/>
+  </p:clrMapOvr>
+</p:sld>
+</file>
+
+<file path=ppt/slides/slide34.xml><?xml version="1.0" encoding="utf-8"?>
+<p:sld xmlns:a="http://schemas.openxmlformats.org/drawingml/2006/main" xmlns:r="http://schemas.openxmlformats.org/officeDocument/2006/relationships" xmlns:p="http://schemas.openxmlformats.org/presentationml/2006/main">
+  <p:cSld>
+    <p:spTree>
+      <p:nvGrpSpPr>
+        <p:cNvPr id="1" name=""/>
+        <p:cNvGrpSpPr/>
+        <p:nvPr/>
+      </p:nvGrpSpPr>
+      <p:grpSpPr>
+        <a:xfrm>
+          <a:off x="0" y="0"/>
+          <a:ext cx="0" cy="0"/>
+          <a:chOff x="0" y="0"/>
+          <a:chExt cx="0" cy="0"/>
+        </a:xfrm>
+      </p:grpSpPr>
+      <p:sp>
+        <p:nvSpPr>
+          <p:cNvPr id="27" name="TextBox 10">
+            <a:extLst>
+              <a:ext uri="{FF2B5EF4-FFF2-40B4-BE49-F238E27FC236}">
+                <a16:creationId xmlns:a16="http://schemas.microsoft.com/office/drawing/2014/main" id="{2A659F81-1ED8-4106-8C45-6A01D7DBC583}"/>
+              </a:ext>
+            </a:extLst>
+          </p:cNvPr>
+          <p:cNvSpPr txBox="1"/>
+          <p:nvPr/>
+        </p:nvSpPr>
+        <p:spPr>
+          <a:xfrm>
+            <a:off x="206912" y="1785472"/>
+            <a:ext cx="7336888" cy="1665841"/>
+          </a:xfrm>
+          <a:prstGeom prst="rect">
+            <a:avLst/>
+          </a:prstGeom>
+        </p:spPr>
+        <p:txBody>
+          <a:bodyPr wrap="square" lIns="0" tIns="0" rIns="0" bIns="0" rtlCol="0" anchor="t">
+            <a:spAutoFit/>
+          </a:bodyPr>
+          <a:lstStyle/>
+          <a:p>
+            <a:pPr algn="l">
+              <a:lnSpc>
+                <a:spcPts val="4480"/>
+              </a:lnSpc>
+              <a:spcBef>
+                <a:spcPct val="0"/>
+              </a:spcBef>
+            </a:pPr>
+            <a:r>
+              <a:rPr lang="en-US" altLang="zh-TW" sz="2600" dirty="0">
+                <a:latin typeface="Times New Roman" panose="02020603050405020304" pitchFamily="18" charset="0"/>
+                <a:ea typeface="標楷體" panose="03000509000000000000" pitchFamily="65" charset="-120"/>
+                <a:cs typeface="王漢宗顏楷體"/>
+                <a:sym typeface="王漢宗顏楷體"/>
+              </a:rPr>
+              <a:t>【</a:t>
+            </a:r>
+            <a:r>
+              <a:rPr lang="zh-TW" altLang="en-US" sz="2600" dirty="0">
+                <a:latin typeface="Times New Roman" panose="02020603050405020304" pitchFamily="18" charset="0"/>
+                <a:ea typeface="標楷體" panose="03000509000000000000" pitchFamily="65" charset="-120"/>
+                <a:cs typeface="王漢宗顏楷體"/>
+                <a:sym typeface="王漢宗顏楷體"/>
+              </a:rPr>
+              <a:t>不使用</a:t>
+            </a:r>
+            <a:r>
+              <a:rPr lang="en-US" altLang="zh-TW" sz="2600" dirty="0">
+                <a:latin typeface="Times New Roman" panose="02020603050405020304" pitchFamily="18" charset="0"/>
+                <a:ea typeface="標楷體" panose="03000509000000000000" pitchFamily="65" charset="-120"/>
+                <a:cs typeface="王漢宗顏楷體"/>
+                <a:sym typeface="王漢宗顏楷體"/>
+              </a:rPr>
+              <a:t>component</a:t>
+            </a:r>
+            <a:r>
+              <a:rPr lang="zh-TW" altLang="en-US" sz="2600" dirty="0">
+                <a:latin typeface="Times New Roman" panose="02020603050405020304" pitchFamily="18" charset="0"/>
+                <a:ea typeface="標楷體" panose="03000509000000000000" pitchFamily="65" charset="-120"/>
+                <a:cs typeface="王漢宗顏楷體"/>
+                <a:sym typeface="王漢宗顏楷體"/>
+              </a:rPr>
+              <a:t>會出現的問題</a:t>
+            </a:r>
+            <a:r>
+              <a:rPr lang="en-US" altLang="zh-TW" sz="2600" dirty="0">
+                <a:latin typeface="Times New Roman" panose="02020603050405020304" pitchFamily="18" charset="0"/>
+                <a:ea typeface="標楷體" panose="03000509000000000000" pitchFamily="65" charset="-120"/>
+                <a:cs typeface="王漢宗顏楷體"/>
+                <a:sym typeface="王漢宗顏楷體"/>
+              </a:rPr>
+              <a:t>】</a:t>
+            </a:r>
+          </a:p>
+          <a:p>
+            <a:pPr marL="457200" indent="-457200" algn="l">
+              <a:lnSpc>
+                <a:spcPts val="4480"/>
+              </a:lnSpc>
+              <a:spcBef>
+                <a:spcPct val="0"/>
+              </a:spcBef>
+              <a:buFont typeface="Wingdings" panose="05000000000000000000" pitchFamily="2" charset="2"/>
+              <a:buChar char="v"/>
+            </a:pPr>
+            <a:r>
+              <a:rPr lang="zh-TW" altLang="en-US" sz="2600" dirty="0">
+                <a:latin typeface="Times New Roman" panose="02020603050405020304" pitchFamily="18" charset="0"/>
+                <a:ea typeface="標楷體" panose="03000509000000000000" pitchFamily="65" charset="-120"/>
+                <a:cs typeface="王漢宗顏楷體"/>
+                <a:sym typeface="王漢宗顏楷體"/>
+              </a:rPr>
+              <a:t>使用</a:t>
+            </a:r>
+            <a:r>
+              <a:rPr lang="en-US" altLang="zh-TW" sz="2600" dirty="0">
+                <a:latin typeface="Times New Roman" panose="02020603050405020304" pitchFamily="18" charset="0"/>
+                <a:ea typeface="標楷體" panose="03000509000000000000" pitchFamily="65" charset="-120"/>
+                <a:cs typeface="王漢宗顏楷體"/>
+                <a:sym typeface="王漢宗顏楷體"/>
+              </a:rPr>
+              <a:t>v-for</a:t>
+            </a:r>
+            <a:r>
+              <a:rPr lang="zh-TW" altLang="en-US" sz="2600" dirty="0">
+                <a:latin typeface="Times New Roman" panose="02020603050405020304" pitchFamily="18" charset="0"/>
+                <a:ea typeface="標楷體" panose="03000509000000000000" pitchFamily="65" charset="-120"/>
+                <a:cs typeface="王漢宗顏楷體"/>
+                <a:sym typeface="王漢宗顏楷體"/>
+              </a:rPr>
+              <a:t>展開後，但每一個項目的展開與否，都是吃同一個變數</a:t>
+            </a:r>
+            <a:r>
+              <a:rPr lang="en-US" altLang="zh-TW" sz="2600" dirty="0" err="1">
+                <a:latin typeface="Times New Roman" panose="02020603050405020304" pitchFamily="18" charset="0"/>
+                <a:ea typeface="標楷體" panose="03000509000000000000" pitchFamily="65" charset="-120"/>
+                <a:cs typeface="王漢宗顏楷體"/>
+                <a:sym typeface="王漢宗顏楷體"/>
+              </a:rPr>
+              <a:t>datailAreVisible</a:t>
+            </a:r>
+            <a:endParaRPr lang="en-US" altLang="zh-TW" sz="2600" dirty="0">
+              <a:latin typeface="Times New Roman" panose="02020603050405020304" pitchFamily="18" charset="0"/>
+              <a:ea typeface="標楷體" panose="03000509000000000000" pitchFamily="65" charset="-120"/>
+              <a:cs typeface="王漢宗顏楷體"/>
+              <a:sym typeface="王漢宗顏楷體"/>
+            </a:endParaRPr>
+          </a:p>
+        </p:txBody>
+      </p:sp>
+      <p:grpSp>
+        <p:nvGrpSpPr>
+          <p:cNvPr id="28" name="Group 2">
+            <a:extLst>
+              <a:ext uri="{FF2B5EF4-FFF2-40B4-BE49-F238E27FC236}">
+                <a16:creationId xmlns:a16="http://schemas.microsoft.com/office/drawing/2014/main" id="{C571510F-4237-4159-A25E-D023AAABD06D}"/>
+              </a:ext>
+            </a:extLst>
+          </p:cNvPr>
+          <p:cNvGrpSpPr/>
+          <p:nvPr/>
+        </p:nvGrpSpPr>
+        <p:grpSpPr>
+          <a:xfrm>
+            <a:off x="0" y="0"/>
+            <a:ext cx="18288000" cy="1691609"/>
+            <a:chOff x="0" y="0"/>
+            <a:chExt cx="4816593" cy="543967"/>
+          </a:xfrm>
+        </p:grpSpPr>
+        <p:sp>
+          <p:nvSpPr>
+            <p:cNvPr id="29" name="Freeform 3">
+              <a:extLst>
+                <a:ext uri="{FF2B5EF4-FFF2-40B4-BE49-F238E27FC236}">
+                  <a16:creationId xmlns:a16="http://schemas.microsoft.com/office/drawing/2014/main" id="{8558C2F7-92C9-4ED9-A7F6-36896AE39BAD}"/>
+                </a:ext>
+              </a:extLst>
+            </p:cNvPr>
+            <p:cNvSpPr/>
+            <p:nvPr/>
+          </p:nvSpPr>
+          <p:spPr>
+            <a:xfrm>
+              <a:off x="0" y="0"/>
+              <a:ext cx="4816592" cy="543967"/>
+            </a:xfrm>
+            <a:custGeom>
+              <a:avLst/>
+              <a:gdLst/>
+              <a:ahLst/>
+              <a:cxnLst/>
+              <a:rect l="l" t="t" r="r" b="b"/>
+              <a:pathLst>
+                <a:path w="4816592" h="543967">
+                  <a:moveTo>
+                    <a:pt x="0" y="0"/>
+                  </a:moveTo>
+                  <a:lnTo>
+                    <a:pt x="4816592" y="0"/>
+                  </a:lnTo>
+                  <a:lnTo>
+                    <a:pt x="4816592" y="543967"/>
+                  </a:lnTo>
+                  <a:lnTo>
+                    <a:pt x="0" y="543967"/>
+                  </a:lnTo>
+                  <a:close/>
+                </a:path>
+              </a:pathLst>
+            </a:custGeom>
+            <a:gradFill rotWithShape="1">
+              <a:gsLst>
+                <a:gs pos="0">
+                  <a:srgbClr val="B81B22">
+                    <a:alpha val="100000"/>
+                  </a:srgbClr>
+                </a:gs>
+                <a:gs pos="25000">
+                  <a:srgbClr val="B81B22">
+                    <a:alpha val="99500"/>
+                  </a:srgbClr>
+                </a:gs>
+                <a:gs pos="50000">
+                  <a:srgbClr val="E82A34">
+                    <a:alpha val="100000"/>
+                  </a:srgbClr>
+                </a:gs>
+                <a:gs pos="75000">
+                  <a:srgbClr val="F89DA1">
+                    <a:alpha val="100000"/>
+                  </a:srgbClr>
+                </a:gs>
+                <a:gs pos="100000">
+                  <a:srgbClr val="FFFFFF">
+                    <a:alpha val="99500"/>
+                  </a:srgbClr>
+                </a:gs>
+              </a:gsLst>
+              <a:lin ang="0"/>
+            </a:gradFill>
+          </p:spPr>
+        </p:sp>
+        <p:sp>
+          <p:nvSpPr>
+            <p:cNvPr id="30" name="TextBox 4">
+              <a:extLst>
+                <a:ext uri="{FF2B5EF4-FFF2-40B4-BE49-F238E27FC236}">
+                  <a16:creationId xmlns:a16="http://schemas.microsoft.com/office/drawing/2014/main" id="{CC107A00-22F6-47C1-AAF1-49AC9E4F1FE8}"/>
+                </a:ext>
+              </a:extLst>
+            </p:cNvPr>
+            <p:cNvSpPr txBox="1"/>
+            <p:nvPr/>
+          </p:nvSpPr>
+          <p:spPr>
+            <a:xfrm>
+              <a:off x="0" y="-47625"/>
+              <a:ext cx="4816593" cy="591592"/>
+            </a:xfrm>
+            <a:prstGeom prst="rect">
+              <a:avLst/>
+            </a:prstGeom>
+          </p:spPr>
+          <p:txBody>
+            <a:bodyPr lIns="50800" tIns="50800" rIns="50800" bIns="50800" rtlCol="0" anchor="ctr"/>
+            <a:lstStyle/>
+            <a:p>
+              <a:pPr algn="ctr">
+                <a:lnSpc>
+                  <a:spcPts val="2659"/>
+                </a:lnSpc>
+              </a:pPr>
+              <a:endParaRPr>
+                <a:latin typeface="標楷體" panose="03000509000000000000" pitchFamily="65" charset="-120"/>
+                <a:ea typeface="標楷體" panose="03000509000000000000" pitchFamily="65" charset="-120"/>
+              </a:endParaRPr>
+            </a:p>
+          </p:txBody>
+        </p:sp>
+      </p:grpSp>
+      <p:sp>
+        <p:nvSpPr>
+          <p:cNvPr id="34" name="TextBox 8">
+            <a:extLst>
+              <a:ext uri="{FF2B5EF4-FFF2-40B4-BE49-F238E27FC236}">
+                <a16:creationId xmlns:a16="http://schemas.microsoft.com/office/drawing/2014/main" id="{6A6E9B8B-C857-4E5F-B514-20784942772F}"/>
+              </a:ext>
+            </a:extLst>
+          </p:cNvPr>
+          <p:cNvSpPr txBox="1"/>
+          <p:nvPr/>
+        </p:nvSpPr>
+        <p:spPr>
+          <a:xfrm>
+            <a:off x="304800" y="110995"/>
+            <a:ext cx="9571413" cy="1321516"/>
+          </a:xfrm>
+          <a:prstGeom prst="rect">
+            <a:avLst/>
+          </a:prstGeom>
+        </p:spPr>
+        <p:txBody>
+          <a:bodyPr wrap="square" lIns="0" tIns="0" rIns="0" bIns="0" rtlCol="0" anchor="t">
+            <a:spAutoFit/>
+          </a:bodyPr>
+          <a:lstStyle/>
+          <a:p>
+            <a:pPr algn="l">
+              <a:lnSpc>
+                <a:spcPts val="11200"/>
+              </a:lnSpc>
+              <a:spcBef>
+                <a:spcPct val="0"/>
+              </a:spcBef>
+            </a:pPr>
+            <a:r>
+              <a:rPr lang="en-US" altLang="zh-TW" sz="8000" dirty="0">
+                <a:solidFill>
+                  <a:srgbClr val="FFFFFF"/>
+                </a:solidFill>
+                <a:latin typeface="Times New Roman" panose="02020603050405020304" pitchFamily="18" charset="0"/>
+                <a:ea typeface="標楷體" panose="03000509000000000000" pitchFamily="65" charset="-120"/>
+                <a:cs typeface="Times New Roman" panose="02020603050405020304" pitchFamily="18" charset="0"/>
+                <a:sym typeface="王漢宗顏楷體"/>
+              </a:rPr>
+              <a:t>Component</a:t>
+            </a:r>
+          </a:p>
+        </p:txBody>
+      </p:sp>
+      <p:sp>
+        <p:nvSpPr>
+          <p:cNvPr id="15" name="文字方塊 14">
+            <a:extLst>
+              <a:ext uri="{FF2B5EF4-FFF2-40B4-BE49-F238E27FC236}">
+                <a16:creationId xmlns:a16="http://schemas.microsoft.com/office/drawing/2014/main" id="{66AB3665-CC7D-487B-AE7C-C1DC67B5C88A}"/>
+              </a:ext>
+            </a:extLst>
+          </p:cNvPr>
+          <p:cNvSpPr txBox="1"/>
+          <p:nvPr/>
+        </p:nvSpPr>
+        <p:spPr>
+          <a:xfrm>
+            <a:off x="13792200" y="9886890"/>
+            <a:ext cx="3409407" cy="400110"/>
+          </a:xfrm>
+          <a:prstGeom prst="rect">
+            <a:avLst/>
+          </a:prstGeom>
+          <a:noFill/>
+        </p:spPr>
+        <p:txBody>
+          <a:bodyPr wrap="square">
+            <a:spAutoFit/>
+          </a:bodyPr>
+          <a:lstStyle/>
+          <a:p>
+            <a:r>
+              <a:rPr lang="zh-TW" altLang="en-US" sz="2000" dirty="0">
+                <a:latin typeface="Times New Roman" panose="02020603050405020304" pitchFamily="18" charset="0"/>
+                <a:ea typeface="標楷體" panose="03000509000000000000" pitchFamily="65" charset="-120"/>
+              </a:rPr>
+              <a:t>按下</a:t>
+            </a:r>
+            <a:r>
+              <a:rPr lang="en-US" altLang="zh-TW" sz="2000" dirty="0">
+                <a:latin typeface="Times New Roman" panose="02020603050405020304" pitchFamily="18" charset="0"/>
+                <a:ea typeface="標楷體" panose="03000509000000000000" pitchFamily="65" charset="-120"/>
+              </a:rPr>
+              <a:t>1</a:t>
+            </a:r>
+            <a:r>
+              <a:rPr lang="zh-TW" altLang="en-US" sz="2000" dirty="0">
+                <a:latin typeface="Times New Roman" panose="02020603050405020304" pitchFamily="18" charset="0"/>
+                <a:ea typeface="標楷體" panose="03000509000000000000" pitchFamily="65" charset="-120"/>
+              </a:rPr>
+              <a:t>個鈕，但同時展開</a:t>
+            </a:r>
+            <a:endParaRPr lang="en-US" altLang="zh-TW" sz="2000" dirty="0">
+              <a:latin typeface="Times New Roman" panose="02020603050405020304" pitchFamily="18" charset="0"/>
+              <a:ea typeface="標楷體" panose="03000509000000000000" pitchFamily="65" charset="-120"/>
+            </a:endParaRPr>
+          </a:p>
+        </p:txBody>
+      </p:sp>
+      <p:pic>
+        <p:nvPicPr>
+          <p:cNvPr id="5" name="圖片 4">
+            <a:extLst>
+              <a:ext uri="{FF2B5EF4-FFF2-40B4-BE49-F238E27FC236}">
+                <a16:creationId xmlns:a16="http://schemas.microsoft.com/office/drawing/2014/main" id="{780C705E-8CAA-494F-BC6F-F271327347C0}"/>
+              </a:ext>
+            </a:extLst>
+          </p:cNvPr>
+          <p:cNvPicPr>
+            <a:picLocks noChangeAspect="1"/>
+          </p:cNvPicPr>
+          <p:nvPr/>
+        </p:nvPicPr>
+        <p:blipFill>
+          <a:blip r:embed="rId2"/>
+          <a:stretch>
+            <a:fillRect/>
+          </a:stretch>
+        </p:blipFill>
+        <p:spPr>
+          <a:xfrm>
+            <a:off x="11677900" y="1085790"/>
+            <a:ext cx="6403188" cy="8763000"/>
+          </a:xfrm>
+          <a:prstGeom prst="rect">
+            <a:avLst/>
+          </a:prstGeom>
+        </p:spPr>
+      </p:pic>
+      <p:pic>
+        <p:nvPicPr>
+          <p:cNvPr id="10" name="圖片 9">
+            <a:extLst>
+              <a:ext uri="{FF2B5EF4-FFF2-40B4-BE49-F238E27FC236}">
+                <a16:creationId xmlns:a16="http://schemas.microsoft.com/office/drawing/2014/main" id="{A63BF9C0-2AFC-4181-B719-F4479E176484}"/>
+              </a:ext>
+            </a:extLst>
+          </p:cNvPr>
+          <p:cNvPicPr>
+            <a:picLocks noChangeAspect="1"/>
+          </p:cNvPicPr>
+          <p:nvPr/>
+        </p:nvPicPr>
+        <p:blipFill>
+          <a:blip r:embed="rId3"/>
+          <a:stretch>
+            <a:fillRect/>
+          </a:stretch>
+        </p:blipFill>
+        <p:spPr>
+          <a:xfrm>
+            <a:off x="304800" y="3532326"/>
+            <a:ext cx="10126488" cy="3086531"/>
+          </a:xfrm>
+          <a:prstGeom prst="rect">
+            <a:avLst/>
+          </a:prstGeom>
+        </p:spPr>
+      </p:pic>
+      <p:pic>
+        <p:nvPicPr>
+          <p:cNvPr id="16" name="圖片 15">
+            <a:extLst>
+              <a:ext uri="{FF2B5EF4-FFF2-40B4-BE49-F238E27FC236}">
+                <a16:creationId xmlns:a16="http://schemas.microsoft.com/office/drawing/2014/main" id="{8CCBC913-FEA7-48CD-B594-6CEB102D6F47}"/>
+              </a:ext>
+            </a:extLst>
+          </p:cNvPr>
+          <p:cNvPicPr>
+            <a:picLocks noChangeAspect="1"/>
+          </p:cNvPicPr>
+          <p:nvPr/>
+        </p:nvPicPr>
+        <p:blipFill>
+          <a:blip r:embed="rId4"/>
+          <a:stretch>
+            <a:fillRect/>
+          </a:stretch>
+        </p:blipFill>
+        <p:spPr>
+          <a:xfrm>
+            <a:off x="304800" y="6779026"/>
+            <a:ext cx="10126488" cy="1945874"/>
+          </a:xfrm>
+          <a:prstGeom prst="rect">
+            <a:avLst/>
+          </a:prstGeom>
+        </p:spPr>
+      </p:pic>
+    </p:spTree>
+    <p:extLst>
+      <p:ext uri="{BB962C8B-B14F-4D97-AF65-F5344CB8AC3E}">
+        <p14:creationId xmlns:p14="http://schemas.microsoft.com/office/powerpoint/2010/main" val="3492765095"/>
+      </p:ext>
+    </p:extLst>
+  </p:cSld>
+  <p:clrMapOvr>
+    <a:masterClrMapping/>
+  </p:clrMapOvr>
+</p:sld>
+</file>
+
+<file path=ppt/slides/slide35.xml><?xml version="1.0" encoding="utf-8"?>
+<p:sld xmlns:a="http://schemas.openxmlformats.org/drawingml/2006/main" xmlns:r="http://schemas.openxmlformats.org/officeDocument/2006/relationships" xmlns:p="http://schemas.openxmlformats.org/presentationml/2006/main">
+  <p:cSld>
+    <p:spTree>
+      <p:nvGrpSpPr>
+        <p:cNvPr id="1" name=""/>
+        <p:cNvGrpSpPr/>
+        <p:nvPr/>
+      </p:nvGrpSpPr>
+      <p:grpSpPr>
+        <a:xfrm>
+          <a:off x="0" y="0"/>
+          <a:ext cx="0" cy="0"/>
+          <a:chOff x="0" y="0"/>
+          <a:chExt cx="0" cy="0"/>
+        </a:xfrm>
+      </p:grpSpPr>
+      <p:sp>
+        <p:nvSpPr>
+          <p:cNvPr id="27" name="TextBox 10">
+            <a:extLst>
+              <a:ext uri="{FF2B5EF4-FFF2-40B4-BE49-F238E27FC236}">
+                <a16:creationId xmlns:a16="http://schemas.microsoft.com/office/drawing/2014/main" id="{2A659F81-1ED8-4106-8C45-6A01D7DBC583}"/>
+              </a:ext>
+            </a:extLst>
+          </p:cNvPr>
+          <p:cNvSpPr txBox="1"/>
+          <p:nvPr/>
+        </p:nvSpPr>
+        <p:spPr>
+          <a:xfrm>
+            <a:off x="206912" y="1785472"/>
+            <a:ext cx="7336888" cy="511679"/>
+          </a:xfrm>
+          <a:prstGeom prst="rect">
+            <a:avLst/>
+          </a:prstGeom>
+        </p:spPr>
+        <p:txBody>
+          <a:bodyPr wrap="square" lIns="0" tIns="0" rIns="0" bIns="0" rtlCol="0" anchor="t">
+            <a:spAutoFit/>
+          </a:bodyPr>
+          <a:lstStyle/>
+          <a:p>
+            <a:pPr algn="l">
+              <a:lnSpc>
+                <a:spcPts val="4480"/>
+              </a:lnSpc>
+              <a:spcBef>
+                <a:spcPct val="0"/>
+              </a:spcBef>
+            </a:pPr>
+            <a:r>
+              <a:rPr lang="en-US" altLang="zh-TW" sz="2600" dirty="0">
+                <a:latin typeface="Times New Roman" panose="02020603050405020304" pitchFamily="18" charset="0"/>
+                <a:ea typeface="標楷體" panose="03000509000000000000" pitchFamily="65" charset="-120"/>
+                <a:cs typeface="王漢宗顏楷體"/>
+                <a:sym typeface="王漢宗顏楷體"/>
+              </a:rPr>
+              <a:t>【</a:t>
+            </a:r>
+            <a:r>
+              <a:rPr lang="zh-TW" altLang="en-US" sz="2600" dirty="0">
+                <a:latin typeface="Times New Roman" panose="02020603050405020304" pitchFamily="18" charset="0"/>
+                <a:ea typeface="標楷體" panose="03000509000000000000" pitchFamily="65" charset="-120"/>
+                <a:cs typeface="王漢宗顏楷體"/>
+                <a:sym typeface="王漢宗顏楷體"/>
+              </a:rPr>
+              <a:t>引入</a:t>
+            </a:r>
+            <a:r>
+              <a:rPr lang="en-US" altLang="zh-TW" sz="2600" dirty="0">
+                <a:latin typeface="Times New Roman" panose="02020603050405020304" pitchFamily="18" charset="0"/>
+                <a:ea typeface="標楷體" panose="03000509000000000000" pitchFamily="65" charset="-120"/>
+                <a:cs typeface="王漢宗顏楷體"/>
+                <a:sym typeface="王漢宗顏楷體"/>
+              </a:rPr>
+              <a:t>component】</a:t>
+            </a:r>
+          </a:p>
+        </p:txBody>
+      </p:sp>
+      <p:grpSp>
+        <p:nvGrpSpPr>
+          <p:cNvPr id="28" name="Group 2">
+            <a:extLst>
+              <a:ext uri="{FF2B5EF4-FFF2-40B4-BE49-F238E27FC236}">
+                <a16:creationId xmlns:a16="http://schemas.microsoft.com/office/drawing/2014/main" id="{C571510F-4237-4159-A25E-D023AAABD06D}"/>
+              </a:ext>
+            </a:extLst>
+          </p:cNvPr>
+          <p:cNvGrpSpPr/>
+          <p:nvPr/>
+        </p:nvGrpSpPr>
+        <p:grpSpPr>
+          <a:xfrm>
+            <a:off x="0" y="0"/>
+            <a:ext cx="18288000" cy="1691609"/>
+            <a:chOff x="0" y="0"/>
+            <a:chExt cx="4816593" cy="543967"/>
+          </a:xfrm>
+        </p:grpSpPr>
+        <p:sp>
+          <p:nvSpPr>
+            <p:cNvPr id="29" name="Freeform 3">
+              <a:extLst>
+                <a:ext uri="{FF2B5EF4-FFF2-40B4-BE49-F238E27FC236}">
+                  <a16:creationId xmlns:a16="http://schemas.microsoft.com/office/drawing/2014/main" id="{8558C2F7-92C9-4ED9-A7F6-36896AE39BAD}"/>
+                </a:ext>
+              </a:extLst>
+            </p:cNvPr>
+            <p:cNvSpPr/>
+            <p:nvPr/>
+          </p:nvSpPr>
+          <p:spPr>
+            <a:xfrm>
+              <a:off x="0" y="0"/>
+              <a:ext cx="4816592" cy="543967"/>
+            </a:xfrm>
+            <a:custGeom>
+              <a:avLst/>
+              <a:gdLst/>
+              <a:ahLst/>
+              <a:cxnLst/>
+              <a:rect l="l" t="t" r="r" b="b"/>
+              <a:pathLst>
+                <a:path w="4816592" h="543967">
+                  <a:moveTo>
+                    <a:pt x="0" y="0"/>
+                  </a:moveTo>
+                  <a:lnTo>
+                    <a:pt x="4816592" y="0"/>
+                  </a:lnTo>
+                  <a:lnTo>
+                    <a:pt x="4816592" y="543967"/>
+                  </a:lnTo>
+                  <a:lnTo>
+                    <a:pt x="0" y="543967"/>
+                  </a:lnTo>
+                  <a:close/>
+                </a:path>
+              </a:pathLst>
+            </a:custGeom>
+            <a:gradFill rotWithShape="1">
+              <a:gsLst>
+                <a:gs pos="0">
+                  <a:srgbClr val="B81B22">
+                    <a:alpha val="100000"/>
+                  </a:srgbClr>
+                </a:gs>
+                <a:gs pos="25000">
+                  <a:srgbClr val="B81B22">
+                    <a:alpha val="99500"/>
+                  </a:srgbClr>
+                </a:gs>
+                <a:gs pos="50000">
+                  <a:srgbClr val="E82A34">
+                    <a:alpha val="100000"/>
+                  </a:srgbClr>
+                </a:gs>
+                <a:gs pos="75000">
+                  <a:srgbClr val="F89DA1">
+                    <a:alpha val="100000"/>
+                  </a:srgbClr>
+                </a:gs>
+                <a:gs pos="100000">
+                  <a:srgbClr val="FFFFFF">
+                    <a:alpha val="99500"/>
+                  </a:srgbClr>
+                </a:gs>
+              </a:gsLst>
+              <a:lin ang="0"/>
+            </a:gradFill>
+          </p:spPr>
+        </p:sp>
+        <p:sp>
+          <p:nvSpPr>
+            <p:cNvPr id="30" name="TextBox 4">
+              <a:extLst>
+                <a:ext uri="{FF2B5EF4-FFF2-40B4-BE49-F238E27FC236}">
+                  <a16:creationId xmlns:a16="http://schemas.microsoft.com/office/drawing/2014/main" id="{CC107A00-22F6-47C1-AAF1-49AC9E4F1FE8}"/>
+                </a:ext>
+              </a:extLst>
+            </p:cNvPr>
+            <p:cNvSpPr txBox="1"/>
+            <p:nvPr/>
+          </p:nvSpPr>
+          <p:spPr>
+            <a:xfrm>
+              <a:off x="0" y="-47625"/>
+              <a:ext cx="4816593" cy="591592"/>
+            </a:xfrm>
+            <a:prstGeom prst="rect">
+              <a:avLst/>
+            </a:prstGeom>
+          </p:spPr>
+          <p:txBody>
+            <a:bodyPr lIns="50800" tIns="50800" rIns="50800" bIns="50800" rtlCol="0" anchor="ctr"/>
+            <a:lstStyle/>
+            <a:p>
+              <a:pPr algn="ctr">
+                <a:lnSpc>
+                  <a:spcPts val="2659"/>
+                </a:lnSpc>
+              </a:pPr>
+              <a:endParaRPr>
+                <a:latin typeface="標楷體" panose="03000509000000000000" pitchFamily="65" charset="-120"/>
+                <a:ea typeface="標楷體" panose="03000509000000000000" pitchFamily="65" charset="-120"/>
+              </a:endParaRPr>
+            </a:p>
+          </p:txBody>
+        </p:sp>
+      </p:grpSp>
+      <p:sp>
+        <p:nvSpPr>
+          <p:cNvPr id="34" name="TextBox 8">
+            <a:extLst>
+              <a:ext uri="{FF2B5EF4-FFF2-40B4-BE49-F238E27FC236}">
+                <a16:creationId xmlns:a16="http://schemas.microsoft.com/office/drawing/2014/main" id="{6A6E9B8B-C857-4E5F-B514-20784942772F}"/>
+              </a:ext>
+            </a:extLst>
+          </p:cNvPr>
+          <p:cNvSpPr txBox="1"/>
+          <p:nvPr/>
+        </p:nvSpPr>
+        <p:spPr>
+          <a:xfrm>
+            <a:off x="304800" y="110995"/>
+            <a:ext cx="9571413" cy="1321516"/>
+          </a:xfrm>
+          <a:prstGeom prst="rect">
+            <a:avLst/>
+          </a:prstGeom>
+        </p:spPr>
+        <p:txBody>
+          <a:bodyPr wrap="square" lIns="0" tIns="0" rIns="0" bIns="0" rtlCol="0" anchor="t">
+            <a:spAutoFit/>
+          </a:bodyPr>
+          <a:lstStyle/>
+          <a:p>
+            <a:pPr algn="l">
+              <a:lnSpc>
+                <a:spcPts val="11200"/>
+              </a:lnSpc>
+              <a:spcBef>
+                <a:spcPct val="0"/>
+              </a:spcBef>
+            </a:pPr>
+            <a:r>
+              <a:rPr lang="en-US" altLang="zh-TW" sz="8000" dirty="0">
+                <a:solidFill>
+                  <a:srgbClr val="FFFFFF"/>
+                </a:solidFill>
+                <a:latin typeface="Times New Roman" panose="02020603050405020304" pitchFamily="18" charset="0"/>
+                <a:ea typeface="標楷體" panose="03000509000000000000" pitchFamily="65" charset="-120"/>
+                <a:cs typeface="Times New Roman" panose="02020603050405020304" pitchFamily="18" charset="0"/>
+                <a:sym typeface="王漢宗顏楷體"/>
+              </a:rPr>
+              <a:t>Component</a:t>
+            </a:r>
+          </a:p>
+        </p:txBody>
+      </p:sp>
+      <p:sp>
+        <p:nvSpPr>
+          <p:cNvPr id="15" name="文字方塊 14">
+            <a:extLst>
+              <a:ext uri="{FF2B5EF4-FFF2-40B4-BE49-F238E27FC236}">
+                <a16:creationId xmlns:a16="http://schemas.microsoft.com/office/drawing/2014/main" id="{66AB3665-CC7D-487B-AE7C-C1DC67B5C88A}"/>
+              </a:ext>
+            </a:extLst>
+          </p:cNvPr>
+          <p:cNvSpPr txBox="1"/>
+          <p:nvPr/>
+        </p:nvSpPr>
+        <p:spPr>
+          <a:xfrm>
+            <a:off x="13009385" y="5166286"/>
+            <a:ext cx="3409407" cy="400110"/>
+          </a:xfrm>
+          <a:prstGeom prst="rect">
+            <a:avLst/>
+          </a:prstGeom>
+          <a:noFill/>
+        </p:spPr>
+        <p:txBody>
+          <a:bodyPr wrap="square">
+            <a:spAutoFit/>
+          </a:bodyPr>
+          <a:lstStyle/>
+          <a:p>
+            <a:r>
+              <a:rPr lang="zh-TW" altLang="en-US" sz="2000" dirty="0">
+                <a:latin typeface="Times New Roman" panose="02020603050405020304" pitchFamily="18" charset="0"/>
+                <a:ea typeface="標楷體" panose="03000509000000000000" pitchFamily="65" charset="-120"/>
+              </a:rPr>
+              <a:t>主文件</a:t>
+            </a:r>
+            <a:endParaRPr lang="en-US" altLang="zh-TW" sz="2000" dirty="0">
+              <a:latin typeface="Times New Roman" panose="02020603050405020304" pitchFamily="18" charset="0"/>
+              <a:ea typeface="標楷體" panose="03000509000000000000" pitchFamily="65" charset="-120"/>
+            </a:endParaRPr>
+          </a:p>
+        </p:txBody>
+      </p:sp>
+      <p:pic>
+        <p:nvPicPr>
+          <p:cNvPr id="11" name="圖片 10">
+            <a:extLst>
+              <a:ext uri="{FF2B5EF4-FFF2-40B4-BE49-F238E27FC236}">
+                <a16:creationId xmlns:a16="http://schemas.microsoft.com/office/drawing/2014/main" id="{A5FAF99A-598F-405D-8BE8-AB2820091EF8}"/>
+              </a:ext>
+            </a:extLst>
+          </p:cNvPr>
+          <p:cNvPicPr>
+            <a:picLocks noChangeAspect="1"/>
+          </p:cNvPicPr>
+          <p:nvPr/>
+        </p:nvPicPr>
+        <p:blipFill>
+          <a:blip r:embed="rId2"/>
+          <a:stretch>
+            <a:fillRect/>
+          </a:stretch>
+        </p:blipFill>
+        <p:spPr>
+          <a:xfrm>
+            <a:off x="130712" y="2485654"/>
+            <a:ext cx="10215117" cy="5172446"/>
+          </a:xfrm>
+          <a:prstGeom prst="rect">
+            <a:avLst/>
+          </a:prstGeom>
+        </p:spPr>
+      </p:pic>
+      <p:pic>
+        <p:nvPicPr>
+          <p:cNvPr id="8" name="圖片 7">
+            <a:extLst>
+              <a:ext uri="{FF2B5EF4-FFF2-40B4-BE49-F238E27FC236}">
+                <a16:creationId xmlns:a16="http://schemas.microsoft.com/office/drawing/2014/main" id="{AE7761DD-8084-4CB9-8CD4-EEC40AA29F6F}"/>
+              </a:ext>
+            </a:extLst>
+          </p:cNvPr>
+          <p:cNvPicPr>
+            <a:picLocks noChangeAspect="1"/>
+          </p:cNvPicPr>
+          <p:nvPr/>
+        </p:nvPicPr>
+        <p:blipFill>
+          <a:blip r:embed="rId3"/>
+          <a:stretch>
+            <a:fillRect/>
+          </a:stretch>
+        </p:blipFill>
+        <p:spPr>
+          <a:xfrm>
+            <a:off x="8229600" y="1839712"/>
+            <a:ext cx="9566829" cy="3281003"/>
+          </a:xfrm>
+          <a:prstGeom prst="rect">
+            <a:avLst/>
+          </a:prstGeom>
+        </p:spPr>
+      </p:pic>
+      <p:sp>
+        <p:nvSpPr>
+          <p:cNvPr id="19" name="文字方塊 18">
+            <a:extLst>
+              <a:ext uri="{FF2B5EF4-FFF2-40B4-BE49-F238E27FC236}">
+                <a16:creationId xmlns:a16="http://schemas.microsoft.com/office/drawing/2014/main" id="{D7F608A6-5E9F-4FD7-B66B-DAC37B72660B}"/>
+              </a:ext>
+            </a:extLst>
+          </p:cNvPr>
+          <p:cNvSpPr txBox="1"/>
+          <p:nvPr/>
+        </p:nvSpPr>
+        <p:spPr>
+          <a:xfrm>
+            <a:off x="4419600" y="7792275"/>
+            <a:ext cx="3409407" cy="400110"/>
+          </a:xfrm>
+          <a:prstGeom prst="rect">
+            <a:avLst/>
+          </a:prstGeom>
+          <a:noFill/>
+        </p:spPr>
+        <p:txBody>
+          <a:bodyPr wrap="square">
+            <a:spAutoFit/>
+          </a:bodyPr>
+          <a:lstStyle/>
+          <a:p>
+            <a:r>
+              <a:rPr lang="zh-TW" altLang="en-US" sz="2000" dirty="0">
+                <a:latin typeface="Times New Roman" panose="02020603050405020304" pitchFamily="18" charset="0"/>
+                <a:ea typeface="標楷體" panose="03000509000000000000" pitchFamily="65" charset="-120"/>
+              </a:rPr>
+              <a:t>子</a:t>
+            </a:r>
+            <a:r>
+              <a:rPr lang="en-US" altLang="zh-TW" sz="2000" dirty="0">
+                <a:latin typeface="Times New Roman" panose="02020603050405020304" pitchFamily="18" charset="0"/>
+                <a:ea typeface="標楷體" panose="03000509000000000000" pitchFamily="65" charset="-120"/>
+              </a:rPr>
+              <a:t>component</a:t>
+            </a:r>
+          </a:p>
+        </p:txBody>
+      </p:sp>
+      <p:pic>
+        <p:nvPicPr>
+          <p:cNvPr id="13" name="圖片 12">
+            <a:extLst>
+              <a:ext uri="{FF2B5EF4-FFF2-40B4-BE49-F238E27FC236}">
+                <a16:creationId xmlns:a16="http://schemas.microsoft.com/office/drawing/2014/main" id="{8BFF141A-3AAC-4BA0-ADF7-0DBECF3680F7}"/>
+              </a:ext>
+            </a:extLst>
+          </p:cNvPr>
+          <p:cNvPicPr>
+            <a:picLocks noChangeAspect="1"/>
+          </p:cNvPicPr>
+          <p:nvPr/>
+        </p:nvPicPr>
+        <p:blipFill>
+          <a:blip r:embed="rId4"/>
+          <a:stretch>
+            <a:fillRect/>
+          </a:stretch>
+        </p:blipFill>
+        <p:spPr>
+          <a:xfrm>
+            <a:off x="130712" y="8267700"/>
+            <a:ext cx="11043729" cy="1161225"/>
+          </a:xfrm>
+          <a:prstGeom prst="rect">
+            <a:avLst/>
+          </a:prstGeom>
+        </p:spPr>
+      </p:pic>
+      <p:sp>
+        <p:nvSpPr>
+          <p:cNvPr id="24" name="文字方塊 23">
+            <a:extLst>
+              <a:ext uri="{FF2B5EF4-FFF2-40B4-BE49-F238E27FC236}">
+                <a16:creationId xmlns:a16="http://schemas.microsoft.com/office/drawing/2014/main" id="{9064C0F6-A81D-46D9-B8EA-52A49E74801A}"/>
+              </a:ext>
+            </a:extLst>
+          </p:cNvPr>
+          <p:cNvSpPr txBox="1"/>
+          <p:nvPr/>
+        </p:nvSpPr>
+        <p:spPr>
+          <a:xfrm>
+            <a:off x="4953000" y="9504240"/>
+            <a:ext cx="3409407" cy="400110"/>
+          </a:xfrm>
+          <a:prstGeom prst="rect">
+            <a:avLst/>
+          </a:prstGeom>
+          <a:noFill/>
+        </p:spPr>
+        <p:txBody>
+          <a:bodyPr wrap="square">
+            <a:spAutoFit/>
+          </a:bodyPr>
+          <a:lstStyle/>
+          <a:p>
+            <a:r>
+              <a:rPr lang="en-US" altLang="zh-TW" sz="2000" dirty="0">
+                <a:latin typeface="Times New Roman" panose="02020603050405020304" pitchFamily="18" charset="0"/>
+                <a:ea typeface="標楷體" panose="03000509000000000000" pitchFamily="65" charset="-120"/>
+              </a:rPr>
+              <a:t>Html</a:t>
+            </a:r>
+          </a:p>
+        </p:txBody>
+      </p:sp>
+      <p:pic>
+        <p:nvPicPr>
+          <p:cNvPr id="21" name="圖片 20">
+            <a:extLst>
+              <a:ext uri="{FF2B5EF4-FFF2-40B4-BE49-F238E27FC236}">
+                <a16:creationId xmlns:a16="http://schemas.microsoft.com/office/drawing/2014/main" id="{56E6B6E2-F6A6-41E5-AAA3-5215329B82EB}"/>
+              </a:ext>
+            </a:extLst>
+          </p:cNvPr>
+          <p:cNvPicPr>
+            <a:picLocks noChangeAspect="1"/>
+          </p:cNvPicPr>
+          <p:nvPr/>
+        </p:nvPicPr>
+        <p:blipFill>
+          <a:blip r:embed="rId5"/>
+          <a:stretch>
+            <a:fillRect/>
+          </a:stretch>
+        </p:blipFill>
+        <p:spPr>
+          <a:xfrm>
+            <a:off x="14097000" y="5173793"/>
+            <a:ext cx="3900991" cy="3935399"/>
+          </a:xfrm>
+          <a:prstGeom prst="rect">
+            <a:avLst/>
+          </a:prstGeom>
+          <a:effectLst>
+            <a:outerShdw blurRad="50800" dist="38100" dir="2700000" algn="tl" rotWithShape="0">
+              <a:prstClr val="black">
+                <a:alpha val="40000"/>
+              </a:prstClr>
+            </a:outerShdw>
+          </a:effectLst>
+        </p:spPr>
+      </p:pic>
+      <p:sp>
+        <p:nvSpPr>
+          <p:cNvPr id="31" name="文字方塊 30">
+            <a:extLst>
+              <a:ext uri="{FF2B5EF4-FFF2-40B4-BE49-F238E27FC236}">
+                <a16:creationId xmlns:a16="http://schemas.microsoft.com/office/drawing/2014/main" id="{40CD66CE-9A08-448D-95CA-C29F29BA0072}"/>
+              </a:ext>
+            </a:extLst>
+          </p:cNvPr>
+          <p:cNvSpPr txBox="1"/>
+          <p:nvPr/>
+        </p:nvSpPr>
+        <p:spPr>
+          <a:xfrm>
+            <a:off x="14925271" y="9162270"/>
+            <a:ext cx="3409407" cy="400110"/>
+          </a:xfrm>
+          <a:prstGeom prst="rect">
+            <a:avLst/>
+          </a:prstGeom>
+          <a:noFill/>
+        </p:spPr>
+        <p:txBody>
+          <a:bodyPr wrap="square">
+            <a:spAutoFit/>
+          </a:bodyPr>
+          <a:lstStyle/>
+          <a:p>
+            <a:r>
+              <a:rPr lang="en-US" altLang="zh-TW" sz="2000" dirty="0">
+                <a:latin typeface="Times New Roman" panose="02020603050405020304" pitchFamily="18" charset="0"/>
+                <a:ea typeface="標楷體" panose="03000509000000000000" pitchFamily="65" charset="-120"/>
+              </a:rPr>
+              <a:t>with_component.html</a:t>
+            </a:r>
+          </a:p>
+        </p:txBody>
+      </p:sp>
+    </p:spTree>
+    <p:extLst>
+      <p:ext uri="{BB962C8B-B14F-4D97-AF65-F5344CB8AC3E}">
+        <p14:creationId xmlns:p14="http://schemas.microsoft.com/office/powerpoint/2010/main" val="2807967976"/>
+      </p:ext>
+    </p:extLst>
+  </p:cSld>
+  <p:clrMapOvr>
+    <a:masterClrMapping/>
+  </p:clrMapOvr>
+</p:sld>
+</file>
+
+<file path=ppt/slides/slide36.xml><?xml version="1.0" encoding="utf-8"?>
+<p:sld xmlns:a="http://schemas.openxmlformats.org/drawingml/2006/main" xmlns:r="http://schemas.openxmlformats.org/officeDocument/2006/relationships" xmlns:p="http://schemas.openxmlformats.org/presentationml/2006/main">
+  <p:cSld>
+    <p:spTree>
+      <p:nvGrpSpPr>
+        <p:cNvPr id="1" name=""/>
+        <p:cNvGrpSpPr/>
+        <p:nvPr/>
+      </p:nvGrpSpPr>
+      <p:grpSpPr>
+        <a:xfrm>
+          <a:off x="0" y="0"/>
+          <a:ext cx="0" cy="0"/>
+          <a:chOff x="0" y="0"/>
+          <a:chExt cx="0" cy="0"/>
+        </a:xfrm>
+      </p:grpSpPr>
+      <p:sp>
+        <p:nvSpPr>
+          <p:cNvPr id="27" name="TextBox 10">
+            <a:extLst>
+              <a:ext uri="{FF2B5EF4-FFF2-40B4-BE49-F238E27FC236}">
+                <a16:creationId xmlns:a16="http://schemas.microsoft.com/office/drawing/2014/main" id="{2A659F81-1ED8-4106-8C45-6A01D7DBC583}"/>
+              </a:ext>
+            </a:extLst>
+          </p:cNvPr>
+          <p:cNvSpPr txBox="1"/>
+          <p:nvPr/>
+        </p:nvSpPr>
+        <p:spPr>
+          <a:xfrm>
+            <a:off x="206912" y="1785472"/>
+            <a:ext cx="8141284" cy="1088055"/>
+          </a:xfrm>
+          <a:prstGeom prst="rect">
+            <a:avLst/>
+          </a:prstGeom>
+        </p:spPr>
+        <p:txBody>
+          <a:bodyPr wrap="square" lIns="0" tIns="0" rIns="0" bIns="0" rtlCol="0" anchor="t">
+            <a:spAutoFit/>
+          </a:bodyPr>
+          <a:lstStyle/>
+          <a:p>
+            <a:pPr marL="457200" indent="-457200" algn="l">
+              <a:lnSpc>
+                <a:spcPts val="4480"/>
+              </a:lnSpc>
+              <a:spcBef>
+                <a:spcPct val="0"/>
+              </a:spcBef>
+              <a:buFont typeface="Wingdings" panose="05000000000000000000" pitchFamily="2" charset="2"/>
+              <a:buChar char="v"/>
+            </a:pPr>
+            <a:r>
+              <a:rPr lang="zh-TW" altLang="en-US" sz="2600" dirty="0">
+                <a:latin typeface="Times New Roman" panose="02020603050405020304" pitchFamily="18" charset="0"/>
+                <a:ea typeface="標楷體" panose="03000509000000000000" pitchFamily="65" charset="-120"/>
+                <a:cs typeface="王漢宗顏楷體"/>
+                <a:sym typeface="王漢宗顏楷體"/>
+              </a:rPr>
+              <a:t>設定超連結顏色：</a:t>
+            </a:r>
+            <a:r>
+              <a:rPr lang="en-US" altLang="zh-TW" sz="2600" dirty="0">
+                <a:latin typeface="Times New Roman" panose="02020603050405020304" pitchFamily="18" charset="0"/>
+                <a:ea typeface="標楷體" panose="03000509000000000000" pitchFamily="65" charset="-120"/>
+                <a:cs typeface="王漢宗顏楷體"/>
+                <a:sym typeface="王漢宗顏楷體"/>
+              </a:rPr>
+              <a:t>link-underline-</a:t>
+            </a:r>
+            <a:r>
+              <a:rPr lang="zh-TW" altLang="en-US" sz="2600" dirty="0">
+                <a:latin typeface="Times New Roman" panose="02020603050405020304" pitchFamily="18" charset="0"/>
+                <a:ea typeface="標楷體" panose="03000509000000000000" pitchFamily="65" charset="-120"/>
+                <a:cs typeface="王漢宗顏楷體"/>
+                <a:sym typeface="王漢宗顏楷體"/>
+              </a:rPr>
+              <a:t>顏色</a:t>
+            </a:r>
+            <a:endParaRPr lang="en-US" altLang="zh-TW" sz="2600" dirty="0">
+              <a:latin typeface="Times New Roman" panose="02020603050405020304" pitchFamily="18" charset="0"/>
+              <a:ea typeface="標楷體" panose="03000509000000000000" pitchFamily="65" charset="-120"/>
+              <a:cs typeface="王漢宗顏楷體"/>
+              <a:sym typeface="王漢宗顏楷體"/>
+            </a:endParaRPr>
+          </a:p>
+          <a:p>
+            <a:pPr marL="457200" indent="-457200" algn="l">
+              <a:lnSpc>
+                <a:spcPts val="4480"/>
+              </a:lnSpc>
+              <a:spcBef>
+                <a:spcPct val="0"/>
+              </a:spcBef>
+              <a:buFont typeface="Wingdings" panose="05000000000000000000" pitchFamily="2" charset="2"/>
+              <a:buChar char="v"/>
+            </a:pPr>
+            <a:r>
+              <a:rPr lang="zh-TW" altLang="en-US" sz="2600" dirty="0">
+                <a:latin typeface="Times New Roman" panose="02020603050405020304" pitchFamily="18" charset="0"/>
+                <a:ea typeface="標楷體" panose="03000509000000000000" pitchFamily="65" charset="-120"/>
+                <a:cs typeface="王漢宗顏楷體"/>
+                <a:sym typeface="王漢宗顏楷體"/>
+              </a:rPr>
+              <a:t>設定超連結透明度</a:t>
+            </a:r>
+            <a:endParaRPr lang="en-US" altLang="zh-TW" sz="2600" dirty="0">
+              <a:latin typeface="Times New Roman" panose="02020603050405020304" pitchFamily="18" charset="0"/>
+              <a:ea typeface="標楷體" panose="03000509000000000000" pitchFamily="65" charset="-120"/>
+              <a:cs typeface="王漢宗顏楷體"/>
+              <a:sym typeface="王漢宗顏楷體"/>
+            </a:endParaRPr>
+          </a:p>
+        </p:txBody>
+      </p:sp>
+      <p:grpSp>
+        <p:nvGrpSpPr>
+          <p:cNvPr id="28" name="Group 2">
+            <a:extLst>
+              <a:ext uri="{FF2B5EF4-FFF2-40B4-BE49-F238E27FC236}">
+                <a16:creationId xmlns:a16="http://schemas.microsoft.com/office/drawing/2014/main" id="{C571510F-4237-4159-A25E-D023AAABD06D}"/>
+              </a:ext>
+            </a:extLst>
+          </p:cNvPr>
+          <p:cNvGrpSpPr/>
+          <p:nvPr/>
+        </p:nvGrpSpPr>
+        <p:grpSpPr>
+          <a:xfrm>
+            <a:off x="0" y="0"/>
+            <a:ext cx="18288000" cy="1691609"/>
+            <a:chOff x="0" y="0"/>
+            <a:chExt cx="4816593" cy="543967"/>
+          </a:xfrm>
+        </p:grpSpPr>
+        <p:sp>
+          <p:nvSpPr>
+            <p:cNvPr id="29" name="Freeform 3">
+              <a:extLst>
+                <a:ext uri="{FF2B5EF4-FFF2-40B4-BE49-F238E27FC236}">
+                  <a16:creationId xmlns:a16="http://schemas.microsoft.com/office/drawing/2014/main" id="{8558C2F7-92C9-4ED9-A7F6-36896AE39BAD}"/>
+                </a:ext>
+              </a:extLst>
+            </p:cNvPr>
+            <p:cNvSpPr/>
+            <p:nvPr/>
+          </p:nvSpPr>
+          <p:spPr>
+            <a:xfrm>
+              <a:off x="0" y="0"/>
+              <a:ext cx="4816592" cy="543967"/>
+            </a:xfrm>
+            <a:custGeom>
+              <a:avLst/>
+              <a:gdLst/>
+              <a:ahLst/>
+              <a:cxnLst/>
+              <a:rect l="l" t="t" r="r" b="b"/>
+              <a:pathLst>
+                <a:path w="4816592" h="543967">
+                  <a:moveTo>
+                    <a:pt x="0" y="0"/>
+                  </a:moveTo>
+                  <a:lnTo>
+                    <a:pt x="4816592" y="0"/>
+                  </a:lnTo>
+                  <a:lnTo>
+                    <a:pt x="4816592" y="543967"/>
+                  </a:lnTo>
+                  <a:lnTo>
+                    <a:pt x="0" y="543967"/>
+                  </a:lnTo>
+                  <a:close/>
+                </a:path>
+              </a:pathLst>
+            </a:custGeom>
+            <a:gradFill rotWithShape="1">
+              <a:gsLst>
+                <a:gs pos="0">
+                  <a:srgbClr val="B81B22">
+                    <a:alpha val="100000"/>
+                  </a:srgbClr>
+                </a:gs>
+                <a:gs pos="25000">
+                  <a:srgbClr val="B81B22">
+                    <a:alpha val="99500"/>
+                  </a:srgbClr>
+                </a:gs>
+                <a:gs pos="50000">
+                  <a:srgbClr val="E82A34">
+                    <a:alpha val="100000"/>
+                  </a:srgbClr>
+                </a:gs>
+                <a:gs pos="75000">
+                  <a:srgbClr val="F89DA1">
+                    <a:alpha val="100000"/>
+                  </a:srgbClr>
+                </a:gs>
+                <a:gs pos="100000">
+                  <a:srgbClr val="FFFFFF">
+                    <a:alpha val="99500"/>
+                  </a:srgbClr>
+                </a:gs>
+              </a:gsLst>
+              <a:lin ang="0"/>
+            </a:gradFill>
+          </p:spPr>
+        </p:sp>
+        <p:sp>
+          <p:nvSpPr>
+            <p:cNvPr id="30" name="TextBox 4">
+              <a:extLst>
+                <a:ext uri="{FF2B5EF4-FFF2-40B4-BE49-F238E27FC236}">
+                  <a16:creationId xmlns:a16="http://schemas.microsoft.com/office/drawing/2014/main" id="{CC107A00-22F6-47C1-AAF1-49AC9E4F1FE8}"/>
+                </a:ext>
+              </a:extLst>
+            </p:cNvPr>
+            <p:cNvSpPr txBox="1"/>
+            <p:nvPr/>
+          </p:nvSpPr>
+          <p:spPr>
+            <a:xfrm>
+              <a:off x="0" y="-47625"/>
+              <a:ext cx="4816593" cy="591592"/>
+            </a:xfrm>
+            <a:prstGeom prst="rect">
+              <a:avLst/>
+            </a:prstGeom>
+          </p:spPr>
+          <p:txBody>
+            <a:bodyPr lIns="50800" tIns="50800" rIns="50800" bIns="50800" rtlCol="0" anchor="ctr"/>
+            <a:lstStyle/>
+            <a:p>
+              <a:pPr algn="ctr">
+                <a:lnSpc>
+                  <a:spcPts val="2659"/>
+                </a:lnSpc>
+              </a:pPr>
+              <a:endParaRPr>
+                <a:latin typeface="Times New Roman" panose="02020603050405020304" pitchFamily="18" charset="0"/>
+                <a:ea typeface="標楷體" panose="03000509000000000000" pitchFamily="65" charset="-120"/>
+              </a:endParaRPr>
+            </a:p>
+          </p:txBody>
+        </p:sp>
+      </p:grpSp>
+      <p:sp>
+        <p:nvSpPr>
+          <p:cNvPr id="34" name="TextBox 8">
+            <a:extLst>
+              <a:ext uri="{FF2B5EF4-FFF2-40B4-BE49-F238E27FC236}">
+                <a16:creationId xmlns:a16="http://schemas.microsoft.com/office/drawing/2014/main" id="{6A6E9B8B-C857-4E5F-B514-20784942772F}"/>
+              </a:ext>
+            </a:extLst>
+          </p:cNvPr>
+          <p:cNvSpPr txBox="1"/>
+          <p:nvPr/>
+        </p:nvSpPr>
+        <p:spPr>
+          <a:xfrm>
+            <a:off x="304800" y="110995"/>
+            <a:ext cx="9571413" cy="1321516"/>
+          </a:xfrm>
+          <a:prstGeom prst="rect">
+            <a:avLst/>
+          </a:prstGeom>
+        </p:spPr>
+        <p:txBody>
+          <a:bodyPr wrap="square" lIns="0" tIns="0" rIns="0" bIns="0" rtlCol="0" anchor="t">
+            <a:spAutoFit/>
+          </a:bodyPr>
+          <a:lstStyle/>
+          <a:p>
+            <a:pPr algn="l">
+              <a:lnSpc>
+                <a:spcPts val="11200"/>
+              </a:lnSpc>
+              <a:spcBef>
+                <a:spcPct val="0"/>
+              </a:spcBef>
+            </a:pPr>
+            <a:r>
+              <a:rPr lang="en-US" altLang="zh-TW" sz="8000" dirty="0">
+                <a:solidFill>
+                  <a:srgbClr val="FFFFFF"/>
+                </a:solidFill>
+                <a:latin typeface="Times New Roman" panose="02020603050405020304" pitchFamily="18" charset="0"/>
+                <a:ea typeface="標楷體" panose="03000509000000000000" pitchFamily="65" charset="-120"/>
+                <a:cs typeface="Times New Roman" panose="02020603050405020304" pitchFamily="18" charset="0"/>
+                <a:sym typeface="王漢宗顏楷體"/>
+              </a:rPr>
+              <a:t>Vue.js </a:t>
+            </a:r>
+            <a:r>
+              <a:rPr lang="zh-TW" altLang="en-US" sz="8000" dirty="0">
+                <a:solidFill>
+                  <a:srgbClr val="FFFFFF"/>
+                </a:solidFill>
+                <a:latin typeface="Times New Roman" panose="02020603050405020304" pitchFamily="18" charset="0"/>
+                <a:ea typeface="標楷體" panose="03000509000000000000" pitchFamily="65" charset="-120"/>
+                <a:cs typeface="Times New Roman" panose="02020603050405020304" pitchFamily="18" charset="0"/>
+                <a:sym typeface="王漢宗顏楷體"/>
+              </a:rPr>
+              <a:t>介紹</a:t>
+            </a:r>
+            <a:endParaRPr lang="en-US" altLang="zh-TW" sz="8000" dirty="0">
+              <a:solidFill>
+                <a:srgbClr val="FFFFFF"/>
+              </a:solidFill>
+              <a:latin typeface="Times New Roman" panose="02020603050405020304" pitchFamily="18" charset="0"/>
+              <a:ea typeface="標楷體" panose="03000509000000000000" pitchFamily="65" charset="-120"/>
+              <a:cs typeface="Times New Roman" panose="02020603050405020304" pitchFamily="18" charset="0"/>
+              <a:sym typeface="王漢宗顏楷體"/>
+            </a:endParaRPr>
+          </a:p>
+        </p:txBody>
+      </p:sp>
+      <p:sp>
+        <p:nvSpPr>
+          <p:cNvPr id="7" name="文字方塊 6">
+            <a:extLst>
+              <a:ext uri="{FF2B5EF4-FFF2-40B4-BE49-F238E27FC236}">
+                <a16:creationId xmlns:a16="http://schemas.microsoft.com/office/drawing/2014/main" id="{F9B82ED9-4011-42B0-BD0E-2DBD1823CC7E}"/>
+              </a:ext>
+            </a:extLst>
+          </p:cNvPr>
+          <p:cNvSpPr txBox="1"/>
+          <p:nvPr/>
+        </p:nvSpPr>
+        <p:spPr>
+          <a:xfrm>
+            <a:off x="16383001" y="9685054"/>
+            <a:ext cx="1603830" cy="400110"/>
+          </a:xfrm>
+          <a:prstGeom prst="rect">
+            <a:avLst/>
+          </a:prstGeom>
+          <a:noFill/>
+        </p:spPr>
+        <p:txBody>
+          <a:bodyPr wrap="square">
+            <a:spAutoFit/>
+          </a:bodyPr>
+          <a:lstStyle/>
+          <a:p>
+            <a:r>
+              <a:rPr lang="en-US" altLang="zh-TW" sz="2000" dirty="0">
+                <a:latin typeface="Times New Roman" panose="02020603050405020304" pitchFamily="18" charset="0"/>
+                <a:ea typeface="標楷體" panose="03000509000000000000" pitchFamily="65" charset="-120"/>
+              </a:rPr>
+              <a:t>(</a:t>
+            </a:r>
+            <a:r>
+              <a:rPr lang="en-US" altLang="zh-TW" sz="2000" dirty="0">
+                <a:latin typeface="Times New Roman" panose="02020603050405020304" pitchFamily="18" charset="0"/>
+                <a:ea typeface="標楷體" panose="03000509000000000000" pitchFamily="65" charset="-120"/>
+                <a:cs typeface="王漢宗顏楷體"/>
+                <a:sym typeface="王漢宗顏楷體"/>
+              </a:rPr>
+              <a:t>Currying</a:t>
+            </a:r>
+            <a:r>
+              <a:rPr lang="en-US" altLang="zh-TW" sz="2000" dirty="0">
+                <a:latin typeface="Times New Roman" panose="02020603050405020304" pitchFamily="18" charset="0"/>
+                <a:ea typeface="標楷體" panose="03000509000000000000" pitchFamily="65" charset="-120"/>
+              </a:rPr>
+              <a:t>)</a:t>
+            </a:r>
+          </a:p>
+        </p:txBody>
+      </p:sp>
+      <p:sp>
+        <p:nvSpPr>
+          <p:cNvPr id="8" name="矩形 7">
+            <a:extLst>
+              <a:ext uri="{FF2B5EF4-FFF2-40B4-BE49-F238E27FC236}">
+                <a16:creationId xmlns:a16="http://schemas.microsoft.com/office/drawing/2014/main" id="{C9C7213D-FD7F-4560-90FF-2511E447CEB3}"/>
+              </a:ext>
+            </a:extLst>
+          </p:cNvPr>
+          <p:cNvSpPr/>
+          <p:nvPr/>
+        </p:nvSpPr>
+        <p:spPr>
+          <a:xfrm rot="10800000" flipV="1">
+            <a:off x="7620000" y="5989356"/>
+            <a:ext cx="2209800" cy="1243445"/>
+          </a:xfrm>
+          <a:prstGeom prst="rect">
+            <a:avLst/>
+          </a:prstGeom>
+          <a:solidFill>
+            <a:srgbClr val="FFD580"/>
+          </a:solidFill>
+          <a:ln>
+            <a:noFill/>
+          </a:ln>
+          <a:effectLst/>
+        </p:spPr>
+        <p:style>
+          <a:lnRef idx="1">
+            <a:schemeClr val="accent5"/>
+          </a:lnRef>
+          <a:fillRef idx="2">
+            <a:schemeClr val="accent5"/>
+          </a:fillRef>
+          <a:effectRef idx="1">
+            <a:schemeClr val="accent5"/>
+          </a:effectRef>
+          <a:fontRef idx="minor">
+            <a:schemeClr val="dk1"/>
+          </a:fontRef>
+        </p:style>
+        <p:txBody>
+          <a:bodyPr rtlCol="0" anchor="ctr"/>
+          <a:lstStyle/>
+          <a:p>
+            <a:pPr algn="ctr"/>
+            <a:endParaRPr lang="zh-TW" altLang="en-US" sz="2000">
+              <a:latin typeface="Times New Roman" panose="02020603050405020304" pitchFamily="18" charset="0"/>
+              <a:ea typeface="標楷體" panose="03000509000000000000" pitchFamily="65" charset="-120"/>
+            </a:endParaRPr>
+          </a:p>
+        </p:txBody>
+      </p:sp>
+      <p:sp>
+        <p:nvSpPr>
+          <p:cNvPr id="9" name="矩形 8">
+            <a:extLst>
+              <a:ext uri="{FF2B5EF4-FFF2-40B4-BE49-F238E27FC236}">
+                <a16:creationId xmlns:a16="http://schemas.microsoft.com/office/drawing/2014/main" id="{8C2A4EE7-8CC6-4972-93C5-E9E5C4506711}"/>
+              </a:ext>
+            </a:extLst>
+          </p:cNvPr>
+          <p:cNvSpPr/>
+          <p:nvPr/>
+        </p:nvSpPr>
+        <p:spPr>
+          <a:xfrm rot="10800000" flipV="1">
+            <a:off x="5043975" y="8822039"/>
+            <a:ext cx="2209800" cy="1243445"/>
+          </a:xfrm>
+          <a:prstGeom prst="rect">
+            <a:avLst/>
+          </a:prstGeom>
+          <a:solidFill>
+            <a:srgbClr val="9FDAF5"/>
+          </a:solidFill>
+          <a:ln>
+            <a:noFill/>
+          </a:ln>
+          <a:effectLst/>
+        </p:spPr>
+        <p:style>
+          <a:lnRef idx="1">
+            <a:schemeClr val="accent5"/>
+          </a:lnRef>
+          <a:fillRef idx="2">
+            <a:schemeClr val="accent5"/>
+          </a:fillRef>
+          <a:effectRef idx="1">
+            <a:schemeClr val="accent5"/>
+          </a:effectRef>
+          <a:fontRef idx="minor">
+            <a:schemeClr val="dk1"/>
+          </a:fontRef>
+        </p:style>
+        <p:txBody>
+          <a:bodyPr rtlCol="0" anchor="ctr"/>
+          <a:lstStyle/>
+          <a:p>
+            <a:pPr algn="ctr"/>
+            <a:endParaRPr lang="zh-TW" altLang="en-US" sz="2000">
+              <a:latin typeface="Times New Roman" panose="02020603050405020304" pitchFamily="18" charset="0"/>
+              <a:ea typeface="標楷體" panose="03000509000000000000" pitchFamily="65" charset="-120"/>
+            </a:endParaRPr>
+          </a:p>
+        </p:txBody>
+      </p:sp>
+      <p:sp>
+        <p:nvSpPr>
+          <p:cNvPr id="10" name="矩形 9">
+            <a:extLst>
+              <a:ext uri="{FF2B5EF4-FFF2-40B4-BE49-F238E27FC236}">
+                <a16:creationId xmlns:a16="http://schemas.microsoft.com/office/drawing/2014/main" id="{89D69731-C860-4BBF-8DCA-7EBBAA7328A3}"/>
+              </a:ext>
+            </a:extLst>
+          </p:cNvPr>
+          <p:cNvSpPr/>
+          <p:nvPr/>
+        </p:nvSpPr>
+        <p:spPr>
+          <a:xfrm rot="10800000" flipV="1">
+            <a:off x="2791606" y="5911424"/>
+            <a:ext cx="2209800" cy="1243445"/>
+          </a:xfrm>
+          <a:prstGeom prst="rect">
+            <a:avLst/>
+          </a:prstGeom>
+          <a:solidFill>
+            <a:srgbClr val="FCDFC0"/>
+          </a:solidFill>
+          <a:ln>
+            <a:noFill/>
+          </a:ln>
+          <a:effectLst/>
+        </p:spPr>
+        <p:style>
+          <a:lnRef idx="1">
+            <a:schemeClr val="accent5"/>
+          </a:lnRef>
+          <a:fillRef idx="2">
+            <a:schemeClr val="accent5"/>
+          </a:fillRef>
+          <a:effectRef idx="1">
+            <a:schemeClr val="accent5"/>
+          </a:effectRef>
+          <a:fontRef idx="minor">
+            <a:schemeClr val="dk1"/>
+          </a:fontRef>
+        </p:style>
+        <p:txBody>
+          <a:bodyPr rtlCol="0" anchor="ctr"/>
+          <a:lstStyle/>
+          <a:p>
+            <a:pPr algn="ctr"/>
+            <a:endParaRPr lang="zh-TW" altLang="en-US" sz="2000">
+              <a:latin typeface="Times New Roman" panose="02020603050405020304" pitchFamily="18" charset="0"/>
+              <a:ea typeface="標楷體" panose="03000509000000000000" pitchFamily="65" charset="-120"/>
+            </a:endParaRPr>
+          </a:p>
+        </p:txBody>
+      </p:sp>
+      <p:sp>
+        <p:nvSpPr>
+          <p:cNvPr id="11" name="矩形 10">
+            <a:extLst>
+              <a:ext uri="{FF2B5EF4-FFF2-40B4-BE49-F238E27FC236}">
+                <a16:creationId xmlns:a16="http://schemas.microsoft.com/office/drawing/2014/main" id="{E0FB2C7C-E865-4EB2-BA26-FC5EA136C2C1}"/>
+              </a:ext>
+            </a:extLst>
+          </p:cNvPr>
+          <p:cNvSpPr/>
+          <p:nvPr/>
+        </p:nvSpPr>
+        <p:spPr>
+          <a:xfrm rot="10800000" flipV="1">
+            <a:off x="2569877" y="8822039"/>
+            <a:ext cx="2209800" cy="1243445"/>
+          </a:xfrm>
+          <a:prstGeom prst="rect">
+            <a:avLst/>
+          </a:prstGeom>
+          <a:solidFill>
+            <a:srgbClr val="B1D5F7"/>
+          </a:solidFill>
+          <a:ln>
+            <a:noFill/>
+          </a:ln>
+          <a:effectLst/>
+        </p:spPr>
+        <p:style>
+          <a:lnRef idx="1">
+            <a:schemeClr val="accent5"/>
+          </a:lnRef>
+          <a:fillRef idx="2">
+            <a:schemeClr val="accent5"/>
+          </a:fillRef>
+          <a:effectRef idx="1">
+            <a:schemeClr val="accent5"/>
+          </a:effectRef>
+          <a:fontRef idx="minor">
+            <a:schemeClr val="dk1"/>
+          </a:fontRef>
+        </p:style>
+        <p:txBody>
+          <a:bodyPr rtlCol="0" anchor="ctr"/>
+          <a:lstStyle/>
+          <a:p>
+            <a:pPr algn="ctr"/>
+            <a:endParaRPr lang="zh-TW" altLang="en-US" sz="2000">
+              <a:latin typeface="Times New Roman" panose="02020603050405020304" pitchFamily="18" charset="0"/>
+              <a:ea typeface="標楷體" panose="03000509000000000000" pitchFamily="65" charset="-120"/>
+            </a:endParaRPr>
+          </a:p>
+        </p:txBody>
+      </p:sp>
+      <p:sp>
+        <p:nvSpPr>
+          <p:cNvPr id="12" name="矩形 11">
+            <a:extLst>
+              <a:ext uri="{FF2B5EF4-FFF2-40B4-BE49-F238E27FC236}">
+                <a16:creationId xmlns:a16="http://schemas.microsoft.com/office/drawing/2014/main" id="{F596A4AA-6818-4459-AB72-9EBB2BEE3D40}"/>
+              </a:ext>
+            </a:extLst>
+          </p:cNvPr>
+          <p:cNvSpPr/>
+          <p:nvPr/>
+        </p:nvSpPr>
+        <p:spPr>
+          <a:xfrm rot="10800000" flipV="1">
+            <a:off x="7582434" y="8808795"/>
+            <a:ext cx="2209800" cy="1243445"/>
+          </a:xfrm>
+          <a:prstGeom prst="rect">
+            <a:avLst/>
+          </a:prstGeom>
+          <a:solidFill>
+            <a:srgbClr val="64A9F6"/>
+          </a:solidFill>
+          <a:ln>
+            <a:noFill/>
+          </a:ln>
+          <a:effectLst/>
+        </p:spPr>
+        <p:style>
+          <a:lnRef idx="1">
+            <a:schemeClr val="accent5"/>
+          </a:lnRef>
+          <a:fillRef idx="2">
+            <a:schemeClr val="accent5"/>
+          </a:fillRef>
+          <a:effectRef idx="1">
+            <a:schemeClr val="accent5"/>
+          </a:effectRef>
+          <a:fontRef idx="minor">
+            <a:schemeClr val="dk1"/>
+          </a:fontRef>
+        </p:style>
+        <p:txBody>
+          <a:bodyPr rtlCol="0" anchor="ctr"/>
+          <a:lstStyle/>
+          <a:p>
+            <a:pPr algn="ctr"/>
+            <a:endParaRPr lang="zh-TW" altLang="en-US" sz="2000">
+              <a:latin typeface="Times New Roman" panose="02020603050405020304" pitchFamily="18" charset="0"/>
+              <a:ea typeface="標楷體" panose="03000509000000000000" pitchFamily="65" charset="-120"/>
+            </a:endParaRPr>
+          </a:p>
+        </p:txBody>
+      </p:sp>
+      <p:sp>
+        <p:nvSpPr>
+          <p:cNvPr id="13" name="矩形 12">
+            <a:extLst>
+              <a:ext uri="{FF2B5EF4-FFF2-40B4-BE49-F238E27FC236}">
+                <a16:creationId xmlns:a16="http://schemas.microsoft.com/office/drawing/2014/main" id="{6EDD8B8F-5331-4A1A-BDB8-1A1D68239314}"/>
+              </a:ext>
+            </a:extLst>
+          </p:cNvPr>
+          <p:cNvSpPr/>
+          <p:nvPr/>
+        </p:nvSpPr>
+        <p:spPr>
+          <a:xfrm rot="10800000" flipV="1">
+            <a:off x="381000" y="4513492"/>
+            <a:ext cx="2209800" cy="1243445"/>
+          </a:xfrm>
+          <a:prstGeom prst="rect">
+            <a:avLst/>
+          </a:prstGeom>
+          <a:solidFill>
+            <a:srgbClr val="FCEADB"/>
+          </a:solidFill>
+          <a:ln>
+            <a:noFill/>
+          </a:ln>
+          <a:effectLst/>
+        </p:spPr>
+        <p:style>
+          <a:lnRef idx="1">
+            <a:schemeClr val="accent5"/>
+          </a:lnRef>
+          <a:fillRef idx="2">
+            <a:schemeClr val="accent5"/>
+          </a:fillRef>
+          <a:effectRef idx="1">
+            <a:schemeClr val="accent5"/>
+          </a:effectRef>
+          <a:fontRef idx="minor">
+            <a:schemeClr val="dk1"/>
+          </a:fontRef>
+        </p:style>
+        <p:txBody>
+          <a:bodyPr rtlCol="0" anchor="ctr"/>
+          <a:lstStyle/>
+          <a:p>
+            <a:pPr algn="ctr"/>
+            <a:endParaRPr lang="zh-TW" altLang="en-US" sz="2000" dirty="0">
+              <a:latin typeface="Times New Roman" panose="02020603050405020304" pitchFamily="18" charset="0"/>
+              <a:ea typeface="標楷體" panose="03000509000000000000" pitchFamily="65" charset="-120"/>
+            </a:endParaRPr>
+          </a:p>
+        </p:txBody>
+      </p:sp>
+      <p:sp>
+        <p:nvSpPr>
+          <p:cNvPr id="14" name="矩形 13">
+            <a:extLst>
+              <a:ext uri="{FF2B5EF4-FFF2-40B4-BE49-F238E27FC236}">
+                <a16:creationId xmlns:a16="http://schemas.microsoft.com/office/drawing/2014/main" id="{82E8A0B7-4359-4AB9-B2AF-B8CC3227FD2F}"/>
+              </a:ext>
+            </a:extLst>
+          </p:cNvPr>
+          <p:cNvSpPr/>
+          <p:nvPr/>
+        </p:nvSpPr>
+        <p:spPr>
+          <a:xfrm rot="10800000" flipV="1">
+            <a:off x="2612409" y="7395512"/>
+            <a:ext cx="2209800" cy="1243445"/>
+          </a:xfrm>
+          <a:prstGeom prst="rect">
+            <a:avLst/>
+          </a:prstGeom>
+          <a:solidFill>
+            <a:srgbClr val="E2F0D7"/>
+          </a:solidFill>
+          <a:ln>
+            <a:noFill/>
+          </a:ln>
+          <a:effectLst/>
+        </p:spPr>
+        <p:style>
+          <a:lnRef idx="1">
+            <a:schemeClr val="accent5"/>
+          </a:lnRef>
+          <a:fillRef idx="2">
+            <a:schemeClr val="accent5"/>
+          </a:fillRef>
+          <a:effectRef idx="1">
+            <a:schemeClr val="accent5"/>
+          </a:effectRef>
+          <a:fontRef idx="minor">
+            <a:schemeClr val="dk1"/>
+          </a:fontRef>
+        </p:style>
+        <p:txBody>
+          <a:bodyPr rtlCol="0" anchor="ctr"/>
+          <a:lstStyle/>
+          <a:p>
+            <a:pPr algn="ctr"/>
+            <a:endParaRPr lang="zh-TW" altLang="en-US" sz="2000">
+              <a:latin typeface="Times New Roman" panose="02020603050405020304" pitchFamily="18" charset="0"/>
+              <a:ea typeface="標楷體" panose="03000509000000000000" pitchFamily="65" charset="-120"/>
+            </a:endParaRPr>
+          </a:p>
+        </p:txBody>
+      </p:sp>
+      <p:sp>
+        <p:nvSpPr>
+          <p:cNvPr id="15" name="矩形 14">
+            <a:extLst>
+              <a:ext uri="{FF2B5EF4-FFF2-40B4-BE49-F238E27FC236}">
+                <a16:creationId xmlns:a16="http://schemas.microsoft.com/office/drawing/2014/main" id="{DBB5E27D-EC81-459A-880E-A44A7656E14F}"/>
+              </a:ext>
+            </a:extLst>
+          </p:cNvPr>
+          <p:cNvSpPr/>
+          <p:nvPr/>
+        </p:nvSpPr>
+        <p:spPr>
+          <a:xfrm rot="10800000" flipV="1">
+            <a:off x="7582434" y="7367780"/>
+            <a:ext cx="2209800" cy="1243445"/>
+          </a:xfrm>
+          <a:prstGeom prst="rect">
+            <a:avLst/>
+          </a:prstGeom>
+          <a:solidFill>
+            <a:srgbClr val="D0F4DE"/>
+          </a:solidFill>
+          <a:ln>
+            <a:noFill/>
+          </a:ln>
+          <a:effectLst/>
+        </p:spPr>
+        <p:style>
+          <a:lnRef idx="1">
+            <a:schemeClr val="accent5"/>
+          </a:lnRef>
+          <a:fillRef idx="2">
+            <a:schemeClr val="accent5"/>
+          </a:fillRef>
+          <a:effectRef idx="1">
+            <a:schemeClr val="accent5"/>
+          </a:effectRef>
+          <a:fontRef idx="minor">
+            <a:schemeClr val="dk1"/>
+          </a:fontRef>
+        </p:style>
+        <p:txBody>
+          <a:bodyPr rtlCol="0" anchor="ctr"/>
+          <a:lstStyle/>
+          <a:p>
+            <a:pPr algn="ctr"/>
+            <a:endParaRPr lang="zh-TW" altLang="en-US" sz="2000">
+              <a:latin typeface="Times New Roman" panose="02020603050405020304" pitchFamily="18" charset="0"/>
+              <a:ea typeface="標楷體" panose="03000509000000000000" pitchFamily="65" charset="-120"/>
+            </a:endParaRPr>
+          </a:p>
+        </p:txBody>
+      </p:sp>
+      <p:sp>
+        <p:nvSpPr>
+          <p:cNvPr id="16" name="矩形 15">
+            <a:extLst>
+              <a:ext uri="{FF2B5EF4-FFF2-40B4-BE49-F238E27FC236}">
+                <a16:creationId xmlns:a16="http://schemas.microsoft.com/office/drawing/2014/main" id="{4B2B8C41-6D4A-4B8A-8205-7A36836ABE71}"/>
+              </a:ext>
+            </a:extLst>
+          </p:cNvPr>
+          <p:cNvSpPr/>
+          <p:nvPr/>
+        </p:nvSpPr>
+        <p:spPr>
+          <a:xfrm rot="10800000" flipV="1">
+            <a:off x="5079643" y="7367779"/>
+            <a:ext cx="2209800" cy="1243445"/>
+          </a:xfrm>
+          <a:prstGeom prst="rect">
+            <a:avLst/>
+          </a:prstGeom>
+          <a:solidFill>
+            <a:srgbClr val="94D2BD"/>
+          </a:solidFill>
+          <a:ln>
+            <a:noFill/>
+          </a:ln>
+          <a:effectLst/>
+        </p:spPr>
+        <p:style>
+          <a:lnRef idx="1">
+            <a:schemeClr val="accent5"/>
+          </a:lnRef>
+          <a:fillRef idx="2">
+            <a:schemeClr val="accent5"/>
+          </a:fillRef>
+          <a:effectRef idx="1">
+            <a:schemeClr val="accent5"/>
+          </a:effectRef>
+          <a:fontRef idx="minor">
+            <a:schemeClr val="dk1"/>
+          </a:fontRef>
+        </p:style>
+        <p:txBody>
+          <a:bodyPr rtlCol="0" anchor="ctr"/>
+          <a:lstStyle/>
+          <a:p>
+            <a:pPr algn="ctr"/>
+            <a:endParaRPr lang="zh-TW" altLang="en-US" sz="2000">
+              <a:latin typeface="Times New Roman" panose="02020603050405020304" pitchFamily="18" charset="0"/>
+              <a:ea typeface="標楷體" panose="03000509000000000000" pitchFamily="65" charset="-120"/>
+            </a:endParaRPr>
+          </a:p>
+        </p:txBody>
+      </p:sp>
+      <p:sp>
+        <p:nvSpPr>
+          <p:cNvPr id="17" name="矩形 16">
+            <a:extLst>
+              <a:ext uri="{FF2B5EF4-FFF2-40B4-BE49-F238E27FC236}">
+                <a16:creationId xmlns:a16="http://schemas.microsoft.com/office/drawing/2014/main" id="{D6F89379-A7F1-453E-8D55-2B84474F465E}"/>
+              </a:ext>
+            </a:extLst>
+          </p:cNvPr>
+          <p:cNvSpPr/>
+          <p:nvPr/>
+        </p:nvSpPr>
+        <p:spPr>
+          <a:xfrm rot="10800000" flipV="1">
+            <a:off x="10044486" y="5989356"/>
+            <a:ext cx="2209800" cy="1243445"/>
+          </a:xfrm>
+          <a:prstGeom prst="rect">
+            <a:avLst/>
+          </a:prstGeom>
+          <a:solidFill>
+            <a:srgbClr val="FCC4FB"/>
+          </a:solidFill>
+          <a:ln>
+            <a:noFill/>
+          </a:ln>
+          <a:effectLst/>
+        </p:spPr>
+        <p:style>
+          <a:lnRef idx="1">
+            <a:schemeClr val="accent5"/>
+          </a:lnRef>
+          <a:fillRef idx="2">
+            <a:schemeClr val="accent5"/>
+          </a:fillRef>
+          <a:effectRef idx="1">
+            <a:schemeClr val="accent5"/>
+          </a:effectRef>
+          <a:fontRef idx="minor">
+            <a:schemeClr val="dk1"/>
+          </a:fontRef>
+        </p:style>
+        <p:txBody>
+          <a:bodyPr rtlCol="0" anchor="ctr"/>
+          <a:lstStyle/>
+          <a:p>
+            <a:pPr algn="ctr"/>
+            <a:endParaRPr lang="zh-TW" altLang="en-US" sz="2000">
+              <a:latin typeface="Times New Roman" panose="02020603050405020304" pitchFamily="18" charset="0"/>
+              <a:ea typeface="標楷體" panose="03000509000000000000" pitchFamily="65" charset="-120"/>
+            </a:endParaRPr>
+          </a:p>
+        </p:txBody>
+      </p:sp>
+      <p:sp>
+        <p:nvSpPr>
+          <p:cNvPr id="18" name="矩形 17">
+            <a:extLst>
+              <a:ext uri="{FF2B5EF4-FFF2-40B4-BE49-F238E27FC236}">
+                <a16:creationId xmlns:a16="http://schemas.microsoft.com/office/drawing/2014/main" id="{84F18C9A-2725-4FB0-BEBE-3ADB973F4389}"/>
+              </a:ext>
+            </a:extLst>
+          </p:cNvPr>
+          <p:cNvSpPr/>
+          <p:nvPr/>
+        </p:nvSpPr>
+        <p:spPr>
+          <a:xfrm rot="10800000" flipV="1">
+            <a:off x="10085224" y="7444861"/>
+            <a:ext cx="2209800" cy="1243445"/>
+          </a:xfrm>
+          <a:prstGeom prst="rect">
+            <a:avLst/>
+          </a:prstGeom>
+          <a:solidFill>
+            <a:srgbClr val="E7C6FF"/>
+          </a:solidFill>
+          <a:ln>
+            <a:noFill/>
+          </a:ln>
+          <a:effectLst/>
+        </p:spPr>
+        <p:style>
+          <a:lnRef idx="1">
+            <a:schemeClr val="accent5"/>
+          </a:lnRef>
+          <a:fillRef idx="2">
+            <a:schemeClr val="accent5"/>
+          </a:fillRef>
+          <a:effectRef idx="1">
+            <a:schemeClr val="accent5"/>
+          </a:effectRef>
+          <a:fontRef idx="minor">
+            <a:schemeClr val="dk1"/>
+          </a:fontRef>
+        </p:style>
+        <p:txBody>
+          <a:bodyPr rtlCol="0" anchor="ctr"/>
+          <a:lstStyle/>
+          <a:p>
+            <a:pPr algn="ctr"/>
+            <a:endParaRPr lang="zh-TW" altLang="en-US" sz="2000" dirty="0">
+              <a:latin typeface="Times New Roman" panose="02020603050405020304" pitchFamily="18" charset="0"/>
+              <a:ea typeface="標楷體" panose="03000509000000000000" pitchFamily="65" charset="-120"/>
+            </a:endParaRPr>
+          </a:p>
+        </p:txBody>
+      </p:sp>
+      <p:sp>
+        <p:nvSpPr>
+          <p:cNvPr id="19" name="矩形 18">
+            <a:extLst>
+              <a:ext uri="{FF2B5EF4-FFF2-40B4-BE49-F238E27FC236}">
+                <a16:creationId xmlns:a16="http://schemas.microsoft.com/office/drawing/2014/main" id="{B96AB3F1-5187-4085-8FDC-71EF0DDB59FB}"/>
+              </a:ext>
+            </a:extLst>
+          </p:cNvPr>
+          <p:cNvSpPr/>
+          <p:nvPr/>
+        </p:nvSpPr>
+        <p:spPr>
+          <a:xfrm rot="10800000" flipV="1">
+            <a:off x="10044486" y="8853054"/>
+            <a:ext cx="2209800" cy="1243445"/>
+          </a:xfrm>
+          <a:prstGeom prst="rect">
+            <a:avLst/>
+          </a:prstGeom>
+          <a:solidFill>
+            <a:srgbClr val="C8B6FF"/>
+          </a:solidFill>
+          <a:ln>
+            <a:noFill/>
+          </a:ln>
+          <a:effectLst/>
+        </p:spPr>
+        <p:style>
+          <a:lnRef idx="1">
+            <a:schemeClr val="accent5"/>
+          </a:lnRef>
+          <a:fillRef idx="2">
+            <a:schemeClr val="accent5"/>
+          </a:fillRef>
+          <a:effectRef idx="1">
+            <a:schemeClr val="accent5"/>
+          </a:effectRef>
+          <a:fontRef idx="minor">
+            <a:schemeClr val="dk1"/>
+          </a:fontRef>
+        </p:style>
+        <p:txBody>
+          <a:bodyPr rtlCol="0" anchor="ctr"/>
+          <a:lstStyle/>
+          <a:p>
+            <a:pPr algn="ctr"/>
+            <a:endParaRPr lang="zh-TW" altLang="en-US" sz="2000">
+              <a:latin typeface="Times New Roman" panose="02020603050405020304" pitchFamily="18" charset="0"/>
+              <a:ea typeface="標楷體" panose="03000509000000000000" pitchFamily="65" charset="-120"/>
+            </a:endParaRPr>
+          </a:p>
+        </p:txBody>
+      </p:sp>
+      <p:sp>
+        <p:nvSpPr>
+          <p:cNvPr id="20" name="矩形 19">
+            <a:extLst>
+              <a:ext uri="{FF2B5EF4-FFF2-40B4-BE49-F238E27FC236}">
+                <a16:creationId xmlns:a16="http://schemas.microsoft.com/office/drawing/2014/main" id="{EA93FBFE-8524-4125-B206-DDBC00C66DAD}"/>
+              </a:ext>
+            </a:extLst>
+          </p:cNvPr>
+          <p:cNvSpPr/>
+          <p:nvPr/>
+        </p:nvSpPr>
+        <p:spPr>
+          <a:xfrm rot="10800000" flipV="1">
+            <a:off x="2791607" y="4526417"/>
+            <a:ext cx="2209800" cy="1243445"/>
+          </a:xfrm>
+          <a:prstGeom prst="rect">
+            <a:avLst/>
+          </a:prstGeom>
+          <a:solidFill>
+            <a:srgbClr val="FFD5C4"/>
+          </a:solidFill>
+          <a:ln>
+            <a:noFill/>
+          </a:ln>
+          <a:effectLst/>
+        </p:spPr>
+        <p:style>
+          <a:lnRef idx="1">
+            <a:schemeClr val="accent5"/>
+          </a:lnRef>
+          <a:fillRef idx="2">
+            <a:schemeClr val="accent5"/>
+          </a:fillRef>
+          <a:effectRef idx="1">
+            <a:schemeClr val="accent5"/>
+          </a:effectRef>
+          <a:fontRef idx="minor">
+            <a:schemeClr val="dk1"/>
+          </a:fontRef>
+        </p:style>
+        <p:txBody>
+          <a:bodyPr rtlCol="0" anchor="ctr"/>
+          <a:lstStyle/>
+          <a:p>
+            <a:pPr algn="ctr"/>
+            <a:endParaRPr lang="zh-TW" altLang="en-US" sz="2000">
+              <a:latin typeface="Times New Roman" panose="02020603050405020304" pitchFamily="18" charset="0"/>
+              <a:ea typeface="標楷體" panose="03000509000000000000" pitchFamily="65" charset="-120"/>
+            </a:endParaRPr>
+          </a:p>
+        </p:txBody>
+      </p:sp>
+      <p:sp>
+        <p:nvSpPr>
+          <p:cNvPr id="21" name="矩形 20">
+            <a:extLst>
+              <a:ext uri="{FF2B5EF4-FFF2-40B4-BE49-F238E27FC236}">
+                <a16:creationId xmlns:a16="http://schemas.microsoft.com/office/drawing/2014/main" id="{A5D10856-8B79-40EF-A778-3BDA28A54FF1}"/>
+              </a:ext>
+            </a:extLst>
+          </p:cNvPr>
+          <p:cNvSpPr/>
+          <p:nvPr/>
+        </p:nvSpPr>
+        <p:spPr>
+          <a:xfrm rot="10800000" flipV="1">
+            <a:off x="5178329" y="5989355"/>
+            <a:ext cx="2209800" cy="1243445"/>
+          </a:xfrm>
+          <a:prstGeom prst="rect">
+            <a:avLst/>
+          </a:prstGeom>
+          <a:solidFill>
+            <a:srgbClr val="FBECA2"/>
+          </a:solidFill>
+          <a:ln>
+            <a:noFill/>
+          </a:ln>
+          <a:effectLst/>
+        </p:spPr>
+        <p:style>
+          <a:lnRef idx="1">
+            <a:schemeClr val="accent5"/>
+          </a:lnRef>
+          <a:fillRef idx="2">
+            <a:schemeClr val="accent5"/>
+          </a:fillRef>
+          <a:effectRef idx="1">
+            <a:schemeClr val="accent5"/>
+          </a:effectRef>
+          <a:fontRef idx="minor">
+            <a:schemeClr val="dk1"/>
+          </a:fontRef>
+        </p:style>
+        <p:txBody>
+          <a:bodyPr rtlCol="0" anchor="ctr"/>
+          <a:lstStyle/>
+          <a:p>
+            <a:pPr algn="ctr"/>
+            <a:endParaRPr lang="zh-TW" altLang="en-US" sz="2000">
+              <a:latin typeface="Times New Roman" panose="02020603050405020304" pitchFamily="18" charset="0"/>
+              <a:ea typeface="標楷體" panose="03000509000000000000" pitchFamily="65" charset="-120"/>
+            </a:endParaRPr>
+          </a:p>
+        </p:txBody>
+      </p:sp>
+      <p:sp>
+        <p:nvSpPr>
+          <p:cNvPr id="23" name="矩形 22">
+            <a:extLst>
+              <a:ext uri="{FF2B5EF4-FFF2-40B4-BE49-F238E27FC236}">
+                <a16:creationId xmlns:a16="http://schemas.microsoft.com/office/drawing/2014/main" id="{343A44BF-0FFC-4E09-A541-411644B4B582}"/>
+              </a:ext>
+            </a:extLst>
+          </p:cNvPr>
+          <p:cNvSpPr/>
+          <p:nvPr/>
+        </p:nvSpPr>
+        <p:spPr>
+          <a:xfrm rot="10800000" flipV="1">
+            <a:off x="5202213" y="4548340"/>
+            <a:ext cx="2209800" cy="1243445"/>
+          </a:xfrm>
+          <a:prstGeom prst="rect">
+            <a:avLst/>
+          </a:prstGeom>
+          <a:solidFill>
+            <a:srgbClr val="FFE5EC"/>
+          </a:solidFill>
+          <a:ln>
+            <a:noFill/>
+          </a:ln>
+          <a:effectLst/>
+        </p:spPr>
+        <p:style>
+          <a:lnRef idx="1">
+            <a:schemeClr val="accent5"/>
+          </a:lnRef>
+          <a:fillRef idx="2">
+            <a:schemeClr val="accent5"/>
+          </a:fillRef>
+          <a:effectRef idx="1">
+            <a:schemeClr val="accent5"/>
+          </a:effectRef>
+          <a:fontRef idx="minor">
+            <a:schemeClr val="dk1"/>
+          </a:fontRef>
+        </p:style>
+        <p:txBody>
+          <a:bodyPr rtlCol="0" anchor="ctr"/>
+          <a:lstStyle/>
+          <a:p>
+            <a:pPr algn="ctr"/>
+            <a:endParaRPr lang="zh-TW" altLang="en-US" sz="2000">
+              <a:latin typeface="Times New Roman" panose="02020603050405020304" pitchFamily="18" charset="0"/>
+              <a:ea typeface="標楷體" panose="03000509000000000000" pitchFamily="65" charset="-120"/>
+            </a:endParaRPr>
+          </a:p>
+        </p:txBody>
+      </p:sp>
+      <p:sp>
+        <p:nvSpPr>
+          <p:cNvPr id="24" name="矩形 23">
+            <a:extLst>
+              <a:ext uri="{FF2B5EF4-FFF2-40B4-BE49-F238E27FC236}">
+                <a16:creationId xmlns:a16="http://schemas.microsoft.com/office/drawing/2014/main" id="{BCB47E33-DBFF-4A41-A5FD-3FB12B8C6F73}"/>
+              </a:ext>
+            </a:extLst>
+          </p:cNvPr>
+          <p:cNvSpPr/>
+          <p:nvPr/>
+        </p:nvSpPr>
+        <p:spPr>
+          <a:xfrm rot="10800000" flipV="1">
+            <a:off x="10008093" y="4533850"/>
+            <a:ext cx="2209800" cy="1243445"/>
+          </a:xfrm>
+          <a:prstGeom prst="rect">
+            <a:avLst/>
+          </a:prstGeom>
+          <a:solidFill>
+            <a:srgbClr val="FFC2D1"/>
+          </a:solidFill>
+          <a:ln>
+            <a:noFill/>
+          </a:ln>
+          <a:effectLst/>
+        </p:spPr>
+        <p:style>
+          <a:lnRef idx="1">
+            <a:schemeClr val="accent5"/>
+          </a:lnRef>
+          <a:fillRef idx="2">
+            <a:schemeClr val="accent5"/>
+          </a:fillRef>
+          <a:effectRef idx="1">
+            <a:schemeClr val="accent5"/>
+          </a:effectRef>
+          <a:fontRef idx="minor">
+            <a:schemeClr val="dk1"/>
+          </a:fontRef>
+        </p:style>
+        <p:txBody>
+          <a:bodyPr rtlCol="0" anchor="ctr"/>
+          <a:lstStyle/>
+          <a:p>
+            <a:pPr algn="ctr"/>
+            <a:endParaRPr lang="zh-TW" altLang="en-US" sz="2000">
+              <a:latin typeface="Times New Roman" panose="02020603050405020304" pitchFamily="18" charset="0"/>
+              <a:ea typeface="標楷體" panose="03000509000000000000" pitchFamily="65" charset="-120"/>
+            </a:endParaRPr>
+          </a:p>
+        </p:txBody>
+      </p:sp>
+      <p:sp>
+        <p:nvSpPr>
+          <p:cNvPr id="25" name="矩形 24">
+            <a:extLst>
+              <a:ext uri="{FF2B5EF4-FFF2-40B4-BE49-F238E27FC236}">
+                <a16:creationId xmlns:a16="http://schemas.microsoft.com/office/drawing/2014/main" id="{A275AF48-13DF-40A8-9974-69AAED811F1F}"/>
+              </a:ext>
+            </a:extLst>
+          </p:cNvPr>
+          <p:cNvSpPr/>
+          <p:nvPr/>
+        </p:nvSpPr>
+        <p:spPr>
+          <a:xfrm rot="10800000" flipV="1">
+            <a:off x="7605153" y="4548341"/>
+            <a:ext cx="2209800" cy="1243445"/>
+          </a:xfrm>
+          <a:prstGeom prst="rect">
+            <a:avLst/>
+          </a:prstGeom>
+          <a:solidFill>
+            <a:srgbClr val="FFB3C6"/>
+          </a:solidFill>
+          <a:ln>
+            <a:noFill/>
+          </a:ln>
+          <a:effectLst/>
+        </p:spPr>
+        <p:style>
+          <a:lnRef idx="1">
+            <a:schemeClr val="accent5"/>
+          </a:lnRef>
+          <a:fillRef idx="2">
+            <a:schemeClr val="accent5"/>
+          </a:fillRef>
+          <a:effectRef idx="1">
+            <a:schemeClr val="accent5"/>
+          </a:effectRef>
+          <a:fontRef idx="minor">
+            <a:schemeClr val="dk1"/>
+          </a:fontRef>
+        </p:style>
+        <p:txBody>
+          <a:bodyPr rtlCol="0" anchor="ctr"/>
+          <a:lstStyle/>
+          <a:p>
+            <a:pPr algn="ctr"/>
+            <a:endParaRPr lang="zh-TW" altLang="en-US" sz="2000">
+              <a:latin typeface="Times New Roman" panose="02020603050405020304" pitchFamily="18" charset="0"/>
+              <a:ea typeface="標楷體" panose="03000509000000000000" pitchFamily="65" charset="-120"/>
+            </a:endParaRPr>
+          </a:p>
+        </p:txBody>
+      </p:sp>
+    </p:spTree>
+    <p:extLst>
+      <p:ext uri="{BB962C8B-B14F-4D97-AF65-F5344CB8AC3E}">
+        <p14:creationId xmlns:p14="http://schemas.microsoft.com/office/powerpoint/2010/main" val="913925286"/>
       </p:ext>
     </p:extLst>
   </p:cSld>

--- a/互動式網頁_PPT總整理/排課11_Vue_01.pptx
+++ b/互動式網頁_PPT總整理/排課11_Vue_01.pptx
@@ -40,21 +40,20 @@
     <p:sldId id="366" r:id="rId34"/>
     <p:sldId id="367" r:id="rId35"/>
     <p:sldId id="368" r:id="rId36"/>
-    <p:sldId id="333" r:id="rId37"/>
   </p:sldIdLst>
   <p:sldSz cx="18288000" cy="10287000"/>
   <p:notesSz cx="6858000" cy="9144000"/>
   <p:embeddedFontLst>
     <p:embeddedFont>
       <p:font typeface="Calibri" panose="020F0502020204030204" pitchFamily="34" charset="0"/>
-      <p:regular r:id="rId38"/>
-      <p:bold r:id="rId39"/>
-      <p:italic r:id="rId40"/>
-      <p:boldItalic r:id="rId41"/>
+      <p:regular r:id="rId37"/>
+      <p:bold r:id="rId38"/>
+      <p:italic r:id="rId39"/>
+      <p:boldItalic r:id="rId40"/>
     </p:embeddedFont>
     <p:embeddedFont>
       <p:font typeface="標楷體" panose="03000509000000000000" pitchFamily="65" charset="-120"/>
-      <p:regular r:id="rId42"/>
+      <p:regular r:id="rId41"/>
     </p:embeddedFont>
   </p:embeddedFontLst>
   <p:defaultTextStyle>
@@ -363,7 +362,7 @@
             <a:fld id="{1D8BD707-D9CF-40AE-B4C6-C98DA3205C09}" type="datetimeFigureOut">
               <a:rPr lang="en-US" smtClean="0"/>
               <a:pPr/>
-              <a:t>1/22/2025</a:t>
+              <a:t>1/23/2025</a:t>
             </a:fld>
             <a:endParaRPr lang="en-US"/>
           </a:p>
@@ -528,7 +527,7 @@
             <a:fld id="{1D8BD707-D9CF-40AE-B4C6-C98DA3205C09}" type="datetimeFigureOut">
               <a:rPr lang="en-US" smtClean="0"/>
               <a:pPr/>
-              <a:t>1/22/2025</a:t>
+              <a:t>1/23/2025</a:t>
             </a:fld>
             <a:endParaRPr lang="en-US"/>
           </a:p>
@@ -703,7 +702,7 @@
             <a:fld id="{1D8BD707-D9CF-40AE-B4C6-C98DA3205C09}" type="datetimeFigureOut">
               <a:rPr lang="en-US" smtClean="0"/>
               <a:pPr/>
-              <a:t>1/22/2025</a:t>
+              <a:t>1/23/2025</a:t>
             </a:fld>
             <a:endParaRPr lang="en-US"/>
           </a:p>
@@ -868,7 +867,7 @@
             <a:fld id="{1D8BD707-D9CF-40AE-B4C6-C98DA3205C09}" type="datetimeFigureOut">
               <a:rPr lang="en-US" smtClean="0"/>
               <a:pPr/>
-              <a:t>1/22/2025</a:t>
+              <a:t>1/23/2025</a:t>
             </a:fld>
             <a:endParaRPr lang="en-US"/>
           </a:p>
@@ -1110,7 +1109,7 @@
             <a:fld id="{1D8BD707-D9CF-40AE-B4C6-C98DA3205C09}" type="datetimeFigureOut">
               <a:rPr lang="en-US" smtClean="0"/>
               <a:pPr/>
-              <a:t>1/22/2025</a:t>
+              <a:t>1/23/2025</a:t>
             </a:fld>
             <a:endParaRPr lang="en-US"/>
           </a:p>
@@ -1392,7 +1391,7 @@
             <a:fld id="{1D8BD707-D9CF-40AE-B4C6-C98DA3205C09}" type="datetimeFigureOut">
               <a:rPr lang="en-US" smtClean="0"/>
               <a:pPr/>
-              <a:t>1/22/2025</a:t>
+              <a:t>1/23/2025</a:t>
             </a:fld>
             <a:endParaRPr lang="en-US"/>
           </a:p>
@@ -1808,7 +1807,7 @@
             <a:fld id="{1D8BD707-D9CF-40AE-B4C6-C98DA3205C09}" type="datetimeFigureOut">
               <a:rPr lang="en-US" smtClean="0"/>
               <a:pPr/>
-              <a:t>1/22/2025</a:t>
+              <a:t>1/23/2025</a:t>
             </a:fld>
             <a:endParaRPr lang="en-US"/>
           </a:p>
@@ -1922,7 +1921,7 @@
             <a:fld id="{1D8BD707-D9CF-40AE-B4C6-C98DA3205C09}" type="datetimeFigureOut">
               <a:rPr lang="en-US" smtClean="0"/>
               <a:pPr/>
-              <a:t>1/22/2025</a:t>
+              <a:t>1/23/2025</a:t>
             </a:fld>
             <a:endParaRPr lang="en-US"/>
           </a:p>
@@ -2014,7 +2013,7 @@
             <a:fld id="{1D8BD707-D9CF-40AE-B4C6-C98DA3205C09}" type="datetimeFigureOut">
               <a:rPr lang="en-US" smtClean="0"/>
               <a:pPr/>
-              <a:t>1/22/2025</a:t>
+              <a:t>1/23/2025</a:t>
             </a:fld>
             <a:endParaRPr lang="en-US"/>
           </a:p>
@@ -2286,7 +2285,7 @@
             <a:fld id="{1D8BD707-D9CF-40AE-B4C6-C98DA3205C09}" type="datetimeFigureOut">
               <a:rPr lang="en-US" smtClean="0"/>
               <a:pPr/>
-              <a:t>1/22/2025</a:t>
+              <a:t>1/23/2025</a:t>
             </a:fld>
             <a:endParaRPr lang="en-US"/>
           </a:p>
@@ -2535,7 +2534,7 @@
             <a:fld id="{1D8BD707-D9CF-40AE-B4C6-C98DA3205C09}" type="datetimeFigureOut">
               <a:rPr lang="en-US" smtClean="0"/>
               <a:pPr/>
-              <a:t>1/22/2025</a:t>
+              <a:t>1/23/2025</a:t>
             </a:fld>
             <a:endParaRPr lang="en-US"/>
           </a:p>
@@ -2743,7 +2742,7 @@
             <a:fld id="{1D8BD707-D9CF-40AE-B4C6-C98DA3205C09}" type="datetimeFigureOut">
               <a:rPr lang="en-US" smtClean="0"/>
               <a:pPr/>
-              <a:t>1/22/2025</a:t>
+              <a:t>1/23/2025</a:t>
             </a:fld>
             <a:endParaRPr lang="en-US"/>
           </a:p>
@@ -25068,1310 +25067,6 @@
     <p:extLst>
       <p:ext uri="{BB962C8B-B14F-4D97-AF65-F5344CB8AC3E}">
         <p14:creationId xmlns:p14="http://schemas.microsoft.com/office/powerpoint/2010/main" val="2807967976"/>
-      </p:ext>
-    </p:extLst>
-  </p:cSld>
-  <p:clrMapOvr>
-    <a:masterClrMapping/>
-  </p:clrMapOvr>
-</p:sld>
-</file>
-
-<file path=ppt/slides/slide36.xml><?xml version="1.0" encoding="utf-8"?>
-<p:sld xmlns:a="http://schemas.openxmlformats.org/drawingml/2006/main" xmlns:r="http://schemas.openxmlformats.org/officeDocument/2006/relationships" xmlns:p="http://schemas.openxmlformats.org/presentationml/2006/main">
-  <p:cSld>
-    <p:spTree>
-      <p:nvGrpSpPr>
-        <p:cNvPr id="1" name=""/>
-        <p:cNvGrpSpPr/>
-        <p:nvPr/>
-      </p:nvGrpSpPr>
-      <p:grpSpPr>
-        <a:xfrm>
-          <a:off x="0" y="0"/>
-          <a:ext cx="0" cy="0"/>
-          <a:chOff x="0" y="0"/>
-          <a:chExt cx="0" cy="0"/>
-        </a:xfrm>
-      </p:grpSpPr>
-      <p:sp>
-        <p:nvSpPr>
-          <p:cNvPr id="27" name="TextBox 10">
-            <a:extLst>
-              <a:ext uri="{FF2B5EF4-FFF2-40B4-BE49-F238E27FC236}">
-                <a16:creationId xmlns:a16="http://schemas.microsoft.com/office/drawing/2014/main" id="{2A659F81-1ED8-4106-8C45-6A01D7DBC583}"/>
-              </a:ext>
-            </a:extLst>
-          </p:cNvPr>
-          <p:cNvSpPr txBox="1"/>
-          <p:nvPr/>
-        </p:nvSpPr>
-        <p:spPr>
-          <a:xfrm>
-            <a:off x="206912" y="1785472"/>
-            <a:ext cx="8141284" cy="1088055"/>
-          </a:xfrm>
-          <a:prstGeom prst="rect">
-            <a:avLst/>
-          </a:prstGeom>
-        </p:spPr>
-        <p:txBody>
-          <a:bodyPr wrap="square" lIns="0" tIns="0" rIns="0" bIns="0" rtlCol="0" anchor="t">
-            <a:spAutoFit/>
-          </a:bodyPr>
-          <a:lstStyle/>
-          <a:p>
-            <a:pPr marL="457200" indent="-457200" algn="l">
-              <a:lnSpc>
-                <a:spcPts val="4480"/>
-              </a:lnSpc>
-              <a:spcBef>
-                <a:spcPct val="0"/>
-              </a:spcBef>
-              <a:buFont typeface="Wingdings" panose="05000000000000000000" pitchFamily="2" charset="2"/>
-              <a:buChar char="v"/>
-            </a:pPr>
-            <a:r>
-              <a:rPr lang="zh-TW" altLang="en-US" sz="2600" dirty="0">
-                <a:latin typeface="Times New Roman" panose="02020603050405020304" pitchFamily="18" charset="0"/>
-                <a:ea typeface="標楷體" panose="03000509000000000000" pitchFamily="65" charset="-120"/>
-                <a:cs typeface="王漢宗顏楷體"/>
-                <a:sym typeface="王漢宗顏楷體"/>
-              </a:rPr>
-              <a:t>設定超連結顏色：</a:t>
-            </a:r>
-            <a:r>
-              <a:rPr lang="en-US" altLang="zh-TW" sz="2600" dirty="0">
-                <a:latin typeface="Times New Roman" panose="02020603050405020304" pitchFamily="18" charset="0"/>
-                <a:ea typeface="標楷體" panose="03000509000000000000" pitchFamily="65" charset="-120"/>
-                <a:cs typeface="王漢宗顏楷體"/>
-                <a:sym typeface="王漢宗顏楷體"/>
-              </a:rPr>
-              <a:t>link-underline-</a:t>
-            </a:r>
-            <a:r>
-              <a:rPr lang="zh-TW" altLang="en-US" sz="2600" dirty="0">
-                <a:latin typeface="Times New Roman" panose="02020603050405020304" pitchFamily="18" charset="0"/>
-                <a:ea typeface="標楷體" panose="03000509000000000000" pitchFamily="65" charset="-120"/>
-                <a:cs typeface="王漢宗顏楷體"/>
-                <a:sym typeface="王漢宗顏楷體"/>
-              </a:rPr>
-              <a:t>顏色</a:t>
-            </a:r>
-            <a:endParaRPr lang="en-US" altLang="zh-TW" sz="2600" dirty="0">
-              <a:latin typeface="Times New Roman" panose="02020603050405020304" pitchFamily="18" charset="0"/>
-              <a:ea typeface="標楷體" panose="03000509000000000000" pitchFamily="65" charset="-120"/>
-              <a:cs typeface="王漢宗顏楷體"/>
-              <a:sym typeface="王漢宗顏楷體"/>
-            </a:endParaRPr>
-          </a:p>
-          <a:p>
-            <a:pPr marL="457200" indent="-457200" algn="l">
-              <a:lnSpc>
-                <a:spcPts val="4480"/>
-              </a:lnSpc>
-              <a:spcBef>
-                <a:spcPct val="0"/>
-              </a:spcBef>
-              <a:buFont typeface="Wingdings" panose="05000000000000000000" pitchFamily="2" charset="2"/>
-              <a:buChar char="v"/>
-            </a:pPr>
-            <a:r>
-              <a:rPr lang="zh-TW" altLang="en-US" sz="2600" dirty="0">
-                <a:latin typeface="Times New Roman" panose="02020603050405020304" pitchFamily="18" charset="0"/>
-                <a:ea typeface="標楷體" panose="03000509000000000000" pitchFamily="65" charset="-120"/>
-                <a:cs typeface="王漢宗顏楷體"/>
-                <a:sym typeface="王漢宗顏楷體"/>
-              </a:rPr>
-              <a:t>設定超連結透明度</a:t>
-            </a:r>
-            <a:endParaRPr lang="en-US" altLang="zh-TW" sz="2600" dirty="0">
-              <a:latin typeface="Times New Roman" panose="02020603050405020304" pitchFamily="18" charset="0"/>
-              <a:ea typeface="標楷體" panose="03000509000000000000" pitchFamily="65" charset="-120"/>
-              <a:cs typeface="王漢宗顏楷體"/>
-              <a:sym typeface="王漢宗顏楷體"/>
-            </a:endParaRPr>
-          </a:p>
-        </p:txBody>
-      </p:sp>
-      <p:grpSp>
-        <p:nvGrpSpPr>
-          <p:cNvPr id="28" name="Group 2">
-            <a:extLst>
-              <a:ext uri="{FF2B5EF4-FFF2-40B4-BE49-F238E27FC236}">
-                <a16:creationId xmlns:a16="http://schemas.microsoft.com/office/drawing/2014/main" id="{C571510F-4237-4159-A25E-D023AAABD06D}"/>
-              </a:ext>
-            </a:extLst>
-          </p:cNvPr>
-          <p:cNvGrpSpPr/>
-          <p:nvPr/>
-        </p:nvGrpSpPr>
-        <p:grpSpPr>
-          <a:xfrm>
-            <a:off x="0" y="0"/>
-            <a:ext cx="18288000" cy="1691609"/>
-            <a:chOff x="0" y="0"/>
-            <a:chExt cx="4816593" cy="543967"/>
-          </a:xfrm>
-        </p:grpSpPr>
-        <p:sp>
-          <p:nvSpPr>
-            <p:cNvPr id="29" name="Freeform 3">
-              <a:extLst>
-                <a:ext uri="{FF2B5EF4-FFF2-40B4-BE49-F238E27FC236}">
-                  <a16:creationId xmlns:a16="http://schemas.microsoft.com/office/drawing/2014/main" id="{8558C2F7-92C9-4ED9-A7F6-36896AE39BAD}"/>
-                </a:ext>
-              </a:extLst>
-            </p:cNvPr>
-            <p:cNvSpPr/>
-            <p:nvPr/>
-          </p:nvSpPr>
-          <p:spPr>
-            <a:xfrm>
-              <a:off x="0" y="0"/>
-              <a:ext cx="4816592" cy="543967"/>
-            </a:xfrm>
-            <a:custGeom>
-              <a:avLst/>
-              <a:gdLst/>
-              <a:ahLst/>
-              <a:cxnLst/>
-              <a:rect l="l" t="t" r="r" b="b"/>
-              <a:pathLst>
-                <a:path w="4816592" h="543967">
-                  <a:moveTo>
-                    <a:pt x="0" y="0"/>
-                  </a:moveTo>
-                  <a:lnTo>
-                    <a:pt x="4816592" y="0"/>
-                  </a:lnTo>
-                  <a:lnTo>
-                    <a:pt x="4816592" y="543967"/>
-                  </a:lnTo>
-                  <a:lnTo>
-                    <a:pt x="0" y="543967"/>
-                  </a:lnTo>
-                  <a:close/>
-                </a:path>
-              </a:pathLst>
-            </a:custGeom>
-            <a:gradFill rotWithShape="1">
-              <a:gsLst>
-                <a:gs pos="0">
-                  <a:srgbClr val="B81B22">
-                    <a:alpha val="100000"/>
-                  </a:srgbClr>
-                </a:gs>
-                <a:gs pos="25000">
-                  <a:srgbClr val="B81B22">
-                    <a:alpha val="99500"/>
-                  </a:srgbClr>
-                </a:gs>
-                <a:gs pos="50000">
-                  <a:srgbClr val="E82A34">
-                    <a:alpha val="100000"/>
-                  </a:srgbClr>
-                </a:gs>
-                <a:gs pos="75000">
-                  <a:srgbClr val="F89DA1">
-                    <a:alpha val="100000"/>
-                  </a:srgbClr>
-                </a:gs>
-                <a:gs pos="100000">
-                  <a:srgbClr val="FFFFFF">
-                    <a:alpha val="99500"/>
-                  </a:srgbClr>
-                </a:gs>
-              </a:gsLst>
-              <a:lin ang="0"/>
-            </a:gradFill>
-          </p:spPr>
-        </p:sp>
-        <p:sp>
-          <p:nvSpPr>
-            <p:cNvPr id="30" name="TextBox 4">
-              <a:extLst>
-                <a:ext uri="{FF2B5EF4-FFF2-40B4-BE49-F238E27FC236}">
-                  <a16:creationId xmlns:a16="http://schemas.microsoft.com/office/drawing/2014/main" id="{CC107A00-22F6-47C1-AAF1-49AC9E4F1FE8}"/>
-                </a:ext>
-              </a:extLst>
-            </p:cNvPr>
-            <p:cNvSpPr txBox="1"/>
-            <p:nvPr/>
-          </p:nvSpPr>
-          <p:spPr>
-            <a:xfrm>
-              <a:off x="0" y="-47625"/>
-              <a:ext cx="4816593" cy="591592"/>
-            </a:xfrm>
-            <a:prstGeom prst="rect">
-              <a:avLst/>
-            </a:prstGeom>
-          </p:spPr>
-          <p:txBody>
-            <a:bodyPr lIns="50800" tIns="50800" rIns="50800" bIns="50800" rtlCol="0" anchor="ctr"/>
-            <a:lstStyle/>
-            <a:p>
-              <a:pPr algn="ctr">
-                <a:lnSpc>
-                  <a:spcPts val="2659"/>
-                </a:lnSpc>
-              </a:pPr>
-              <a:endParaRPr>
-                <a:latin typeface="Times New Roman" panose="02020603050405020304" pitchFamily="18" charset="0"/>
-                <a:ea typeface="標楷體" panose="03000509000000000000" pitchFamily="65" charset="-120"/>
-              </a:endParaRPr>
-            </a:p>
-          </p:txBody>
-        </p:sp>
-      </p:grpSp>
-      <p:sp>
-        <p:nvSpPr>
-          <p:cNvPr id="34" name="TextBox 8">
-            <a:extLst>
-              <a:ext uri="{FF2B5EF4-FFF2-40B4-BE49-F238E27FC236}">
-                <a16:creationId xmlns:a16="http://schemas.microsoft.com/office/drawing/2014/main" id="{6A6E9B8B-C857-4E5F-B514-20784942772F}"/>
-              </a:ext>
-            </a:extLst>
-          </p:cNvPr>
-          <p:cNvSpPr txBox="1"/>
-          <p:nvPr/>
-        </p:nvSpPr>
-        <p:spPr>
-          <a:xfrm>
-            <a:off x="304800" y="110995"/>
-            <a:ext cx="9571413" cy="1321516"/>
-          </a:xfrm>
-          <a:prstGeom prst="rect">
-            <a:avLst/>
-          </a:prstGeom>
-        </p:spPr>
-        <p:txBody>
-          <a:bodyPr wrap="square" lIns="0" tIns="0" rIns="0" bIns="0" rtlCol="0" anchor="t">
-            <a:spAutoFit/>
-          </a:bodyPr>
-          <a:lstStyle/>
-          <a:p>
-            <a:pPr algn="l">
-              <a:lnSpc>
-                <a:spcPts val="11200"/>
-              </a:lnSpc>
-              <a:spcBef>
-                <a:spcPct val="0"/>
-              </a:spcBef>
-            </a:pPr>
-            <a:r>
-              <a:rPr lang="en-US" altLang="zh-TW" sz="8000" dirty="0">
-                <a:solidFill>
-                  <a:srgbClr val="FFFFFF"/>
-                </a:solidFill>
-                <a:latin typeface="Times New Roman" panose="02020603050405020304" pitchFamily="18" charset="0"/>
-                <a:ea typeface="標楷體" panose="03000509000000000000" pitchFamily="65" charset="-120"/>
-                <a:cs typeface="Times New Roman" panose="02020603050405020304" pitchFamily="18" charset="0"/>
-                <a:sym typeface="王漢宗顏楷體"/>
-              </a:rPr>
-              <a:t>Vue.js </a:t>
-            </a:r>
-            <a:r>
-              <a:rPr lang="zh-TW" altLang="en-US" sz="8000" dirty="0">
-                <a:solidFill>
-                  <a:srgbClr val="FFFFFF"/>
-                </a:solidFill>
-                <a:latin typeface="Times New Roman" panose="02020603050405020304" pitchFamily="18" charset="0"/>
-                <a:ea typeface="標楷體" panose="03000509000000000000" pitchFamily="65" charset="-120"/>
-                <a:cs typeface="Times New Roman" panose="02020603050405020304" pitchFamily="18" charset="0"/>
-                <a:sym typeface="王漢宗顏楷體"/>
-              </a:rPr>
-              <a:t>介紹</a:t>
-            </a:r>
-            <a:endParaRPr lang="en-US" altLang="zh-TW" sz="8000" dirty="0">
-              <a:solidFill>
-                <a:srgbClr val="FFFFFF"/>
-              </a:solidFill>
-              <a:latin typeface="Times New Roman" panose="02020603050405020304" pitchFamily="18" charset="0"/>
-              <a:ea typeface="標楷體" panose="03000509000000000000" pitchFamily="65" charset="-120"/>
-              <a:cs typeface="Times New Roman" panose="02020603050405020304" pitchFamily="18" charset="0"/>
-              <a:sym typeface="王漢宗顏楷體"/>
-            </a:endParaRPr>
-          </a:p>
-        </p:txBody>
-      </p:sp>
-      <p:sp>
-        <p:nvSpPr>
-          <p:cNvPr id="7" name="文字方塊 6">
-            <a:extLst>
-              <a:ext uri="{FF2B5EF4-FFF2-40B4-BE49-F238E27FC236}">
-                <a16:creationId xmlns:a16="http://schemas.microsoft.com/office/drawing/2014/main" id="{F9B82ED9-4011-42B0-BD0E-2DBD1823CC7E}"/>
-              </a:ext>
-            </a:extLst>
-          </p:cNvPr>
-          <p:cNvSpPr txBox="1"/>
-          <p:nvPr/>
-        </p:nvSpPr>
-        <p:spPr>
-          <a:xfrm>
-            <a:off x="16383001" y="9685054"/>
-            <a:ext cx="1603830" cy="400110"/>
-          </a:xfrm>
-          <a:prstGeom prst="rect">
-            <a:avLst/>
-          </a:prstGeom>
-          <a:noFill/>
-        </p:spPr>
-        <p:txBody>
-          <a:bodyPr wrap="square">
-            <a:spAutoFit/>
-          </a:bodyPr>
-          <a:lstStyle/>
-          <a:p>
-            <a:r>
-              <a:rPr lang="en-US" altLang="zh-TW" sz="2000" dirty="0">
-                <a:latin typeface="Times New Roman" panose="02020603050405020304" pitchFamily="18" charset="0"/>
-                <a:ea typeface="標楷體" panose="03000509000000000000" pitchFamily="65" charset="-120"/>
-              </a:rPr>
-              <a:t>(</a:t>
-            </a:r>
-            <a:r>
-              <a:rPr lang="en-US" altLang="zh-TW" sz="2000" dirty="0">
-                <a:latin typeface="Times New Roman" panose="02020603050405020304" pitchFamily="18" charset="0"/>
-                <a:ea typeface="標楷體" panose="03000509000000000000" pitchFamily="65" charset="-120"/>
-                <a:cs typeface="王漢宗顏楷體"/>
-                <a:sym typeface="王漢宗顏楷體"/>
-              </a:rPr>
-              <a:t>Currying</a:t>
-            </a:r>
-            <a:r>
-              <a:rPr lang="en-US" altLang="zh-TW" sz="2000" dirty="0">
-                <a:latin typeface="Times New Roman" panose="02020603050405020304" pitchFamily="18" charset="0"/>
-                <a:ea typeface="標楷體" panose="03000509000000000000" pitchFamily="65" charset="-120"/>
-              </a:rPr>
-              <a:t>)</a:t>
-            </a:r>
-          </a:p>
-        </p:txBody>
-      </p:sp>
-      <p:sp>
-        <p:nvSpPr>
-          <p:cNvPr id="8" name="矩形 7">
-            <a:extLst>
-              <a:ext uri="{FF2B5EF4-FFF2-40B4-BE49-F238E27FC236}">
-                <a16:creationId xmlns:a16="http://schemas.microsoft.com/office/drawing/2014/main" id="{C9C7213D-FD7F-4560-90FF-2511E447CEB3}"/>
-              </a:ext>
-            </a:extLst>
-          </p:cNvPr>
-          <p:cNvSpPr/>
-          <p:nvPr/>
-        </p:nvSpPr>
-        <p:spPr>
-          <a:xfrm rot="10800000" flipV="1">
-            <a:off x="7620000" y="5989356"/>
-            <a:ext cx="2209800" cy="1243445"/>
-          </a:xfrm>
-          <a:prstGeom prst="rect">
-            <a:avLst/>
-          </a:prstGeom>
-          <a:solidFill>
-            <a:srgbClr val="FFD580"/>
-          </a:solidFill>
-          <a:ln>
-            <a:noFill/>
-          </a:ln>
-          <a:effectLst/>
-        </p:spPr>
-        <p:style>
-          <a:lnRef idx="1">
-            <a:schemeClr val="accent5"/>
-          </a:lnRef>
-          <a:fillRef idx="2">
-            <a:schemeClr val="accent5"/>
-          </a:fillRef>
-          <a:effectRef idx="1">
-            <a:schemeClr val="accent5"/>
-          </a:effectRef>
-          <a:fontRef idx="minor">
-            <a:schemeClr val="dk1"/>
-          </a:fontRef>
-        </p:style>
-        <p:txBody>
-          <a:bodyPr rtlCol="0" anchor="ctr"/>
-          <a:lstStyle/>
-          <a:p>
-            <a:pPr algn="ctr"/>
-            <a:endParaRPr lang="zh-TW" altLang="en-US" sz="2000">
-              <a:latin typeface="Times New Roman" panose="02020603050405020304" pitchFamily="18" charset="0"/>
-              <a:ea typeface="標楷體" panose="03000509000000000000" pitchFamily="65" charset="-120"/>
-            </a:endParaRPr>
-          </a:p>
-        </p:txBody>
-      </p:sp>
-      <p:sp>
-        <p:nvSpPr>
-          <p:cNvPr id="9" name="矩形 8">
-            <a:extLst>
-              <a:ext uri="{FF2B5EF4-FFF2-40B4-BE49-F238E27FC236}">
-                <a16:creationId xmlns:a16="http://schemas.microsoft.com/office/drawing/2014/main" id="{8C2A4EE7-8CC6-4972-93C5-E9E5C4506711}"/>
-              </a:ext>
-            </a:extLst>
-          </p:cNvPr>
-          <p:cNvSpPr/>
-          <p:nvPr/>
-        </p:nvSpPr>
-        <p:spPr>
-          <a:xfrm rot="10800000" flipV="1">
-            <a:off x="5043975" y="8822039"/>
-            <a:ext cx="2209800" cy="1243445"/>
-          </a:xfrm>
-          <a:prstGeom prst="rect">
-            <a:avLst/>
-          </a:prstGeom>
-          <a:solidFill>
-            <a:srgbClr val="9FDAF5"/>
-          </a:solidFill>
-          <a:ln>
-            <a:noFill/>
-          </a:ln>
-          <a:effectLst/>
-        </p:spPr>
-        <p:style>
-          <a:lnRef idx="1">
-            <a:schemeClr val="accent5"/>
-          </a:lnRef>
-          <a:fillRef idx="2">
-            <a:schemeClr val="accent5"/>
-          </a:fillRef>
-          <a:effectRef idx="1">
-            <a:schemeClr val="accent5"/>
-          </a:effectRef>
-          <a:fontRef idx="minor">
-            <a:schemeClr val="dk1"/>
-          </a:fontRef>
-        </p:style>
-        <p:txBody>
-          <a:bodyPr rtlCol="0" anchor="ctr"/>
-          <a:lstStyle/>
-          <a:p>
-            <a:pPr algn="ctr"/>
-            <a:endParaRPr lang="zh-TW" altLang="en-US" sz="2000">
-              <a:latin typeface="Times New Roman" panose="02020603050405020304" pitchFamily="18" charset="0"/>
-              <a:ea typeface="標楷體" panose="03000509000000000000" pitchFamily="65" charset="-120"/>
-            </a:endParaRPr>
-          </a:p>
-        </p:txBody>
-      </p:sp>
-      <p:sp>
-        <p:nvSpPr>
-          <p:cNvPr id="10" name="矩形 9">
-            <a:extLst>
-              <a:ext uri="{FF2B5EF4-FFF2-40B4-BE49-F238E27FC236}">
-                <a16:creationId xmlns:a16="http://schemas.microsoft.com/office/drawing/2014/main" id="{89D69731-C860-4BBF-8DCA-7EBBAA7328A3}"/>
-              </a:ext>
-            </a:extLst>
-          </p:cNvPr>
-          <p:cNvSpPr/>
-          <p:nvPr/>
-        </p:nvSpPr>
-        <p:spPr>
-          <a:xfrm rot="10800000" flipV="1">
-            <a:off x="2791606" y="5911424"/>
-            <a:ext cx="2209800" cy="1243445"/>
-          </a:xfrm>
-          <a:prstGeom prst="rect">
-            <a:avLst/>
-          </a:prstGeom>
-          <a:solidFill>
-            <a:srgbClr val="FCDFC0"/>
-          </a:solidFill>
-          <a:ln>
-            <a:noFill/>
-          </a:ln>
-          <a:effectLst/>
-        </p:spPr>
-        <p:style>
-          <a:lnRef idx="1">
-            <a:schemeClr val="accent5"/>
-          </a:lnRef>
-          <a:fillRef idx="2">
-            <a:schemeClr val="accent5"/>
-          </a:fillRef>
-          <a:effectRef idx="1">
-            <a:schemeClr val="accent5"/>
-          </a:effectRef>
-          <a:fontRef idx="minor">
-            <a:schemeClr val="dk1"/>
-          </a:fontRef>
-        </p:style>
-        <p:txBody>
-          <a:bodyPr rtlCol="0" anchor="ctr"/>
-          <a:lstStyle/>
-          <a:p>
-            <a:pPr algn="ctr"/>
-            <a:endParaRPr lang="zh-TW" altLang="en-US" sz="2000">
-              <a:latin typeface="Times New Roman" panose="02020603050405020304" pitchFamily="18" charset="0"/>
-              <a:ea typeface="標楷體" panose="03000509000000000000" pitchFamily="65" charset="-120"/>
-            </a:endParaRPr>
-          </a:p>
-        </p:txBody>
-      </p:sp>
-      <p:sp>
-        <p:nvSpPr>
-          <p:cNvPr id="11" name="矩形 10">
-            <a:extLst>
-              <a:ext uri="{FF2B5EF4-FFF2-40B4-BE49-F238E27FC236}">
-                <a16:creationId xmlns:a16="http://schemas.microsoft.com/office/drawing/2014/main" id="{E0FB2C7C-E865-4EB2-BA26-FC5EA136C2C1}"/>
-              </a:ext>
-            </a:extLst>
-          </p:cNvPr>
-          <p:cNvSpPr/>
-          <p:nvPr/>
-        </p:nvSpPr>
-        <p:spPr>
-          <a:xfrm rot="10800000" flipV="1">
-            <a:off x="2569877" y="8822039"/>
-            <a:ext cx="2209800" cy="1243445"/>
-          </a:xfrm>
-          <a:prstGeom prst="rect">
-            <a:avLst/>
-          </a:prstGeom>
-          <a:solidFill>
-            <a:srgbClr val="B1D5F7"/>
-          </a:solidFill>
-          <a:ln>
-            <a:noFill/>
-          </a:ln>
-          <a:effectLst/>
-        </p:spPr>
-        <p:style>
-          <a:lnRef idx="1">
-            <a:schemeClr val="accent5"/>
-          </a:lnRef>
-          <a:fillRef idx="2">
-            <a:schemeClr val="accent5"/>
-          </a:fillRef>
-          <a:effectRef idx="1">
-            <a:schemeClr val="accent5"/>
-          </a:effectRef>
-          <a:fontRef idx="minor">
-            <a:schemeClr val="dk1"/>
-          </a:fontRef>
-        </p:style>
-        <p:txBody>
-          <a:bodyPr rtlCol="0" anchor="ctr"/>
-          <a:lstStyle/>
-          <a:p>
-            <a:pPr algn="ctr"/>
-            <a:endParaRPr lang="zh-TW" altLang="en-US" sz="2000">
-              <a:latin typeface="Times New Roman" panose="02020603050405020304" pitchFamily="18" charset="0"/>
-              <a:ea typeface="標楷體" panose="03000509000000000000" pitchFamily="65" charset="-120"/>
-            </a:endParaRPr>
-          </a:p>
-        </p:txBody>
-      </p:sp>
-      <p:sp>
-        <p:nvSpPr>
-          <p:cNvPr id="12" name="矩形 11">
-            <a:extLst>
-              <a:ext uri="{FF2B5EF4-FFF2-40B4-BE49-F238E27FC236}">
-                <a16:creationId xmlns:a16="http://schemas.microsoft.com/office/drawing/2014/main" id="{F596A4AA-6818-4459-AB72-9EBB2BEE3D40}"/>
-              </a:ext>
-            </a:extLst>
-          </p:cNvPr>
-          <p:cNvSpPr/>
-          <p:nvPr/>
-        </p:nvSpPr>
-        <p:spPr>
-          <a:xfrm rot="10800000" flipV="1">
-            <a:off x="7582434" y="8808795"/>
-            <a:ext cx="2209800" cy="1243445"/>
-          </a:xfrm>
-          <a:prstGeom prst="rect">
-            <a:avLst/>
-          </a:prstGeom>
-          <a:solidFill>
-            <a:srgbClr val="64A9F6"/>
-          </a:solidFill>
-          <a:ln>
-            <a:noFill/>
-          </a:ln>
-          <a:effectLst/>
-        </p:spPr>
-        <p:style>
-          <a:lnRef idx="1">
-            <a:schemeClr val="accent5"/>
-          </a:lnRef>
-          <a:fillRef idx="2">
-            <a:schemeClr val="accent5"/>
-          </a:fillRef>
-          <a:effectRef idx="1">
-            <a:schemeClr val="accent5"/>
-          </a:effectRef>
-          <a:fontRef idx="minor">
-            <a:schemeClr val="dk1"/>
-          </a:fontRef>
-        </p:style>
-        <p:txBody>
-          <a:bodyPr rtlCol="0" anchor="ctr"/>
-          <a:lstStyle/>
-          <a:p>
-            <a:pPr algn="ctr"/>
-            <a:endParaRPr lang="zh-TW" altLang="en-US" sz="2000">
-              <a:latin typeface="Times New Roman" panose="02020603050405020304" pitchFamily="18" charset="0"/>
-              <a:ea typeface="標楷體" panose="03000509000000000000" pitchFamily="65" charset="-120"/>
-            </a:endParaRPr>
-          </a:p>
-        </p:txBody>
-      </p:sp>
-      <p:sp>
-        <p:nvSpPr>
-          <p:cNvPr id="13" name="矩形 12">
-            <a:extLst>
-              <a:ext uri="{FF2B5EF4-FFF2-40B4-BE49-F238E27FC236}">
-                <a16:creationId xmlns:a16="http://schemas.microsoft.com/office/drawing/2014/main" id="{6EDD8B8F-5331-4A1A-BDB8-1A1D68239314}"/>
-              </a:ext>
-            </a:extLst>
-          </p:cNvPr>
-          <p:cNvSpPr/>
-          <p:nvPr/>
-        </p:nvSpPr>
-        <p:spPr>
-          <a:xfrm rot="10800000" flipV="1">
-            <a:off x="381000" y="4513492"/>
-            <a:ext cx="2209800" cy="1243445"/>
-          </a:xfrm>
-          <a:prstGeom prst="rect">
-            <a:avLst/>
-          </a:prstGeom>
-          <a:solidFill>
-            <a:srgbClr val="FCEADB"/>
-          </a:solidFill>
-          <a:ln>
-            <a:noFill/>
-          </a:ln>
-          <a:effectLst/>
-        </p:spPr>
-        <p:style>
-          <a:lnRef idx="1">
-            <a:schemeClr val="accent5"/>
-          </a:lnRef>
-          <a:fillRef idx="2">
-            <a:schemeClr val="accent5"/>
-          </a:fillRef>
-          <a:effectRef idx="1">
-            <a:schemeClr val="accent5"/>
-          </a:effectRef>
-          <a:fontRef idx="minor">
-            <a:schemeClr val="dk1"/>
-          </a:fontRef>
-        </p:style>
-        <p:txBody>
-          <a:bodyPr rtlCol="0" anchor="ctr"/>
-          <a:lstStyle/>
-          <a:p>
-            <a:pPr algn="ctr"/>
-            <a:endParaRPr lang="zh-TW" altLang="en-US" sz="2000" dirty="0">
-              <a:latin typeface="Times New Roman" panose="02020603050405020304" pitchFamily="18" charset="0"/>
-              <a:ea typeface="標楷體" panose="03000509000000000000" pitchFamily="65" charset="-120"/>
-            </a:endParaRPr>
-          </a:p>
-        </p:txBody>
-      </p:sp>
-      <p:sp>
-        <p:nvSpPr>
-          <p:cNvPr id="14" name="矩形 13">
-            <a:extLst>
-              <a:ext uri="{FF2B5EF4-FFF2-40B4-BE49-F238E27FC236}">
-                <a16:creationId xmlns:a16="http://schemas.microsoft.com/office/drawing/2014/main" id="{82E8A0B7-4359-4AB9-B2AF-B8CC3227FD2F}"/>
-              </a:ext>
-            </a:extLst>
-          </p:cNvPr>
-          <p:cNvSpPr/>
-          <p:nvPr/>
-        </p:nvSpPr>
-        <p:spPr>
-          <a:xfrm rot="10800000" flipV="1">
-            <a:off x="2612409" y="7395512"/>
-            <a:ext cx="2209800" cy="1243445"/>
-          </a:xfrm>
-          <a:prstGeom prst="rect">
-            <a:avLst/>
-          </a:prstGeom>
-          <a:solidFill>
-            <a:srgbClr val="E2F0D7"/>
-          </a:solidFill>
-          <a:ln>
-            <a:noFill/>
-          </a:ln>
-          <a:effectLst/>
-        </p:spPr>
-        <p:style>
-          <a:lnRef idx="1">
-            <a:schemeClr val="accent5"/>
-          </a:lnRef>
-          <a:fillRef idx="2">
-            <a:schemeClr val="accent5"/>
-          </a:fillRef>
-          <a:effectRef idx="1">
-            <a:schemeClr val="accent5"/>
-          </a:effectRef>
-          <a:fontRef idx="minor">
-            <a:schemeClr val="dk1"/>
-          </a:fontRef>
-        </p:style>
-        <p:txBody>
-          <a:bodyPr rtlCol="0" anchor="ctr"/>
-          <a:lstStyle/>
-          <a:p>
-            <a:pPr algn="ctr"/>
-            <a:endParaRPr lang="zh-TW" altLang="en-US" sz="2000">
-              <a:latin typeface="Times New Roman" panose="02020603050405020304" pitchFamily="18" charset="0"/>
-              <a:ea typeface="標楷體" panose="03000509000000000000" pitchFamily="65" charset="-120"/>
-            </a:endParaRPr>
-          </a:p>
-        </p:txBody>
-      </p:sp>
-      <p:sp>
-        <p:nvSpPr>
-          <p:cNvPr id="15" name="矩形 14">
-            <a:extLst>
-              <a:ext uri="{FF2B5EF4-FFF2-40B4-BE49-F238E27FC236}">
-                <a16:creationId xmlns:a16="http://schemas.microsoft.com/office/drawing/2014/main" id="{DBB5E27D-EC81-459A-880E-A44A7656E14F}"/>
-              </a:ext>
-            </a:extLst>
-          </p:cNvPr>
-          <p:cNvSpPr/>
-          <p:nvPr/>
-        </p:nvSpPr>
-        <p:spPr>
-          <a:xfrm rot="10800000" flipV="1">
-            <a:off x="7582434" y="7367780"/>
-            <a:ext cx="2209800" cy="1243445"/>
-          </a:xfrm>
-          <a:prstGeom prst="rect">
-            <a:avLst/>
-          </a:prstGeom>
-          <a:solidFill>
-            <a:srgbClr val="D0F4DE"/>
-          </a:solidFill>
-          <a:ln>
-            <a:noFill/>
-          </a:ln>
-          <a:effectLst/>
-        </p:spPr>
-        <p:style>
-          <a:lnRef idx="1">
-            <a:schemeClr val="accent5"/>
-          </a:lnRef>
-          <a:fillRef idx="2">
-            <a:schemeClr val="accent5"/>
-          </a:fillRef>
-          <a:effectRef idx="1">
-            <a:schemeClr val="accent5"/>
-          </a:effectRef>
-          <a:fontRef idx="minor">
-            <a:schemeClr val="dk1"/>
-          </a:fontRef>
-        </p:style>
-        <p:txBody>
-          <a:bodyPr rtlCol="0" anchor="ctr"/>
-          <a:lstStyle/>
-          <a:p>
-            <a:pPr algn="ctr"/>
-            <a:endParaRPr lang="zh-TW" altLang="en-US" sz="2000">
-              <a:latin typeface="Times New Roman" panose="02020603050405020304" pitchFamily="18" charset="0"/>
-              <a:ea typeface="標楷體" panose="03000509000000000000" pitchFamily="65" charset="-120"/>
-            </a:endParaRPr>
-          </a:p>
-        </p:txBody>
-      </p:sp>
-      <p:sp>
-        <p:nvSpPr>
-          <p:cNvPr id="16" name="矩形 15">
-            <a:extLst>
-              <a:ext uri="{FF2B5EF4-FFF2-40B4-BE49-F238E27FC236}">
-                <a16:creationId xmlns:a16="http://schemas.microsoft.com/office/drawing/2014/main" id="{4B2B8C41-6D4A-4B8A-8205-7A36836ABE71}"/>
-              </a:ext>
-            </a:extLst>
-          </p:cNvPr>
-          <p:cNvSpPr/>
-          <p:nvPr/>
-        </p:nvSpPr>
-        <p:spPr>
-          <a:xfrm rot="10800000" flipV="1">
-            <a:off x="5079643" y="7367779"/>
-            <a:ext cx="2209800" cy="1243445"/>
-          </a:xfrm>
-          <a:prstGeom prst="rect">
-            <a:avLst/>
-          </a:prstGeom>
-          <a:solidFill>
-            <a:srgbClr val="94D2BD"/>
-          </a:solidFill>
-          <a:ln>
-            <a:noFill/>
-          </a:ln>
-          <a:effectLst/>
-        </p:spPr>
-        <p:style>
-          <a:lnRef idx="1">
-            <a:schemeClr val="accent5"/>
-          </a:lnRef>
-          <a:fillRef idx="2">
-            <a:schemeClr val="accent5"/>
-          </a:fillRef>
-          <a:effectRef idx="1">
-            <a:schemeClr val="accent5"/>
-          </a:effectRef>
-          <a:fontRef idx="minor">
-            <a:schemeClr val="dk1"/>
-          </a:fontRef>
-        </p:style>
-        <p:txBody>
-          <a:bodyPr rtlCol="0" anchor="ctr"/>
-          <a:lstStyle/>
-          <a:p>
-            <a:pPr algn="ctr"/>
-            <a:endParaRPr lang="zh-TW" altLang="en-US" sz="2000">
-              <a:latin typeface="Times New Roman" panose="02020603050405020304" pitchFamily="18" charset="0"/>
-              <a:ea typeface="標楷體" panose="03000509000000000000" pitchFamily="65" charset="-120"/>
-            </a:endParaRPr>
-          </a:p>
-        </p:txBody>
-      </p:sp>
-      <p:sp>
-        <p:nvSpPr>
-          <p:cNvPr id="17" name="矩形 16">
-            <a:extLst>
-              <a:ext uri="{FF2B5EF4-FFF2-40B4-BE49-F238E27FC236}">
-                <a16:creationId xmlns:a16="http://schemas.microsoft.com/office/drawing/2014/main" id="{D6F89379-A7F1-453E-8D55-2B84474F465E}"/>
-              </a:ext>
-            </a:extLst>
-          </p:cNvPr>
-          <p:cNvSpPr/>
-          <p:nvPr/>
-        </p:nvSpPr>
-        <p:spPr>
-          <a:xfrm rot="10800000" flipV="1">
-            <a:off x="10044486" y="5989356"/>
-            <a:ext cx="2209800" cy="1243445"/>
-          </a:xfrm>
-          <a:prstGeom prst="rect">
-            <a:avLst/>
-          </a:prstGeom>
-          <a:solidFill>
-            <a:srgbClr val="FCC4FB"/>
-          </a:solidFill>
-          <a:ln>
-            <a:noFill/>
-          </a:ln>
-          <a:effectLst/>
-        </p:spPr>
-        <p:style>
-          <a:lnRef idx="1">
-            <a:schemeClr val="accent5"/>
-          </a:lnRef>
-          <a:fillRef idx="2">
-            <a:schemeClr val="accent5"/>
-          </a:fillRef>
-          <a:effectRef idx="1">
-            <a:schemeClr val="accent5"/>
-          </a:effectRef>
-          <a:fontRef idx="minor">
-            <a:schemeClr val="dk1"/>
-          </a:fontRef>
-        </p:style>
-        <p:txBody>
-          <a:bodyPr rtlCol="0" anchor="ctr"/>
-          <a:lstStyle/>
-          <a:p>
-            <a:pPr algn="ctr"/>
-            <a:endParaRPr lang="zh-TW" altLang="en-US" sz="2000">
-              <a:latin typeface="Times New Roman" panose="02020603050405020304" pitchFamily="18" charset="0"/>
-              <a:ea typeface="標楷體" panose="03000509000000000000" pitchFamily="65" charset="-120"/>
-            </a:endParaRPr>
-          </a:p>
-        </p:txBody>
-      </p:sp>
-      <p:sp>
-        <p:nvSpPr>
-          <p:cNvPr id="18" name="矩形 17">
-            <a:extLst>
-              <a:ext uri="{FF2B5EF4-FFF2-40B4-BE49-F238E27FC236}">
-                <a16:creationId xmlns:a16="http://schemas.microsoft.com/office/drawing/2014/main" id="{84F18C9A-2725-4FB0-BEBE-3ADB973F4389}"/>
-              </a:ext>
-            </a:extLst>
-          </p:cNvPr>
-          <p:cNvSpPr/>
-          <p:nvPr/>
-        </p:nvSpPr>
-        <p:spPr>
-          <a:xfrm rot="10800000" flipV="1">
-            <a:off x="10085224" y="7444861"/>
-            <a:ext cx="2209800" cy="1243445"/>
-          </a:xfrm>
-          <a:prstGeom prst="rect">
-            <a:avLst/>
-          </a:prstGeom>
-          <a:solidFill>
-            <a:srgbClr val="E7C6FF"/>
-          </a:solidFill>
-          <a:ln>
-            <a:noFill/>
-          </a:ln>
-          <a:effectLst/>
-        </p:spPr>
-        <p:style>
-          <a:lnRef idx="1">
-            <a:schemeClr val="accent5"/>
-          </a:lnRef>
-          <a:fillRef idx="2">
-            <a:schemeClr val="accent5"/>
-          </a:fillRef>
-          <a:effectRef idx="1">
-            <a:schemeClr val="accent5"/>
-          </a:effectRef>
-          <a:fontRef idx="minor">
-            <a:schemeClr val="dk1"/>
-          </a:fontRef>
-        </p:style>
-        <p:txBody>
-          <a:bodyPr rtlCol="0" anchor="ctr"/>
-          <a:lstStyle/>
-          <a:p>
-            <a:pPr algn="ctr"/>
-            <a:endParaRPr lang="zh-TW" altLang="en-US" sz="2000" dirty="0">
-              <a:latin typeface="Times New Roman" panose="02020603050405020304" pitchFamily="18" charset="0"/>
-              <a:ea typeface="標楷體" panose="03000509000000000000" pitchFamily="65" charset="-120"/>
-            </a:endParaRPr>
-          </a:p>
-        </p:txBody>
-      </p:sp>
-      <p:sp>
-        <p:nvSpPr>
-          <p:cNvPr id="19" name="矩形 18">
-            <a:extLst>
-              <a:ext uri="{FF2B5EF4-FFF2-40B4-BE49-F238E27FC236}">
-                <a16:creationId xmlns:a16="http://schemas.microsoft.com/office/drawing/2014/main" id="{B96AB3F1-5187-4085-8FDC-71EF0DDB59FB}"/>
-              </a:ext>
-            </a:extLst>
-          </p:cNvPr>
-          <p:cNvSpPr/>
-          <p:nvPr/>
-        </p:nvSpPr>
-        <p:spPr>
-          <a:xfrm rot="10800000" flipV="1">
-            <a:off x="10044486" y="8853054"/>
-            <a:ext cx="2209800" cy="1243445"/>
-          </a:xfrm>
-          <a:prstGeom prst="rect">
-            <a:avLst/>
-          </a:prstGeom>
-          <a:solidFill>
-            <a:srgbClr val="C8B6FF"/>
-          </a:solidFill>
-          <a:ln>
-            <a:noFill/>
-          </a:ln>
-          <a:effectLst/>
-        </p:spPr>
-        <p:style>
-          <a:lnRef idx="1">
-            <a:schemeClr val="accent5"/>
-          </a:lnRef>
-          <a:fillRef idx="2">
-            <a:schemeClr val="accent5"/>
-          </a:fillRef>
-          <a:effectRef idx="1">
-            <a:schemeClr val="accent5"/>
-          </a:effectRef>
-          <a:fontRef idx="minor">
-            <a:schemeClr val="dk1"/>
-          </a:fontRef>
-        </p:style>
-        <p:txBody>
-          <a:bodyPr rtlCol="0" anchor="ctr"/>
-          <a:lstStyle/>
-          <a:p>
-            <a:pPr algn="ctr"/>
-            <a:endParaRPr lang="zh-TW" altLang="en-US" sz="2000">
-              <a:latin typeface="Times New Roman" panose="02020603050405020304" pitchFamily="18" charset="0"/>
-              <a:ea typeface="標楷體" panose="03000509000000000000" pitchFamily="65" charset="-120"/>
-            </a:endParaRPr>
-          </a:p>
-        </p:txBody>
-      </p:sp>
-      <p:sp>
-        <p:nvSpPr>
-          <p:cNvPr id="20" name="矩形 19">
-            <a:extLst>
-              <a:ext uri="{FF2B5EF4-FFF2-40B4-BE49-F238E27FC236}">
-                <a16:creationId xmlns:a16="http://schemas.microsoft.com/office/drawing/2014/main" id="{EA93FBFE-8524-4125-B206-DDBC00C66DAD}"/>
-              </a:ext>
-            </a:extLst>
-          </p:cNvPr>
-          <p:cNvSpPr/>
-          <p:nvPr/>
-        </p:nvSpPr>
-        <p:spPr>
-          <a:xfrm rot="10800000" flipV="1">
-            <a:off x="2791607" y="4526417"/>
-            <a:ext cx="2209800" cy="1243445"/>
-          </a:xfrm>
-          <a:prstGeom prst="rect">
-            <a:avLst/>
-          </a:prstGeom>
-          <a:solidFill>
-            <a:srgbClr val="FFD5C4"/>
-          </a:solidFill>
-          <a:ln>
-            <a:noFill/>
-          </a:ln>
-          <a:effectLst/>
-        </p:spPr>
-        <p:style>
-          <a:lnRef idx="1">
-            <a:schemeClr val="accent5"/>
-          </a:lnRef>
-          <a:fillRef idx="2">
-            <a:schemeClr val="accent5"/>
-          </a:fillRef>
-          <a:effectRef idx="1">
-            <a:schemeClr val="accent5"/>
-          </a:effectRef>
-          <a:fontRef idx="minor">
-            <a:schemeClr val="dk1"/>
-          </a:fontRef>
-        </p:style>
-        <p:txBody>
-          <a:bodyPr rtlCol="0" anchor="ctr"/>
-          <a:lstStyle/>
-          <a:p>
-            <a:pPr algn="ctr"/>
-            <a:endParaRPr lang="zh-TW" altLang="en-US" sz="2000">
-              <a:latin typeface="Times New Roman" panose="02020603050405020304" pitchFamily="18" charset="0"/>
-              <a:ea typeface="標楷體" panose="03000509000000000000" pitchFamily="65" charset="-120"/>
-            </a:endParaRPr>
-          </a:p>
-        </p:txBody>
-      </p:sp>
-      <p:sp>
-        <p:nvSpPr>
-          <p:cNvPr id="21" name="矩形 20">
-            <a:extLst>
-              <a:ext uri="{FF2B5EF4-FFF2-40B4-BE49-F238E27FC236}">
-                <a16:creationId xmlns:a16="http://schemas.microsoft.com/office/drawing/2014/main" id="{A5D10856-8B79-40EF-A778-3BDA28A54FF1}"/>
-              </a:ext>
-            </a:extLst>
-          </p:cNvPr>
-          <p:cNvSpPr/>
-          <p:nvPr/>
-        </p:nvSpPr>
-        <p:spPr>
-          <a:xfrm rot="10800000" flipV="1">
-            <a:off x="5178329" y="5989355"/>
-            <a:ext cx="2209800" cy="1243445"/>
-          </a:xfrm>
-          <a:prstGeom prst="rect">
-            <a:avLst/>
-          </a:prstGeom>
-          <a:solidFill>
-            <a:srgbClr val="FBECA2"/>
-          </a:solidFill>
-          <a:ln>
-            <a:noFill/>
-          </a:ln>
-          <a:effectLst/>
-        </p:spPr>
-        <p:style>
-          <a:lnRef idx="1">
-            <a:schemeClr val="accent5"/>
-          </a:lnRef>
-          <a:fillRef idx="2">
-            <a:schemeClr val="accent5"/>
-          </a:fillRef>
-          <a:effectRef idx="1">
-            <a:schemeClr val="accent5"/>
-          </a:effectRef>
-          <a:fontRef idx="minor">
-            <a:schemeClr val="dk1"/>
-          </a:fontRef>
-        </p:style>
-        <p:txBody>
-          <a:bodyPr rtlCol="0" anchor="ctr"/>
-          <a:lstStyle/>
-          <a:p>
-            <a:pPr algn="ctr"/>
-            <a:endParaRPr lang="zh-TW" altLang="en-US" sz="2000">
-              <a:latin typeface="Times New Roman" panose="02020603050405020304" pitchFamily="18" charset="0"/>
-              <a:ea typeface="標楷體" panose="03000509000000000000" pitchFamily="65" charset="-120"/>
-            </a:endParaRPr>
-          </a:p>
-        </p:txBody>
-      </p:sp>
-      <p:sp>
-        <p:nvSpPr>
-          <p:cNvPr id="23" name="矩形 22">
-            <a:extLst>
-              <a:ext uri="{FF2B5EF4-FFF2-40B4-BE49-F238E27FC236}">
-                <a16:creationId xmlns:a16="http://schemas.microsoft.com/office/drawing/2014/main" id="{343A44BF-0FFC-4E09-A541-411644B4B582}"/>
-              </a:ext>
-            </a:extLst>
-          </p:cNvPr>
-          <p:cNvSpPr/>
-          <p:nvPr/>
-        </p:nvSpPr>
-        <p:spPr>
-          <a:xfrm rot="10800000" flipV="1">
-            <a:off x="5202213" y="4548340"/>
-            <a:ext cx="2209800" cy="1243445"/>
-          </a:xfrm>
-          <a:prstGeom prst="rect">
-            <a:avLst/>
-          </a:prstGeom>
-          <a:solidFill>
-            <a:srgbClr val="FFE5EC"/>
-          </a:solidFill>
-          <a:ln>
-            <a:noFill/>
-          </a:ln>
-          <a:effectLst/>
-        </p:spPr>
-        <p:style>
-          <a:lnRef idx="1">
-            <a:schemeClr val="accent5"/>
-          </a:lnRef>
-          <a:fillRef idx="2">
-            <a:schemeClr val="accent5"/>
-          </a:fillRef>
-          <a:effectRef idx="1">
-            <a:schemeClr val="accent5"/>
-          </a:effectRef>
-          <a:fontRef idx="minor">
-            <a:schemeClr val="dk1"/>
-          </a:fontRef>
-        </p:style>
-        <p:txBody>
-          <a:bodyPr rtlCol="0" anchor="ctr"/>
-          <a:lstStyle/>
-          <a:p>
-            <a:pPr algn="ctr"/>
-            <a:endParaRPr lang="zh-TW" altLang="en-US" sz="2000">
-              <a:latin typeface="Times New Roman" panose="02020603050405020304" pitchFamily="18" charset="0"/>
-              <a:ea typeface="標楷體" panose="03000509000000000000" pitchFamily="65" charset="-120"/>
-            </a:endParaRPr>
-          </a:p>
-        </p:txBody>
-      </p:sp>
-      <p:sp>
-        <p:nvSpPr>
-          <p:cNvPr id="24" name="矩形 23">
-            <a:extLst>
-              <a:ext uri="{FF2B5EF4-FFF2-40B4-BE49-F238E27FC236}">
-                <a16:creationId xmlns:a16="http://schemas.microsoft.com/office/drawing/2014/main" id="{BCB47E33-DBFF-4A41-A5FD-3FB12B8C6F73}"/>
-              </a:ext>
-            </a:extLst>
-          </p:cNvPr>
-          <p:cNvSpPr/>
-          <p:nvPr/>
-        </p:nvSpPr>
-        <p:spPr>
-          <a:xfrm rot="10800000" flipV="1">
-            <a:off x="10008093" y="4533850"/>
-            <a:ext cx="2209800" cy="1243445"/>
-          </a:xfrm>
-          <a:prstGeom prst="rect">
-            <a:avLst/>
-          </a:prstGeom>
-          <a:solidFill>
-            <a:srgbClr val="FFC2D1"/>
-          </a:solidFill>
-          <a:ln>
-            <a:noFill/>
-          </a:ln>
-          <a:effectLst/>
-        </p:spPr>
-        <p:style>
-          <a:lnRef idx="1">
-            <a:schemeClr val="accent5"/>
-          </a:lnRef>
-          <a:fillRef idx="2">
-            <a:schemeClr val="accent5"/>
-          </a:fillRef>
-          <a:effectRef idx="1">
-            <a:schemeClr val="accent5"/>
-          </a:effectRef>
-          <a:fontRef idx="minor">
-            <a:schemeClr val="dk1"/>
-          </a:fontRef>
-        </p:style>
-        <p:txBody>
-          <a:bodyPr rtlCol="0" anchor="ctr"/>
-          <a:lstStyle/>
-          <a:p>
-            <a:pPr algn="ctr"/>
-            <a:endParaRPr lang="zh-TW" altLang="en-US" sz="2000">
-              <a:latin typeface="Times New Roman" panose="02020603050405020304" pitchFamily="18" charset="0"/>
-              <a:ea typeface="標楷體" panose="03000509000000000000" pitchFamily="65" charset="-120"/>
-            </a:endParaRPr>
-          </a:p>
-        </p:txBody>
-      </p:sp>
-      <p:sp>
-        <p:nvSpPr>
-          <p:cNvPr id="25" name="矩形 24">
-            <a:extLst>
-              <a:ext uri="{FF2B5EF4-FFF2-40B4-BE49-F238E27FC236}">
-                <a16:creationId xmlns:a16="http://schemas.microsoft.com/office/drawing/2014/main" id="{A275AF48-13DF-40A8-9974-69AAED811F1F}"/>
-              </a:ext>
-            </a:extLst>
-          </p:cNvPr>
-          <p:cNvSpPr/>
-          <p:nvPr/>
-        </p:nvSpPr>
-        <p:spPr>
-          <a:xfrm rot="10800000" flipV="1">
-            <a:off x="7605153" y="4548341"/>
-            <a:ext cx="2209800" cy="1243445"/>
-          </a:xfrm>
-          <a:prstGeom prst="rect">
-            <a:avLst/>
-          </a:prstGeom>
-          <a:solidFill>
-            <a:srgbClr val="FFB3C6"/>
-          </a:solidFill>
-          <a:ln>
-            <a:noFill/>
-          </a:ln>
-          <a:effectLst/>
-        </p:spPr>
-        <p:style>
-          <a:lnRef idx="1">
-            <a:schemeClr val="accent5"/>
-          </a:lnRef>
-          <a:fillRef idx="2">
-            <a:schemeClr val="accent5"/>
-          </a:fillRef>
-          <a:effectRef idx="1">
-            <a:schemeClr val="accent5"/>
-          </a:effectRef>
-          <a:fontRef idx="minor">
-            <a:schemeClr val="dk1"/>
-          </a:fontRef>
-        </p:style>
-        <p:txBody>
-          <a:bodyPr rtlCol="0" anchor="ctr"/>
-          <a:lstStyle/>
-          <a:p>
-            <a:pPr algn="ctr"/>
-            <a:endParaRPr lang="zh-TW" altLang="en-US" sz="2000">
-              <a:latin typeface="Times New Roman" panose="02020603050405020304" pitchFamily="18" charset="0"/>
-              <a:ea typeface="標楷體" panose="03000509000000000000" pitchFamily="65" charset="-120"/>
-            </a:endParaRPr>
-          </a:p>
-        </p:txBody>
-      </p:sp>
-    </p:spTree>
-    <p:extLst>
-      <p:ext uri="{BB962C8B-B14F-4D97-AF65-F5344CB8AC3E}">
-        <p14:creationId xmlns:p14="http://schemas.microsoft.com/office/powerpoint/2010/main" val="913925286"/>
       </p:ext>
     </p:extLst>
   </p:cSld>
